--- a/slides/02_Basics.pptx
+++ b/slides/02_Basics.pptx
@@ -5,34 +5,35 @@
     <p:sldMasterId id="2147483648" r:id="rId1"/>
   </p:sldMasterIdLst>
   <p:notesMasterIdLst>
-    <p:notesMasterId r:id="rId27"/>
+    <p:notesMasterId r:id="rId28"/>
   </p:notesMasterIdLst>
   <p:sldIdLst>
     <p:sldId id="256" r:id="rId2"/>
     <p:sldId id="300" r:id="rId3"/>
     <p:sldId id="293" r:id="rId4"/>
-    <p:sldId id="292" r:id="rId5"/>
-    <p:sldId id="266" r:id="rId6"/>
-    <p:sldId id="296" r:id="rId7"/>
-    <p:sldId id="297" r:id="rId8"/>
-    <p:sldId id="295" r:id="rId9"/>
-    <p:sldId id="298" r:id="rId10"/>
-    <p:sldId id="299" r:id="rId11"/>
-    <p:sldId id="301" r:id="rId12"/>
-    <p:sldId id="302" r:id="rId13"/>
+    <p:sldId id="266" r:id="rId5"/>
+    <p:sldId id="296" r:id="rId6"/>
+    <p:sldId id="297" r:id="rId7"/>
+    <p:sldId id="321" r:id="rId8"/>
+    <p:sldId id="322" r:id="rId9"/>
+    <p:sldId id="301" r:id="rId10"/>
+    <p:sldId id="317" r:id="rId11"/>
+    <p:sldId id="316" r:id="rId12"/>
+    <p:sldId id="315" r:id="rId13"/>
     <p:sldId id="303" r:id="rId14"/>
-    <p:sldId id="312" r:id="rId15"/>
-    <p:sldId id="304" r:id="rId16"/>
-    <p:sldId id="305" r:id="rId17"/>
-    <p:sldId id="313" r:id="rId18"/>
-    <p:sldId id="314" r:id="rId19"/>
-    <p:sldId id="306" r:id="rId20"/>
-    <p:sldId id="307" r:id="rId21"/>
+    <p:sldId id="304" r:id="rId15"/>
+    <p:sldId id="320" r:id="rId16"/>
+    <p:sldId id="309" r:id="rId17"/>
+    <p:sldId id="318" r:id="rId18"/>
+    <p:sldId id="305" r:id="rId19"/>
+    <p:sldId id="313" r:id="rId20"/>
+    <p:sldId id="314" r:id="rId21"/>
     <p:sldId id="308" r:id="rId22"/>
     <p:sldId id="311" r:id="rId23"/>
-    <p:sldId id="309" r:id="rId24"/>
-    <p:sldId id="310" r:id="rId25"/>
-    <p:sldId id="291" r:id="rId26"/>
+    <p:sldId id="319" r:id="rId24"/>
+    <p:sldId id="323" r:id="rId25"/>
+    <p:sldId id="324" r:id="rId26"/>
+    <p:sldId id="291" r:id="rId27"/>
   </p:sldIdLst>
   <p:sldSz cx="24384000" cy="13716000"/>
   <p:notesSz cx="6858000" cy="9144000"/>
@@ -2109,143 +2110,100 @@
           <a:chExt cx="0" cy="0"/>
         </a:xfrm>
       </p:grpSpPr>
-      <p:sp>
-        <p:nvSpPr>
-          <p:cNvPr id="3" name="Textplatzhalter 2">
+      <p:pic>
+        <p:nvPicPr>
+          <p:cNvPr id="3" name="Picture 2">
             <a:extLst>
               <a:ext uri="{FF2B5EF4-FFF2-40B4-BE49-F238E27FC236}">
-                <a16:creationId xmlns:a16="http://schemas.microsoft.com/office/drawing/2014/main" id="{FC67FD76-A797-C5C9-FD38-3403A894939A}"/>
+                <a16:creationId xmlns:a16="http://schemas.microsoft.com/office/drawing/2014/main" id="{BC10F370-BAA3-390F-ACA0-B5FC901FD30E}"/>
               </a:ext>
             </a:extLst>
           </p:cNvPr>
-          <p:cNvSpPr>
-            <a:spLocks noGrp="1"/>
-          </p:cNvSpPr>
-          <p:nvPr>
-            <p:ph type="body" sz="half" idx="4294967295"/>
-          </p:nvPr>
-        </p:nvSpPr>
+          <p:cNvPicPr>
+            <a:picLocks noChangeAspect="1"/>
+          </p:cNvPicPr>
+          <p:nvPr/>
+        </p:nvPicPr>
+        <p:blipFill>
+          <a:blip r:embed="rId2"/>
+          <a:stretch>
+            <a:fillRect/>
+          </a:stretch>
+        </p:blipFill>
         <p:spPr>
           <a:xfrm>
-            <a:off x="1689100" y="2209800"/>
-            <a:ext cx="21005800" cy="9296400"/>
+            <a:off x="15497431" y="275866"/>
+            <a:ext cx="7772400" cy="6510528"/>
           </a:xfrm>
+          <a:prstGeom prst="rect">
+            <a:avLst/>
+          </a:prstGeom>
         </p:spPr>
-        <p:txBody>
-          <a:bodyPr>
-            <a:noAutofit/>
-          </a:bodyPr>
-          <a:lstStyle/>
-          <a:p>
-            <a:pPr>
-              <a:lnSpc>
-                <a:spcPct val="120000"/>
-              </a:lnSpc>
-              <a:spcBef>
-                <a:spcPts val="0"/>
-              </a:spcBef>
-            </a:pPr>
-            <a:r>
-              <a:rPr lang="en-US" sz="4800" dirty="0">
-                <a:latin typeface="+mn-lt"/>
-              </a:rPr>
-              <a:t>Google maintains separate release notes at https://developer.android.com/jetpack/androidx/versions</a:t>
-            </a:r>
-          </a:p>
-          <a:p>
-            <a:pPr>
-              <a:lnSpc>
-                <a:spcPct val="120000"/>
-              </a:lnSpc>
-              <a:spcBef>
-                <a:spcPts val="0"/>
-              </a:spcBef>
-            </a:pPr>
-            <a:r>
-              <a:rPr lang="en-US" sz="4800" dirty="0">
-                <a:latin typeface="+mn-lt"/>
-              </a:rPr>
-              <a:t>To find out what‘s new…</a:t>
-            </a:r>
-          </a:p>
-          <a:p>
-            <a:pPr lvl="1">
-              <a:lnSpc>
-                <a:spcPct val="120000"/>
-              </a:lnSpc>
-              <a:spcBef>
-                <a:spcPts val="0"/>
-              </a:spcBef>
-            </a:pPr>
-            <a:r>
-              <a:rPr lang="en-US" dirty="0">
-                <a:latin typeface="+mn-lt"/>
-              </a:rPr>
-              <a:t>read them 😎</a:t>
-            </a:r>
-          </a:p>
-          <a:p>
-            <a:pPr lvl="1">
-              <a:lnSpc>
-                <a:spcPct val="120000"/>
-              </a:lnSpc>
-              <a:spcBef>
-                <a:spcPts val="0"/>
-              </a:spcBef>
-            </a:pPr>
-            <a:r>
-              <a:rPr lang="en-US" dirty="0">
-                <a:latin typeface="+mn-lt"/>
-              </a:rPr>
-              <a:t>read official summary</a:t>
-            </a:r>
-          </a:p>
-          <a:p>
-            <a:pPr lvl="2">
-              <a:lnSpc>
-                <a:spcPct val="120000"/>
-              </a:lnSpc>
-              <a:spcBef>
-                <a:spcPts val="0"/>
-              </a:spcBef>
-            </a:pPr>
-            <a:r>
-              <a:rPr lang="en-US" dirty="0">
-                <a:latin typeface="+mn-lt"/>
-                <a:hlinkClick r:id="rId2"/>
-              </a:rPr>
-              <a:t>https://android-developers.googleblog.com/2022/02/jetpack-compose-11-now-stable.html</a:t>
-            </a:r>
-            <a:endParaRPr lang="en-US" dirty="0">
-              <a:latin typeface="+mn-lt"/>
-            </a:endParaRPr>
-          </a:p>
-          <a:p>
-            <a:pPr lvl="2">
-              <a:lnSpc>
-                <a:spcPct val="120000"/>
-              </a:lnSpc>
-              <a:spcBef>
-                <a:spcPts val="0"/>
-              </a:spcBef>
-            </a:pPr>
-            <a:r>
-              <a:rPr lang="en-US" dirty="0">
-                <a:latin typeface="+mn-lt"/>
-                <a:hlinkClick r:id="rId3"/>
-              </a:rPr>
-              <a:t>https://android-developers.googleblog.com/2022/07/jetpack-compose-1-2-is-now-stable.html</a:t>
-            </a:r>
-            <a:endParaRPr lang="en-US" dirty="0">
-              <a:latin typeface="+mn-lt"/>
-            </a:endParaRPr>
-          </a:p>
-        </p:txBody>
-      </p:sp>
+      </p:pic>
+      <p:pic>
+        <p:nvPicPr>
+          <p:cNvPr id="4" name="Picture 3">
+            <a:extLst>
+              <a:ext uri="{FF2B5EF4-FFF2-40B4-BE49-F238E27FC236}">
+                <a16:creationId xmlns:a16="http://schemas.microsoft.com/office/drawing/2014/main" id="{C50425E2-14DB-AC77-233D-19EBACDA6A28}"/>
+              </a:ext>
+            </a:extLst>
+          </p:cNvPr>
+          <p:cNvPicPr>
+            <a:picLocks noChangeAspect="1"/>
+          </p:cNvPicPr>
+          <p:nvPr/>
+        </p:nvPicPr>
+        <p:blipFill>
+          <a:blip r:embed="rId3"/>
+          <a:stretch>
+            <a:fillRect/>
+          </a:stretch>
+        </p:blipFill>
+        <p:spPr>
+          <a:xfrm>
+            <a:off x="1893675" y="275866"/>
+            <a:ext cx="13343238" cy="13164267"/>
+          </a:xfrm>
+          <a:prstGeom prst="rect">
+            <a:avLst/>
+          </a:prstGeom>
+        </p:spPr>
+      </p:pic>
+      <p:pic>
+        <p:nvPicPr>
+          <p:cNvPr id="5" name="Picture 4">
+            <a:extLst>
+              <a:ext uri="{FF2B5EF4-FFF2-40B4-BE49-F238E27FC236}">
+                <a16:creationId xmlns:a16="http://schemas.microsoft.com/office/drawing/2014/main" id="{52BDF1FC-CA73-AE29-B1A7-C017C6CC9AFE}"/>
+              </a:ext>
+            </a:extLst>
+          </p:cNvPr>
+          <p:cNvPicPr>
+            <a:picLocks noChangeAspect="1"/>
+          </p:cNvPicPr>
+          <p:nvPr/>
+        </p:nvPicPr>
+        <p:blipFill>
+          <a:blip r:embed="rId4"/>
+          <a:stretch>
+            <a:fillRect/>
+          </a:stretch>
+        </p:blipFill>
+        <p:spPr>
+          <a:xfrm>
+            <a:off x="15497431" y="6929607"/>
+            <a:ext cx="7772400" cy="2216677"/>
+          </a:xfrm>
+          <a:prstGeom prst="rect">
+            <a:avLst/>
+          </a:prstGeom>
+        </p:spPr>
+      </p:pic>
     </p:spTree>
     <p:extLst>
       <p:ext uri="{BB962C8B-B14F-4D97-AF65-F5344CB8AC3E}">
-        <p14:creationId xmlns:p14="http://schemas.microsoft.com/office/powerpoint/2010/main" val="40665375"/>
+        <p14:creationId xmlns:p14="http://schemas.microsoft.com/office/powerpoint/2010/main" val="2794197917"/>
       </p:ext>
     </p:extLst>
   </p:cSld>
@@ -2277,187 +2235,38 @@
       </p:grpSpPr>
       <p:pic>
         <p:nvPicPr>
-          <p:cNvPr id="1026" name="Picture 2" descr="time lapse photography of man jumping on waterfalls">
+          <p:cNvPr id="4" name="Picture 3">
             <a:extLst>
               <a:ext uri="{FF2B5EF4-FFF2-40B4-BE49-F238E27FC236}">
-                <a16:creationId xmlns:a16="http://schemas.microsoft.com/office/drawing/2014/main" id="{4AE11ED8-6553-7934-F52C-19E80D84C7E1}"/>
+                <a16:creationId xmlns:a16="http://schemas.microsoft.com/office/drawing/2014/main" id="{1F8FE6F8-679F-1B81-E0F5-2AFEE69EE510}"/>
               </a:ext>
             </a:extLst>
           </p:cNvPr>
           <p:cNvPicPr>
-            <a:picLocks noChangeAspect="1" noChangeArrowheads="1"/>
+            <a:picLocks noChangeAspect="1"/>
           </p:cNvPicPr>
           <p:nvPr/>
         </p:nvPicPr>
-        <p:blipFill rotWithShape="1">
-          <a:blip r:embed="rId2" cstate="print">
-            <a:extLst>
-              <a:ext uri="{28A0092B-C50C-407E-A947-70E740481C1C}">
-                <a14:useLocalDpi xmlns:a14="http://schemas.microsoft.com/office/drawing/2010/main" val="0"/>
-              </a:ext>
-            </a:extLst>
-          </a:blip>
-          <a:srcRect/>
-          <a:stretch/>
+        <p:blipFill>
+          <a:blip r:embed="rId2"/>
+          <a:stretch>
+            <a:fillRect/>
+          </a:stretch>
         </p:blipFill>
-        <p:spPr bwMode="auto">
+        <p:spPr>
           <a:xfrm>
-            <a:off x="0" y="0"/>
-            <a:ext cx="24384000" cy="13716000"/>
+            <a:off x="4758381" y="2764123"/>
+            <a:ext cx="14867238" cy="8187754"/>
           </a:xfrm>
           <a:prstGeom prst="rect">
             <a:avLst/>
           </a:prstGeom>
-          <a:noFill/>
-          <a:extLst>
-            <a:ext uri="{909E8E84-426E-40DD-AFC4-6F175D3DCCD1}">
-              <a14:hiddenFill xmlns:a14="http://schemas.microsoft.com/office/drawing/2010/main">
-                <a:solidFill>
-                  <a:srgbClr val="FFFFFF"/>
-                </a:solidFill>
-              </a14:hiddenFill>
-            </a:ext>
-          </a:extLst>
         </p:spPr>
       </p:pic>
-      <p:sp>
-        <p:nvSpPr>
-          <p:cNvPr id="5" name="https://unsplash.com/photos/QgeIMfZJgFs">
-            <a:extLst>
-              <a:ext uri="{FF2B5EF4-FFF2-40B4-BE49-F238E27FC236}">
-                <a16:creationId xmlns:a16="http://schemas.microsoft.com/office/drawing/2014/main" id="{6669B472-53BF-39E2-CA2C-E7E98A2833AE}"/>
-              </a:ext>
-            </a:extLst>
-          </p:cNvPr>
-          <p:cNvSpPr txBox="1"/>
-          <p:nvPr/>
-        </p:nvSpPr>
-        <p:spPr>
-          <a:xfrm>
-            <a:off x="0" y="13155550"/>
-            <a:ext cx="8890000" cy="560450"/>
-          </a:xfrm>
-          <a:prstGeom prst="rect">
-            <a:avLst/>
-          </a:prstGeom>
-          <a:ln w="12700">
-            <a:miter lim="400000"/>
-          </a:ln>
-          <a:extLst>
-            <a:ext uri="{C572A759-6A51-4108-AA02-DFA0A04FC94B}">
-              <ma14:wrappingTextBoxFlag xmlns="" xmlns:m="http://schemas.openxmlformats.org/officeDocument/2006/math" xmlns:a14="http://schemas.microsoft.com/office/drawing/2010/main" xmlns:ma14="http://schemas.microsoft.com/office/mac/drawingml/2011/main" val="1"/>
-            </a:ext>
-          </a:extLst>
-        </p:spPr>
-        <p:txBody>
-          <a:bodyPr lIns="50800" tIns="50800" rIns="50800" bIns="50800" anchor="ctr">
-            <a:spAutoFit/>
-          </a:bodyPr>
-          <a:lstStyle>
-            <a:lvl1pPr algn="r">
-              <a:defRPr>
-                <a:solidFill>
-                  <a:srgbClr val="FFFFFF"/>
-                </a:solidFill>
-              </a:defRPr>
-            </a:lvl1pPr>
-          </a:lstStyle>
-          <a:p>
-            <a:pPr algn="l"/>
-            <a:r>
-              <a:rPr lang="de-DE" dirty="0"/>
-              <a:t>https://unsplash.com/photos/Q5ZjqF6Wd3k</a:t>
-            </a:r>
-            <a:endParaRPr dirty="0"/>
-          </a:p>
-        </p:txBody>
-      </p:sp>
-      <p:sp>
-        <p:nvSpPr>
-          <p:cNvPr id="6" name="Textfeld 5">
-            <a:extLst>
-              <a:ext uri="{FF2B5EF4-FFF2-40B4-BE49-F238E27FC236}">
-                <a16:creationId xmlns:a16="http://schemas.microsoft.com/office/drawing/2014/main" id="{A68F2C5C-C46B-9B87-E410-2E57F77A68AA}"/>
-              </a:ext>
-            </a:extLst>
-          </p:cNvPr>
-          <p:cNvSpPr txBox="1"/>
-          <p:nvPr/>
-        </p:nvSpPr>
-        <p:spPr>
-          <a:xfrm>
-            <a:off x="972444" y="2291171"/>
-            <a:ext cx="6602770" cy="1579920"/>
-          </a:xfrm>
-          <a:prstGeom prst="rect">
-            <a:avLst/>
-          </a:prstGeom>
-          <a:noFill/>
-          <a:ln w="12700" cap="flat">
-            <a:noFill/>
-            <a:miter lim="400000"/>
-          </a:ln>
-          <a:effectLst/>
-          <a:sp3d/>
-        </p:spPr>
-        <p:style>
-          <a:lnRef idx="0">
-            <a:scrgbClr r="0" g="0" b="0"/>
-          </a:lnRef>
-          <a:fillRef idx="0">
-            <a:scrgbClr r="0" g="0" b="0"/>
-          </a:fillRef>
-          <a:effectRef idx="0">
-            <a:scrgbClr r="0" g="0" b="0"/>
-          </a:effectRef>
-          <a:fontRef idx="none"/>
-        </p:style>
-        <p:txBody>
-          <a:bodyPr rot="0" spcFirstLastPara="1" vertOverflow="overflow" horzOverflow="overflow" vert="horz" wrap="none" lIns="50800" tIns="50800" rIns="50800" bIns="50800" numCol="1" spcCol="38100" rtlCol="0" anchor="ctr">
-            <a:spAutoFit/>
-          </a:bodyPr>
-          <a:lstStyle/>
-          <a:p>
-            <a:pPr marL="0" marR="0" indent="0" algn="ctr" defTabSz="825500" rtl="0" fontAlgn="auto" latinLnBrk="0" hangingPunct="0">
-              <a:lnSpc>
-                <a:spcPct val="100000"/>
-              </a:lnSpc>
-              <a:spcBef>
-                <a:spcPts val="0"/>
-              </a:spcBef>
-              <a:spcAft>
-                <a:spcPts val="0"/>
-              </a:spcAft>
-              <a:buClrTx/>
-              <a:buSzTx/>
-              <a:buFontTx/>
-              <a:buNone/>
-              <a:tabLst/>
-            </a:pPr>
-            <a:r>
-              <a:rPr kumimoji="0" lang="en-US" sz="9600" b="0" i="0" u="none" strike="noStrike" cap="none" spc="0" normalizeH="0" baseline="0" dirty="0">
-                <a:ln>
-                  <a:noFill/>
-                </a:ln>
-                <a:solidFill>
-                  <a:schemeClr val="bg1"/>
-                </a:solidFill>
-                <a:effectLst/>
-                <a:uFillTx/>
-                <a:latin typeface="+mj-lt"/>
-                <a:ea typeface="Helvetica Neue"/>
-                <a:cs typeface="Helvetica Neue"/>
-                <a:sym typeface="Helvetica Neue"/>
-              </a:rPr>
-              <a:t>Let‘s dive in</a:t>
-            </a:r>
-          </a:p>
-        </p:txBody>
-      </p:sp>
     </p:spTree>
     <p:extLst>
       <p:ext uri="{BB962C8B-B14F-4D97-AF65-F5344CB8AC3E}">
-        <p14:creationId xmlns:p14="http://schemas.microsoft.com/office/powerpoint/2010/main" val="3012939646"/>
+        <p14:creationId xmlns:p14="http://schemas.microsoft.com/office/powerpoint/2010/main" val="722257188"/>
       </p:ext>
     </p:extLst>
   </p:cSld>
@@ -2489,10 +2298,10 @@
       </p:grpSpPr>
       <p:pic>
         <p:nvPicPr>
-          <p:cNvPr id="3" name="Grafik 2">
+          <p:cNvPr id="2" name="Picture 1">
             <a:extLst>
               <a:ext uri="{FF2B5EF4-FFF2-40B4-BE49-F238E27FC236}">
-                <a16:creationId xmlns:a16="http://schemas.microsoft.com/office/drawing/2014/main" id="{458986B5-6024-F80A-8D7D-C733C5D37BA3}"/>
+                <a16:creationId xmlns:a16="http://schemas.microsoft.com/office/drawing/2014/main" id="{F302A5FD-03ED-9B3B-264B-4F4C1A9889AE}"/>
               </a:ext>
             </a:extLst>
           </p:cNvPr>
@@ -2502,89 +2311,27 @@
           <p:nvPr/>
         </p:nvPicPr>
         <p:blipFill>
-          <a:blip r:embed="rId2">
-            <a:extLst>
-              <a:ext uri="{28A0092B-C50C-407E-A947-70E740481C1C}">
-                <a14:useLocalDpi xmlns:a14="http://schemas.microsoft.com/office/drawing/2010/main" val="0"/>
-              </a:ext>
-            </a:extLst>
-          </a:blip>
+          <a:blip r:embed="rId2"/>
           <a:stretch>
             <a:fillRect/>
           </a:stretch>
         </p:blipFill>
         <p:spPr>
           <a:xfrm>
-            <a:off x="1548848" y="1001368"/>
-            <a:ext cx="18856416" cy="6949936"/>
+            <a:off x="3506230" y="2285118"/>
+            <a:ext cx="17371540" cy="9145764"/>
           </a:xfrm>
           <a:prstGeom prst="rect">
             <a:avLst/>
           </a:prstGeom>
-          <a:ln>
-            <a:noFill/>
-          </a:ln>
-          <a:effectLst>
-            <a:outerShdw blurRad="292100" dist="139700" dir="2700000" algn="tl" rotWithShape="0">
-              <a:srgbClr val="333333">
-                <a:alpha val="65000"/>
-              </a:srgbClr>
-            </a:outerShdw>
-          </a:effectLst>
-        </p:spPr>
-      </p:pic>
-      <p:pic>
-        <p:nvPicPr>
-          <p:cNvPr id="5" name="Grafik 4">
-            <a:extLst>
-              <a:ext uri="{FF2B5EF4-FFF2-40B4-BE49-F238E27FC236}">
-                <a16:creationId xmlns:a16="http://schemas.microsoft.com/office/drawing/2014/main" id="{ECB435BC-534E-3040-1FFE-16F8388AB039}"/>
-              </a:ext>
-            </a:extLst>
-          </p:cNvPr>
-          <p:cNvPicPr>
-            <a:picLocks noChangeAspect="1"/>
-          </p:cNvPicPr>
-          <p:nvPr/>
-        </p:nvPicPr>
-        <p:blipFill>
-          <a:blip r:embed="rId3">
-            <a:extLst>
-              <a:ext uri="{28A0092B-C50C-407E-A947-70E740481C1C}">
-                <a14:useLocalDpi xmlns:a14="http://schemas.microsoft.com/office/drawing/2010/main" val="0"/>
-              </a:ext>
-            </a:extLst>
-          </a:blip>
-          <a:stretch>
-            <a:fillRect/>
-          </a:stretch>
-        </p:blipFill>
-        <p:spPr>
-          <a:xfrm>
-            <a:off x="14670158" y="8545738"/>
-            <a:ext cx="8973612" cy="3500973"/>
-          </a:xfrm>
-          <a:prstGeom prst="rect">
-            <a:avLst/>
-          </a:prstGeom>
-          <a:ln>
-            <a:noFill/>
-          </a:ln>
-          <a:effectLst>
-            <a:outerShdw blurRad="292100" dist="139700" dir="2700000" algn="tl" rotWithShape="0">
-              <a:srgbClr val="333333">
-                <a:alpha val="65000"/>
-              </a:srgbClr>
-            </a:outerShdw>
-          </a:effectLst>
         </p:spPr>
       </p:pic>
       <p:sp>
         <p:nvSpPr>
-          <p:cNvPr id="6" name="Abgerundete rechteckige Legende 4">
+          <p:cNvPr id="3" name="Abgerundete rechteckige Legende 4">
             <a:extLst>
               <a:ext uri="{FF2B5EF4-FFF2-40B4-BE49-F238E27FC236}">
-                <a16:creationId xmlns:a16="http://schemas.microsoft.com/office/drawing/2014/main" id="{A6833EDD-E3DD-1669-FE12-FE61E54700EA}"/>
+                <a16:creationId xmlns:a16="http://schemas.microsoft.com/office/drawing/2014/main" id="{589E8490-62BF-BD97-1B26-B0EC91C514EB}"/>
               </a:ext>
             </a:extLst>
           </p:cNvPr>
@@ -2593,13 +2340,13 @@
         </p:nvSpPr>
         <p:spPr>
           <a:xfrm>
-            <a:off x="7209728" y="2723322"/>
+            <a:off x="10906897" y="2525626"/>
             <a:ext cx="7534656" cy="755904"/>
           </a:xfrm>
           <a:prstGeom prst="wedgeRoundRectCallout">
             <a:avLst>
-              <a:gd name="adj1" fmla="val -74515"/>
-              <a:gd name="adj2" fmla="val 18368"/>
+              <a:gd name="adj1" fmla="val -95507"/>
+              <a:gd name="adj2" fmla="val 129527"/>
               <a:gd name="adj3" fmla="val 16667"/>
             </a:avLst>
           </a:prstGeom>
@@ -2640,10 +2387,10 @@
       </p:sp>
       <p:sp>
         <p:nvSpPr>
-          <p:cNvPr id="7" name="Abgerundete rechteckige Legende 4">
+          <p:cNvPr id="4" name="Abgerundete rechteckige Legende 4">
             <a:extLst>
               <a:ext uri="{FF2B5EF4-FFF2-40B4-BE49-F238E27FC236}">
-                <a16:creationId xmlns:a16="http://schemas.microsoft.com/office/drawing/2014/main" id="{DE6D3DCC-EC5E-2683-1784-61ED2E292586}"/>
+                <a16:creationId xmlns:a16="http://schemas.microsoft.com/office/drawing/2014/main" id="{9611842E-AC25-3085-13F9-499C8B9C4EAB}"/>
               </a:ext>
             </a:extLst>
           </p:cNvPr>
@@ -2652,13 +2399,13 @@
         </p:nvSpPr>
         <p:spPr>
           <a:xfrm>
-            <a:off x="563763" y="8446346"/>
+            <a:off x="10906897" y="3720523"/>
             <a:ext cx="7534656" cy="755904"/>
           </a:xfrm>
           <a:prstGeom prst="wedgeRoundRectCallout">
             <a:avLst>
-              <a:gd name="adj1" fmla="val -4338"/>
-              <a:gd name="adj2" fmla="val -523357"/>
+              <a:gd name="adj1" fmla="val -103721"/>
+              <a:gd name="adj2" fmla="val 32441"/>
               <a:gd name="adj3" fmla="val 16667"/>
             </a:avLst>
           </a:prstGeom>
@@ -2692,17 +2439,17 @@
                   <a:schemeClr val="tx1"/>
                 </a:solidFill>
               </a:rPr>
-              <a:t>and invokes another composable function</a:t>
+              <a:t>Composable functions can be previewed</a:t>
             </a:r>
           </a:p>
         </p:txBody>
       </p:sp>
       <p:sp>
         <p:nvSpPr>
-          <p:cNvPr id="8" name="Abgerundete rechteckige Legende 4">
+          <p:cNvPr id="5" name="Abgerundete rechteckige Legende 4">
             <a:extLst>
               <a:ext uri="{FF2B5EF4-FFF2-40B4-BE49-F238E27FC236}">
-                <a16:creationId xmlns:a16="http://schemas.microsoft.com/office/drawing/2014/main" id="{753D4B08-3C34-20BE-7FC3-0E2BB734953F}"/>
+                <a16:creationId xmlns:a16="http://schemas.microsoft.com/office/drawing/2014/main" id="{1CD13384-366D-D0EB-2E2B-9D6D6E78A061}"/>
               </a:ext>
             </a:extLst>
           </p:cNvPr>
@@ -2711,13 +2458,13 @@
         </p:nvSpPr>
         <p:spPr>
           <a:xfrm>
-            <a:off x="8389172" y="8446346"/>
-            <a:ext cx="4472063" cy="755904"/>
+            <a:off x="13613868" y="7603567"/>
+            <a:ext cx="9655369" cy="755904"/>
           </a:xfrm>
           <a:prstGeom prst="wedgeRoundRectCallout">
             <a:avLst>
-              <a:gd name="adj1" fmla="val -92793"/>
-              <a:gd name="adj2" fmla="val -531246"/>
+              <a:gd name="adj1" fmla="val -111585"/>
+              <a:gd name="adj2" fmla="val 32441"/>
               <a:gd name="adj3" fmla="val 16667"/>
             </a:avLst>
           </a:prstGeom>
@@ -2746,248 +2493,20 @@
           <a:p>
             <a:pPr algn="ctr"/>
             <a:r>
+              <a:rPr lang="en-GB" sz="2800" b="0" dirty="0" err="1">
+                <a:solidFill>
+                  <a:schemeClr val="tx1"/>
+                </a:solidFill>
+              </a:rPr>
+              <a:t>Composables</a:t>
+            </a:r>
+            <a:r>
               <a:rPr lang="en-GB" sz="2800" b="0" dirty="0">
                 <a:solidFill>
                   <a:schemeClr val="tx1"/>
                 </a:solidFill>
               </a:rPr>
-              <a:t>with one parameter</a:t>
-            </a:r>
-          </a:p>
-        </p:txBody>
-      </p:sp>
-      <p:sp>
-        <p:nvSpPr>
-          <p:cNvPr id="9" name="Abgerundete rechteckige Legende 4">
-            <a:extLst>
-              <a:ext uri="{FF2B5EF4-FFF2-40B4-BE49-F238E27FC236}">
-                <a16:creationId xmlns:a16="http://schemas.microsoft.com/office/drawing/2014/main" id="{E9690076-8E65-56A9-8819-0D14195D682C}"/>
-              </a:ext>
-            </a:extLst>
-          </p:cNvPr>
-          <p:cNvSpPr/>
-          <p:nvPr/>
-        </p:nvSpPr>
-        <p:spPr>
-          <a:xfrm>
-            <a:off x="16446493" y="3720432"/>
-            <a:ext cx="7534656" cy="755904"/>
-          </a:xfrm>
-          <a:prstGeom prst="wedgeRoundRectCallout">
-            <a:avLst>
-              <a:gd name="adj1" fmla="val -73724"/>
-              <a:gd name="adj2" fmla="val -40"/>
-              <a:gd name="adj3" fmla="val 16667"/>
-            </a:avLst>
-          </a:prstGeom>
-          <a:ln>
-            <a:headEnd type="none" w="med" len="med"/>
-            <a:tailEnd type="none" w="med" len="med"/>
-          </a:ln>
-        </p:spPr>
-        <p:style>
-          <a:lnRef idx="1">
-            <a:schemeClr val="dk1"/>
-          </a:lnRef>
-          <a:fillRef idx="2">
-            <a:schemeClr val="dk1"/>
-          </a:fillRef>
-          <a:effectRef idx="1">
-            <a:schemeClr val="dk1"/>
-          </a:effectRef>
-          <a:fontRef idx="minor">
-            <a:schemeClr val="dk1"/>
-          </a:fontRef>
-        </p:style>
-        <p:txBody>
-          <a:bodyPr rtlCol="0" anchor="ctr"/>
-          <a:lstStyle/>
-          <a:p>
-            <a:pPr algn="ctr"/>
-            <a:r>
-              <a:rPr lang="en-GB" sz="2800" b="0" dirty="0">
-                <a:solidFill>
-                  <a:schemeClr val="tx1"/>
-                </a:solidFill>
-              </a:rPr>
-              <a:t>defines a state</a:t>
-            </a:r>
-          </a:p>
-        </p:txBody>
-      </p:sp>
-      <p:sp>
-        <p:nvSpPr>
-          <p:cNvPr id="2" name="Abgerundete rechteckige Legende 4">
-            <a:extLst>
-              <a:ext uri="{FF2B5EF4-FFF2-40B4-BE49-F238E27FC236}">
-                <a16:creationId xmlns:a16="http://schemas.microsoft.com/office/drawing/2014/main" id="{E08E2A6A-2269-E3A0-D4EE-74C7B1204FE7}"/>
-              </a:ext>
-            </a:extLst>
-          </p:cNvPr>
-          <p:cNvSpPr/>
-          <p:nvPr/>
-        </p:nvSpPr>
-        <p:spPr>
-          <a:xfrm>
-            <a:off x="7209728" y="1669289"/>
-            <a:ext cx="7534656" cy="755904"/>
-          </a:xfrm>
-          <a:prstGeom prst="wedgeRoundRectCallout">
-            <a:avLst>
-              <a:gd name="adj1" fmla="val -77153"/>
-              <a:gd name="adj2" fmla="val 81482"/>
-              <a:gd name="adj3" fmla="val 16667"/>
-            </a:avLst>
-          </a:prstGeom>
-          <a:ln>
-            <a:headEnd type="none" w="med" len="med"/>
-            <a:tailEnd type="none" w="med" len="med"/>
-          </a:ln>
-        </p:spPr>
-        <p:style>
-          <a:lnRef idx="1">
-            <a:schemeClr val="dk1"/>
-          </a:lnRef>
-          <a:fillRef idx="2">
-            <a:schemeClr val="dk1"/>
-          </a:fillRef>
-          <a:effectRef idx="1">
-            <a:schemeClr val="dk1"/>
-          </a:effectRef>
-          <a:fontRef idx="minor">
-            <a:schemeClr val="dk1"/>
-          </a:fontRef>
-        </p:style>
-        <p:txBody>
-          <a:bodyPr rtlCol="0" anchor="ctr"/>
-          <a:lstStyle/>
-          <a:p>
-            <a:pPr algn="ctr"/>
-            <a:r>
-              <a:rPr lang="en-GB" sz="2800" b="0" dirty="0">
-                <a:solidFill>
-                  <a:schemeClr val="tx1"/>
-                </a:solidFill>
-              </a:rPr>
-              <a:t>Composable functions can be previewed</a:t>
-            </a:r>
-          </a:p>
-        </p:txBody>
-      </p:sp>
-      <p:sp>
-        <p:nvSpPr>
-          <p:cNvPr id="4" name="Abgerundete rechteckige Legende 4">
-            <a:extLst>
-              <a:ext uri="{FF2B5EF4-FFF2-40B4-BE49-F238E27FC236}">
-                <a16:creationId xmlns:a16="http://schemas.microsoft.com/office/drawing/2014/main" id="{6A79047F-2FED-E6E9-9A9F-724479BC858F}"/>
-              </a:ext>
-            </a:extLst>
-          </p:cNvPr>
-          <p:cNvSpPr/>
-          <p:nvPr/>
-        </p:nvSpPr>
-        <p:spPr>
-          <a:xfrm>
-            <a:off x="2463713" y="10236774"/>
-            <a:ext cx="7534656" cy="755904"/>
-          </a:xfrm>
-          <a:prstGeom prst="wedgeRoundRectCallout">
-            <a:avLst>
-              <a:gd name="adj1" fmla="val 167675"/>
-              <a:gd name="adj2" fmla="val -86821"/>
-              <a:gd name="adj3" fmla="val 16667"/>
-            </a:avLst>
-          </a:prstGeom>
-          <a:ln>
-            <a:headEnd type="none" w="med" len="med"/>
-            <a:tailEnd type="none" w="med" len="med"/>
-          </a:ln>
-        </p:spPr>
-        <p:style>
-          <a:lnRef idx="1">
-            <a:schemeClr val="dk1"/>
-          </a:lnRef>
-          <a:fillRef idx="2">
-            <a:schemeClr val="dk1"/>
-          </a:fillRef>
-          <a:effectRef idx="1">
-            <a:schemeClr val="dk1"/>
-          </a:effectRef>
-          <a:fontRef idx="minor">
-            <a:schemeClr val="dk1"/>
-          </a:fontRef>
-        </p:style>
-        <p:txBody>
-          <a:bodyPr rtlCol="0" anchor="ctr"/>
-          <a:lstStyle/>
-          <a:p>
-            <a:pPr algn="ctr"/>
-            <a:r>
-              <a:rPr lang="en-GB" sz="2800" b="0" dirty="0">
-                <a:solidFill>
-                  <a:schemeClr val="tx1"/>
-                </a:solidFill>
-              </a:rPr>
-              <a:t>Interactive mode (inside IDE)</a:t>
-            </a:r>
-          </a:p>
-        </p:txBody>
-      </p:sp>
-      <p:sp>
-        <p:nvSpPr>
-          <p:cNvPr id="10" name="Abgerundete rechteckige Legende 4">
-            <a:extLst>
-              <a:ext uri="{FF2B5EF4-FFF2-40B4-BE49-F238E27FC236}">
-                <a16:creationId xmlns:a16="http://schemas.microsoft.com/office/drawing/2014/main" id="{74895827-2106-A638-3932-994BEDBA8161}"/>
-              </a:ext>
-            </a:extLst>
-          </p:cNvPr>
-          <p:cNvSpPr/>
-          <p:nvPr/>
-        </p:nvSpPr>
-        <p:spPr>
-          <a:xfrm>
-            <a:off x="6857875" y="11271298"/>
-            <a:ext cx="7534656" cy="755904"/>
-          </a:xfrm>
-          <a:prstGeom prst="wedgeRoundRectCallout">
-            <a:avLst>
-              <a:gd name="adj1" fmla="val 116757"/>
-              <a:gd name="adj2" fmla="val -186751"/>
-              <a:gd name="adj3" fmla="val 16667"/>
-            </a:avLst>
-          </a:prstGeom>
-          <a:ln>
-            <a:headEnd type="none" w="med" len="med"/>
-            <a:tailEnd type="none" w="med" len="med"/>
-          </a:ln>
-        </p:spPr>
-        <p:style>
-          <a:lnRef idx="1">
-            <a:schemeClr val="dk1"/>
-          </a:lnRef>
-          <a:fillRef idx="2">
-            <a:schemeClr val="dk1"/>
-          </a:fillRef>
-          <a:effectRef idx="1">
-            <a:schemeClr val="dk1"/>
-          </a:effectRef>
-          <a:fontRef idx="minor">
-            <a:schemeClr val="dk1"/>
-          </a:fontRef>
-        </p:style>
-        <p:txBody>
-          <a:bodyPr rtlCol="0" anchor="ctr"/>
-          <a:lstStyle/>
-          <a:p>
-            <a:pPr algn="ctr"/>
-            <a:r>
-              <a:rPr lang="en-GB" sz="2800" b="0" dirty="0">
-                <a:solidFill>
-                  <a:schemeClr val="tx1"/>
-                </a:solidFill>
-              </a:rPr>
-              <a:t>or on the device</a:t>
+              <a:t> invoke another composable functions</a:t>
             </a:r>
           </a:p>
         </p:txBody>
@@ -2995,7 +2514,7 @@
     </p:spTree>
     <p:extLst>
       <p:ext uri="{BB962C8B-B14F-4D97-AF65-F5344CB8AC3E}">
-        <p14:creationId xmlns:p14="http://schemas.microsoft.com/office/powerpoint/2010/main" val="2544026780"/>
+        <p14:creationId xmlns:p14="http://schemas.microsoft.com/office/powerpoint/2010/main" val="3549423984"/>
       </p:ext>
     </p:extLst>
   </p:cSld>
@@ -3039,7 +2558,7 @@
                                           </p:stCondLst>
                                         </p:cTn>
                                         <p:tgtEl>
-                                          <p:spTgt spid="6"/>
+                                          <p:spTgt spid="3"/>
                                         </p:tgtEl>
                                         <p:attrNameLst>
                                           <p:attrName>style.visibility</p:attrName>
@@ -3053,7 +2572,7 @@
                                       <p:cBhvr additive="base">
                                         <p:cTn id="7" dur="500" fill="hold"/>
                                         <p:tgtEl>
-                                          <p:spTgt spid="6"/>
+                                          <p:spTgt spid="3"/>
                                         </p:tgtEl>
                                         <p:attrNameLst>
                                           <p:attrName>ppt_x</p:attrName>
@@ -3076,7 +2595,7 @@
                                       <p:cBhvr additive="base">
                                         <p:cTn id="8" dur="500" fill="hold"/>
                                         <p:tgtEl>
-                                          <p:spTgt spid="6"/>
+                                          <p:spTgt spid="3"/>
                                         </p:tgtEl>
                                         <p:attrNameLst>
                                           <p:attrName>ppt_y</p:attrName>
@@ -3130,7 +2649,7 @@
                                           </p:stCondLst>
                                         </p:cTn>
                                         <p:tgtEl>
-                                          <p:spTgt spid="9"/>
+                                          <p:spTgt spid="4"/>
                                         </p:tgtEl>
                                         <p:attrNameLst>
                                           <p:attrName>style.visibility</p:attrName>
@@ -3144,7 +2663,7 @@
                                       <p:cBhvr additive="base">
                                         <p:cTn id="13" dur="500" fill="hold"/>
                                         <p:tgtEl>
-                                          <p:spTgt spid="9"/>
+                                          <p:spTgt spid="4"/>
                                         </p:tgtEl>
                                         <p:attrNameLst>
                                           <p:attrName>ppt_x</p:attrName>
@@ -3167,7 +2686,7 @@
                                       <p:cBhvr additive="base">
                                         <p:cTn id="14" dur="500" fill="hold"/>
                                         <p:tgtEl>
-                                          <p:spTgt spid="9"/>
+                                          <p:spTgt spid="4"/>
                                         </p:tgtEl>
                                         <p:attrNameLst>
                                           <p:attrName>ppt_y</p:attrName>
@@ -3221,7 +2740,7 @@
                                           </p:stCondLst>
                                         </p:cTn>
                                         <p:tgtEl>
-                                          <p:spTgt spid="7"/>
+                                          <p:spTgt spid="5"/>
                                         </p:tgtEl>
                                         <p:attrNameLst>
                                           <p:attrName>style.visibility</p:attrName>
@@ -3235,7 +2754,7 @@
                                       <p:cBhvr additive="base">
                                         <p:cTn id="19" dur="500" fill="hold"/>
                                         <p:tgtEl>
-                                          <p:spTgt spid="7"/>
+                                          <p:spTgt spid="5"/>
                                         </p:tgtEl>
                                         <p:attrNameLst>
                                           <p:attrName>ppt_x</p:attrName>
@@ -3258,1867 +2777,7 @@
                                       <p:cBhvr additive="base">
                                         <p:cTn id="20" dur="500" fill="hold"/>
                                         <p:tgtEl>
-                                          <p:spTgt spid="7"/>
-                                        </p:tgtEl>
-                                        <p:attrNameLst>
-                                          <p:attrName>ppt_y</p:attrName>
-                                        </p:attrNameLst>
-                                      </p:cBhvr>
-                                      <p:tavLst>
-                                        <p:tav tm="0">
-                                          <p:val>
-                                            <p:strVal val="1+#ppt_h/2"/>
-                                          </p:val>
-                                        </p:tav>
-                                        <p:tav tm="100000">
-                                          <p:val>
-                                            <p:strVal val="#ppt_y"/>
-                                          </p:val>
-                                        </p:tav>
-                                      </p:tavLst>
-                                    </p:anim>
-                                  </p:childTnLst>
-                                </p:cTn>
-                              </p:par>
-                            </p:childTnLst>
-                          </p:cTn>
-                        </p:par>
-                      </p:childTnLst>
-                    </p:cTn>
-                  </p:par>
-                  <p:par>
-                    <p:cTn id="21" fill="hold">
-                      <p:stCondLst>
-                        <p:cond delay="indefinite"/>
-                      </p:stCondLst>
-                      <p:childTnLst>
-                        <p:par>
-                          <p:cTn id="22" fill="hold">
-                            <p:stCondLst>
-                              <p:cond delay="0"/>
-                            </p:stCondLst>
-                            <p:childTnLst>
-                              <p:par>
-                                <p:cTn id="23" presetID="2" presetClass="entr" presetSubtype="2" fill="hold" grpId="0" nodeType="clickEffect">
-                                  <p:stCondLst>
-                                    <p:cond delay="0"/>
-                                  </p:stCondLst>
-                                  <p:childTnLst>
-                                    <p:set>
-                                      <p:cBhvr>
-                                        <p:cTn id="24" dur="1" fill="hold">
-                                          <p:stCondLst>
-                                            <p:cond delay="0"/>
-                                          </p:stCondLst>
-                                        </p:cTn>
-                                        <p:tgtEl>
-                                          <p:spTgt spid="8"/>
-                                        </p:tgtEl>
-                                        <p:attrNameLst>
-                                          <p:attrName>style.visibility</p:attrName>
-                                        </p:attrNameLst>
-                                      </p:cBhvr>
-                                      <p:to>
-                                        <p:strVal val="visible"/>
-                                      </p:to>
-                                    </p:set>
-                                    <p:anim calcmode="lin" valueType="num">
-                                      <p:cBhvr additive="base">
-                                        <p:cTn id="25" dur="500" fill="hold"/>
-                                        <p:tgtEl>
-                                          <p:spTgt spid="8"/>
-                                        </p:tgtEl>
-                                        <p:attrNameLst>
-                                          <p:attrName>ppt_x</p:attrName>
-                                        </p:attrNameLst>
-                                      </p:cBhvr>
-                                      <p:tavLst>
-                                        <p:tav tm="0">
-                                          <p:val>
-                                            <p:strVal val="1+#ppt_w/2"/>
-                                          </p:val>
-                                        </p:tav>
-                                        <p:tav tm="100000">
-                                          <p:val>
-                                            <p:strVal val="#ppt_x"/>
-                                          </p:val>
-                                        </p:tav>
-                                      </p:tavLst>
-                                    </p:anim>
-                                    <p:anim calcmode="lin" valueType="num">
-                                      <p:cBhvr additive="base">
-                                        <p:cTn id="26" dur="500" fill="hold"/>
-                                        <p:tgtEl>
-                                          <p:spTgt spid="8"/>
-                                        </p:tgtEl>
-                                        <p:attrNameLst>
-                                          <p:attrName>ppt_y</p:attrName>
-                                        </p:attrNameLst>
-                                      </p:cBhvr>
-                                      <p:tavLst>
-                                        <p:tav tm="0">
-                                          <p:val>
-                                            <p:strVal val="#ppt_y"/>
-                                          </p:val>
-                                        </p:tav>
-                                        <p:tav tm="100000">
-                                          <p:val>
-                                            <p:strVal val="#ppt_y"/>
-                                          </p:val>
-                                        </p:tav>
-                                      </p:tavLst>
-                                    </p:anim>
-                                  </p:childTnLst>
-                                </p:cTn>
-                              </p:par>
-                            </p:childTnLst>
-                          </p:cTn>
-                        </p:par>
-                      </p:childTnLst>
-                    </p:cTn>
-                  </p:par>
-                  <p:par>
-                    <p:cTn id="27" fill="hold">
-                      <p:stCondLst>
-                        <p:cond delay="indefinite"/>
-                      </p:stCondLst>
-                      <p:childTnLst>
-                        <p:par>
-                          <p:cTn id="28" fill="hold">
-                            <p:stCondLst>
-                              <p:cond delay="0"/>
-                            </p:stCondLst>
-                            <p:childTnLst>
-                              <p:par>
-                                <p:cTn id="29" presetID="2" presetClass="entr" presetSubtype="2" fill="hold" nodeType="clickEffect">
-                                  <p:stCondLst>
-                                    <p:cond delay="0"/>
-                                  </p:stCondLst>
-                                  <p:childTnLst>
-                                    <p:set>
-                                      <p:cBhvr>
-                                        <p:cTn id="30" dur="1" fill="hold">
-                                          <p:stCondLst>
-                                            <p:cond delay="0"/>
-                                          </p:stCondLst>
-                                        </p:cTn>
-                                        <p:tgtEl>
                                           <p:spTgt spid="5"/>
-                                        </p:tgtEl>
-                                        <p:attrNameLst>
-                                          <p:attrName>style.visibility</p:attrName>
-                                        </p:attrNameLst>
-                                      </p:cBhvr>
-                                      <p:to>
-                                        <p:strVal val="visible"/>
-                                      </p:to>
-                                    </p:set>
-                                    <p:anim calcmode="lin" valueType="num">
-                                      <p:cBhvr additive="base">
-                                        <p:cTn id="31" dur="500" fill="hold"/>
-                                        <p:tgtEl>
-                                          <p:spTgt spid="5"/>
-                                        </p:tgtEl>
-                                        <p:attrNameLst>
-                                          <p:attrName>ppt_x</p:attrName>
-                                        </p:attrNameLst>
-                                      </p:cBhvr>
-                                      <p:tavLst>
-                                        <p:tav tm="0">
-                                          <p:val>
-                                            <p:strVal val="1+#ppt_w/2"/>
-                                          </p:val>
-                                        </p:tav>
-                                        <p:tav tm="100000">
-                                          <p:val>
-                                            <p:strVal val="#ppt_x"/>
-                                          </p:val>
-                                        </p:tav>
-                                      </p:tavLst>
-                                    </p:anim>
-                                    <p:anim calcmode="lin" valueType="num">
-                                      <p:cBhvr additive="base">
-                                        <p:cTn id="32" dur="500" fill="hold"/>
-                                        <p:tgtEl>
-                                          <p:spTgt spid="5"/>
-                                        </p:tgtEl>
-                                        <p:attrNameLst>
-                                          <p:attrName>ppt_y</p:attrName>
-                                        </p:attrNameLst>
-                                      </p:cBhvr>
-                                      <p:tavLst>
-                                        <p:tav tm="0">
-                                          <p:val>
-                                            <p:strVal val="#ppt_y"/>
-                                          </p:val>
-                                        </p:tav>
-                                        <p:tav tm="100000">
-                                          <p:val>
-                                            <p:strVal val="#ppt_y"/>
-                                          </p:val>
-                                        </p:tav>
-                                      </p:tavLst>
-                                    </p:anim>
-                                  </p:childTnLst>
-                                </p:cTn>
-                              </p:par>
-                              <p:par>
-                                <p:cTn id="33" presetID="2" presetClass="entr" presetSubtype="2" fill="hold" grpId="0" nodeType="withEffect">
-                                  <p:stCondLst>
-                                    <p:cond delay="0"/>
-                                  </p:stCondLst>
-                                  <p:childTnLst>
-                                    <p:set>
-                                      <p:cBhvr>
-                                        <p:cTn id="34" dur="1" fill="hold">
-                                          <p:stCondLst>
-                                            <p:cond delay="0"/>
-                                          </p:stCondLst>
-                                        </p:cTn>
-                                        <p:tgtEl>
-                                          <p:spTgt spid="2"/>
-                                        </p:tgtEl>
-                                        <p:attrNameLst>
-                                          <p:attrName>style.visibility</p:attrName>
-                                        </p:attrNameLst>
-                                      </p:cBhvr>
-                                      <p:to>
-                                        <p:strVal val="visible"/>
-                                      </p:to>
-                                    </p:set>
-                                    <p:anim calcmode="lin" valueType="num">
-                                      <p:cBhvr additive="base">
-                                        <p:cTn id="35" dur="500" fill="hold"/>
-                                        <p:tgtEl>
-                                          <p:spTgt spid="2"/>
-                                        </p:tgtEl>
-                                        <p:attrNameLst>
-                                          <p:attrName>ppt_x</p:attrName>
-                                        </p:attrNameLst>
-                                      </p:cBhvr>
-                                      <p:tavLst>
-                                        <p:tav tm="0">
-                                          <p:val>
-                                            <p:strVal val="1+#ppt_w/2"/>
-                                          </p:val>
-                                        </p:tav>
-                                        <p:tav tm="100000">
-                                          <p:val>
-                                            <p:strVal val="#ppt_x"/>
-                                          </p:val>
-                                        </p:tav>
-                                      </p:tavLst>
-                                    </p:anim>
-                                    <p:anim calcmode="lin" valueType="num">
-                                      <p:cBhvr additive="base">
-                                        <p:cTn id="36" dur="500" fill="hold"/>
-                                        <p:tgtEl>
-                                          <p:spTgt spid="2"/>
-                                        </p:tgtEl>
-                                        <p:attrNameLst>
-                                          <p:attrName>ppt_y</p:attrName>
-                                        </p:attrNameLst>
-                                      </p:cBhvr>
-                                      <p:tavLst>
-                                        <p:tav tm="0">
-                                          <p:val>
-                                            <p:strVal val="#ppt_y"/>
-                                          </p:val>
-                                        </p:tav>
-                                        <p:tav tm="100000">
-                                          <p:val>
-                                            <p:strVal val="#ppt_y"/>
-                                          </p:val>
-                                        </p:tav>
-                                      </p:tavLst>
-                                    </p:anim>
-                                  </p:childTnLst>
-                                </p:cTn>
-                              </p:par>
-                            </p:childTnLst>
-                          </p:cTn>
-                        </p:par>
-                      </p:childTnLst>
-                    </p:cTn>
-                  </p:par>
-                  <p:par>
-                    <p:cTn id="37" fill="hold">
-                      <p:stCondLst>
-                        <p:cond delay="indefinite"/>
-                      </p:stCondLst>
-                      <p:childTnLst>
-                        <p:par>
-                          <p:cTn id="38" fill="hold">
-                            <p:stCondLst>
-                              <p:cond delay="0"/>
-                            </p:stCondLst>
-                            <p:childTnLst>
-                              <p:par>
-                                <p:cTn id="39" presetID="2" presetClass="entr" presetSubtype="2" fill="hold" grpId="0" nodeType="clickEffect">
-                                  <p:stCondLst>
-                                    <p:cond delay="0"/>
-                                  </p:stCondLst>
-                                  <p:childTnLst>
-                                    <p:set>
-                                      <p:cBhvr>
-                                        <p:cTn id="40" dur="1" fill="hold">
-                                          <p:stCondLst>
-                                            <p:cond delay="0"/>
-                                          </p:stCondLst>
-                                        </p:cTn>
-                                        <p:tgtEl>
-                                          <p:spTgt spid="4"/>
-                                        </p:tgtEl>
-                                        <p:attrNameLst>
-                                          <p:attrName>style.visibility</p:attrName>
-                                        </p:attrNameLst>
-                                      </p:cBhvr>
-                                      <p:to>
-                                        <p:strVal val="visible"/>
-                                      </p:to>
-                                    </p:set>
-                                    <p:anim calcmode="lin" valueType="num">
-                                      <p:cBhvr additive="base">
-                                        <p:cTn id="41" dur="500" fill="hold"/>
-                                        <p:tgtEl>
-                                          <p:spTgt spid="4"/>
-                                        </p:tgtEl>
-                                        <p:attrNameLst>
-                                          <p:attrName>ppt_x</p:attrName>
-                                        </p:attrNameLst>
-                                      </p:cBhvr>
-                                      <p:tavLst>
-                                        <p:tav tm="0">
-                                          <p:val>
-                                            <p:strVal val="1+#ppt_w/2"/>
-                                          </p:val>
-                                        </p:tav>
-                                        <p:tav tm="100000">
-                                          <p:val>
-                                            <p:strVal val="#ppt_x"/>
-                                          </p:val>
-                                        </p:tav>
-                                      </p:tavLst>
-                                    </p:anim>
-                                    <p:anim calcmode="lin" valueType="num">
-                                      <p:cBhvr additive="base">
-                                        <p:cTn id="42" dur="500" fill="hold"/>
-                                        <p:tgtEl>
-                                          <p:spTgt spid="4"/>
-                                        </p:tgtEl>
-                                        <p:attrNameLst>
-                                          <p:attrName>ppt_y</p:attrName>
-                                        </p:attrNameLst>
-                                      </p:cBhvr>
-                                      <p:tavLst>
-                                        <p:tav tm="0">
-                                          <p:val>
-                                            <p:strVal val="#ppt_y"/>
-                                          </p:val>
-                                        </p:tav>
-                                        <p:tav tm="100000">
-                                          <p:val>
-                                            <p:strVal val="#ppt_y"/>
-                                          </p:val>
-                                        </p:tav>
-                                      </p:tavLst>
-                                    </p:anim>
-                                  </p:childTnLst>
-                                </p:cTn>
-                              </p:par>
-                            </p:childTnLst>
-                          </p:cTn>
-                        </p:par>
-                      </p:childTnLst>
-                    </p:cTn>
-                  </p:par>
-                  <p:par>
-                    <p:cTn id="43" fill="hold">
-                      <p:stCondLst>
-                        <p:cond delay="indefinite"/>
-                      </p:stCondLst>
-                      <p:childTnLst>
-                        <p:par>
-                          <p:cTn id="44" fill="hold">
-                            <p:stCondLst>
-                              <p:cond delay="0"/>
-                            </p:stCondLst>
-                            <p:childTnLst>
-                              <p:par>
-                                <p:cTn id="45" presetID="2" presetClass="entr" presetSubtype="2" fill="hold" grpId="0" nodeType="clickEffect">
-                                  <p:stCondLst>
-                                    <p:cond delay="0"/>
-                                  </p:stCondLst>
-                                  <p:childTnLst>
-                                    <p:set>
-                                      <p:cBhvr>
-                                        <p:cTn id="46" dur="1" fill="hold">
-                                          <p:stCondLst>
-                                            <p:cond delay="0"/>
-                                          </p:stCondLst>
-                                        </p:cTn>
-                                        <p:tgtEl>
-                                          <p:spTgt spid="10"/>
-                                        </p:tgtEl>
-                                        <p:attrNameLst>
-                                          <p:attrName>style.visibility</p:attrName>
-                                        </p:attrNameLst>
-                                      </p:cBhvr>
-                                      <p:to>
-                                        <p:strVal val="visible"/>
-                                      </p:to>
-                                    </p:set>
-                                    <p:anim calcmode="lin" valueType="num">
-                                      <p:cBhvr additive="base">
-                                        <p:cTn id="47" dur="500" fill="hold"/>
-                                        <p:tgtEl>
-                                          <p:spTgt spid="10"/>
-                                        </p:tgtEl>
-                                        <p:attrNameLst>
-                                          <p:attrName>ppt_x</p:attrName>
-                                        </p:attrNameLst>
-                                      </p:cBhvr>
-                                      <p:tavLst>
-                                        <p:tav tm="0">
-                                          <p:val>
-                                            <p:strVal val="1+#ppt_w/2"/>
-                                          </p:val>
-                                        </p:tav>
-                                        <p:tav tm="100000">
-                                          <p:val>
-                                            <p:strVal val="#ppt_x"/>
-                                          </p:val>
-                                        </p:tav>
-                                      </p:tavLst>
-                                    </p:anim>
-                                    <p:anim calcmode="lin" valueType="num">
-                                      <p:cBhvr additive="base">
-                                        <p:cTn id="48" dur="500" fill="hold"/>
-                                        <p:tgtEl>
-                                          <p:spTgt spid="10"/>
-                                        </p:tgtEl>
-                                        <p:attrNameLst>
-                                          <p:attrName>ppt_y</p:attrName>
-                                        </p:attrNameLst>
-                                      </p:cBhvr>
-                                      <p:tavLst>
-                                        <p:tav tm="0">
-                                          <p:val>
-                                            <p:strVal val="#ppt_y"/>
-                                          </p:val>
-                                        </p:tav>
-                                        <p:tav tm="100000">
-                                          <p:val>
-                                            <p:strVal val="#ppt_y"/>
-                                          </p:val>
-                                        </p:tav>
-                                      </p:tavLst>
-                                    </p:anim>
-                                  </p:childTnLst>
-                                </p:cTn>
-                              </p:par>
-                            </p:childTnLst>
-                          </p:cTn>
-                        </p:par>
-                      </p:childTnLst>
-                    </p:cTn>
-                  </p:par>
-                </p:childTnLst>
-              </p:cTn>
-              <p:prevCondLst>
-                <p:cond evt="onPrev" delay="0">
-                  <p:tgtEl>
-                    <p:sldTgt/>
-                  </p:tgtEl>
-                </p:cond>
-              </p:prevCondLst>
-              <p:nextCondLst>
-                <p:cond evt="onNext" delay="0">
-                  <p:tgtEl>
-                    <p:sldTgt/>
-                  </p:tgtEl>
-                </p:cond>
-              </p:nextCondLst>
-            </p:seq>
-          </p:childTnLst>
-        </p:cTn>
-      </p:par>
-    </p:tnLst>
-    <p:bldLst>
-      <p:bldP spid="6" grpId="0" animBg="1"/>
-      <p:bldP spid="7" grpId="0" animBg="1"/>
-      <p:bldP spid="8" grpId="0" animBg="1"/>
-      <p:bldP spid="9" grpId="0" animBg="1"/>
-      <p:bldP spid="2" grpId="0" animBg="1"/>
-      <p:bldP spid="4" grpId="0" animBg="1"/>
-      <p:bldP spid="10" grpId="0" animBg="1"/>
-    </p:bldLst>
-  </p:timing>
-</p:sld>
-</file>
-
-<file path=ppt/slides/slide13.xml><?xml version="1.0" encoding="utf-8"?>
-<p:sld xmlns:a="http://schemas.openxmlformats.org/drawingml/2006/main" xmlns:r="http://schemas.openxmlformats.org/officeDocument/2006/relationships" xmlns:p="http://schemas.openxmlformats.org/presentationml/2006/main">
-  <p:cSld>
-    <p:spTree>
-      <p:nvGrpSpPr>
-        <p:cNvPr id="1" name=""/>
-        <p:cNvGrpSpPr/>
-        <p:nvPr/>
-      </p:nvGrpSpPr>
-      <p:grpSpPr>
-        <a:xfrm>
-          <a:off x="0" y="0"/>
-          <a:ext cx="0" cy="0"/>
-          <a:chOff x="0" y="0"/>
-          <a:chExt cx="0" cy="0"/>
-        </a:xfrm>
-      </p:grpSpPr>
-      <p:sp>
-        <p:nvSpPr>
-          <p:cNvPr id="3" name="Textplatzhalter 2">
-            <a:extLst>
-              <a:ext uri="{FF2B5EF4-FFF2-40B4-BE49-F238E27FC236}">
-                <a16:creationId xmlns:a16="http://schemas.microsoft.com/office/drawing/2014/main" id="{0174D049-B170-40BA-F1C8-C3C02C243741}"/>
-              </a:ext>
-            </a:extLst>
-          </p:cNvPr>
-          <p:cNvSpPr>
-            <a:spLocks noGrp="1"/>
-          </p:cNvSpPr>
-          <p:nvPr>
-            <p:ph type="body" sz="half" idx="4294967295"/>
-          </p:nvPr>
-        </p:nvSpPr>
-        <p:spPr/>
-        <p:txBody>
-          <a:bodyPr/>
-          <a:lstStyle/>
-          <a:p>
-            <a:r>
-              <a:rPr lang="en-US" dirty="0"/>
-              <a:t>Composable functions invoke other composable functions</a:t>
-            </a:r>
-          </a:p>
-          <a:p>
-            <a:r>
-              <a:rPr lang="en-US" dirty="0" err="1"/>
-              <a:t>Composables</a:t>
-            </a:r>
-            <a:r>
-              <a:rPr lang="en-US" dirty="0"/>
-              <a:t> can receive parameters</a:t>
-            </a:r>
-          </a:p>
-          <a:p>
-            <a:r>
-              <a:rPr lang="en-US" dirty="0"/>
-              <a:t>They usually do not return a result</a:t>
-            </a:r>
-          </a:p>
-          <a:p>
-            <a:r>
-              <a:rPr lang="en-US" dirty="0"/>
-              <a:t>Note: usually their names are noun phrases</a:t>
-            </a:r>
-          </a:p>
-        </p:txBody>
-      </p:sp>
-    </p:spTree>
-    <p:extLst>
-      <p:ext uri="{BB962C8B-B14F-4D97-AF65-F5344CB8AC3E}">
-        <p14:creationId xmlns:p14="http://schemas.microsoft.com/office/powerpoint/2010/main" val="1126755290"/>
-      </p:ext>
-    </p:extLst>
-  </p:cSld>
-  <p:clrMapOvr>
-    <a:masterClrMapping/>
-  </p:clrMapOvr>
-  <p:transition spd="med">
-    <p:pull/>
-  </p:transition>
-</p:sld>
-</file>
-
-<file path=ppt/slides/slide14.xml><?xml version="1.0" encoding="utf-8"?>
-<p:sld xmlns:a="http://schemas.openxmlformats.org/drawingml/2006/main" xmlns:r="http://schemas.openxmlformats.org/officeDocument/2006/relationships" xmlns:p="http://schemas.openxmlformats.org/presentationml/2006/main">
-  <p:cSld>
-    <p:spTree>
-      <p:nvGrpSpPr>
-        <p:cNvPr id="1" name=""/>
-        <p:cNvGrpSpPr/>
-        <p:nvPr/>
-      </p:nvGrpSpPr>
-      <p:grpSpPr>
-        <a:xfrm>
-          <a:off x="0" y="0"/>
-          <a:ext cx="0" cy="0"/>
-          <a:chOff x="0" y="0"/>
-          <a:chExt cx="0" cy="0"/>
-        </a:xfrm>
-      </p:grpSpPr>
-      <p:sp>
-        <p:nvSpPr>
-          <p:cNvPr id="3" name="Textplatzhalter 2">
-            <a:extLst>
-              <a:ext uri="{FF2B5EF4-FFF2-40B4-BE49-F238E27FC236}">
-                <a16:creationId xmlns:a16="http://schemas.microsoft.com/office/drawing/2014/main" id="{0174D049-B170-40BA-F1C8-C3C02C243741}"/>
-              </a:ext>
-            </a:extLst>
-          </p:cNvPr>
-          <p:cNvSpPr>
-            <a:spLocks noGrp="1"/>
-          </p:cNvSpPr>
-          <p:nvPr>
-            <p:ph type="body" sz="half" idx="4294967295"/>
-          </p:nvPr>
-        </p:nvSpPr>
-        <p:spPr/>
-        <p:txBody>
-          <a:bodyPr/>
-          <a:lstStyle/>
-          <a:p>
-            <a:r>
-              <a:rPr lang="en-US" dirty="0"/>
-              <a:t>Invoking a composable adds it to internal data structures, which usually makes it visible at some point</a:t>
-            </a:r>
-          </a:p>
-          <a:p>
-            <a:r>
-              <a:rPr lang="en-US" dirty="0"/>
-              <a:t>We usually don’t need to look at these internal structures</a:t>
-            </a:r>
-          </a:p>
-          <a:p>
-            <a:r>
-              <a:rPr lang="en-US" dirty="0"/>
-              <a:t>But we should look at the source doe of predefined </a:t>
-            </a:r>
-            <a:r>
-              <a:rPr lang="en-US" dirty="0" err="1"/>
-              <a:t>composables</a:t>
-            </a:r>
-            <a:endParaRPr lang="en-US" dirty="0"/>
-          </a:p>
-        </p:txBody>
-      </p:sp>
-    </p:spTree>
-    <p:extLst>
-      <p:ext uri="{BB962C8B-B14F-4D97-AF65-F5344CB8AC3E}">
-        <p14:creationId xmlns:p14="http://schemas.microsoft.com/office/powerpoint/2010/main" val="3697582518"/>
-      </p:ext>
-    </p:extLst>
-  </p:cSld>
-  <p:clrMapOvr>
-    <a:masterClrMapping/>
-  </p:clrMapOvr>
-  <p:transition spd="med">
-    <p:pull/>
-  </p:transition>
-</p:sld>
-</file>
-
-<file path=ppt/slides/slide15.xml><?xml version="1.0" encoding="utf-8"?>
-<p:sld xmlns:a="http://schemas.openxmlformats.org/drawingml/2006/main" xmlns:r="http://schemas.openxmlformats.org/officeDocument/2006/relationships" xmlns:p="http://schemas.openxmlformats.org/presentationml/2006/main">
-  <p:cSld>
-    <p:spTree>
-      <p:nvGrpSpPr>
-        <p:cNvPr id="1" name=""/>
-        <p:cNvGrpSpPr/>
-        <p:nvPr/>
-      </p:nvGrpSpPr>
-      <p:grpSpPr>
-        <a:xfrm>
-          <a:off x="0" y="0"/>
-          <a:ext cx="0" cy="0"/>
-          <a:chOff x="0" y="0"/>
-          <a:chExt cx="0" cy="0"/>
-        </a:xfrm>
-      </p:grpSpPr>
-      <p:sp>
-        <p:nvSpPr>
-          <p:cNvPr id="3" name="Textplatzhalter 2">
-            <a:extLst>
-              <a:ext uri="{FF2B5EF4-FFF2-40B4-BE49-F238E27FC236}">
-                <a16:creationId xmlns:a16="http://schemas.microsoft.com/office/drawing/2014/main" id="{9DA815E4-88DF-3D07-1863-E08315C37BD7}"/>
-              </a:ext>
-            </a:extLst>
-          </p:cNvPr>
-          <p:cNvSpPr>
-            <a:spLocks noGrp="1"/>
-          </p:cNvSpPr>
-          <p:nvPr>
-            <p:ph type="body" sz="half" idx="4294967295"/>
-          </p:nvPr>
-        </p:nvSpPr>
-        <p:spPr/>
-        <p:txBody>
-          <a:bodyPr/>
-          <a:lstStyle/>
-          <a:p>
-            <a:r>
-              <a:rPr lang="en-US" dirty="0"/>
-              <a:t>Both visual appearance and behavior can be defined through</a:t>
-            </a:r>
-          </a:p>
-          <a:p>
-            <a:pPr lvl="1"/>
-            <a:r>
-              <a:rPr lang="en-US" dirty="0"/>
-              <a:t>parameters</a:t>
-            </a:r>
-          </a:p>
-          <a:p>
-            <a:pPr lvl="1"/>
-            <a:r>
-              <a:rPr lang="en-US" dirty="0"/>
-              <a:t>modifiers</a:t>
-            </a:r>
-          </a:p>
-          <a:p>
-            <a:r>
-              <a:rPr lang="en-US" dirty="0"/>
-              <a:t>Modifier are like component properties, but more flexible</a:t>
-            </a:r>
-          </a:p>
-        </p:txBody>
-      </p:sp>
-    </p:spTree>
-    <p:extLst>
-      <p:ext uri="{BB962C8B-B14F-4D97-AF65-F5344CB8AC3E}">
-        <p14:creationId xmlns:p14="http://schemas.microsoft.com/office/powerpoint/2010/main" val="1813297253"/>
-      </p:ext>
-    </p:extLst>
-  </p:cSld>
-  <p:clrMapOvr>
-    <a:masterClrMapping/>
-  </p:clrMapOvr>
-  <p:transition spd="med">
-    <p:pull/>
-  </p:transition>
-</p:sld>
-</file>
-
-<file path=ppt/slides/slide16.xml><?xml version="1.0" encoding="utf-8"?>
-<p:sld xmlns:a="http://schemas.openxmlformats.org/drawingml/2006/main" xmlns:r="http://schemas.openxmlformats.org/officeDocument/2006/relationships" xmlns:p="http://schemas.openxmlformats.org/presentationml/2006/main">
-  <p:cSld>
-    <p:spTree>
-      <p:nvGrpSpPr>
-        <p:cNvPr id="1" name=""/>
-        <p:cNvGrpSpPr/>
-        <p:nvPr/>
-      </p:nvGrpSpPr>
-      <p:grpSpPr>
-        <a:xfrm>
-          <a:off x="0" y="0"/>
-          <a:ext cx="0" cy="0"/>
-          <a:chOff x="0" y="0"/>
-          <a:chExt cx="0" cy="0"/>
-        </a:xfrm>
-      </p:grpSpPr>
-      <p:sp>
-        <p:nvSpPr>
-          <p:cNvPr id="3" name="Textplatzhalter 2">
-            <a:extLst>
-              <a:ext uri="{FF2B5EF4-FFF2-40B4-BE49-F238E27FC236}">
-                <a16:creationId xmlns:a16="http://schemas.microsoft.com/office/drawing/2014/main" id="{570607AC-697A-896B-9255-6F767F7C7FC1}"/>
-              </a:ext>
-            </a:extLst>
-          </p:cNvPr>
-          <p:cNvSpPr>
-            <a:spLocks noGrp="1"/>
-          </p:cNvSpPr>
-          <p:nvPr>
-            <p:ph type="body" sz="half" idx="4294967295"/>
-          </p:nvPr>
-        </p:nvSpPr>
-        <p:spPr/>
-        <p:txBody>
-          <a:bodyPr>
-            <a:normAutofit/>
-          </a:bodyPr>
-          <a:lstStyle/>
-          <a:p>
-            <a:r>
-              <a:rPr lang="en-US" dirty="0"/>
-              <a:t>The user interface is declared based on </a:t>
-            </a:r>
-            <a:r>
-              <a:rPr lang="en-US" b="1" dirty="0"/>
-              <a:t>state</a:t>
-            </a:r>
-          </a:p>
-          <a:p>
-            <a:r>
-              <a:rPr lang="en-US" dirty="0"/>
-              <a:t>State can be passed to a composable function as a parameter</a:t>
-            </a:r>
-          </a:p>
-          <a:p>
-            <a:r>
-              <a:rPr lang="en-US" dirty="0"/>
-              <a:t>Or can be defined inside it</a:t>
-            </a:r>
-          </a:p>
-        </p:txBody>
-      </p:sp>
-    </p:spTree>
-    <p:extLst>
-      <p:ext uri="{BB962C8B-B14F-4D97-AF65-F5344CB8AC3E}">
-        <p14:creationId xmlns:p14="http://schemas.microsoft.com/office/powerpoint/2010/main" val="2529243498"/>
-      </p:ext>
-    </p:extLst>
-  </p:cSld>
-  <p:clrMapOvr>
-    <a:masterClrMapping/>
-  </p:clrMapOvr>
-  <p:transition spd="med">
-    <p:pull/>
-  </p:transition>
-</p:sld>
-</file>
-
-<file path=ppt/slides/slide17.xml><?xml version="1.0" encoding="utf-8"?>
-<p:sld xmlns:a="http://schemas.openxmlformats.org/drawingml/2006/main" xmlns:r="http://schemas.openxmlformats.org/officeDocument/2006/relationships" xmlns:p="http://schemas.openxmlformats.org/presentationml/2006/main">
-  <p:cSld>
-    <p:spTree>
-      <p:nvGrpSpPr>
-        <p:cNvPr id="1" name=""/>
-        <p:cNvGrpSpPr/>
-        <p:nvPr/>
-      </p:nvGrpSpPr>
-      <p:grpSpPr>
-        <a:xfrm>
-          <a:off x="0" y="0"/>
-          <a:ext cx="0" cy="0"/>
-          <a:chOff x="0" y="0"/>
-          <a:chExt cx="0" cy="0"/>
-        </a:xfrm>
-      </p:grpSpPr>
-      <p:sp>
-        <p:nvSpPr>
-          <p:cNvPr id="3" name="Textplatzhalter 2">
-            <a:extLst>
-              <a:ext uri="{FF2B5EF4-FFF2-40B4-BE49-F238E27FC236}">
-                <a16:creationId xmlns:a16="http://schemas.microsoft.com/office/drawing/2014/main" id="{570607AC-697A-896B-9255-6F767F7C7FC1}"/>
-              </a:ext>
-            </a:extLst>
-          </p:cNvPr>
-          <p:cNvSpPr>
-            <a:spLocks noGrp="1"/>
-          </p:cNvSpPr>
-          <p:nvPr>
-            <p:ph type="body" sz="half" idx="4294967295"/>
-          </p:nvPr>
-        </p:nvSpPr>
-        <p:spPr/>
-        <p:txBody>
-          <a:bodyPr>
-            <a:normAutofit/>
-          </a:bodyPr>
-          <a:lstStyle/>
-          <a:p>
-            <a:r>
-              <a:rPr lang="en-US" dirty="0"/>
-              <a:t>Two types of </a:t>
-            </a:r>
-            <a:r>
-              <a:rPr lang="en-US" dirty="0" err="1"/>
-              <a:t>composables</a:t>
-            </a:r>
-            <a:endParaRPr lang="en-US" dirty="0"/>
-          </a:p>
-          <a:p>
-            <a:pPr lvl="1"/>
-            <a:r>
-              <a:rPr lang="en-US" b="1" dirty="0"/>
-              <a:t>stateful</a:t>
-            </a:r>
-          </a:p>
-          <a:p>
-            <a:pPr lvl="1"/>
-            <a:r>
-              <a:rPr lang="en-US" b="1" dirty="0"/>
-              <a:t>stateless</a:t>
-            </a:r>
-            <a:r>
-              <a:rPr lang="en-US" dirty="0"/>
-              <a:t> (preferred)</a:t>
-            </a:r>
-          </a:p>
-          <a:p>
-            <a:r>
-              <a:rPr lang="en-US" dirty="0"/>
-              <a:t>Jetpack Compose favors a unidirectional data flow and a concept called </a:t>
-            </a:r>
-            <a:r>
-              <a:rPr lang="en-US" b="1" dirty="0"/>
-              <a:t>state hoisting</a:t>
-            </a:r>
-          </a:p>
-        </p:txBody>
-      </p:sp>
-    </p:spTree>
-    <p:extLst>
-      <p:ext uri="{BB962C8B-B14F-4D97-AF65-F5344CB8AC3E}">
-        <p14:creationId xmlns:p14="http://schemas.microsoft.com/office/powerpoint/2010/main" val="3130385263"/>
-      </p:ext>
-    </p:extLst>
-  </p:cSld>
-  <p:clrMapOvr>
-    <a:masterClrMapping/>
-  </p:clrMapOvr>
-  <p:transition spd="med">
-    <p:pull/>
-  </p:transition>
-</p:sld>
-</file>
-
-<file path=ppt/slides/slide18.xml><?xml version="1.0" encoding="utf-8"?>
-<p:sld xmlns:a="http://schemas.openxmlformats.org/drawingml/2006/main" xmlns:r="http://schemas.openxmlformats.org/officeDocument/2006/relationships" xmlns:p="http://schemas.openxmlformats.org/presentationml/2006/main">
-  <p:cSld>
-    <p:spTree>
-      <p:nvGrpSpPr>
-        <p:cNvPr id="1" name=""/>
-        <p:cNvGrpSpPr/>
-        <p:nvPr/>
-      </p:nvGrpSpPr>
-      <p:grpSpPr>
-        <a:xfrm>
-          <a:off x="0" y="0"/>
-          <a:ext cx="0" cy="0"/>
-          <a:chOff x="0" y="0"/>
-          <a:chExt cx="0" cy="0"/>
-        </a:xfrm>
-      </p:grpSpPr>
-      <p:sp>
-        <p:nvSpPr>
-          <p:cNvPr id="2" name="Textplatzhalter 1">
-            <a:extLst>
-              <a:ext uri="{FF2B5EF4-FFF2-40B4-BE49-F238E27FC236}">
-                <a16:creationId xmlns:a16="http://schemas.microsoft.com/office/drawing/2014/main" id="{C9F61EB1-1D4F-CA13-7126-0B481D4AA26D}"/>
-              </a:ext>
-            </a:extLst>
-          </p:cNvPr>
-          <p:cNvSpPr>
-            <a:spLocks noGrp="1"/>
-          </p:cNvSpPr>
-          <p:nvPr>
-            <p:ph type="body" sz="half" idx="4294967295"/>
-          </p:nvPr>
-        </p:nvSpPr>
-        <p:spPr/>
-        <p:txBody>
-          <a:bodyPr/>
-          <a:lstStyle/>
-          <a:p>
-            <a:r>
-              <a:rPr lang="en-US" dirty="0"/>
-              <a:t>State is defined as early as possible</a:t>
-            </a:r>
-          </a:p>
-          <a:p>
-            <a:r>
-              <a:rPr lang="en-US" dirty="0"/>
-              <a:t>Data flows from top to bottom</a:t>
-            </a:r>
-          </a:p>
-          <a:p>
-            <a:r>
-              <a:rPr lang="en-US" dirty="0"/>
-              <a:t>If possible, behavior is passed to a composable via callbacks</a:t>
-            </a:r>
-          </a:p>
-        </p:txBody>
-      </p:sp>
-    </p:spTree>
-    <p:extLst>
-      <p:ext uri="{BB962C8B-B14F-4D97-AF65-F5344CB8AC3E}">
-        <p14:creationId xmlns:p14="http://schemas.microsoft.com/office/powerpoint/2010/main" val="1828832234"/>
-      </p:ext>
-    </p:extLst>
-  </p:cSld>
-  <p:clrMapOvr>
-    <a:masterClrMapping/>
-  </p:clrMapOvr>
-  <p:transition spd="med">
-    <p:pull/>
-  </p:transition>
-</p:sld>
-</file>
-
-<file path=ppt/slides/slide19.xml><?xml version="1.0" encoding="utf-8"?>
-<p:sld xmlns:a="http://schemas.openxmlformats.org/drawingml/2006/main" xmlns:r="http://schemas.openxmlformats.org/officeDocument/2006/relationships" xmlns:p="http://schemas.openxmlformats.org/presentationml/2006/main">
-  <p:cSld>
-    <p:spTree>
-      <p:nvGrpSpPr>
-        <p:cNvPr id="1" name=""/>
-        <p:cNvGrpSpPr/>
-        <p:nvPr/>
-      </p:nvGrpSpPr>
-      <p:grpSpPr>
-        <a:xfrm>
-          <a:off x="0" y="0"/>
-          <a:ext cx="0" cy="0"/>
-          <a:chOff x="0" y="0"/>
-          <a:chExt cx="0" cy="0"/>
-        </a:xfrm>
-      </p:grpSpPr>
-      <p:pic>
-        <p:nvPicPr>
-          <p:cNvPr id="5" name="Grafik 4">
-            <a:extLst>
-              <a:ext uri="{FF2B5EF4-FFF2-40B4-BE49-F238E27FC236}">
-                <a16:creationId xmlns:a16="http://schemas.microsoft.com/office/drawing/2014/main" id="{74FA396E-CDB7-A49B-C7A2-B952C18BE52D}"/>
-              </a:ext>
-            </a:extLst>
-          </p:cNvPr>
-          <p:cNvPicPr>
-            <a:picLocks noChangeAspect="1"/>
-          </p:cNvPicPr>
-          <p:nvPr/>
-        </p:nvPicPr>
-        <p:blipFill>
-          <a:blip r:embed="rId2">
-            <a:extLst>
-              <a:ext uri="{28A0092B-C50C-407E-A947-70E740481C1C}">
-                <a14:useLocalDpi xmlns:a14="http://schemas.microsoft.com/office/drawing/2010/main" val="0"/>
-              </a:ext>
-            </a:extLst>
-          </a:blip>
-          <a:stretch>
-            <a:fillRect/>
-          </a:stretch>
-        </p:blipFill>
-        <p:spPr>
-          <a:xfrm>
-            <a:off x="1363729" y="831564"/>
-            <a:ext cx="15870723" cy="12052871"/>
-          </a:xfrm>
-          <a:prstGeom prst="rect">
-            <a:avLst/>
-          </a:prstGeom>
-          <a:ln>
-            <a:noFill/>
-          </a:ln>
-          <a:effectLst>
-            <a:outerShdw blurRad="292100" dist="139700" dir="2700000" algn="tl" rotWithShape="0">
-              <a:srgbClr val="333333">
-                <a:alpha val="65000"/>
-              </a:srgbClr>
-            </a:outerShdw>
-          </a:effectLst>
-        </p:spPr>
-      </p:pic>
-      <p:pic>
-        <p:nvPicPr>
-          <p:cNvPr id="7" name="Grafik 6">
-            <a:extLst>
-              <a:ext uri="{FF2B5EF4-FFF2-40B4-BE49-F238E27FC236}">
-                <a16:creationId xmlns:a16="http://schemas.microsoft.com/office/drawing/2014/main" id="{97C4EF52-86E5-98C5-E0ED-9A630D4D7F30}"/>
-              </a:ext>
-            </a:extLst>
-          </p:cNvPr>
-          <p:cNvPicPr>
-            <a:picLocks noChangeAspect="1"/>
-          </p:cNvPicPr>
-          <p:nvPr/>
-        </p:nvPicPr>
-        <p:blipFill>
-          <a:blip r:embed="rId3">
-            <a:extLst>
-              <a:ext uri="{28A0092B-C50C-407E-A947-70E740481C1C}">
-                <a14:useLocalDpi xmlns:a14="http://schemas.microsoft.com/office/drawing/2010/main" val="0"/>
-              </a:ext>
-            </a:extLst>
-          </a:blip>
-          <a:stretch>
-            <a:fillRect/>
-          </a:stretch>
-        </p:blipFill>
-        <p:spPr>
-          <a:xfrm>
-            <a:off x="18282005" y="831564"/>
-            <a:ext cx="5069689" cy="11111948"/>
-          </a:xfrm>
-          <a:prstGeom prst="rect">
-            <a:avLst/>
-          </a:prstGeom>
-          <a:ln>
-            <a:noFill/>
-          </a:ln>
-          <a:effectLst>
-            <a:outerShdw blurRad="292100" dist="139700" dir="2700000" algn="tl" rotWithShape="0">
-              <a:srgbClr val="333333">
-                <a:alpha val="65000"/>
-              </a:srgbClr>
-            </a:outerShdw>
-          </a:effectLst>
-        </p:spPr>
-      </p:pic>
-      <p:sp>
-        <p:nvSpPr>
-          <p:cNvPr id="8" name="Abgerundete rechteckige Legende 4">
-            <a:extLst>
-              <a:ext uri="{FF2B5EF4-FFF2-40B4-BE49-F238E27FC236}">
-                <a16:creationId xmlns:a16="http://schemas.microsoft.com/office/drawing/2014/main" id="{795ABF1F-84F4-0407-51CC-A66ED33230B3}"/>
-              </a:ext>
-            </a:extLst>
-          </p:cNvPr>
-          <p:cNvSpPr/>
-          <p:nvPr/>
-        </p:nvSpPr>
-        <p:spPr>
-          <a:xfrm>
-            <a:off x="11543188" y="1928190"/>
-            <a:ext cx="5850290" cy="1530627"/>
-          </a:xfrm>
-          <a:prstGeom prst="wedgeRoundRectCallout">
-            <a:avLst>
-              <a:gd name="adj1" fmla="val -144170"/>
-              <a:gd name="adj2" fmla="val 53433"/>
-              <a:gd name="adj3" fmla="val 16667"/>
-            </a:avLst>
-          </a:prstGeom>
-          <a:ln>
-            <a:headEnd type="none" w="med" len="med"/>
-            <a:tailEnd type="none" w="med" len="med"/>
-          </a:ln>
-        </p:spPr>
-        <p:style>
-          <a:lnRef idx="1">
-            <a:schemeClr val="dk1"/>
-          </a:lnRef>
-          <a:fillRef idx="2">
-            <a:schemeClr val="dk1"/>
-          </a:fillRef>
-          <a:effectRef idx="1">
-            <a:schemeClr val="dk1"/>
-          </a:effectRef>
-          <a:fontRef idx="minor">
-            <a:schemeClr val="dk1"/>
-          </a:fontRef>
-        </p:style>
-        <p:txBody>
-          <a:bodyPr rtlCol="0" anchor="ctr"/>
-          <a:lstStyle/>
-          <a:p>
-            <a:pPr algn="l"/>
-            <a:r>
-              <a:rPr lang="en-US" sz="2800" b="0" dirty="0" err="1">
-                <a:solidFill>
-                  <a:schemeClr val="tx1"/>
-                </a:solidFill>
-                <a:latin typeface="Courier New" panose="02070309020205020404" pitchFamily="49" charset="0"/>
-                <a:cs typeface="Courier New" panose="02070309020205020404" pitchFamily="49" charset="0"/>
-              </a:rPr>
-              <a:t>setContent</a:t>
-            </a:r>
-            <a:r>
-              <a:rPr lang="en-US" sz="2800" b="0" dirty="0">
-                <a:solidFill>
-                  <a:schemeClr val="tx1"/>
-                </a:solidFill>
-                <a:latin typeface="Courier New" panose="02070309020205020404" pitchFamily="49" charset="0"/>
-                <a:cs typeface="Courier New" panose="02070309020205020404" pitchFamily="49" charset="0"/>
-              </a:rPr>
-              <a:t> { ... }</a:t>
-            </a:r>
-            <a:r>
-              <a:rPr lang="en-US" sz="2800" b="0" dirty="0">
-                <a:solidFill>
-                  <a:schemeClr val="tx1"/>
-                </a:solidFill>
-              </a:rPr>
-              <a:t> shows a Compose hierarchy in an Activity</a:t>
-            </a:r>
-            <a:endParaRPr lang="en-GB" sz="2800" b="0" dirty="0">
-              <a:solidFill>
-                <a:schemeClr val="tx1"/>
-              </a:solidFill>
-            </a:endParaRPr>
-          </a:p>
-        </p:txBody>
-      </p:sp>
-      <p:sp>
-        <p:nvSpPr>
-          <p:cNvPr id="9" name="Abgerundete rechteckige Legende 4">
-            <a:extLst>
-              <a:ext uri="{FF2B5EF4-FFF2-40B4-BE49-F238E27FC236}">
-                <a16:creationId xmlns:a16="http://schemas.microsoft.com/office/drawing/2014/main" id="{3041AFE8-D8EB-A121-C657-CE6A1EBA2AA1}"/>
-              </a:ext>
-            </a:extLst>
-          </p:cNvPr>
-          <p:cNvSpPr/>
-          <p:nvPr/>
-        </p:nvSpPr>
-        <p:spPr>
-          <a:xfrm>
-            <a:off x="11543188" y="3650972"/>
-            <a:ext cx="5850290" cy="1530627"/>
-          </a:xfrm>
-          <a:prstGeom prst="wedgeRoundRectCallout">
-            <a:avLst>
-              <a:gd name="adj1" fmla="val -125482"/>
-              <a:gd name="adj2" fmla="val -36177"/>
-              <a:gd name="adj3" fmla="val 16667"/>
-            </a:avLst>
-          </a:prstGeom>
-          <a:ln>
-            <a:headEnd type="none" w="med" len="med"/>
-            <a:tailEnd type="none" w="med" len="med"/>
-          </a:ln>
-        </p:spPr>
-        <p:style>
-          <a:lnRef idx="1">
-            <a:schemeClr val="dk1"/>
-          </a:lnRef>
-          <a:fillRef idx="2">
-            <a:schemeClr val="dk1"/>
-          </a:fillRef>
-          <a:effectRef idx="1">
-            <a:schemeClr val="dk1"/>
-          </a:effectRef>
-          <a:fontRef idx="minor">
-            <a:schemeClr val="dk1"/>
-          </a:fontRef>
-        </p:style>
-        <p:txBody>
-          <a:bodyPr rtlCol="0" anchor="ctr"/>
-          <a:lstStyle/>
-          <a:p>
-            <a:pPr algn="l"/>
-            <a:r>
-              <a:rPr lang="en-US" sz="2800" b="0" dirty="0">
-                <a:solidFill>
-                  <a:schemeClr val="tx1"/>
-                </a:solidFill>
-              </a:rPr>
-              <a:t>Sets colors, styles, and typography</a:t>
-            </a:r>
-            <a:endParaRPr lang="en-GB" sz="2800" b="0" dirty="0">
-              <a:solidFill>
-                <a:schemeClr val="tx1"/>
-              </a:solidFill>
-            </a:endParaRPr>
-          </a:p>
-        </p:txBody>
-      </p:sp>
-      <p:sp>
-        <p:nvSpPr>
-          <p:cNvPr id="10" name="Abgerundete rechteckige Legende 4">
-            <a:extLst>
-              <a:ext uri="{FF2B5EF4-FFF2-40B4-BE49-F238E27FC236}">
-                <a16:creationId xmlns:a16="http://schemas.microsoft.com/office/drawing/2014/main" id="{6BB2A9A7-FD89-C1DA-F3A5-28255E008068}"/>
-              </a:ext>
-            </a:extLst>
-          </p:cNvPr>
-          <p:cNvSpPr/>
-          <p:nvPr/>
-        </p:nvSpPr>
-        <p:spPr>
-          <a:xfrm>
-            <a:off x="316176" y="5288448"/>
-            <a:ext cx="5850290" cy="1530627"/>
-          </a:xfrm>
-          <a:prstGeom prst="wedgeRoundRectCallout">
-            <a:avLst>
-              <a:gd name="adj1" fmla="val 41353"/>
-              <a:gd name="adj2" fmla="val -98513"/>
-              <a:gd name="adj3" fmla="val 16667"/>
-            </a:avLst>
-          </a:prstGeom>
-          <a:ln>
-            <a:headEnd type="none" w="med" len="med"/>
-            <a:tailEnd type="none" w="med" len="med"/>
-          </a:ln>
-        </p:spPr>
-        <p:style>
-          <a:lnRef idx="1">
-            <a:schemeClr val="dk1"/>
-          </a:lnRef>
-          <a:fillRef idx="2">
-            <a:schemeClr val="dk1"/>
-          </a:fillRef>
-          <a:effectRef idx="1">
-            <a:schemeClr val="dk1"/>
-          </a:effectRef>
-          <a:fontRef idx="minor">
-            <a:schemeClr val="dk1"/>
-          </a:fontRef>
-        </p:style>
-        <p:txBody>
-          <a:bodyPr rtlCol="0" anchor="ctr"/>
-          <a:lstStyle/>
-          <a:p>
-            <a:pPr algn="l"/>
-            <a:r>
-              <a:rPr lang="en-US" sz="2800" b="0" dirty="0">
-                <a:solidFill>
-                  <a:schemeClr val="tx1"/>
-                </a:solidFill>
-                <a:latin typeface="Courier New" panose="02070309020205020404" pitchFamily="49" charset="0"/>
-                <a:cs typeface="Courier New" panose="02070309020205020404" pitchFamily="49" charset="0"/>
-              </a:rPr>
-              <a:t>Scaffold()</a:t>
-            </a:r>
-            <a:r>
-              <a:rPr lang="en-US" sz="2800" b="0" dirty="0">
-                <a:solidFill>
-                  <a:schemeClr val="tx1"/>
-                </a:solidFill>
-              </a:rPr>
-              <a:t> and </a:t>
-            </a:r>
-            <a:r>
-              <a:rPr lang="en-US" sz="2800" b="0" dirty="0" err="1">
-                <a:solidFill>
-                  <a:schemeClr val="tx1"/>
-                </a:solidFill>
-                <a:latin typeface="Courier New" panose="02070309020205020404" pitchFamily="49" charset="0"/>
-                <a:cs typeface="Courier New" panose="02070309020205020404" pitchFamily="49" charset="0"/>
-              </a:rPr>
-              <a:t>TopAppBar</a:t>
-            </a:r>
-            <a:r>
-              <a:rPr lang="en-US" sz="2800" b="0" dirty="0">
-                <a:solidFill>
-                  <a:schemeClr val="tx1"/>
-                </a:solidFill>
-                <a:latin typeface="Courier New" panose="02070309020205020404" pitchFamily="49" charset="0"/>
-                <a:cs typeface="Courier New" panose="02070309020205020404" pitchFamily="49" charset="0"/>
-              </a:rPr>
-              <a:t>()</a:t>
-            </a:r>
-            <a:r>
-              <a:rPr lang="en-US" sz="2800" b="0" dirty="0">
-                <a:solidFill>
-                  <a:schemeClr val="tx1"/>
-                </a:solidFill>
-              </a:rPr>
-              <a:t> provide an app frame</a:t>
-            </a:r>
-            <a:endParaRPr lang="en-GB" sz="2800" b="0" dirty="0">
-              <a:solidFill>
-                <a:schemeClr val="tx1"/>
-              </a:solidFill>
-            </a:endParaRPr>
-          </a:p>
-        </p:txBody>
-      </p:sp>
-      <p:sp>
-        <p:nvSpPr>
-          <p:cNvPr id="11" name="Abgerundete rechteckige Legende 4">
-            <a:extLst>
-              <a:ext uri="{FF2B5EF4-FFF2-40B4-BE49-F238E27FC236}">
-                <a16:creationId xmlns:a16="http://schemas.microsoft.com/office/drawing/2014/main" id="{B7DE2B62-E6DD-E194-C2B9-6863B43E92BC}"/>
-              </a:ext>
-            </a:extLst>
-          </p:cNvPr>
-          <p:cNvSpPr/>
-          <p:nvPr/>
-        </p:nvSpPr>
-        <p:spPr>
-          <a:xfrm>
-            <a:off x="11543188" y="9515893"/>
-            <a:ext cx="5850290" cy="775255"/>
-          </a:xfrm>
-          <a:prstGeom prst="wedgeRoundRectCallout">
-            <a:avLst>
-              <a:gd name="adj1" fmla="val -95921"/>
-              <a:gd name="adj2" fmla="val -23223"/>
-              <a:gd name="adj3" fmla="val 16667"/>
-            </a:avLst>
-          </a:prstGeom>
-          <a:ln>
-            <a:headEnd type="none" w="med" len="med"/>
-            <a:tailEnd type="none" w="med" len="med"/>
-          </a:ln>
-        </p:spPr>
-        <p:style>
-          <a:lnRef idx="1">
-            <a:schemeClr val="dk1"/>
-          </a:lnRef>
-          <a:fillRef idx="2">
-            <a:schemeClr val="dk1"/>
-          </a:fillRef>
-          <a:effectRef idx="1">
-            <a:schemeClr val="dk1"/>
-          </a:effectRef>
-          <a:fontRef idx="minor">
-            <a:schemeClr val="dk1"/>
-          </a:fontRef>
-        </p:style>
-        <p:txBody>
-          <a:bodyPr rtlCol="0" anchor="ctr"/>
-          <a:lstStyle/>
-          <a:p>
-            <a:pPr algn="l"/>
-            <a:r>
-              <a:rPr lang="en-US" sz="2800" b="0" dirty="0">
-                <a:solidFill>
-                  <a:schemeClr val="tx1"/>
-                </a:solidFill>
-              </a:rPr>
-              <a:t>Provides the content</a:t>
-            </a:r>
-            <a:endParaRPr lang="en-GB" sz="2800" b="0" dirty="0">
-              <a:solidFill>
-                <a:schemeClr val="tx1"/>
-              </a:solidFill>
-            </a:endParaRPr>
-          </a:p>
-        </p:txBody>
-      </p:sp>
-    </p:spTree>
-    <p:extLst>
-      <p:ext uri="{BB962C8B-B14F-4D97-AF65-F5344CB8AC3E}">
-        <p14:creationId xmlns:p14="http://schemas.microsoft.com/office/powerpoint/2010/main" val="310868146"/>
-      </p:ext>
-    </p:extLst>
-  </p:cSld>
-  <p:clrMapOvr>
-    <a:masterClrMapping/>
-  </p:clrMapOvr>
-  <p:transition spd="med">
-    <p:pull/>
-  </p:transition>
-  <p:timing>
-    <p:tnLst>
-      <p:par>
-        <p:cTn id="1" dur="indefinite" restart="never" nodeType="tmRoot">
-          <p:childTnLst>
-            <p:seq concurrent="1" nextAc="seek">
-              <p:cTn id="2" dur="indefinite" nodeType="mainSeq">
-                <p:childTnLst>
-                  <p:par>
-                    <p:cTn id="3" fill="hold">
-                      <p:stCondLst>
-                        <p:cond delay="indefinite"/>
-                      </p:stCondLst>
-                      <p:childTnLst>
-                        <p:par>
-                          <p:cTn id="4" fill="hold">
-                            <p:stCondLst>
-                              <p:cond delay="0"/>
-                            </p:stCondLst>
-                            <p:childTnLst>
-                              <p:par>
-                                <p:cTn id="5" presetID="2" presetClass="entr" presetSubtype="1" fill="hold" grpId="0" nodeType="clickEffect">
-                                  <p:stCondLst>
-                                    <p:cond delay="0"/>
-                                  </p:stCondLst>
-                                  <p:childTnLst>
-                                    <p:set>
-                                      <p:cBhvr>
-                                        <p:cTn id="6" dur="1" fill="hold">
-                                          <p:stCondLst>
-                                            <p:cond delay="0"/>
-                                          </p:stCondLst>
-                                        </p:cTn>
-                                        <p:tgtEl>
-                                          <p:spTgt spid="8"/>
-                                        </p:tgtEl>
-                                        <p:attrNameLst>
-                                          <p:attrName>style.visibility</p:attrName>
-                                        </p:attrNameLst>
-                                      </p:cBhvr>
-                                      <p:to>
-                                        <p:strVal val="visible"/>
-                                      </p:to>
-                                    </p:set>
-                                    <p:anim calcmode="lin" valueType="num">
-                                      <p:cBhvr additive="base">
-                                        <p:cTn id="7" dur="500" fill="hold"/>
-                                        <p:tgtEl>
-                                          <p:spTgt spid="8"/>
-                                        </p:tgtEl>
-                                        <p:attrNameLst>
-                                          <p:attrName>ppt_x</p:attrName>
-                                        </p:attrNameLst>
-                                      </p:cBhvr>
-                                      <p:tavLst>
-                                        <p:tav tm="0">
-                                          <p:val>
-                                            <p:strVal val="#ppt_x"/>
-                                          </p:val>
-                                        </p:tav>
-                                        <p:tav tm="100000">
-                                          <p:val>
-                                            <p:strVal val="#ppt_x"/>
-                                          </p:val>
-                                        </p:tav>
-                                      </p:tavLst>
-                                    </p:anim>
-                                    <p:anim calcmode="lin" valueType="num">
-                                      <p:cBhvr additive="base">
-                                        <p:cTn id="8" dur="500" fill="hold"/>
-                                        <p:tgtEl>
-                                          <p:spTgt spid="8"/>
-                                        </p:tgtEl>
-                                        <p:attrNameLst>
-                                          <p:attrName>ppt_y</p:attrName>
-                                        </p:attrNameLst>
-                                      </p:cBhvr>
-                                      <p:tavLst>
-                                        <p:tav tm="0">
-                                          <p:val>
-                                            <p:strVal val="0-#ppt_h/2"/>
-                                          </p:val>
-                                        </p:tav>
-                                        <p:tav tm="100000">
-                                          <p:val>
-                                            <p:strVal val="#ppt_y"/>
-                                          </p:val>
-                                        </p:tav>
-                                      </p:tavLst>
-                                    </p:anim>
-                                  </p:childTnLst>
-                                </p:cTn>
-                              </p:par>
-                            </p:childTnLst>
-                          </p:cTn>
-                        </p:par>
-                      </p:childTnLst>
-                    </p:cTn>
-                  </p:par>
-                  <p:par>
-                    <p:cTn id="9" fill="hold">
-                      <p:stCondLst>
-                        <p:cond delay="indefinite"/>
-                      </p:stCondLst>
-                      <p:childTnLst>
-                        <p:par>
-                          <p:cTn id="10" fill="hold">
-                            <p:stCondLst>
-                              <p:cond delay="0"/>
-                            </p:stCondLst>
-                            <p:childTnLst>
-                              <p:par>
-                                <p:cTn id="11" presetID="2" presetClass="entr" presetSubtype="1" fill="hold" grpId="0" nodeType="clickEffect">
-                                  <p:stCondLst>
-                                    <p:cond delay="0"/>
-                                  </p:stCondLst>
-                                  <p:childTnLst>
-                                    <p:set>
-                                      <p:cBhvr>
-                                        <p:cTn id="12" dur="1" fill="hold">
-                                          <p:stCondLst>
-                                            <p:cond delay="0"/>
-                                          </p:stCondLst>
-                                        </p:cTn>
-                                        <p:tgtEl>
-                                          <p:spTgt spid="9"/>
-                                        </p:tgtEl>
-                                        <p:attrNameLst>
-                                          <p:attrName>style.visibility</p:attrName>
-                                        </p:attrNameLst>
-                                      </p:cBhvr>
-                                      <p:to>
-                                        <p:strVal val="visible"/>
-                                      </p:to>
-                                    </p:set>
-                                    <p:anim calcmode="lin" valueType="num">
-                                      <p:cBhvr additive="base">
-                                        <p:cTn id="13" dur="500" fill="hold"/>
-                                        <p:tgtEl>
-                                          <p:spTgt spid="9"/>
-                                        </p:tgtEl>
-                                        <p:attrNameLst>
-                                          <p:attrName>ppt_x</p:attrName>
-                                        </p:attrNameLst>
-                                      </p:cBhvr>
-                                      <p:tavLst>
-                                        <p:tav tm="0">
-                                          <p:val>
-                                            <p:strVal val="#ppt_x"/>
-                                          </p:val>
-                                        </p:tav>
-                                        <p:tav tm="100000">
-                                          <p:val>
-                                            <p:strVal val="#ppt_x"/>
-                                          </p:val>
-                                        </p:tav>
-                                      </p:tavLst>
-                                    </p:anim>
-                                    <p:anim calcmode="lin" valueType="num">
-                                      <p:cBhvr additive="base">
-                                        <p:cTn id="14" dur="500" fill="hold"/>
-                                        <p:tgtEl>
-                                          <p:spTgt spid="9"/>
-                                        </p:tgtEl>
-                                        <p:attrNameLst>
-                                          <p:attrName>ppt_y</p:attrName>
-                                        </p:attrNameLst>
-                                      </p:cBhvr>
-                                      <p:tavLst>
-                                        <p:tav tm="0">
-                                          <p:val>
-                                            <p:strVal val="0-#ppt_h/2"/>
-                                          </p:val>
-                                        </p:tav>
-                                        <p:tav tm="100000">
-                                          <p:val>
-                                            <p:strVal val="#ppt_y"/>
-                                          </p:val>
-                                        </p:tav>
-                                      </p:tavLst>
-                                    </p:anim>
-                                  </p:childTnLst>
-                                </p:cTn>
-                              </p:par>
-                            </p:childTnLst>
-                          </p:cTn>
-                        </p:par>
-                      </p:childTnLst>
-                    </p:cTn>
-                  </p:par>
-                  <p:par>
-                    <p:cTn id="15" fill="hold">
-                      <p:stCondLst>
-                        <p:cond delay="indefinite"/>
-                      </p:stCondLst>
-                      <p:childTnLst>
-                        <p:par>
-                          <p:cTn id="16" fill="hold">
-                            <p:stCondLst>
-                              <p:cond delay="0"/>
-                            </p:stCondLst>
-                            <p:childTnLst>
-                              <p:par>
-                                <p:cTn id="17" presetID="2" presetClass="entr" presetSubtype="1" fill="hold" grpId="0" nodeType="clickEffect">
-                                  <p:stCondLst>
-                                    <p:cond delay="0"/>
-                                  </p:stCondLst>
-                                  <p:childTnLst>
-                                    <p:set>
-                                      <p:cBhvr>
-                                        <p:cTn id="18" dur="1" fill="hold">
-                                          <p:stCondLst>
-                                            <p:cond delay="0"/>
-                                          </p:stCondLst>
-                                        </p:cTn>
-                                        <p:tgtEl>
-                                          <p:spTgt spid="10"/>
-                                        </p:tgtEl>
-                                        <p:attrNameLst>
-                                          <p:attrName>style.visibility</p:attrName>
-                                        </p:attrNameLst>
-                                      </p:cBhvr>
-                                      <p:to>
-                                        <p:strVal val="visible"/>
-                                      </p:to>
-                                    </p:set>
-                                    <p:anim calcmode="lin" valueType="num">
-                                      <p:cBhvr additive="base">
-                                        <p:cTn id="19" dur="500" fill="hold"/>
-                                        <p:tgtEl>
-                                          <p:spTgt spid="10"/>
-                                        </p:tgtEl>
-                                        <p:attrNameLst>
-                                          <p:attrName>ppt_x</p:attrName>
-                                        </p:attrNameLst>
-                                      </p:cBhvr>
-                                      <p:tavLst>
-                                        <p:tav tm="0">
-                                          <p:val>
-                                            <p:strVal val="#ppt_x"/>
-                                          </p:val>
-                                        </p:tav>
-                                        <p:tav tm="100000">
-                                          <p:val>
-                                            <p:strVal val="#ppt_x"/>
-                                          </p:val>
-                                        </p:tav>
-                                      </p:tavLst>
-                                    </p:anim>
-                                    <p:anim calcmode="lin" valueType="num">
-                                      <p:cBhvr additive="base">
-                                        <p:cTn id="20" dur="500" fill="hold"/>
-                                        <p:tgtEl>
-                                          <p:spTgt spid="10"/>
-                                        </p:tgtEl>
-                                        <p:attrNameLst>
-                                          <p:attrName>ppt_y</p:attrName>
-                                        </p:attrNameLst>
-                                      </p:cBhvr>
-                                      <p:tavLst>
-                                        <p:tav tm="0">
-                                          <p:val>
-                                            <p:strVal val="0-#ppt_h/2"/>
-                                          </p:val>
-                                        </p:tav>
-                                        <p:tav tm="100000">
-                                          <p:val>
-                                            <p:strVal val="#ppt_y"/>
-                                          </p:val>
-                                        </p:tav>
-                                      </p:tavLst>
-                                    </p:anim>
-                                  </p:childTnLst>
-                                </p:cTn>
-                              </p:par>
-                            </p:childTnLst>
-                          </p:cTn>
-                        </p:par>
-                      </p:childTnLst>
-                    </p:cTn>
-                  </p:par>
-                  <p:par>
-                    <p:cTn id="21" fill="hold">
-                      <p:stCondLst>
-                        <p:cond delay="indefinite"/>
-                      </p:stCondLst>
-                      <p:childTnLst>
-                        <p:par>
-                          <p:cTn id="22" fill="hold">
-                            <p:stCondLst>
-                              <p:cond delay="0"/>
-                            </p:stCondLst>
-                            <p:childTnLst>
-                              <p:par>
-                                <p:cTn id="23" presetID="2" presetClass="entr" presetSubtype="1" fill="hold" grpId="0" nodeType="clickEffect">
-                                  <p:stCondLst>
-                                    <p:cond delay="0"/>
-                                  </p:stCondLst>
-                                  <p:childTnLst>
-                                    <p:set>
-                                      <p:cBhvr>
-                                        <p:cTn id="24" dur="1" fill="hold">
-                                          <p:stCondLst>
-                                            <p:cond delay="0"/>
-                                          </p:stCondLst>
-                                        </p:cTn>
-                                        <p:tgtEl>
-                                          <p:spTgt spid="11"/>
-                                        </p:tgtEl>
-                                        <p:attrNameLst>
-                                          <p:attrName>style.visibility</p:attrName>
-                                        </p:attrNameLst>
-                                      </p:cBhvr>
-                                      <p:to>
-                                        <p:strVal val="visible"/>
-                                      </p:to>
-                                    </p:set>
-                                    <p:anim calcmode="lin" valueType="num">
-                                      <p:cBhvr additive="base">
-                                        <p:cTn id="25" dur="500" fill="hold"/>
-                                        <p:tgtEl>
-                                          <p:spTgt spid="11"/>
-                                        </p:tgtEl>
-                                        <p:attrNameLst>
-                                          <p:attrName>ppt_x</p:attrName>
-                                        </p:attrNameLst>
-                                      </p:cBhvr>
-                                      <p:tavLst>
-                                        <p:tav tm="0">
-                                          <p:val>
-                                            <p:strVal val="#ppt_x"/>
-                                          </p:val>
-                                        </p:tav>
-                                        <p:tav tm="100000">
-                                          <p:val>
-                                            <p:strVal val="#ppt_x"/>
-                                          </p:val>
-                                        </p:tav>
-                                      </p:tavLst>
-                                    </p:anim>
-                                    <p:anim calcmode="lin" valueType="num">
-                                      <p:cBhvr additive="base">
-                                        <p:cTn id="26" dur="500" fill="hold"/>
-                                        <p:tgtEl>
-                                          <p:spTgt spid="11"/>
-                                        </p:tgtEl>
-                                        <p:attrNameLst>
-                                          <p:attrName>ppt_y</p:attrName>
-                                        </p:attrNameLst>
-                                      </p:cBhvr>
-                                      <p:tavLst>
-                                        <p:tav tm="0">
-                                          <p:val>
-                                            <p:strVal val="0-#ppt_h/2"/>
-                                          </p:val>
-                                        </p:tav>
-                                        <p:tav tm="100000">
-                                          <p:val>
-                                            <p:strVal val="#ppt_y"/>
-                                          </p:val>
-                                        </p:tav>
-                                      </p:tavLst>
-                                    </p:anim>
-                                  </p:childTnLst>
-                                </p:cTn>
-                              </p:par>
-                            </p:childTnLst>
-                          </p:cTn>
-                        </p:par>
-                      </p:childTnLst>
-                    </p:cTn>
-                  </p:par>
-                  <p:par>
-                    <p:cTn id="27" fill="hold">
-                      <p:stCondLst>
-                        <p:cond delay="indefinite"/>
-                      </p:stCondLst>
-                      <p:childTnLst>
-                        <p:par>
-                          <p:cTn id="28" fill="hold">
-                            <p:stCondLst>
-                              <p:cond delay="0"/>
-                            </p:stCondLst>
-                            <p:childTnLst>
-                              <p:par>
-                                <p:cTn id="29" presetID="2" presetClass="entr" presetSubtype="4" fill="hold" nodeType="clickEffect">
-                                  <p:stCondLst>
-                                    <p:cond delay="0"/>
-                                  </p:stCondLst>
-                                  <p:childTnLst>
-                                    <p:set>
-                                      <p:cBhvr>
-                                        <p:cTn id="30" dur="1" fill="hold">
-                                          <p:stCondLst>
-                                            <p:cond delay="0"/>
-                                          </p:stCondLst>
-                                        </p:cTn>
-                                        <p:tgtEl>
-                                          <p:spTgt spid="7"/>
-                                        </p:tgtEl>
-                                        <p:attrNameLst>
-                                          <p:attrName>style.visibility</p:attrName>
-                                        </p:attrNameLst>
-                                      </p:cBhvr>
-                                      <p:to>
-                                        <p:strVal val="visible"/>
-                                      </p:to>
-                                    </p:set>
-                                    <p:anim calcmode="lin" valueType="num">
-                                      <p:cBhvr additive="base">
-                                        <p:cTn id="31" dur="500" fill="hold"/>
-                                        <p:tgtEl>
-                                          <p:spTgt spid="7"/>
-                                        </p:tgtEl>
-                                        <p:attrNameLst>
-                                          <p:attrName>ppt_x</p:attrName>
-                                        </p:attrNameLst>
-                                      </p:cBhvr>
-                                      <p:tavLst>
-                                        <p:tav tm="0">
-                                          <p:val>
-                                            <p:strVal val="#ppt_x"/>
-                                          </p:val>
-                                        </p:tav>
-                                        <p:tav tm="100000">
-                                          <p:val>
-                                            <p:strVal val="#ppt_x"/>
-                                          </p:val>
-                                        </p:tav>
-                                      </p:tavLst>
-                                    </p:anim>
-                                    <p:anim calcmode="lin" valueType="num">
-                                      <p:cBhvr additive="base">
-                                        <p:cTn id="32" dur="500" fill="hold"/>
-                                        <p:tgtEl>
-                                          <p:spTgt spid="7"/>
                                         </p:tgtEl>
                                         <p:attrNameLst>
                                           <p:attrName>ppt_y</p:attrName>
@@ -5168,16 +2827,15 @@
       </p:par>
     </p:tnLst>
     <p:bldLst>
-      <p:bldP spid="8" grpId="0" animBg="1"/>
-      <p:bldP spid="9" grpId="0" animBg="1"/>
-      <p:bldP spid="10" grpId="0" animBg="1"/>
-      <p:bldP spid="11" grpId="0" animBg="1"/>
+      <p:bldP spid="3" grpId="0" animBg="1"/>
+      <p:bldP spid="4" grpId="0" animBg="1"/>
+      <p:bldP spid="5" grpId="0" animBg="1"/>
     </p:bldLst>
   </p:timing>
 </p:sld>
 </file>
 
-<file path=ppt/slides/slide2.xml><?xml version="1.0" encoding="utf-8"?>
+<file path=ppt/slides/slide13.xml><?xml version="1.0" encoding="utf-8"?>
 <p:sld xmlns:a="http://schemas.openxmlformats.org/drawingml/2006/main" xmlns:r="http://schemas.openxmlformats.org/officeDocument/2006/relationships" xmlns:p="http://schemas.openxmlformats.org/presentationml/2006/main">
   <p:cSld>
     <p:spTree>
@@ -5199,7 +2857,7 @@
           <p:cNvPr id="3" name="Textplatzhalter 2">
             <a:extLst>
               <a:ext uri="{FF2B5EF4-FFF2-40B4-BE49-F238E27FC236}">
-                <a16:creationId xmlns:a16="http://schemas.microsoft.com/office/drawing/2014/main" id="{5EC09F17-C3AE-F6BE-A599-B7479188DB46}"/>
+                <a16:creationId xmlns:a16="http://schemas.microsoft.com/office/drawing/2014/main" id="{0174D049-B170-40BA-F1C8-C3C02C243741}"/>
               </a:ext>
             </a:extLst>
           </p:cNvPr>
@@ -5210,32 +2868,47 @@
             <p:ph type="body" sz="half" idx="4294967295"/>
           </p:nvPr>
         </p:nvSpPr>
-        <p:spPr/>
+        <p:spPr>
+          <a:xfrm>
+            <a:off x="5148670" y="2209800"/>
+            <a:ext cx="14086660" cy="9296400"/>
+          </a:xfrm>
+        </p:spPr>
         <p:txBody>
           <a:bodyPr/>
           <a:lstStyle/>
           <a:p>
             <a:r>
+              <a:rPr lang="en-US" dirty="0" err="1"/>
+              <a:t>Composables</a:t>
+            </a:r>
+            <a:r>
               <a:rPr lang="en-US" dirty="0"/>
-              <a:t>Android‘s new declarative, native UI toolkit</a:t>
+              <a:t> can receive parameters</a:t>
             </a:r>
           </a:p>
           <a:p>
             <a:r>
               <a:rPr lang="en-US" dirty="0"/>
-              <a:t>Based on Kotlin functions</a:t>
+              <a:t>Usually, their names are noun phrases</a:t>
             </a:r>
           </a:p>
           <a:p>
             <a:r>
               <a:rPr lang="en-US" dirty="0"/>
-              <a:t>Favors composition over inheritance</a:t>
+              <a:t>They usually do not return a result</a:t>
             </a:r>
           </a:p>
           <a:p>
             <a:r>
               <a:rPr lang="en-US" dirty="0"/>
-              <a:t>Not part of traditional platform APIs</a:t>
+              <a:t>Invoking a composable adds it to internal data structures</a:t>
+            </a:r>
+          </a:p>
+          <a:p>
+            <a:r>
+              <a:rPr lang="en-US" dirty="0"/>
+              <a:t>This usually makes the composable visible at some point</a:t>
             </a:r>
           </a:p>
         </p:txBody>
@@ -5243,7 +2916,7 @@
     </p:spTree>
     <p:extLst>
       <p:ext uri="{BB962C8B-B14F-4D97-AF65-F5344CB8AC3E}">
-        <p14:creationId xmlns:p14="http://schemas.microsoft.com/office/powerpoint/2010/main" val="2542279070"/>
+        <p14:creationId xmlns:p14="http://schemas.microsoft.com/office/powerpoint/2010/main" val="1126755290"/>
       </p:ext>
     </p:extLst>
   </p:cSld>
@@ -5256,772 +2929,7 @@
 </p:sld>
 </file>
 
-<file path=ppt/slides/slide20.xml><?xml version="1.0" encoding="utf-8"?>
-<p:sld xmlns:a="http://schemas.openxmlformats.org/drawingml/2006/main" xmlns:r="http://schemas.openxmlformats.org/officeDocument/2006/relationships" xmlns:p="http://schemas.openxmlformats.org/presentationml/2006/main">
-  <p:cSld>
-    <p:spTree>
-      <p:nvGrpSpPr>
-        <p:cNvPr id="1" name=""/>
-        <p:cNvGrpSpPr/>
-        <p:nvPr/>
-      </p:nvGrpSpPr>
-      <p:grpSpPr>
-        <a:xfrm>
-          <a:off x="0" y="0"/>
-          <a:ext cx="0" cy="0"/>
-          <a:chOff x="0" y="0"/>
-          <a:chExt cx="0" cy="0"/>
-        </a:xfrm>
-      </p:grpSpPr>
-      <p:pic>
-        <p:nvPicPr>
-          <p:cNvPr id="3" name="Grafik 2">
-            <a:extLst>
-              <a:ext uri="{FF2B5EF4-FFF2-40B4-BE49-F238E27FC236}">
-                <a16:creationId xmlns:a16="http://schemas.microsoft.com/office/drawing/2014/main" id="{2C9260A1-418C-E404-1A32-6B5F8BC724E6}"/>
-              </a:ext>
-            </a:extLst>
-          </p:cNvPr>
-          <p:cNvPicPr>
-            <a:picLocks noChangeAspect="1"/>
-          </p:cNvPicPr>
-          <p:nvPr/>
-        </p:nvPicPr>
-        <p:blipFill>
-          <a:blip r:embed="rId2">
-            <a:extLst>
-              <a:ext uri="{28A0092B-C50C-407E-A947-70E740481C1C}">
-                <a14:useLocalDpi xmlns:a14="http://schemas.microsoft.com/office/drawing/2010/main" val="0"/>
-              </a:ext>
-            </a:extLst>
-          </a:blip>
-          <a:stretch>
-            <a:fillRect/>
-          </a:stretch>
-        </p:blipFill>
-        <p:spPr>
-          <a:xfrm>
-            <a:off x="2411896" y="440741"/>
-            <a:ext cx="10058400" cy="12834518"/>
-          </a:xfrm>
-          <a:prstGeom prst="rect">
-            <a:avLst/>
-          </a:prstGeom>
-          <a:ln>
-            <a:noFill/>
-          </a:ln>
-          <a:effectLst>
-            <a:outerShdw blurRad="292100" dist="139700" dir="2700000" algn="tl" rotWithShape="0">
-              <a:srgbClr val="333333">
-                <a:alpha val="65000"/>
-              </a:srgbClr>
-            </a:outerShdw>
-          </a:effectLst>
-        </p:spPr>
-      </p:pic>
-      <p:sp>
-        <p:nvSpPr>
-          <p:cNvPr id="4" name="Abgerundete rechteckige Legende 4">
-            <a:extLst>
-              <a:ext uri="{FF2B5EF4-FFF2-40B4-BE49-F238E27FC236}">
-                <a16:creationId xmlns:a16="http://schemas.microsoft.com/office/drawing/2014/main" id="{FB6DF054-D1F9-13CD-8168-3E953BFB611B}"/>
-              </a:ext>
-            </a:extLst>
-          </p:cNvPr>
-          <p:cNvSpPr/>
-          <p:nvPr/>
-        </p:nvSpPr>
-        <p:spPr>
-          <a:xfrm>
-            <a:off x="14922492" y="914399"/>
-            <a:ext cx="5850290" cy="874645"/>
-          </a:xfrm>
-          <a:prstGeom prst="wedgeRoundRectCallout">
-            <a:avLst>
-              <a:gd name="adj1" fmla="val -107813"/>
-              <a:gd name="adj2" fmla="val 107978"/>
-              <a:gd name="adj3" fmla="val 16667"/>
-            </a:avLst>
-          </a:prstGeom>
-          <a:ln>
-            <a:headEnd type="none" w="med" len="med"/>
-            <a:tailEnd type="none" w="med" len="med"/>
-          </a:ln>
-        </p:spPr>
-        <p:style>
-          <a:lnRef idx="1">
-            <a:schemeClr val="dk1"/>
-          </a:lnRef>
-          <a:fillRef idx="2">
-            <a:schemeClr val="dk1"/>
-          </a:fillRef>
-          <a:effectRef idx="1">
-            <a:schemeClr val="dk1"/>
-          </a:effectRef>
-          <a:fontRef idx="minor">
-            <a:schemeClr val="dk1"/>
-          </a:fontRef>
-        </p:style>
-        <p:txBody>
-          <a:bodyPr rtlCol="0" anchor="ctr"/>
-          <a:lstStyle/>
-          <a:p>
-            <a:pPr algn="l"/>
-            <a:r>
-              <a:rPr lang="en-US" sz="2800" b="0" dirty="0">
-                <a:solidFill>
-                  <a:schemeClr val="tx1"/>
-                </a:solidFill>
-              </a:rPr>
-              <a:t>Define state</a:t>
-            </a:r>
-            <a:endParaRPr lang="en-GB" sz="2800" b="0" dirty="0">
-              <a:solidFill>
-                <a:schemeClr val="tx1"/>
-              </a:solidFill>
-            </a:endParaRPr>
-          </a:p>
-        </p:txBody>
-      </p:sp>
-      <p:sp>
-        <p:nvSpPr>
-          <p:cNvPr id="5" name="Abgerundete rechteckige Legende 4">
-            <a:extLst>
-              <a:ext uri="{FF2B5EF4-FFF2-40B4-BE49-F238E27FC236}">
-                <a16:creationId xmlns:a16="http://schemas.microsoft.com/office/drawing/2014/main" id="{1F27E0DE-F4F5-7319-FBF6-DCA68B1A6D3F}"/>
-              </a:ext>
-            </a:extLst>
-          </p:cNvPr>
-          <p:cNvSpPr/>
-          <p:nvPr/>
-        </p:nvSpPr>
-        <p:spPr>
-          <a:xfrm>
-            <a:off x="14922492" y="2279373"/>
-            <a:ext cx="5850290" cy="1219201"/>
-          </a:xfrm>
-          <a:prstGeom prst="wedgeRoundRectCallout">
-            <a:avLst>
-              <a:gd name="adj1" fmla="val -97959"/>
-              <a:gd name="adj2" fmla="val 5705"/>
-              <a:gd name="adj3" fmla="val 16667"/>
-            </a:avLst>
-          </a:prstGeom>
-          <a:ln>
-            <a:headEnd type="none" w="med" len="med"/>
-            <a:tailEnd type="none" w="med" len="med"/>
-          </a:ln>
-        </p:spPr>
-        <p:style>
-          <a:lnRef idx="1">
-            <a:schemeClr val="dk1"/>
-          </a:lnRef>
-          <a:fillRef idx="2">
-            <a:schemeClr val="dk1"/>
-          </a:fillRef>
-          <a:effectRef idx="1">
-            <a:schemeClr val="dk1"/>
-          </a:effectRef>
-          <a:fontRef idx="minor">
-            <a:schemeClr val="dk1"/>
-          </a:fontRef>
-        </p:style>
-        <p:txBody>
-          <a:bodyPr rtlCol="0" anchor="ctr"/>
-          <a:lstStyle/>
-          <a:p>
-            <a:pPr algn="l"/>
-            <a:r>
-              <a:rPr lang="en-US" sz="2800" b="0" dirty="0">
-                <a:solidFill>
-                  <a:schemeClr val="tx1"/>
-                </a:solidFill>
-              </a:rPr>
-              <a:t>The column has two children: </a:t>
-            </a:r>
-            <a:r>
-              <a:rPr lang="en-US" sz="2800" b="0" dirty="0">
-                <a:solidFill>
-                  <a:schemeClr val="tx1"/>
-                </a:solidFill>
-                <a:latin typeface="Courier New" panose="02070309020205020404" pitchFamily="49" charset="0"/>
-                <a:cs typeface="Courier New" panose="02070309020205020404" pitchFamily="49" charset="0"/>
-              </a:rPr>
-              <a:t>Box()</a:t>
-            </a:r>
-            <a:r>
-              <a:rPr lang="en-US" sz="2800" b="0" dirty="0">
-                <a:solidFill>
-                  <a:schemeClr val="tx1"/>
-                </a:solidFill>
-              </a:rPr>
-              <a:t> and </a:t>
-            </a:r>
-            <a:r>
-              <a:rPr lang="en-US" sz="2800" b="0" dirty="0">
-                <a:solidFill>
-                  <a:schemeClr val="tx1"/>
-                </a:solidFill>
-                <a:latin typeface="Courier New" panose="02070309020205020404" pitchFamily="49" charset="0"/>
-                <a:cs typeface="Courier New" panose="02070309020205020404" pitchFamily="49" charset="0"/>
-              </a:rPr>
-              <a:t>Button()</a:t>
-            </a:r>
-            <a:endParaRPr lang="en-GB" sz="2800" b="0" dirty="0">
-              <a:solidFill>
-                <a:schemeClr val="tx1"/>
-              </a:solidFill>
-              <a:latin typeface="Courier New" panose="02070309020205020404" pitchFamily="49" charset="0"/>
-              <a:cs typeface="Courier New" panose="02070309020205020404" pitchFamily="49" charset="0"/>
-            </a:endParaRPr>
-          </a:p>
-        </p:txBody>
-      </p:sp>
-      <p:sp>
-        <p:nvSpPr>
-          <p:cNvPr id="6" name="Abgerundete rechteckige Legende 4">
-            <a:extLst>
-              <a:ext uri="{FF2B5EF4-FFF2-40B4-BE49-F238E27FC236}">
-                <a16:creationId xmlns:a16="http://schemas.microsoft.com/office/drawing/2014/main" id="{D9E777CB-623A-5A6D-638B-25319446EE43}"/>
-              </a:ext>
-            </a:extLst>
-          </p:cNvPr>
-          <p:cNvSpPr/>
-          <p:nvPr/>
-        </p:nvSpPr>
-        <p:spPr>
-          <a:xfrm>
-            <a:off x="14922492" y="3763617"/>
-            <a:ext cx="5850290" cy="808384"/>
-          </a:xfrm>
-          <a:prstGeom prst="wedgeRoundRectCallout">
-            <a:avLst>
-              <a:gd name="adj1" fmla="val -161838"/>
-              <a:gd name="adj2" fmla="val 28531"/>
-              <a:gd name="adj3" fmla="val 16667"/>
-            </a:avLst>
-          </a:prstGeom>
-          <a:ln>
-            <a:headEnd type="none" w="med" len="med"/>
-            <a:tailEnd type="none" w="med" len="med"/>
-          </a:ln>
-        </p:spPr>
-        <p:style>
-          <a:lnRef idx="1">
-            <a:schemeClr val="dk1"/>
-          </a:lnRef>
-          <a:fillRef idx="2">
-            <a:schemeClr val="dk1"/>
-          </a:fillRef>
-          <a:effectRef idx="1">
-            <a:schemeClr val="dk1"/>
-          </a:effectRef>
-          <a:fontRef idx="minor">
-            <a:schemeClr val="dk1"/>
-          </a:fontRef>
-        </p:style>
-        <p:txBody>
-          <a:bodyPr rtlCol="0" anchor="ctr"/>
-          <a:lstStyle/>
-          <a:p>
-            <a:pPr algn="l"/>
-            <a:r>
-              <a:rPr lang="en-US" sz="2800" b="0" dirty="0">
-                <a:solidFill>
-                  <a:schemeClr val="tx1"/>
-                </a:solidFill>
-              </a:rPr>
-              <a:t>The UI is declared based on state</a:t>
-            </a:r>
-            <a:endParaRPr lang="en-GB" sz="2800" b="0" dirty="0">
-              <a:solidFill>
-                <a:schemeClr val="tx1"/>
-              </a:solidFill>
-            </a:endParaRPr>
-          </a:p>
-        </p:txBody>
-      </p:sp>
-      <p:sp>
-        <p:nvSpPr>
-          <p:cNvPr id="7" name="Abgerundete rechteckige Legende 4">
-            <a:extLst>
-              <a:ext uri="{FF2B5EF4-FFF2-40B4-BE49-F238E27FC236}">
-                <a16:creationId xmlns:a16="http://schemas.microsoft.com/office/drawing/2014/main" id="{1641E34D-31B7-18EE-4FF8-D82EC247C72B}"/>
-              </a:ext>
-            </a:extLst>
-          </p:cNvPr>
-          <p:cNvSpPr/>
-          <p:nvPr/>
-        </p:nvSpPr>
-        <p:spPr>
-          <a:xfrm>
-            <a:off x="14922492" y="10157791"/>
-            <a:ext cx="5850290" cy="808384"/>
-          </a:xfrm>
-          <a:prstGeom prst="wedgeRoundRectCallout">
-            <a:avLst>
-              <a:gd name="adj1" fmla="val -144509"/>
-              <a:gd name="adj2" fmla="val 28531"/>
-              <a:gd name="adj3" fmla="val 16667"/>
-            </a:avLst>
-          </a:prstGeom>
-          <a:ln>
-            <a:headEnd type="none" w="med" len="med"/>
-            <a:tailEnd type="none" w="med" len="med"/>
-          </a:ln>
-        </p:spPr>
-        <p:style>
-          <a:lnRef idx="1">
-            <a:schemeClr val="dk1"/>
-          </a:lnRef>
-          <a:fillRef idx="2">
-            <a:schemeClr val="dk1"/>
-          </a:fillRef>
-          <a:effectRef idx="1">
-            <a:schemeClr val="dk1"/>
-          </a:effectRef>
-          <a:fontRef idx="minor">
-            <a:schemeClr val="dk1"/>
-          </a:fontRef>
-        </p:style>
-        <p:txBody>
-          <a:bodyPr rtlCol="0" anchor="ctr"/>
-          <a:lstStyle/>
-          <a:p>
-            <a:pPr algn="l"/>
-            <a:r>
-              <a:rPr lang="en-US" sz="2800" b="0" dirty="0">
-                <a:solidFill>
-                  <a:schemeClr val="tx1"/>
-                </a:solidFill>
-              </a:rPr>
-              <a:t>Button clicks change the state</a:t>
-            </a:r>
-            <a:endParaRPr lang="en-GB" sz="2800" b="0" dirty="0">
-              <a:solidFill>
-                <a:schemeClr val="tx1"/>
-              </a:solidFill>
-            </a:endParaRPr>
-          </a:p>
-        </p:txBody>
-      </p:sp>
-    </p:spTree>
-    <p:extLst>
-      <p:ext uri="{BB962C8B-B14F-4D97-AF65-F5344CB8AC3E}">
-        <p14:creationId xmlns:p14="http://schemas.microsoft.com/office/powerpoint/2010/main" val="843922039"/>
-      </p:ext>
-    </p:extLst>
-  </p:cSld>
-  <p:clrMapOvr>
-    <a:masterClrMapping/>
-  </p:clrMapOvr>
-  <p:transition spd="med">
-    <p:pull/>
-  </p:transition>
-  <p:timing>
-    <p:tnLst>
-      <p:par>
-        <p:cTn id="1" dur="indefinite" restart="never" nodeType="tmRoot">
-          <p:childTnLst>
-            <p:seq concurrent="1" nextAc="seek">
-              <p:cTn id="2" dur="indefinite" nodeType="mainSeq">
-                <p:childTnLst>
-                  <p:par>
-                    <p:cTn id="3" fill="hold">
-                      <p:stCondLst>
-                        <p:cond delay="indefinite"/>
-                      </p:stCondLst>
-                      <p:childTnLst>
-                        <p:par>
-                          <p:cTn id="4" fill="hold">
-                            <p:stCondLst>
-                              <p:cond delay="0"/>
-                            </p:stCondLst>
-                            <p:childTnLst>
-                              <p:par>
-                                <p:cTn id="5" presetID="2" presetClass="entr" presetSubtype="1" fill="hold" grpId="0" nodeType="clickEffect">
-                                  <p:stCondLst>
-                                    <p:cond delay="0"/>
-                                  </p:stCondLst>
-                                  <p:childTnLst>
-                                    <p:set>
-                                      <p:cBhvr>
-                                        <p:cTn id="6" dur="1" fill="hold">
-                                          <p:stCondLst>
-                                            <p:cond delay="0"/>
-                                          </p:stCondLst>
-                                        </p:cTn>
-                                        <p:tgtEl>
-                                          <p:spTgt spid="4"/>
-                                        </p:tgtEl>
-                                        <p:attrNameLst>
-                                          <p:attrName>style.visibility</p:attrName>
-                                        </p:attrNameLst>
-                                      </p:cBhvr>
-                                      <p:to>
-                                        <p:strVal val="visible"/>
-                                      </p:to>
-                                    </p:set>
-                                    <p:anim calcmode="lin" valueType="num">
-                                      <p:cBhvr additive="base">
-                                        <p:cTn id="7" dur="500" fill="hold"/>
-                                        <p:tgtEl>
-                                          <p:spTgt spid="4"/>
-                                        </p:tgtEl>
-                                        <p:attrNameLst>
-                                          <p:attrName>ppt_x</p:attrName>
-                                        </p:attrNameLst>
-                                      </p:cBhvr>
-                                      <p:tavLst>
-                                        <p:tav tm="0">
-                                          <p:val>
-                                            <p:strVal val="#ppt_x"/>
-                                          </p:val>
-                                        </p:tav>
-                                        <p:tav tm="100000">
-                                          <p:val>
-                                            <p:strVal val="#ppt_x"/>
-                                          </p:val>
-                                        </p:tav>
-                                      </p:tavLst>
-                                    </p:anim>
-                                    <p:anim calcmode="lin" valueType="num">
-                                      <p:cBhvr additive="base">
-                                        <p:cTn id="8" dur="500" fill="hold"/>
-                                        <p:tgtEl>
-                                          <p:spTgt spid="4"/>
-                                        </p:tgtEl>
-                                        <p:attrNameLst>
-                                          <p:attrName>ppt_y</p:attrName>
-                                        </p:attrNameLst>
-                                      </p:cBhvr>
-                                      <p:tavLst>
-                                        <p:tav tm="0">
-                                          <p:val>
-                                            <p:strVal val="0-#ppt_h/2"/>
-                                          </p:val>
-                                        </p:tav>
-                                        <p:tav tm="100000">
-                                          <p:val>
-                                            <p:strVal val="#ppt_y"/>
-                                          </p:val>
-                                        </p:tav>
-                                      </p:tavLst>
-                                    </p:anim>
-                                  </p:childTnLst>
-                                </p:cTn>
-                              </p:par>
-                            </p:childTnLst>
-                          </p:cTn>
-                        </p:par>
-                      </p:childTnLst>
-                    </p:cTn>
-                  </p:par>
-                  <p:par>
-                    <p:cTn id="9" fill="hold">
-                      <p:stCondLst>
-                        <p:cond delay="indefinite"/>
-                      </p:stCondLst>
-                      <p:childTnLst>
-                        <p:par>
-                          <p:cTn id="10" fill="hold">
-                            <p:stCondLst>
-                              <p:cond delay="0"/>
-                            </p:stCondLst>
-                            <p:childTnLst>
-                              <p:par>
-                                <p:cTn id="11" presetID="2" presetClass="entr" presetSubtype="1" fill="hold" grpId="0" nodeType="clickEffect">
-                                  <p:stCondLst>
-                                    <p:cond delay="0"/>
-                                  </p:stCondLst>
-                                  <p:childTnLst>
-                                    <p:set>
-                                      <p:cBhvr>
-                                        <p:cTn id="12" dur="1" fill="hold">
-                                          <p:stCondLst>
-                                            <p:cond delay="0"/>
-                                          </p:stCondLst>
-                                        </p:cTn>
-                                        <p:tgtEl>
-                                          <p:spTgt spid="5"/>
-                                        </p:tgtEl>
-                                        <p:attrNameLst>
-                                          <p:attrName>style.visibility</p:attrName>
-                                        </p:attrNameLst>
-                                      </p:cBhvr>
-                                      <p:to>
-                                        <p:strVal val="visible"/>
-                                      </p:to>
-                                    </p:set>
-                                    <p:anim calcmode="lin" valueType="num">
-                                      <p:cBhvr additive="base">
-                                        <p:cTn id="13" dur="500" fill="hold"/>
-                                        <p:tgtEl>
-                                          <p:spTgt spid="5"/>
-                                        </p:tgtEl>
-                                        <p:attrNameLst>
-                                          <p:attrName>ppt_x</p:attrName>
-                                        </p:attrNameLst>
-                                      </p:cBhvr>
-                                      <p:tavLst>
-                                        <p:tav tm="0">
-                                          <p:val>
-                                            <p:strVal val="#ppt_x"/>
-                                          </p:val>
-                                        </p:tav>
-                                        <p:tav tm="100000">
-                                          <p:val>
-                                            <p:strVal val="#ppt_x"/>
-                                          </p:val>
-                                        </p:tav>
-                                      </p:tavLst>
-                                    </p:anim>
-                                    <p:anim calcmode="lin" valueType="num">
-                                      <p:cBhvr additive="base">
-                                        <p:cTn id="14" dur="500" fill="hold"/>
-                                        <p:tgtEl>
-                                          <p:spTgt spid="5"/>
-                                        </p:tgtEl>
-                                        <p:attrNameLst>
-                                          <p:attrName>ppt_y</p:attrName>
-                                        </p:attrNameLst>
-                                      </p:cBhvr>
-                                      <p:tavLst>
-                                        <p:tav tm="0">
-                                          <p:val>
-                                            <p:strVal val="0-#ppt_h/2"/>
-                                          </p:val>
-                                        </p:tav>
-                                        <p:tav tm="100000">
-                                          <p:val>
-                                            <p:strVal val="#ppt_y"/>
-                                          </p:val>
-                                        </p:tav>
-                                      </p:tavLst>
-                                    </p:anim>
-                                  </p:childTnLst>
-                                </p:cTn>
-                              </p:par>
-                            </p:childTnLst>
-                          </p:cTn>
-                        </p:par>
-                      </p:childTnLst>
-                    </p:cTn>
-                  </p:par>
-                  <p:par>
-                    <p:cTn id="15" fill="hold">
-                      <p:stCondLst>
-                        <p:cond delay="indefinite"/>
-                      </p:stCondLst>
-                      <p:childTnLst>
-                        <p:par>
-                          <p:cTn id="16" fill="hold">
-                            <p:stCondLst>
-                              <p:cond delay="0"/>
-                            </p:stCondLst>
-                            <p:childTnLst>
-                              <p:par>
-                                <p:cTn id="17" presetID="2" presetClass="entr" presetSubtype="1" fill="hold" grpId="0" nodeType="clickEffect">
-                                  <p:stCondLst>
-                                    <p:cond delay="0"/>
-                                  </p:stCondLst>
-                                  <p:childTnLst>
-                                    <p:set>
-                                      <p:cBhvr>
-                                        <p:cTn id="18" dur="1" fill="hold">
-                                          <p:stCondLst>
-                                            <p:cond delay="0"/>
-                                          </p:stCondLst>
-                                        </p:cTn>
-                                        <p:tgtEl>
-                                          <p:spTgt spid="6"/>
-                                        </p:tgtEl>
-                                        <p:attrNameLst>
-                                          <p:attrName>style.visibility</p:attrName>
-                                        </p:attrNameLst>
-                                      </p:cBhvr>
-                                      <p:to>
-                                        <p:strVal val="visible"/>
-                                      </p:to>
-                                    </p:set>
-                                    <p:anim calcmode="lin" valueType="num">
-                                      <p:cBhvr additive="base">
-                                        <p:cTn id="19" dur="500" fill="hold"/>
-                                        <p:tgtEl>
-                                          <p:spTgt spid="6"/>
-                                        </p:tgtEl>
-                                        <p:attrNameLst>
-                                          <p:attrName>ppt_x</p:attrName>
-                                        </p:attrNameLst>
-                                      </p:cBhvr>
-                                      <p:tavLst>
-                                        <p:tav tm="0">
-                                          <p:val>
-                                            <p:strVal val="#ppt_x"/>
-                                          </p:val>
-                                        </p:tav>
-                                        <p:tav tm="100000">
-                                          <p:val>
-                                            <p:strVal val="#ppt_x"/>
-                                          </p:val>
-                                        </p:tav>
-                                      </p:tavLst>
-                                    </p:anim>
-                                    <p:anim calcmode="lin" valueType="num">
-                                      <p:cBhvr additive="base">
-                                        <p:cTn id="20" dur="500" fill="hold"/>
-                                        <p:tgtEl>
-                                          <p:spTgt spid="6"/>
-                                        </p:tgtEl>
-                                        <p:attrNameLst>
-                                          <p:attrName>ppt_y</p:attrName>
-                                        </p:attrNameLst>
-                                      </p:cBhvr>
-                                      <p:tavLst>
-                                        <p:tav tm="0">
-                                          <p:val>
-                                            <p:strVal val="0-#ppt_h/2"/>
-                                          </p:val>
-                                        </p:tav>
-                                        <p:tav tm="100000">
-                                          <p:val>
-                                            <p:strVal val="#ppt_y"/>
-                                          </p:val>
-                                        </p:tav>
-                                      </p:tavLst>
-                                    </p:anim>
-                                  </p:childTnLst>
-                                </p:cTn>
-                              </p:par>
-                            </p:childTnLst>
-                          </p:cTn>
-                        </p:par>
-                      </p:childTnLst>
-                    </p:cTn>
-                  </p:par>
-                  <p:par>
-                    <p:cTn id="21" fill="hold">
-                      <p:stCondLst>
-                        <p:cond delay="indefinite"/>
-                      </p:stCondLst>
-                      <p:childTnLst>
-                        <p:par>
-                          <p:cTn id="22" fill="hold">
-                            <p:stCondLst>
-                              <p:cond delay="0"/>
-                            </p:stCondLst>
-                            <p:childTnLst>
-                              <p:par>
-                                <p:cTn id="23" presetID="2" presetClass="entr" presetSubtype="1" fill="hold" grpId="0" nodeType="clickEffect">
-                                  <p:stCondLst>
-                                    <p:cond delay="0"/>
-                                  </p:stCondLst>
-                                  <p:childTnLst>
-                                    <p:set>
-                                      <p:cBhvr>
-                                        <p:cTn id="24" dur="1" fill="hold">
-                                          <p:stCondLst>
-                                            <p:cond delay="0"/>
-                                          </p:stCondLst>
-                                        </p:cTn>
-                                        <p:tgtEl>
-                                          <p:spTgt spid="7"/>
-                                        </p:tgtEl>
-                                        <p:attrNameLst>
-                                          <p:attrName>style.visibility</p:attrName>
-                                        </p:attrNameLst>
-                                      </p:cBhvr>
-                                      <p:to>
-                                        <p:strVal val="visible"/>
-                                      </p:to>
-                                    </p:set>
-                                    <p:anim calcmode="lin" valueType="num">
-                                      <p:cBhvr additive="base">
-                                        <p:cTn id="25" dur="500" fill="hold"/>
-                                        <p:tgtEl>
-                                          <p:spTgt spid="7"/>
-                                        </p:tgtEl>
-                                        <p:attrNameLst>
-                                          <p:attrName>ppt_x</p:attrName>
-                                        </p:attrNameLst>
-                                      </p:cBhvr>
-                                      <p:tavLst>
-                                        <p:tav tm="0">
-                                          <p:val>
-                                            <p:strVal val="#ppt_x"/>
-                                          </p:val>
-                                        </p:tav>
-                                        <p:tav tm="100000">
-                                          <p:val>
-                                            <p:strVal val="#ppt_x"/>
-                                          </p:val>
-                                        </p:tav>
-                                      </p:tavLst>
-                                    </p:anim>
-                                    <p:anim calcmode="lin" valueType="num">
-                                      <p:cBhvr additive="base">
-                                        <p:cTn id="26" dur="500" fill="hold"/>
-                                        <p:tgtEl>
-                                          <p:spTgt spid="7"/>
-                                        </p:tgtEl>
-                                        <p:attrNameLst>
-                                          <p:attrName>ppt_y</p:attrName>
-                                        </p:attrNameLst>
-                                      </p:cBhvr>
-                                      <p:tavLst>
-                                        <p:tav tm="0">
-                                          <p:val>
-                                            <p:strVal val="0-#ppt_h/2"/>
-                                          </p:val>
-                                        </p:tav>
-                                        <p:tav tm="100000">
-                                          <p:val>
-                                            <p:strVal val="#ppt_y"/>
-                                          </p:val>
-                                        </p:tav>
-                                      </p:tavLst>
-                                    </p:anim>
-                                  </p:childTnLst>
-                                </p:cTn>
-                              </p:par>
-                            </p:childTnLst>
-                          </p:cTn>
-                        </p:par>
-                      </p:childTnLst>
-                    </p:cTn>
-                  </p:par>
-                </p:childTnLst>
-              </p:cTn>
-              <p:prevCondLst>
-                <p:cond evt="onPrev" delay="0">
-                  <p:tgtEl>
-                    <p:sldTgt/>
-                  </p:tgtEl>
-                </p:cond>
-              </p:prevCondLst>
-              <p:nextCondLst>
-                <p:cond evt="onNext" delay="0">
-                  <p:tgtEl>
-                    <p:sldTgt/>
-                  </p:tgtEl>
-                </p:cond>
-              </p:nextCondLst>
-            </p:seq>
-          </p:childTnLst>
-        </p:cTn>
-      </p:par>
-    </p:tnLst>
-    <p:bldLst>
-      <p:bldP spid="4" grpId="0" animBg="1"/>
-      <p:bldP spid="5" grpId="0" animBg="1"/>
-      <p:bldP spid="6" grpId="0" animBg="1"/>
-      <p:bldP spid="7" grpId="0" animBg="1"/>
-    </p:bldLst>
-  </p:timing>
-</p:sld>
-</file>
-
-<file path=ppt/slides/slide21.xml><?xml version="1.0" encoding="utf-8"?>
+<file path=ppt/slides/slide14.xml><?xml version="1.0" encoding="utf-8"?>
 <p:sld xmlns:a="http://schemas.openxmlformats.org/drawingml/2006/main" xmlns:r="http://schemas.openxmlformats.org/officeDocument/2006/relationships" xmlns:p="http://schemas.openxmlformats.org/presentationml/2006/main">
   <p:cSld>
     <p:spTree>
@@ -6040,10 +2948,10 @@
       </p:grpSpPr>
       <p:sp>
         <p:nvSpPr>
-          <p:cNvPr id="2" name="Textplatzhalter 1">
+          <p:cNvPr id="3" name="Textplatzhalter 2">
             <a:extLst>
               <a:ext uri="{FF2B5EF4-FFF2-40B4-BE49-F238E27FC236}">
-                <a16:creationId xmlns:a16="http://schemas.microsoft.com/office/drawing/2014/main" id="{948E95D7-15BB-4DDD-9C97-5926447DD5A6}"/>
+                <a16:creationId xmlns:a16="http://schemas.microsoft.com/office/drawing/2014/main" id="{9DA815E4-88DF-3D07-1863-E08315C37BD7}"/>
               </a:ext>
             </a:extLst>
           </p:cNvPr>
@@ -6054,60 +2962,77 @@
             <p:ph type="body" sz="half" idx="4294967295"/>
           </p:nvPr>
         </p:nvSpPr>
-        <p:spPr/>
+        <p:spPr>
+          <a:xfrm>
+            <a:off x="2446811" y="2209800"/>
+            <a:ext cx="8970834" cy="9296400"/>
+          </a:xfrm>
+        </p:spPr>
         <p:txBody>
           <a:bodyPr/>
           <a:lstStyle/>
           <a:p>
             <a:r>
               <a:rPr lang="en-US" dirty="0"/>
-              <a:t>Building the UI for the first time is called </a:t>
-            </a:r>
-            <a:r>
-              <a:rPr lang="en-US" b="1" dirty="0"/>
-              <a:t>composition</a:t>
-            </a:r>
-          </a:p>
-          <a:p>
+              <a:t>Visual appearance and behavior can be defined through</a:t>
+            </a:r>
+          </a:p>
+          <a:p>
+            <a:pPr lvl="1"/>
             <a:r>
               <a:rPr lang="en-US" dirty="0"/>
-              <a:t>Composable function that remember state are </a:t>
-            </a:r>
-            <a:r>
-              <a:rPr lang="en-US" b="1" dirty="0"/>
-              <a:t>stateful</a:t>
-            </a:r>
-          </a:p>
-          <a:p>
-            <a:r>
-              <a:rPr lang="en-US" b="1" dirty="0"/>
-              <a:t>State changes</a:t>
-            </a:r>
+              <a:t>parameters</a:t>
+            </a:r>
+          </a:p>
+          <a:p>
+            <a:pPr lvl="1"/>
             <a:r>
               <a:rPr lang="en-US" dirty="0"/>
-              <a:t> trigger a </a:t>
-            </a:r>
-            <a:r>
-              <a:rPr lang="en-US" b="1" dirty="0" err="1"/>
-              <a:t>recomposition</a:t>
-            </a:r>
+              <a:t>modifiers</a:t>
+            </a:r>
+          </a:p>
+          <a:p>
             <a:r>
               <a:rPr lang="en-US" dirty="0"/>
-              <a:t> of the UI</a:t>
-            </a:r>
-          </a:p>
-          <a:p>
-            <a:r>
-              <a:rPr lang="en-US" dirty="0"/>
-              <a:t>Jetpack Compose makes sure only affected UI elements are redrawn</a:t>
+              <a:t>Modifiers are component properties on steroids</a:t>
             </a:r>
           </a:p>
         </p:txBody>
       </p:sp>
+      <p:pic>
+        <p:nvPicPr>
+          <p:cNvPr id="2" name="Picture 1">
+            <a:extLst>
+              <a:ext uri="{FF2B5EF4-FFF2-40B4-BE49-F238E27FC236}">
+                <a16:creationId xmlns:a16="http://schemas.microsoft.com/office/drawing/2014/main" id="{8EA8543D-8F49-8273-74AF-E754C2F2F314}"/>
+              </a:ext>
+            </a:extLst>
+          </p:cNvPr>
+          <p:cNvPicPr>
+            <a:picLocks noChangeAspect="1"/>
+          </p:cNvPicPr>
+          <p:nvPr/>
+        </p:nvPicPr>
+        <p:blipFill>
+          <a:blip r:embed="rId2"/>
+          <a:stretch>
+            <a:fillRect/>
+          </a:stretch>
+        </p:blipFill>
+        <p:spPr>
+          <a:xfrm>
+            <a:off x="11849739" y="3728170"/>
+            <a:ext cx="11889651" cy="6259660"/>
+          </a:xfrm>
+          <a:prstGeom prst="rect">
+            <a:avLst/>
+          </a:prstGeom>
+        </p:spPr>
+      </p:pic>
     </p:spTree>
     <p:extLst>
       <p:ext uri="{BB962C8B-B14F-4D97-AF65-F5344CB8AC3E}">
-        <p14:creationId xmlns:p14="http://schemas.microsoft.com/office/powerpoint/2010/main" val="1637948066"/>
+        <p14:creationId xmlns:p14="http://schemas.microsoft.com/office/powerpoint/2010/main" val="1813297253"/>
       </p:ext>
     </p:extLst>
   </p:cSld>
@@ -6120,7 +3045,7 @@
 </p:sld>
 </file>
 
-<file path=ppt/slides/slide22.xml><?xml version="1.0" encoding="utf-8"?>
+<file path=ppt/slides/slide15.xml><?xml version="1.0" encoding="utf-8"?>
 <p:sld xmlns:a="http://schemas.openxmlformats.org/drawingml/2006/main" xmlns:r="http://schemas.openxmlformats.org/officeDocument/2006/relationships" xmlns:p="http://schemas.openxmlformats.org/presentationml/2006/main">
   <p:cSld>
     <p:spTree>
@@ -6139,10 +3064,10 @@
       </p:grpSpPr>
       <p:sp>
         <p:nvSpPr>
-          <p:cNvPr id="2" name="Textplatzhalter 1">
+          <p:cNvPr id="2" name="Text Placeholder 1">
             <a:extLst>
               <a:ext uri="{FF2B5EF4-FFF2-40B4-BE49-F238E27FC236}">
-                <a16:creationId xmlns:a16="http://schemas.microsoft.com/office/drawing/2014/main" id="{7B6FA085-4408-5414-E2BD-3DA9AADAAFF9}"/>
+                <a16:creationId xmlns:a16="http://schemas.microsoft.com/office/drawing/2014/main" id="{378581AC-7E2C-CFE5-0175-5111ABB3B8A5}"/>
               </a:ext>
             </a:extLst>
           </p:cNvPr>
@@ -6153,76 +3078,33 @@
             <p:ph type="body" sz="half" idx="4294967295"/>
           </p:nvPr>
         </p:nvSpPr>
-        <p:spPr/>
+        <p:spPr>
+          <a:xfrm>
+            <a:off x="5264150" y="2754376"/>
+            <a:ext cx="13855700" cy="8207248"/>
+          </a:xfrm>
+        </p:spPr>
         <p:txBody>
           <a:bodyPr/>
           <a:lstStyle/>
           <a:p>
             <a:r>
-              <a:rPr lang="en-US" dirty="0"/>
-              <a:t>Often, we create state with </a:t>
-            </a:r>
-            <a:r>
-              <a:rPr lang="en-US" dirty="0" err="1">
-                <a:latin typeface="Courier New" panose="02070309020205020404" pitchFamily="49" charset="0"/>
-                <a:cs typeface="Courier New" panose="02070309020205020404" pitchFamily="49" charset="0"/>
-              </a:rPr>
-              <a:t>mutableStateOf</a:t>
-            </a:r>
-            <a:r>
-              <a:rPr lang="en-US" dirty="0">
-                <a:latin typeface="Courier New" panose="02070309020205020404" pitchFamily="49" charset="0"/>
-                <a:cs typeface="Courier New" panose="02070309020205020404" pitchFamily="49" charset="0"/>
-              </a:rPr>
-              <a:t>()</a:t>
-            </a:r>
-          </a:p>
-          <a:p>
-            <a:r>
-              <a:rPr lang="en-US" dirty="0">
-                <a:cs typeface="Courier New" panose="02070309020205020404" pitchFamily="49" charset="0"/>
-              </a:rPr>
-              <a:t>We </a:t>
-            </a:r>
-            <a:r>
-              <a:rPr lang="en-US" dirty="0">
-                <a:latin typeface="Courier New" panose="02070309020205020404" pitchFamily="49" charset="0"/>
-                <a:cs typeface="Courier New" panose="02070309020205020404" pitchFamily="49" charset="0"/>
-              </a:rPr>
-              <a:t>remember</a:t>
-            </a:r>
-            <a:r>
-              <a:rPr lang="en-US" dirty="0">
-                <a:cs typeface="Courier New" panose="02070309020205020404" pitchFamily="49" charset="0"/>
-              </a:rPr>
-              <a:t> it</a:t>
-            </a:r>
-          </a:p>
-          <a:p>
-            <a:r>
-              <a:rPr lang="en-US" dirty="0">
-                <a:cs typeface="Courier New" panose="02070309020205020404" pitchFamily="49" charset="0"/>
-              </a:rPr>
-              <a:t>We assign it to a variable in order to read (and change) it</a:t>
-            </a:r>
-          </a:p>
-          <a:p>
-            <a:pPr lvl="1"/>
-            <a:endParaRPr lang="en-US" dirty="0">
-              <a:latin typeface="Courier New" panose="02070309020205020404" pitchFamily="49" charset="0"/>
-              <a:cs typeface="Courier New" panose="02070309020205020404" pitchFamily="49" charset="0"/>
-            </a:endParaRPr>
-          </a:p>
-          <a:p>
-            <a:pPr lvl="1"/>
-            <a:endParaRPr lang="en-US" dirty="0"/>
+              <a:rPr lang="en-001" dirty="0"/>
+              <a:t>Properties in class-based frameworks are available only in the class that defines them, and its children</a:t>
+            </a:r>
+          </a:p>
+          <a:p>
+            <a:r>
+              <a:rPr lang="en-001" dirty="0"/>
+              <a:t>Modifier can be applied to any composable that can receive modifiers</a:t>
+            </a:r>
           </a:p>
         </p:txBody>
       </p:sp>
     </p:spTree>
     <p:extLst>
       <p:ext uri="{BB962C8B-B14F-4D97-AF65-F5344CB8AC3E}">
-        <p14:creationId xmlns:p14="http://schemas.microsoft.com/office/powerpoint/2010/main" val="2939189408"/>
+        <p14:creationId xmlns:p14="http://schemas.microsoft.com/office/powerpoint/2010/main" val="1356656089"/>
       </p:ext>
     </p:extLst>
   </p:cSld>
@@ -6235,7 +3117,7 @@
 </p:sld>
 </file>
 
-<file path=ppt/slides/slide23.xml><?xml version="1.0" encoding="utf-8"?>
+<file path=ppt/slides/slide16.xml><?xml version="1.0" encoding="utf-8"?>
 <p:sld xmlns:a="http://schemas.openxmlformats.org/drawingml/2006/main" xmlns:r="http://schemas.openxmlformats.org/officeDocument/2006/relationships" xmlns:p="http://schemas.openxmlformats.org/presentationml/2006/main">
   <p:cSld>
     <p:spTree>
@@ -6447,7 +3329,412 @@
 </p:sld>
 </file>
 
-<file path=ppt/slides/slide24.xml><?xml version="1.0" encoding="utf-8"?>
+<file path=ppt/slides/slide17.xml><?xml version="1.0" encoding="utf-8"?>
+<p:sld xmlns:a="http://schemas.openxmlformats.org/drawingml/2006/main" xmlns:r="http://schemas.openxmlformats.org/officeDocument/2006/relationships" xmlns:p="http://schemas.openxmlformats.org/presentationml/2006/main">
+  <p:cSld>
+    <p:spTree>
+      <p:nvGrpSpPr>
+        <p:cNvPr id="1" name=""/>
+        <p:cNvGrpSpPr/>
+        <p:nvPr/>
+      </p:nvGrpSpPr>
+      <p:grpSpPr>
+        <a:xfrm>
+          <a:off x="0" y="0"/>
+          <a:ext cx="0" cy="0"/>
+          <a:chOff x="0" y="0"/>
+          <a:chExt cx="0" cy="0"/>
+        </a:xfrm>
+      </p:grpSpPr>
+      <p:sp>
+        <p:nvSpPr>
+          <p:cNvPr id="2" name="Text Placeholder 1">
+            <a:extLst>
+              <a:ext uri="{FF2B5EF4-FFF2-40B4-BE49-F238E27FC236}">
+                <a16:creationId xmlns:a16="http://schemas.microsoft.com/office/drawing/2014/main" id="{CEBD9AA5-335C-06F9-8B96-AB19598B3B39}"/>
+              </a:ext>
+            </a:extLst>
+          </p:cNvPr>
+          <p:cNvSpPr>
+            <a:spLocks noGrp="1"/>
+          </p:cNvSpPr>
+          <p:nvPr>
+            <p:ph type="body" sz="half" idx="4294967295"/>
+          </p:nvPr>
+        </p:nvSpPr>
+        <p:spPr>
+          <a:xfrm>
+            <a:off x="4086671" y="1235675"/>
+            <a:ext cx="16210658" cy="11244649"/>
+          </a:xfrm>
+        </p:spPr>
+        <p:txBody>
+          <a:bodyPr>
+            <a:normAutofit/>
+          </a:bodyPr>
+          <a:lstStyle/>
+          <a:p>
+            <a:r>
+              <a:rPr lang="de-DE" dirty="0"/>
+              <a:t>S</a:t>
+            </a:r>
+            <a:r>
+              <a:rPr lang="en-US" dirty="0"/>
+              <a:t>witch to branch </a:t>
+            </a:r>
+            <a:r>
+              <a:rPr lang="en-US" dirty="0">
+                <a:latin typeface="Courier New" panose="02070309020205020404" pitchFamily="49" charset="0"/>
+                <a:cs typeface="Courier New" panose="02070309020205020404" pitchFamily="49" charset="0"/>
+              </a:rPr>
+              <a:t>00_initial_version</a:t>
+            </a:r>
+            <a:r>
+              <a:rPr lang="en-US" dirty="0"/>
+              <a:t> of the </a:t>
+            </a:r>
+            <a:r>
+              <a:rPr lang="en-US" dirty="0" err="1">
+                <a:latin typeface="Courier New" panose="02070309020205020404" pitchFamily="49" charset="0"/>
+                <a:cs typeface="Courier New" panose="02070309020205020404" pitchFamily="49" charset="0"/>
+              </a:rPr>
+              <a:t>compose_workshop</a:t>
+            </a:r>
+            <a:r>
+              <a:rPr lang="en-US" dirty="0"/>
+              <a:t> repository (</a:t>
+            </a:r>
+            <a:r>
+              <a:rPr lang="en-US" dirty="0">
+                <a:hlinkClick r:id="rId2"/>
+              </a:rPr>
+              <a:t>https://github.com/tkuenneth/compose_workshop</a:t>
+            </a:r>
+            <a:r>
+              <a:rPr lang="en-US" dirty="0"/>
+              <a:t>)</a:t>
+            </a:r>
+          </a:p>
+          <a:p>
+            <a:r>
+              <a:rPr lang="en-US" dirty="0"/>
+              <a:t>Run the app to make sure everything works</a:t>
+            </a:r>
+          </a:p>
+          <a:p>
+            <a:r>
+              <a:rPr lang="en-US" dirty="0"/>
+              <a:t>Add Jetpack Compose to the project build files, write your first composable function</a:t>
+            </a:r>
+            <a:r>
+              <a:rPr lang="en-001" dirty="0"/>
+              <a:t> and add it to the activity using </a:t>
+            </a:r>
+            <a:r>
+              <a:rPr lang="en-001" dirty="0">
+                <a:latin typeface="Courier New" panose="02070309020205020404" pitchFamily="49" charset="0"/>
+                <a:cs typeface="Courier New" panose="02070309020205020404" pitchFamily="49" charset="0"/>
+              </a:rPr>
+              <a:t>setContent { }</a:t>
+            </a:r>
+          </a:p>
+          <a:p>
+            <a:r>
+              <a:rPr lang="en-001" dirty="0">
+                <a:cs typeface="Courier New" panose="02070309020205020404" pitchFamily="49" charset="0"/>
+              </a:rPr>
+              <a:t>A working version can be found on branch </a:t>
+            </a:r>
+            <a:r>
+              <a:rPr lang="en-US" dirty="0">
+                <a:latin typeface="Courier New" panose="02070309020205020404" pitchFamily="49" charset="0"/>
+                <a:cs typeface="Courier New" panose="02070309020205020404" pitchFamily="49" charset="0"/>
+              </a:rPr>
+              <a:t>01_add_compose</a:t>
+            </a:r>
+          </a:p>
+        </p:txBody>
+      </p:sp>
+    </p:spTree>
+    <p:extLst>
+      <p:ext uri="{BB962C8B-B14F-4D97-AF65-F5344CB8AC3E}">
+        <p14:creationId xmlns:p14="http://schemas.microsoft.com/office/powerpoint/2010/main" val="563828213"/>
+      </p:ext>
+    </p:extLst>
+  </p:cSld>
+  <p:clrMapOvr>
+    <a:masterClrMapping/>
+  </p:clrMapOvr>
+  <p:transition spd="med">
+    <p:pull/>
+  </p:transition>
+</p:sld>
+</file>
+
+<file path=ppt/slides/slide18.xml><?xml version="1.0" encoding="utf-8"?>
+<p:sld xmlns:a="http://schemas.openxmlformats.org/drawingml/2006/main" xmlns:r="http://schemas.openxmlformats.org/officeDocument/2006/relationships" xmlns:p="http://schemas.openxmlformats.org/presentationml/2006/main">
+  <p:cSld>
+    <p:spTree>
+      <p:nvGrpSpPr>
+        <p:cNvPr id="1" name=""/>
+        <p:cNvGrpSpPr/>
+        <p:nvPr/>
+      </p:nvGrpSpPr>
+      <p:grpSpPr>
+        <a:xfrm>
+          <a:off x="0" y="0"/>
+          <a:ext cx="0" cy="0"/>
+          <a:chOff x="0" y="0"/>
+          <a:chExt cx="0" cy="0"/>
+        </a:xfrm>
+      </p:grpSpPr>
+      <p:sp>
+        <p:nvSpPr>
+          <p:cNvPr id="3" name="Textplatzhalter 2">
+            <a:extLst>
+              <a:ext uri="{FF2B5EF4-FFF2-40B4-BE49-F238E27FC236}">
+                <a16:creationId xmlns:a16="http://schemas.microsoft.com/office/drawing/2014/main" id="{570607AC-697A-896B-9255-6F767F7C7FC1}"/>
+              </a:ext>
+            </a:extLst>
+          </p:cNvPr>
+          <p:cNvSpPr>
+            <a:spLocks noGrp="1"/>
+          </p:cNvSpPr>
+          <p:nvPr>
+            <p:ph type="body" sz="half" idx="4294967295"/>
+          </p:nvPr>
+        </p:nvSpPr>
+        <p:spPr>
+          <a:xfrm>
+            <a:off x="4955231" y="2209800"/>
+            <a:ext cx="14473538" cy="9296400"/>
+          </a:xfrm>
+        </p:spPr>
+        <p:txBody>
+          <a:bodyPr>
+            <a:normAutofit/>
+          </a:bodyPr>
+          <a:lstStyle/>
+          <a:p>
+            <a:r>
+              <a:rPr lang="en-US" dirty="0"/>
+              <a:t>A Compose user interface hierarchy is declared based on </a:t>
+            </a:r>
+            <a:r>
+              <a:rPr lang="en-US" b="1" dirty="0"/>
+              <a:t>state</a:t>
+            </a:r>
+          </a:p>
+          <a:p>
+            <a:r>
+              <a:rPr lang="en-US" dirty="0"/>
+              <a:t>State can be passed to a composable function as a parameter, or it can be defined inside the composable</a:t>
+            </a:r>
+          </a:p>
+        </p:txBody>
+      </p:sp>
+    </p:spTree>
+    <p:extLst>
+      <p:ext uri="{BB962C8B-B14F-4D97-AF65-F5344CB8AC3E}">
+        <p14:creationId xmlns:p14="http://schemas.microsoft.com/office/powerpoint/2010/main" val="2529243498"/>
+      </p:ext>
+    </p:extLst>
+  </p:cSld>
+  <p:clrMapOvr>
+    <a:masterClrMapping/>
+  </p:clrMapOvr>
+  <p:transition spd="med">
+    <p:pull/>
+  </p:transition>
+</p:sld>
+</file>
+
+<file path=ppt/slides/slide19.xml><?xml version="1.0" encoding="utf-8"?>
+<p:sld xmlns:a="http://schemas.openxmlformats.org/drawingml/2006/main" xmlns:r="http://schemas.openxmlformats.org/officeDocument/2006/relationships" xmlns:p="http://schemas.openxmlformats.org/presentationml/2006/main">
+  <p:cSld>
+    <p:spTree>
+      <p:nvGrpSpPr>
+        <p:cNvPr id="1" name=""/>
+        <p:cNvGrpSpPr/>
+        <p:nvPr/>
+      </p:nvGrpSpPr>
+      <p:grpSpPr>
+        <a:xfrm>
+          <a:off x="0" y="0"/>
+          <a:ext cx="0" cy="0"/>
+          <a:chOff x="0" y="0"/>
+          <a:chExt cx="0" cy="0"/>
+        </a:xfrm>
+      </p:grpSpPr>
+      <p:sp>
+        <p:nvSpPr>
+          <p:cNvPr id="3" name="Textplatzhalter 2">
+            <a:extLst>
+              <a:ext uri="{FF2B5EF4-FFF2-40B4-BE49-F238E27FC236}">
+                <a16:creationId xmlns:a16="http://schemas.microsoft.com/office/drawing/2014/main" id="{570607AC-697A-896B-9255-6F767F7C7FC1}"/>
+              </a:ext>
+            </a:extLst>
+          </p:cNvPr>
+          <p:cNvSpPr>
+            <a:spLocks noGrp="1"/>
+          </p:cNvSpPr>
+          <p:nvPr>
+            <p:ph type="body" sz="half" idx="4294967295"/>
+          </p:nvPr>
+        </p:nvSpPr>
+        <p:spPr>
+          <a:xfrm>
+            <a:off x="4547458" y="2209800"/>
+            <a:ext cx="15289084" cy="9296400"/>
+          </a:xfrm>
+        </p:spPr>
+        <p:txBody>
+          <a:bodyPr>
+            <a:normAutofit/>
+          </a:bodyPr>
+          <a:lstStyle/>
+          <a:p>
+            <a:r>
+              <a:rPr lang="en-US" dirty="0"/>
+              <a:t>Two types of </a:t>
+            </a:r>
+            <a:r>
+              <a:rPr lang="en-US" dirty="0" err="1"/>
+              <a:t>composables</a:t>
+            </a:r>
+            <a:endParaRPr lang="en-US" dirty="0"/>
+          </a:p>
+          <a:p>
+            <a:pPr lvl="1"/>
+            <a:r>
+              <a:rPr lang="en-US" b="1" dirty="0"/>
+              <a:t>stateful</a:t>
+            </a:r>
+          </a:p>
+          <a:p>
+            <a:pPr lvl="1"/>
+            <a:r>
+              <a:rPr lang="en-US" b="1" dirty="0"/>
+              <a:t>stateless</a:t>
+            </a:r>
+            <a:r>
+              <a:rPr lang="en-US" dirty="0"/>
+              <a:t> (preferred)</a:t>
+            </a:r>
+          </a:p>
+          <a:p>
+            <a:r>
+              <a:rPr lang="en-US" dirty="0"/>
+              <a:t>Jetpack Compose favors a unidirectional data flow and a concept called </a:t>
+            </a:r>
+            <a:r>
+              <a:rPr lang="en-US" b="1" dirty="0"/>
+              <a:t>state hoisting</a:t>
+            </a:r>
+          </a:p>
+        </p:txBody>
+      </p:sp>
+    </p:spTree>
+    <p:extLst>
+      <p:ext uri="{BB962C8B-B14F-4D97-AF65-F5344CB8AC3E}">
+        <p14:creationId xmlns:p14="http://schemas.microsoft.com/office/powerpoint/2010/main" val="3130385263"/>
+      </p:ext>
+    </p:extLst>
+  </p:cSld>
+  <p:clrMapOvr>
+    <a:masterClrMapping/>
+  </p:clrMapOvr>
+  <p:transition spd="med">
+    <p:pull/>
+  </p:transition>
+</p:sld>
+</file>
+
+<file path=ppt/slides/slide2.xml><?xml version="1.0" encoding="utf-8"?>
+<p:sld xmlns:a="http://schemas.openxmlformats.org/drawingml/2006/main" xmlns:r="http://schemas.openxmlformats.org/officeDocument/2006/relationships" xmlns:p="http://schemas.openxmlformats.org/presentationml/2006/main">
+  <p:cSld>
+    <p:spTree>
+      <p:nvGrpSpPr>
+        <p:cNvPr id="1" name=""/>
+        <p:cNvGrpSpPr/>
+        <p:nvPr/>
+      </p:nvGrpSpPr>
+      <p:grpSpPr>
+        <a:xfrm>
+          <a:off x="0" y="0"/>
+          <a:ext cx="0" cy="0"/>
+          <a:chOff x="0" y="0"/>
+          <a:chExt cx="0" cy="0"/>
+        </a:xfrm>
+      </p:grpSpPr>
+      <p:sp>
+        <p:nvSpPr>
+          <p:cNvPr id="3" name="Textplatzhalter 2">
+            <a:extLst>
+              <a:ext uri="{FF2B5EF4-FFF2-40B4-BE49-F238E27FC236}">
+                <a16:creationId xmlns:a16="http://schemas.microsoft.com/office/drawing/2014/main" id="{5EC09F17-C3AE-F6BE-A599-B7479188DB46}"/>
+              </a:ext>
+            </a:extLst>
+          </p:cNvPr>
+          <p:cNvSpPr>
+            <a:spLocks noGrp="1"/>
+          </p:cNvSpPr>
+          <p:nvPr>
+            <p:ph type="body" sz="half" idx="4294967295"/>
+          </p:nvPr>
+        </p:nvSpPr>
+        <p:spPr>
+          <a:xfrm>
+            <a:off x="4036884" y="2209800"/>
+            <a:ext cx="14399397" cy="9296400"/>
+          </a:xfrm>
+        </p:spPr>
+        <p:txBody>
+          <a:bodyPr/>
+          <a:lstStyle/>
+          <a:p>
+            <a:r>
+              <a:rPr lang="en-US" dirty="0"/>
+              <a:t>Android‘s declarative, native UI toolkit</a:t>
+            </a:r>
+          </a:p>
+          <a:p>
+            <a:r>
+              <a:rPr lang="en-US" dirty="0"/>
+              <a:t>Based on Kotlin functions</a:t>
+            </a:r>
+          </a:p>
+          <a:p>
+            <a:r>
+              <a:rPr lang="en-US" dirty="0"/>
+              <a:t>Favors composition over inheritance</a:t>
+            </a:r>
+          </a:p>
+          <a:p>
+            <a:r>
+              <a:rPr lang="en-US" dirty="0"/>
+              <a:t>Not part of traditional platform APIs</a:t>
+            </a:r>
+          </a:p>
+        </p:txBody>
+      </p:sp>
+    </p:spTree>
+    <p:extLst>
+      <p:ext uri="{BB962C8B-B14F-4D97-AF65-F5344CB8AC3E}">
+        <p14:creationId xmlns:p14="http://schemas.microsoft.com/office/powerpoint/2010/main" val="2542279070"/>
+      </p:ext>
+    </p:extLst>
+  </p:cSld>
+  <p:clrMapOvr>
+    <a:masterClrMapping/>
+  </p:clrMapOvr>
+  <p:transition spd="med">
+    <p:pull/>
+  </p:transition>
+</p:sld>
+</file>
+
+<file path=ppt/slides/slide20.xml><?xml version="1.0" encoding="utf-8"?>
 <p:sld xmlns:a="http://schemas.openxmlformats.org/drawingml/2006/main" xmlns:r="http://schemas.openxmlformats.org/officeDocument/2006/relationships" xmlns:p="http://schemas.openxmlformats.org/presentationml/2006/main">
   <p:cSld>
     <p:spTree>
@@ -6469,7 +3756,7 @@
           <p:cNvPr id="2" name="Textplatzhalter 1">
             <a:extLst>
               <a:ext uri="{FF2B5EF4-FFF2-40B4-BE49-F238E27FC236}">
-                <a16:creationId xmlns:a16="http://schemas.microsoft.com/office/drawing/2014/main" id="{B3CBF527-C4B7-7D7B-65FC-93D6110988E7}"/>
+                <a16:creationId xmlns:a16="http://schemas.microsoft.com/office/drawing/2014/main" id="{C9F61EB1-1D4F-CA13-7126-0B481D4AA26D}"/>
               </a:ext>
             </a:extLst>
           </p:cNvPr>
@@ -6480,69 +3767,206 @@
             <p:ph type="body" sz="half" idx="4294967295"/>
           </p:nvPr>
         </p:nvSpPr>
-        <p:spPr/>
+        <p:spPr>
+          <a:xfrm>
+            <a:off x="4938669" y="2209800"/>
+            <a:ext cx="14506661" cy="9296400"/>
+          </a:xfrm>
+        </p:spPr>
         <p:txBody>
           <a:bodyPr/>
           <a:lstStyle/>
           <a:p>
             <a:r>
               <a:rPr lang="en-US" dirty="0"/>
-              <a:t>Familiarize yourself with the first sample app </a:t>
-            </a:r>
-            <a:r>
-              <a:rPr lang="en-US" i="1" dirty="0" err="1"/>
-              <a:t>CounterDemoCompose</a:t>
-            </a:r>
-            <a:endParaRPr lang="en-US" i="1" dirty="0"/>
-          </a:p>
-          <a:p>
+              <a:t>State is defined as late as possible, depending on which </a:t>
+            </a:r>
+            <a:r>
+              <a:rPr lang="en-US" dirty="0" err="1"/>
+              <a:t>composables</a:t>
+            </a:r>
             <a:r>
               <a:rPr lang="en-US" dirty="0"/>
-              <a:t>In Compose apps, state is sometimes defined with the </a:t>
-            </a:r>
-            <a:r>
-              <a:rPr lang="en-US" dirty="0">
-                <a:latin typeface="Courier New" panose="02070309020205020404" pitchFamily="49" charset="0"/>
-                <a:cs typeface="Courier New" panose="02070309020205020404" pitchFamily="49" charset="0"/>
-              </a:rPr>
-              <a:t>by</a:t>
-            </a:r>
+              <a:t> will be using it</a:t>
+            </a:r>
+          </a:p>
+          <a:p>
             <a:r>
               <a:rPr lang="en-US" dirty="0"/>
-              <a:t> keyword, sometimes with </a:t>
-            </a:r>
-            <a:r>
-              <a:rPr lang="en-US" dirty="0">
-                <a:latin typeface="Courier New" panose="02070309020205020404" pitchFamily="49" charset="0"/>
-                <a:cs typeface="Courier New" panose="02070309020205020404" pitchFamily="49" charset="0"/>
-              </a:rPr>
-              <a:t>=</a:t>
+              <a:t>Data flows from top to bottom</a:t>
             </a:r>
           </a:p>
           <a:p>
             <a:r>
               <a:rPr lang="en-US" dirty="0"/>
-              <a:t>Modify the code to use </a:t>
-            </a:r>
-            <a:r>
-              <a:rPr lang="en-US" dirty="0">
-                <a:latin typeface="Courier New" panose="02070309020205020404" pitchFamily="49" charset="0"/>
-                <a:cs typeface="Courier New" panose="02070309020205020404" pitchFamily="49" charset="0"/>
-              </a:rPr>
-              <a:t>=</a:t>
-            </a:r>
-          </a:p>
+              <a:t>If possible, behavior is passed to a composable via callbacks</a:t>
+            </a:r>
+          </a:p>
+        </p:txBody>
+      </p:sp>
+    </p:spTree>
+    <p:extLst>
+      <p:ext uri="{BB962C8B-B14F-4D97-AF65-F5344CB8AC3E}">
+        <p14:creationId xmlns:p14="http://schemas.microsoft.com/office/powerpoint/2010/main" val="1828832234"/>
+      </p:ext>
+    </p:extLst>
+  </p:cSld>
+  <p:clrMapOvr>
+    <a:masterClrMapping/>
+  </p:clrMapOvr>
+  <p:transition spd="med">
+    <p:pull/>
+  </p:transition>
+</p:sld>
+</file>
+
+<file path=ppt/slides/slide21.xml><?xml version="1.0" encoding="utf-8"?>
+<p:sld xmlns:a="http://schemas.openxmlformats.org/drawingml/2006/main" xmlns:r="http://schemas.openxmlformats.org/officeDocument/2006/relationships" xmlns:p="http://schemas.openxmlformats.org/presentationml/2006/main">
+  <p:cSld>
+    <p:spTree>
+      <p:nvGrpSpPr>
+        <p:cNvPr id="1" name=""/>
+        <p:cNvGrpSpPr/>
+        <p:nvPr/>
+      </p:nvGrpSpPr>
+      <p:grpSpPr>
+        <a:xfrm>
+          <a:off x="0" y="0"/>
+          <a:ext cx="0" cy="0"/>
+          <a:chOff x="0" y="0"/>
+          <a:chExt cx="0" cy="0"/>
+        </a:xfrm>
+      </p:grpSpPr>
+      <p:sp>
+        <p:nvSpPr>
+          <p:cNvPr id="2" name="Textplatzhalter 1">
+            <a:extLst>
+              <a:ext uri="{FF2B5EF4-FFF2-40B4-BE49-F238E27FC236}">
+                <a16:creationId xmlns:a16="http://schemas.microsoft.com/office/drawing/2014/main" id="{948E95D7-15BB-4DDD-9C97-5926447DD5A6}"/>
+              </a:ext>
+            </a:extLst>
+          </p:cNvPr>
+          <p:cNvSpPr>
+            <a:spLocks noGrp="1"/>
+          </p:cNvSpPr>
+          <p:nvPr>
+            <p:ph type="body" sz="half" idx="4294967295"/>
+          </p:nvPr>
+        </p:nvSpPr>
+        <p:spPr>
+          <a:xfrm>
+            <a:off x="4864528" y="2209800"/>
+            <a:ext cx="14654943" cy="9296400"/>
+          </a:xfrm>
+        </p:spPr>
+        <p:txBody>
+          <a:bodyPr/>
+          <a:lstStyle/>
           <a:p>
             <a:r>
               <a:rPr lang="en-US" dirty="0"/>
-              <a:t>Modify the code so that the state is passed to </a:t>
+              <a:t>Building the UI for the first time is called </a:t>
+            </a:r>
+            <a:r>
+              <a:rPr lang="en-US" b="1" dirty="0"/>
+              <a:t>composition</a:t>
+            </a:r>
+          </a:p>
+          <a:p>
+            <a:r>
+              <a:rPr lang="en-US" b="1" dirty="0"/>
+              <a:t>State changes</a:t>
+            </a:r>
+            <a:r>
+              <a:rPr lang="en-US" dirty="0"/>
+              <a:t> trigger a </a:t>
+            </a:r>
+            <a:r>
+              <a:rPr lang="en-US" b="1" dirty="0" err="1"/>
+              <a:t>recomposition</a:t>
+            </a:r>
+            <a:r>
+              <a:rPr lang="en-US" dirty="0"/>
+              <a:t> of the UI</a:t>
+            </a:r>
+          </a:p>
+          <a:p>
+            <a:r>
+              <a:rPr lang="en-US" dirty="0"/>
+              <a:t>Jetpack Compose makes sure only affected UI elements are redrawn</a:t>
+            </a:r>
+          </a:p>
+        </p:txBody>
+      </p:sp>
+    </p:spTree>
+    <p:extLst>
+      <p:ext uri="{BB962C8B-B14F-4D97-AF65-F5344CB8AC3E}">
+        <p14:creationId xmlns:p14="http://schemas.microsoft.com/office/powerpoint/2010/main" val="1637948066"/>
+      </p:ext>
+    </p:extLst>
+  </p:cSld>
+  <p:clrMapOvr>
+    <a:masterClrMapping/>
+  </p:clrMapOvr>
+  <p:transition spd="med">
+    <p:pull/>
+  </p:transition>
+</p:sld>
+</file>
+
+<file path=ppt/slides/slide22.xml><?xml version="1.0" encoding="utf-8"?>
+<p:sld xmlns:a="http://schemas.openxmlformats.org/drawingml/2006/main" xmlns:r="http://schemas.openxmlformats.org/officeDocument/2006/relationships" xmlns:p="http://schemas.openxmlformats.org/presentationml/2006/main">
+  <p:cSld>
+    <p:spTree>
+      <p:nvGrpSpPr>
+        <p:cNvPr id="1" name=""/>
+        <p:cNvGrpSpPr/>
+        <p:nvPr/>
+      </p:nvGrpSpPr>
+      <p:grpSpPr>
+        <a:xfrm>
+          <a:off x="0" y="0"/>
+          <a:ext cx="0" cy="0"/>
+          <a:chOff x="0" y="0"/>
+          <a:chExt cx="0" cy="0"/>
+        </a:xfrm>
+      </p:grpSpPr>
+      <p:sp>
+        <p:nvSpPr>
+          <p:cNvPr id="2" name="Textplatzhalter 1">
+            <a:extLst>
+              <a:ext uri="{FF2B5EF4-FFF2-40B4-BE49-F238E27FC236}">
+                <a16:creationId xmlns:a16="http://schemas.microsoft.com/office/drawing/2014/main" id="{7B6FA085-4408-5414-E2BD-3DA9AADAAFF9}"/>
+              </a:ext>
+            </a:extLst>
+          </p:cNvPr>
+          <p:cNvSpPr>
+            <a:spLocks noGrp="1"/>
+          </p:cNvSpPr>
+          <p:nvPr>
+            <p:ph type="body" sz="half" idx="4294967295"/>
+          </p:nvPr>
+        </p:nvSpPr>
+        <p:spPr>
+          <a:xfrm>
+            <a:off x="5729502" y="2209800"/>
+            <a:ext cx="12924996" cy="9296400"/>
+          </a:xfrm>
+        </p:spPr>
+        <p:txBody>
+          <a:bodyPr/>
+          <a:lstStyle/>
+          <a:p>
+            <a:r>
+              <a:rPr lang="en-US" dirty="0"/>
+              <a:t>We create state with </a:t>
             </a:r>
             <a:r>
               <a:rPr lang="en-US" dirty="0" err="1">
                 <a:latin typeface="Courier New" panose="02070309020205020404" pitchFamily="49" charset="0"/>
                 <a:cs typeface="Courier New" panose="02070309020205020404" pitchFamily="49" charset="0"/>
               </a:rPr>
-              <a:t>CounterDemo</a:t>
+              <a:t>mutableStateOf</a:t>
             </a:r>
             <a:r>
               <a:rPr lang="en-US" dirty="0">
@@ -6552,46 +3976,545 @@
               <a:t>()</a:t>
             </a:r>
           </a:p>
+          <a:p>
+            <a:r>
+              <a:rPr lang="en-US" dirty="0">
+                <a:cs typeface="Courier New" panose="02070309020205020404" pitchFamily="49" charset="0"/>
+              </a:rPr>
+              <a:t>We </a:t>
+            </a:r>
+            <a:r>
+              <a:rPr lang="en-US" dirty="0">
+                <a:latin typeface="Courier New" panose="02070309020205020404" pitchFamily="49" charset="0"/>
+                <a:cs typeface="Courier New" panose="02070309020205020404" pitchFamily="49" charset="0"/>
+              </a:rPr>
+              <a:t>remember</a:t>
+            </a:r>
+            <a:r>
+              <a:rPr lang="en-US" dirty="0">
+                <a:cs typeface="Courier New" panose="02070309020205020404" pitchFamily="49" charset="0"/>
+              </a:rPr>
+              <a:t> state</a:t>
+            </a:r>
+          </a:p>
+          <a:p>
+            <a:r>
+              <a:rPr lang="en-US" dirty="0">
+                <a:cs typeface="Courier New" panose="02070309020205020404" pitchFamily="49" charset="0"/>
+              </a:rPr>
+              <a:t>We assign state to a variable to read and change it</a:t>
+            </a:r>
+          </a:p>
         </p:txBody>
       </p:sp>
-      <p:sp>
-        <p:nvSpPr>
-          <p:cNvPr id="6" name="Rechteck: gefaltete Ecke 5">
+    </p:spTree>
+    <p:extLst>
+      <p:ext uri="{BB962C8B-B14F-4D97-AF65-F5344CB8AC3E}">
+        <p14:creationId xmlns:p14="http://schemas.microsoft.com/office/powerpoint/2010/main" val="2939189408"/>
+      </p:ext>
+    </p:extLst>
+  </p:cSld>
+  <p:clrMapOvr>
+    <a:masterClrMapping/>
+  </p:clrMapOvr>
+  <p:transition spd="med">
+    <p:pull/>
+  </p:transition>
+</p:sld>
+</file>
+
+<file path=ppt/slides/slide23.xml><?xml version="1.0" encoding="utf-8"?>
+<p:sld xmlns:a="http://schemas.openxmlformats.org/drawingml/2006/main" xmlns:r="http://schemas.openxmlformats.org/officeDocument/2006/relationships" xmlns:p="http://schemas.openxmlformats.org/presentationml/2006/main">
+  <p:cSld>
+    <p:spTree>
+      <p:nvGrpSpPr>
+        <p:cNvPr id="1" name=""/>
+        <p:cNvGrpSpPr/>
+        <p:nvPr/>
+      </p:nvGrpSpPr>
+      <p:grpSpPr>
+        <a:xfrm>
+          <a:off x="0" y="0"/>
+          <a:ext cx="0" cy="0"/>
+          <a:chOff x="0" y="0"/>
+          <a:chExt cx="0" cy="0"/>
+        </a:xfrm>
+      </p:grpSpPr>
+      <p:pic>
+        <p:nvPicPr>
+          <p:cNvPr id="4" name="Picture 3">
             <a:extLst>
               <a:ext uri="{FF2B5EF4-FFF2-40B4-BE49-F238E27FC236}">
-                <a16:creationId xmlns:a16="http://schemas.microsoft.com/office/drawing/2014/main" id="{32B731E7-CA10-3EB4-7180-4DC5034B0655}"/>
+                <a16:creationId xmlns:a16="http://schemas.microsoft.com/office/drawing/2014/main" id="{5ED1B169-5C3F-F8D4-9ECF-4C08ED43AD21}"/>
               </a:ext>
             </a:extLst>
           </p:cNvPr>
-          <p:cNvSpPr/>
+          <p:cNvPicPr>
+            <a:picLocks noChangeAspect="1"/>
+          </p:cNvPicPr>
+          <p:nvPr/>
+        </p:nvPicPr>
+        <p:blipFill>
+          <a:blip r:embed="rId2"/>
+          <a:stretch>
+            <a:fillRect/>
+          </a:stretch>
+        </p:blipFill>
+        <p:spPr>
+          <a:xfrm>
+            <a:off x="1898821" y="380816"/>
+            <a:ext cx="10997514" cy="12954367"/>
+          </a:xfrm>
+          <a:prstGeom prst="rect">
+            <a:avLst/>
+          </a:prstGeom>
+        </p:spPr>
+      </p:pic>
+      <p:sp>
+        <p:nvSpPr>
+          <p:cNvPr id="5" name="Textplatzhalter 1">
+            <a:extLst>
+              <a:ext uri="{FF2B5EF4-FFF2-40B4-BE49-F238E27FC236}">
+                <a16:creationId xmlns:a16="http://schemas.microsoft.com/office/drawing/2014/main" id="{E3E6E7D1-6555-BCAE-F24F-5CE0FEBED97A}"/>
+              </a:ext>
+            </a:extLst>
+          </p:cNvPr>
+          <p:cNvSpPr txBox="1">
+            <a:spLocks/>
+          </p:cNvSpPr>
           <p:nvPr/>
         </p:nvSpPr>
         <p:spPr>
           <a:xfrm>
-            <a:off x="556590" y="474061"/>
-            <a:ext cx="4512366" cy="514231"/>
+            <a:off x="13740712" y="2209800"/>
+            <a:ext cx="10301331" cy="9296400"/>
           </a:xfrm>
-          <a:prstGeom prst="foldedCorner">
+          <a:prstGeom prst="rect">
             <a:avLst/>
           </a:prstGeom>
-          <a:ln/>
+          <a:ln w="12700">
+            <a:miter lim="400000"/>
+          </a:ln>
+          <a:extLst>
+            <a:ext uri="{C572A759-6A51-4108-AA02-DFA0A04FC94B}">
+              <ma14:wrappingTextBoxFlag xmlns="" xmlns:m="http://schemas.openxmlformats.org/officeDocument/2006/math" xmlns:a14="http://schemas.microsoft.com/office/drawing/2010/main" xmlns:ma14="http://schemas.microsoft.com/office/mac/drawingml/2011/main" val="1"/>
+            </a:ext>
+          </a:extLst>
+        </p:spPr>
+        <p:txBody>
+          <a:bodyPr lIns="50800" tIns="50800" rIns="50800" bIns="50800" anchor="ctr">
+            <a:normAutofit/>
+          </a:bodyPr>
+          <a:lstStyle>
+            <a:lvl1pPr marL="635000" marR="0" indent="-635000" algn="l" defTabSz="825500" latinLnBrk="0">
+              <a:lnSpc>
+                <a:spcPct val="100000"/>
+              </a:lnSpc>
+              <a:spcBef>
+                <a:spcPts val="5900"/>
+              </a:spcBef>
+              <a:spcAft>
+                <a:spcPts val="0"/>
+              </a:spcAft>
+              <a:buClrTx/>
+              <a:buSzPct val="125000"/>
+              <a:buFontTx/>
+              <a:buChar char="•"/>
+              <a:tabLst/>
+              <a:defRPr sz="4800" b="0" i="0" u="none" strike="noStrike" cap="none" spc="0" baseline="0">
+                <a:solidFill>
+                  <a:srgbClr val="000000"/>
+                </a:solidFill>
+                <a:uFillTx/>
+                <a:latin typeface="+mn-lt"/>
+                <a:ea typeface="Helvetica Neue"/>
+                <a:cs typeface="Helvetica Neue"/>
+                <a:sym typeface="Helvetica Neue"/>
+              </a:defRPr>
+            </a:lvl1pPr>
+            <a:lvl2pPr marL="1270000" marR="0" indent="-635000" algn="l" defTabSz="825500" latinLnBrk="0">
+              <a:lnSpc>
+                <a:spcPct val="100000"/>
+              </a:lnSpc>
+              <a:spcBef>
+                <a:spcPts val="5900"/>
+              </a:spcBef>
+              <a:spcAft>
+                <a:spcPts val="0"/>
+              </a:spcAft>
+              <a:buClrTx/>
+              <a:buSzPct val="125000"/>
+              <a:buFontTx/>
+              <a:buChar char="•"/>
+              <a:tabLst/>
+              <a:defRPr sz="4800" b="0" i="0" u="none" strike="noStrike" cap="none" spc="0" baseline="0">
+                <a:solidFill>
+                  <a:srgbClr val="000000"/>
+                </a:solidFill>
+                <a:uFillTx/>
+                <a:latin typeface="+mn-lt"/>
+                <a:ea typeface="Helvetica Neue"/>
+                <a:cs typeface="Helvetica Neue"/>
+                <a:sym typeface="Helvetica Neue"/>
+              </a:defRPr>
+            </a:lvl2pPr>
+            <a:lvl3pPr marL="1905000" marR="0" indent="-635000" algn="l" defTabSz="825500" latinLnBrk="0">
+              <a:lnSpc>
+                <a:spcPct val="100000"/>
+              </a:lnSpc>
+              <a:spcBef>
+                <a:spcPts val="5900"/>
+              </a:spcBef>
+              <a:spcAft>
+                <a:spcPts val="0"/>
+              </a:spcAft>
+              <a:buClrTx/>
+              <a:buSzPct val="125000"/>
+              <a:buFontTx/>
+              <a:buChar char="•"/>
+              <a:tabLst/>
+              <a:defRPr sz="4800" b="0" i="0" u="none" strike="noStrike" cap="none" spc="0" baseline="0">
+                <a:solidFill>
+                  <a:srgbClr val="000000"/>
+                </a:solidFill>
+                <a:uFillTx/>
+                <a:latin typeface="+mn-lt"/>
+                <a:ea typeface="Helvetica Neue"/>
+                <a:cs typeface="Helvetica Neue"/>
+                <a:sym typeface="Helvetica Neue"/>
+              </a:defRPr>
+            </a:lvl3pPr>
+            <a:lvl4pPr marL="2540000" marR="0" indent="-635000" algn="l" defTabSz="825500" latinLnBrk="0">
+              <a:lnSpc>
+                <a:spcPct val="100000"/>
+              </a:lnSpc>
+              <a:spcBef>
+                <a:spcPts val="5900"/>
+              </a:spcBef>
+              <a:spcAft>
+                <a:spcPts val="0"/>
+              </a:spcAft>
+              <a:buClrTx/>
+              <a:buSzPct val="125000"/>
+              <a:buFontTx/>
+              <a:buChar char="•"/>
+              <a:tabLst/>
+              <a:defRPr sz="4800" b="0" i="0" u="none" strike="noStrike" cap="none" spc="0" baseline="0">
+                <a:solidFill>
+                  <a:srgbClr val="000000"/>
+                </a:solidFill>
+                <a:uFillTx/>
+                <a:latin typeface="+mn-lt"/>
+                <a:ea typeface="Helvetica Neue"/>
+                <a:cs typeface="Helvetica Neue"/>
+                <a:sym typeface="Helvetica Neue"/>
+              </a:defRPr>
+            </a:lvl4pPr>
+            <a:lvl5pPr marL="3175000" marR="0" indent="-635000" algn="l" defTabSz="825500" latinLnBrk="0">
+              <a:lnSpc>
+                <a:spcPct val="100000"/>
+              </a:lnSpc>
+              <a:spcBef>
+                <a:spcPts val="5900"/>
+              </a:spcBef>
+              <a:spcAft>
+                <a:spcPts val="0"/>
+              </a:spcAft>
+              <a:buClrTx/>
+              <a:buSzPct val="125000"/>
+              <a:buFontTx/>
+              <a:buChar char="•"/>
+              <a:tabLst/>
+              <a:defRPr sz="4800" b="0" i="0" u="none" strike="noStrike" cap="none" spc="0" baseline="0">
+                <a:solidFill>
+                  <a:srgbClr val="000000"/>
+                </a:solidFill>
+                <a:uFillTx/>
+                <a:latin typeface="+mn-lt"/>
+                <a:ea typeface="Helvetica Neue"/>
+                <a:cs typeface="Helvetica Neue"/>
+                <a:sym typeface="Helvetica Neue"/>
+              </a:defRPr>
+            </a:lvl5pPr>
+            <a:lvl6pPr marL="3810000" marR="0" indent="-635000" algn="l" defTabSz="825500" latinLnBrk="0">
+              <a:lnSpc>
+                <a:spcPct val="100000"/>
+              </a:lnSpc>
+              <a:spcBef>
+                <a:spcPts val="5900"/>
+              </a:spcBef>
+              <a:spcAft>
+                <a:spcPts val="0"/>
+              </a:spcAft>
+              <a:buClrTx/>
+              <a:buSzPct val="125000"/>
+              <a:buFontTx/>
+              <a:buChar char="•"/>
+              <a:tabLst/>
+              <a:defRPr sz="5200" b="0" i="0" u="none" strike="noStrike" cap="none" spc="0" baseline="0">
+                <a:solidFill>
+                  <a:srgbClr val="000000"/>
+                </a:solidFill>
+                <a:uFillTx/>
+                <a:latin typeface="Helvetica Neue"/>
+                <a:ea typeface="Helvetica Neue"/>
+                <a:cs typeface="Helvetica Neue"/>
+                <a:sym typeface="Helvetica Neue"/>
+              </a:defRPr>
+            </a:lvl6pPr>
+            <a:lvl7pPr marL="4445000" marR="0" indent="-635000" algn="l" defTabSz="825500" latinLnBrk="0">
+              <a:lnSpc>
+                <a:spcPct val="100000"/>
+              </a:lnSpc>
+              <a:spcBef>
+                <a:spcPts val="5900"/>
+              </a:spcBef>
+              <a:spcAft>
+                <a:spcPts val="0"/>
+              </a:spcAft>
+              <a:buClrTx/>
+              <a:buSzPct val="125000"/>
+              <a:buFontTx/>
+              <a:buChar char="•"/>
+              <a:tabLst/>
+              <a:defRPr sz="5200" b="0" i="0" u="none" strike="noStrike" cap="none" spc="0" baseline="0">
+                <a:solidFill>
+                  <a:srgbClr val="000000"/>
+                </a:solidFill>
+                <a:uFillTx/>
+                <a:latin typeface="Helvetica Neue"/>
+                <a:ea typeface="Helvetica Neue"/>
+                <a:cs typeface="Helvetica Neue"/>
+                <a:sym typeface="Helvetica Neue"/>
+              </a:defRPr>
+            </a:lvl7pPr>
+            <a:lvl8pPr marL="5080000" marR="0" indent="-635000" algn="l" defTabSz="825500" latinLnBrk="0">
+              <a:lnSpc>
+                <a:spcPct val="100000"/>
+              </a:lnSpc>
+              <a:spcBef>
+                <a:spcPts val="5900"/>
+              </a:spcBef>
+              <a:spcAft>
+                <a:spcPts val="0"/>
+              </a:spcAft>
+              <a:buClrTx/>
+              <a:buSzPct val="125000"/>
+              <a:buFontTx/>
+              <a:buChar char="•"/>
+              <a:tabLst/>
+              <a:defRPr sz="5200" b="0" i="0" u="none" strike="noStrike" cap="none" spc="0" baseline="0">
+                <a:solidFill>
+                  <a:srgbClr val="000000"/>
+                </a:solidFill>
+                <a:uFillTx/>
+                <a:latin typeface="Helvetica Neue"/>
+                <a:ea typeface="Helvetica Neue"/>
+                <a:cs typeface="Helvetica Neue"/>
+                <a:sym typeface="Helvetica Neue"/>
+              </a:defRPr>
+            </a:lvl8pPr>
+            <a:lvl9pPr marL="5715000" marR="0" indent="-635000" algn="l" defTabSz="825500" latinLnBrk="0">
+              <a:lnSpc>
+                <a:spcPct val="100000"/>
+              </a:lnSpc>
+              <a:spcBef>
+                <a:spcPts val="5900"/>
+              </a:spcBef>
+              <a:spcAft>
+                <a:spcPts val="0"/>
+              </a:spcAft>
+              <a:buClrTx/>
+              <a:buSzPct val="125000"/>
+              <a:buFontTx/>
+              <a:buChar char="•"/>
+              <a:tabLst/>
+              <a:defRPr sz="5200" b="0" i="0" u="none" strike="noStrike" cap="none" spc="0" baseline="0">
+                <a:solidFill>
+                  <a:srgbClr val="000000"/>
+                </a:solidFill>
+                <a:uFillTx/>
+                <a:latin typeface="Helvetica Neue"/>
+                <a:ea typeface="Helvetica Neue"/>
+                <a:cs typeface="Helvetica Neue"/>
+                <a:sym typeface="Helvetica Neue"/>
+              </a:defRPr>
+            </a:lvl9pPr>
+          </a:lstStyle>
+          <a:p>
+            <a:pPr hangingPunct="1"/>
+            <a:r>
+              <a:rPr lang="en-US" dirty="0"/>
+              <a:t>We create state with </a:t>
+            </a:r>
+            <a:r>
+              <a:rPr lang="en-US" dirty="0" err="1">
+                <a:latin typeface="Courier New" panose="02070309020205020404" pitchFamily="49" charset="0"/>
+                <a:cs typeface="Courier New" panose="02070309020205020404" pitchFamily="49" charset="0"/>
+              </a:rPr>
+              <a:t>mutableStateOf</a:t>
+            </a:r>
+            <a:r>
+              <a:rPr lang="en-US" dirty="0">
+                <a:latin typeface="Courier New" panose="02070309020205020404" pitchFamily="49" charset="0"/>
+                <a:cs typeface="Courier New" panose="02070309020205020404" pitchFamily="49" charset="0"/>
+              </a:rPr>
+              <a:t>()</a:t>
+            </a:r>
+          </a:p>
+          <a:p>
+            <a:pPr hangingPunct="1"/>
+            <a:r>
+              <a:rPr lang="en-US" dirty="0">
+                <a:cs typeface="Courier New" panose="02070309020205020404" pitchFamily="49" charset="0"/>
+              </a:rPr>
+              <a:t>We </a:t>
+            </a:r>
+            <a:r>
+              <a:rPr lang="en-US" dirty="0">
+                <a:latin typeface="Courier New" panose="02070309020205020404" pitchFamily="49" charset="0"/>
+                <a:cs typeface="Courier New" panose="02070309020205020404" pitchFamily="49" charset="0"/>
+              </a:rPr>
+              <a:t>remember</a:t>
+            </a:r>
+            <a:r>
+              <a:rPr lang="en-US" dirty="0">
+                <a:cs typeface="Courier New" panose="02070309020205020404" pitchFamily="49" charset="0"/>
+              </a:rPr>
+              <a:t> state</a:t>
+            </a:r>
+          </a:p>
+          <a:p>
+            <a:pPr hangingPunct="1"/>
+            <a:r>
+              <a:rPr lang="en-US" dirty="0">
+                <a:cs typeface="Courier New" panose="02070309020205020404" pitchFamily="49" charset="0"/>
+              </a:rPr>
+              <a:t>We assign state to a variable to read and change it</a:t>
+            </a:r>
+          </a:p>
+        </p:txBody>
+      </p:sp>
+    </p:spTree>
+    <p:extLst>
+      <p:ext uri="{BB962C8B-B14F-4D97-AF65-F5344CB8AC3E}">
+        <p14:creationId xmlns:p14="http://schemas.microsoft.com/office/powerpoint/2010/main" val="2692901760"/>
+      </p:ext>
+    </p:extLst>
+  </p:cSld>
+  <p:clrMapOvr>
+    <a:masterClrMapping/>
+  </p:clrMapOvr>
+  <p:transition spd="med">
+    <p:pull/>
+  </p:transition>
+</p:sld>
+</file>
+
+<file path=ppt/slides/slide24.xml><?xml version="1.0" encoding="utf-8"?>
+<p:sld xmlns:a="http://schemas.openxmlformats.org/drawingml/2006/main" xmlns:r="http://schemas.openxmlformats.org/officeDocument/2006/relationships" xmlns:p="http://schemas.openxmlformats.org/presentationml/2006/main">
+  <p:cSld>
+    <p:spTree>
+      <p:nvGrpSpPr>
+        <p:cNvPr id="1" name=""/>
+        <p:cNvGrpSpPr/>
+        <p:nvPr/>
+      </p:nvGrpSpPr>
+      <p:grpSpPr>
+        <a:xfrm>
+          <a:off x="0" y="0"/>
+          <a:ext cx="0" cy="0"/>
+          <a:chOff x="0" y="0"/>
+          <a:chExt cx="0" cy="0"/>
+        </a:xfrm>
+      </p:grpSpPr>
+      <p:pic>
+        <p:nvPicPr>
+          <p:cNvPr id="2050" name="Picture 2" descr="orange and black usb cable on brown wooden surface">
+            <a:extLst>
+              <a:ext uri="{FF2B5EF4-FFF2-40B4-BE49-F238E27FC236}">
+                <a16:creationId xmlns:a16="http://schemas.microsoft.com/office/drawing/2014/main" id="{725B93DA-EB08-318B-F301-FC5A90E65F10}"/>
+              </a:ext>
+            </a:extLst>
+          </p:cNvPr>
+          <p:cNvPicPr>
+            <a:picLocks noChangeAspect="1" noChangeArrowheads="1"/>
+          </p:cNvPicPr>
+          <p:nvPr/>
+        </p:nvPicPr>
+        <p:blipFill rotWithShape="1">
+          <a:blip r:embed="rId2" cstate="print">
+            <a:extLst>
+              <a:ext uri="{28A0092B-C50C-407E-A947-70E740481C1C}">
+                <a14:useLocalDpi xmlns:a14="http://schemas.microsoft.com/office/drawing/2010/main" val="0"/>
+              </a:ext>
+            </a:extLst>
+          </a:blip>
+          <a:srcRect/>
+          <a:stretch/>
+        </p:blipFill>
+        <p:spPr bwMode="auto">
+          <a:xfrm>
+            <a:off x="-56825" y="-1"/>
+            <a:ext cx="24440826" cy="13716001"/>
+          </a:xfrm>
+          <a:prstGeom prst="rect">
+            <a:avLst/>
+          </a:prstGeom>
+          <a:noFill/>
+          <a:extLst>
+            <a:ext uri="{909E8E84-426E-40DD-AFC4-6F175D3DCCD1}">
+              <a14:hiddenFill xmlns:a14="http://schemas.microsoft.com/office/drawing/2010/main">
+                <a:solidFill>
+                  <a:srgbClr val="FFFFFF"/>
+                </a:solidFill>
+              </a14:hiddenFill>
+            </a:ext>
+          </a:extLst>
+        </p:spPr>
+      </p:pic>
+      <p:sp>
+        <p:nvSpPr>
+          <p:cNvPr id="4" name="Textfeld 3">
+            <a:extLst>
+              <a:ext uri="{FF2B5EF4-FFF2-40B4-BE49-F238E27FC236}">
+                <a16:creationId xmlns:a16="http://schemas.microsoft.com/office/drawing/2014/main" id="{2391E337-6156-AC79-C285-CA4AA4BD7173}"/>
+              </a:ext>
+            </a:extLst>
+          </p:cNvPr>
+          <p:cNvSpPr txBox="1"/>
+          <p:nvPr/>
+        </p:nvSpPr>
+        <p:spPr>
+          <a:xfrm>
+            <a:off x="2279556" y="9785275"/>
+            <a:ext cx="4823436" cy="1579920"/>
+          </a:xfrm>
+          <a:prstGeom prst="rect">
+            <a:avLst/>
+          </a:prstGeom>
+          <a:noFill/>
+          <a:ln w="12700" cap="flat">
+            <a:noFill/>
+            <a:miter lim="400000"/>
+          </a:ln>
+          <a:effectLst/>
+          <a:sp3d/>
         </p:spPr>
         <p:style>
-          <a:lnRef idx="1">
-            <a:schemeClr val="accent4"/>
+          <a:lnRef idx="0">
+            <a:scrgbClr r="0" g="0" b="0"/>
           </a:lnRef>
-          <a:fillRef idx="2">
-            <a:schemeClr val="accent4"/>
+          <a:fillRef idx="0">
+            <a:scrgbClr r="0" g="0" b="0"/>
           </a:fillRef>
-          <a:effectRef idx="1">
-            <a:schemeClr val="accent4"/>
+          <a:effectRef idx="0">
+            <a:scrgbClr r="0" g="0" b="0"/>
           </a:effectRef>
-          <a:fontRef idx="minor">
-            <a:schemeClr val="dk1"/>
-          </a:fontRef>
+          <a:fontRef idx="none"/>
         </p:style>
         <p:txBody>
-          <a:bodyPr rot="0" spcFirstLastPara="1" vertOverflow="overflow" horzOverflow="overflow" vert="horz" wrap="square" lIns="0" tIns="0" rIns="0" bIns="0" numCol="1" spcCol="38100" rtlCol="0" anchor="ctr">
+          <a:bodyPr rot="0" spcFirstLastPara="1" vertOverflow="overflow" horzOverflow="overflow" vert="horz" wrap="none" lIns="50800" tIns="50800" rIns="50800" bIns="50800" numCol="1" spcCol="38100" rtlCol="0" anchor="ctr">
             <a:spAutoFit/>
           </a:bodyPr>
           <a:lstStyle/>
@@ -6613,43 +4536,81 @@
               <a:tabLst/>
             </a:pPr>
             <a:r>
-              <a:rPr kumimoji="0" lang="en-US" sz="2800" b="0" i="0" u="none" strike="noStrike" cap="none" spc="0" normalizeH="0" baseline="0" dirty="0" err="1">
+              <a:rPr kumimoji="0" lang="en-US" sz="9600" b="0" i="0" u="none" strike="noStrike" cap="none" spc="0" normalizeH="0" baseline="0" dirty="0">
                 <a:ln>
                   <a:noFill/>
                 </a:ln>
                 <a:solidFill>
-                  <a:schemeClr val="tx1"/>
+                  <a:schemeClr val="bg1"/>
                 </a:solidFill>
                 <a:effectLst/>
                 <a:uFillTx/>
-                <a:latin typeface="+mn-lt"/>
-                <a:ea typeface="+mn-ea"/>
-                <a:cs typeface="+mn-cs"/>
-                <a:sym typeface="Helvetica Neue Medium"/>
+                <a:latin typeface="+mj-lt"/>
+                <a:ea typeface="Helvetica Neue"/>
+                <a:cs typeface="Helvetica Neue"/>
+                <a:sym typeface="Helvetica Neue"/>
               </a:rPr>
-              <a:t>CounterDemoCompose</a:t>
-            </a:r>
-            <a:endParaRPr kumimoji="0" lang="en-US" sz="2800" b="0" i="0" u="none" strike="noStrike" cap="none" spc="0" normalizeH="0" baseline="0" dirty="0">
-              <a:ln>
-                <a:noFill/>
-              </a:ln>
-              <a:solidFill>
-                <a:schemeClr val="tx1"/>
-              </a:solidFill>
-              <a:effectLst/>
-              <a:uFillTx/>
-              <a:latin typeface="+mn-lt"/>
-              <a:ea typeface="+mn-ea"/>
-              <a:cs typeface="+mn-cs"/>
-              <a:sym typeface="Helvetica Neue Medium"/>
-            </a:endParaRPr>
+              <a:t>Exercise</a:t>
+            </a:r>
+          </a:p>
+        </p:txBody>
+      </p:sp>
+      <p:sp>
+        <p:nvSpPr>
+          <p:cNvPr id="6" name="https://unsplash.com/photos/QgeIMfZJgFs">
+            <a:extLst>
+              <a:ext uri="{FF2B5EF4-FFF2-40B4-BE49-F238E27FC236}">
+                <a16:creationId xmlns:a16="http://schemas.microsoft.com/office/drawing/2014/main" id="{FAA14030-C353-4EDD-6537-BD8E91F76353}"/>
+              </a:ext>
+            </a:extLst>
+          </p:cNvPr>
+          <p:cNvSpPr txBox="1"/>
+          <p:nvPr/>
+        </p:nvSpPr>
+        <p:spPr>
+          <a:xfrm>
+            <a:off x="0" y="13155550"/>
+            <a:ext cx="8890000" cy="560450"/>
+          </a:xfrm>
+          <a:prstGeom prst="rect">
+            <a:avLst/>
+          </a:prstGeom>
+          <a:ln w="12700">
+            <a:miter lim="400000"/>
+          </a:ln>
+          <a:extLst>
+            <a:ext uri="{C572A759-6A51-4108-AA02-DFA0A04FC94B}">
+              <ma14:wrappingTextBoxFlag xmlns:ma14="http://schemas.microsoft.com/office/mac/drawingml/2011/main" xmlns:a14="http://schemas.microsoft.com/office/drawing/2010/main" xmlns:m="http://schemas.openxmlformats.org/officeDocument/2006/math" xmlns="" val="1"/>
+            </a:ext>
+          </a:extLst>
+        </p:spPr>
+        <p:txBody>
+          <a:bodyPr lIns="50800" tIns="50800" rIns="50800" bIns="50800" anchor="ctr">
+            <a:spAutoFit/>
+          </a:bodyPr>
+          <a:lstStyle>
+            <a:lvl1pPr algn="r">
+              <a:defRPr>
+                <a:solidFill>
+                  <a:srgbClr val="FFFFFF"/>
+                </a:solidFill>
+              </a:defRPr>
+            </a:lvl1pPr>
+          </a:lstStyle>
+          <a:p>
+            <a:pPr algn="l"/>
+            <a:r>
+              <a:rPr lang="de-DE" dirty="0"/>
+              <a:t>https://unsplash.com/photos/IZOAOjvwhaM</a:t>
+            </a:r>
+            <a:endParaRPr dirty="0"/>
           </a:p>
         </p:txBody>
       </p:sp>
     </p:spTree>
     <p:extLst>
       <p:ext uri="{BB962C8B-B14F-4D97-AF65-F5344CB8AC3E}">
-        <p14:creationId xmlns:p14="http://schemas.microsoft.com/office/powerpoint/2010/main" val="249298131"/>
+        <p14:creationId xmlns:p14="http://schemas.microsoft.com/office/powerpoint/2010/main" val="2214147820"/>
       </p:ext>
     </p:extLst>
   </p:cSld>
@@ -6663,6 +4624,142 @@
 </file>
 
 <file path=ppt/slides/slide25.xml><?xml version="1.0" encoding="utf-8"?>
+<p:sld xmlns:a="http://schemas.openxmlformats.org/drawingml/2006/main" xmlns:r="http://schemas.openxmlformats.org/officeDocument/2006/relationships" xmlns:p="http://schemas.openxmlformats.org/presentationml/2006/main">
+  <p:cSld>
+    <p:spTree>
+      <p:nvGrpSpPr>
+        <p:cNvPr id="1" name=""/>
+        <p:cNvGrpSpPr/>
+        <p:nvPr/>
+      </p:nvGrpSpPr>
+      <p:grpSpPr>
+        <a:xfrm>
+          <a:off x="0" y="0"/>
+          <a:ext cx="0" cy="0"/>
+          <a:chOff x="0" y="0"/>
+          <a:chExt cx="0" cy="0"/>
+        </a:xfrm>
+      </p:grpSpPr>
+      <p:sp>
+        <p:nvSpPr>
+          <p:cNvPr id="2" name="Text Placeholder 1">
+            <a:extLst>
+              <a:ext uri="{FF2B5EF4-FFF2-40B4-BE49-F238E27FC236}">
+                <a16:creationId xmlns:a16="http://schemas.microsoft.com/office/drawing/2014/main" id="{CEBD9AA5-335C-06F9-8B96-AB19598B3B39}"/>
+              </a:ext>
+            </a:extLst>
+          </p:cNvPr>
+          <p:cNvSpPr>
+            <a:spLocks noGrp="1"/>
+          </p:cNvSpPr>
+          <p:nvPr>
+            <p:ph type="body" sz="half" idx="4294967295"/>
+          </p:nvPr>
+        </p:nvSpPr>
+        <p:spPr>
+          <a:xfrm>
+            <a:off x="4086671" y="1235675"/>
+            <a:ext cx="16210658" cy="11244649"/>
+          </a:xfrm>
+        </p:spPr>
+        <p:txBody>
+          <a:bodyPr>
+            <a:normAutofit/>
+          </a:bodyPr>
+          <a:lstStyle/>
+          <a:p>
+            <a:r>
+              <a:rPr lang="de-DE" dirty="0"/>
+              <a:t>S</a:t>
+            </a:r>
+            <a:r>
+              <a:rPr lang="en-US" dirty="0"/>
+              <a:t>witch to branch </a:t>
+            </a:r>
+            <a:r>
+              <a:rPr lang="en-US" dirty="0">
+                <a:latin typeface="Courier New" panose="02070309020205020404" pitchFamily="49" charset="0"/>
+                <a:cs typeface="Courier New" panose="02070309020205020404" pitchFamily="49" charset="0"/>
+              </a:rPr>
+              <a:t>01_add_compose</a:t>
+            </a:r>
+            <a:r>
+              <a:rPr lang="en-US" dirty="0"/>
+              <a:t> of the </a:t>
+            </a:r>
+            <a:r>
+              <a:rPr lang="en-US" dirty="0" err="1">
+                <a:latin typeface="Courier New" panose="02070309020205020404" pitchFamily="49" charset="0"/>
+                <a:cs typeface="Courier New" panose="02070309020205020404" pitchFamily="49" charset="0"/>
+              </a:rPr>
+              <a:t>compose_workshop</a:t>
+            </a:r>
+            <a:r>
+              <a:rPr lang="en-US" dirty="0"/>
+              <a:t> repository (</a:t>
+            </a:r>
+            <a:r>
+              <a:rPr lang="en-US" dirty="0">
+                <a:hlinkClick r:id="rId2"/>
+              </a:rPr>
+              <a:t>https://github.com/tkuenneth/compose_workshop</a:t>
+            </a:r>
+            <a:r>
+              <a:rPr lang="en-US" dirty="0"/>
+              <a:t>)</a:t>
+            </a:r>
+          </a:p>
+          <a:p>
+            <a:r>
+              <a:rPr lang="en-US" dirty="0"/>
+              <a:t>Run the app to make sure everything works</a:t>
+            </a:r>
+          </a:p>
+          <a:p>
+            <a:r>
+              <a:rPr lang="en-US" dirty="0">
+                <a:cs typeface="Courier New" panose="02070309020205020404" pitchFamily="49" charset="0"/>
+              </a:rPr>
+              <a:t>Implement a counter that is increased when a button is clicked, and show the current value</a:t>
+            </a:r>
+            <a:endParaRPr lang="en-001" dirty="0">
+              <a:cs typeface="Courier New" panose="02070309020205020404" pitchFamily="49" charset="0"/>
+            </a:endParaRPr>
+          </a:p>
+          <a:p>
+            <a:r>
+              <a:rPr lang="en-001" dirty="0">
+                <a:cs typeface="Courier New" panose="02070309020205020404" pitchFamily="49" charset="0"/>
+              </a:rPr>
+              <a:t>A working version can be found on branch </a:t>
+            </a:r>
+            <a:r>
+              <a:rPr lang="en-US" dirty="0">
+                <a:latin typeface="Courier New" panose="02070309020205020404" pitchFamily="49" charset="0"/>
+                <a:cs typeface="Courier New" panose="02070309020205020404" pitchFamily="49" charset="0"/>
+              </a:rPr>
+              <a:t>02_counter_demo</a:t>
+            </a:r>
+          </a:p>
+        </p:txBody>
+      </p:sp>
+    </p:spTree>
+    <p:extLst>
+      <p:ext uri="{BB962C8B-B14F-4D97-AF65-F5344CB8AC3E}">
+        <p14:creationId xmlns:p14="http://schemas.microsoft.com/office/powerpoint/2010/main" val="3855135033"/>
+      </p:ext>
+    </p:extLst>
+  </p:cSld>
+  <p:clrMapOvr>
+    <a:masterClrMapping/>
+  </p:clrMapOvr>
+  <p:transition spd="med">
+    <p:pull/>
+  </p:transition>
+</p:sld>
+</file>
+
+<file path=ppt/slides/slide26.xml><?xml version="1.0" encoding="utf-8"?>
 <p:sld xmlns:a="http://schemas.openxmlformats.org/drawingml/2006/main" xmlns:r="http://schemas.openxmlformats.org/officeDocument/2006/relationships" xmlns:p="http://schemas.openxmlformats.org/presentationml/2006/main">
   <p:cSld>
     <p:spTree>
@@ -6721,8 +4818,8 @@
         </p:nvSpPr>
         <p:spPr>
           <a:xfrm>
-            <a:off x="12192000" y="4590712"/>
-            <a:ext cx="9775881" cy="4534575"/>
+            <a:off x="12308602" y="6068039"/>
+            <a:ext cx="9542676" cy="1579920"/>
           </a:xfrm>
           <a:prstGeom prst="rect">
             <a:avLst/>
@@ -6748,20 +4845,6 @@
               <a:defRPr sz="9600" b="0"/>
             </a:lvl1pPr>
           </a:lstStyle>
-          <a:p>
-            <a:pPr algn="l"/>
-            <a:r>
-              <a:rPr lang="de-DE" dirty="0">
-                <a:latin typeface="+mj-lt"/>
-              </a:rPr>
-              <a:t>Questions…?</a:t>
-            </a:r>
-          </a:p>
-          <a:p>
-            <a:endParaRPr lang="de-DE" dirty="0">
-              <a:latin typeface="+mj-lt"/>
-            </a:endParaRPr>
-          </a:p>
           <a:p>
             <a:r>
               <a:rPr lang="de-DE" dirty="0">
@@ -6961,127 +5044,294 @@
       </p:grpSpPr>
       <p:sp>
         <p:nvSpPr>
-          <p:cNvPr id="3" name="Textplatzhalter 2">
+          <p:cNvPr id="2" name="Würfel 1">
             <a:extLst>
               <a:ext uri="{FF2B5EF4-FFF2-40B4-BE49-F238E27FC236}">
-                <a16:creationId xmlns:a16="http://schemas.microsoft.com/office/drawing/2014/main" id="{39BB798E-9F87-FEFE-F50E-847A3B8F4352}"/>
+                <a16:creationId xmlns:a16="http://schemas.microsoft.com/office/drawing/2014/main" id="{360262C0-82DF-481C-877D-F1DEDA5A55CB}"/>
               </a:ext>
             </a:extLst>
           </p:cNvPr>
-          <p:cNvSpPr>
-            <a:spLocks noGrp="1"/>
-          </p:cNvSpPr>
-          <p:nvPr>
-            <p:ph type="body" sz="half" idx="4294967295"/>
-          </p:nvPr>
+          <p:cNvSpPr/>
+          <p:nvPr/>
         </p:nvSpPr>
         <p:spPr>
           <a:xfrm>
-            <a:off x="1689100" y="2754376"/>
-            <a:ext cx="15267057" cy="8207248"/>
+            <a:off x="16225934" y="8173637"/>
+            <a:ext cx="6997960" cy="3303038"/>
           </a:xfrm>
+          <a:prstGeom prst="cube">
+            <a:avLst/>
+          </a:prstGeom>
+          <a:ln/>
         </p:spPr>
+        <p:style>
+          <a:lnRef idx="1">
+            <a:schemeClr val="dk1"/>
+          </a:lnRef>
+          <a:fillRef idx="2">
+            <a:schemeClr val="dk1"/>
+          </a:fillRef>
+          <a:effectRef idx="1">
+            <a:schemeClr val="dk1"/>
+          </a:effectRef>
+          <a:fontRef idx="minor">
+            <a:schemeClr val="dk1"/>
+          </a:fontRef>
+        </p:style>
         <p:txBody>
-          <a:bodyPr>
-            <a:normAutofit/>
-          </a:bodyPr>
+          <a:bodyPr rtlCol="0" anchor="ctr"/>
           <a:lstStyle/>
           <a:p>
-            <a:r>
-              <a:rPr lang="en-US" dirty="0">
-                <a:latin typeface="+mn-lt"/>
-              </a:rPr>
-              <a:t>First developer previews (0.1.0-devxy) summer 2020</a:t>
-            </a:r>
-          </a:p>
-          <a:p>
-            <a:r>
-              <a:rPr lang="en-US" dirty="0">
-                <a:latin typeface="+mn-lt"/>
-              </a:rPr>
-              <a:t>Stable versions:</a:t>
-            </a:r>
-          </a:p>
-          <a:p>
-            <a:pPr lvl="1"/>
-            <a:r>
-              <a:rPr lang="en-US" dirty="0">
-                <a:latin typeface="+mn-lt"/>
-              </a:rPr>
-              <a:t>July 28, 2021: 1.0.0</a:t>
-            </a:r>
-          </a:p>
-          <a:p>
-            <a:pPr lvl="1"/>
-            <a:r>
-              <a:rPr lang="en-US" dirty="0">
-                <a:latin typeface="+mn-lt"/>
-              </a:rPr>
-              <a:t>February 9, 2022: 1.1.0</a:t>
-            </a:r>
-          </a:p>
-          <a:p>
-            <a:pPr lvl="1"/>
-            <a:r>
-              <a:rPr lang="en-US" dirty="0">
-                <a:latin typeface="+mn-lt"/>
-              </a:rPr>
-              <a:t>July 27, 2022: 1.2.0</a:t>
-            </a:r>
+            <a:pPr algn="ctr"/>
+            <a:r>
+              <a:rPr lang="en-GB" sz="4800" b="0" dirty="0" err="1"/>
+              <a:t>compose.runtime</a:t>
+            </a:r>
+            <a:endParaRPr lang="en-GB" sz="4800" b="0" dirty="0"/>
           </a:p>
         </p:txBody>
       </p:sp>
-      <p:pic>
-        <p:nvPicPr>
-          <p:cNvPr id="5" name="Picture 6" descr="Android Developers Blog: Announcing Jetpack Compose Alpha!">
+      <p:sp>
+        <p:nvSpPr>
+          <p:cNvPr id="3" name="Würfel 2">
             <a:extLst>
               <a:ext uri="{FF2B5EF4-FFF2-40B4-BE49-F238E27FC236}">
-                <a16:creationId xmlns:a16="http://schemas.microsoft.com/office/drawing/2014/main" id="{6F07A19D-7C23-FD09-4EB4-11A08134DBF3}"/>
+                <a16:creationId xmlns:a16="http://schemas.microsoft.com/office/drawing/2014/main" id="{43B951F5-090A-4E1C-966C-8EA735B8356C}"/>
               </a:ext>
             </a:extLst>
           </p:cNvPr>
-          <p:cNvPicPr>
-            <a:picLocks noChangeAspect="1" noChangeArrowheads="1"/>
-          </p:cNvPicPr>
+          <p:cNvSpPr/>
           <p:nvPr/>
-        </p:nvPicPr>
-        <p:blipFill>
-          <a:blip r:embed="rId2" cstate="print">
+        </p:nvSpPr>
+        <p:spPr>
+          <a:xfrm>
+            <a:off x="8395995" y="8173639"/>
+            <a:ext cx="7294985" cy="3303038"/>
+          </a:xfrm>
+          <a:prstGeom prst="cube">
+            <a:avLst/>
+          </a:prstGeom>
+          <a:ln/>
+        </p:spPr>
+        <p:style>
+          <a:lnRef idx="1">
+            <a:schemeClr val="dk1"/>
+          </a:lnRef>
+          <a:fillRef idx="2">
+            <a:schemeClr val="dk1"/>
+          </a:fillRef>
+          <a:effectRef idx="1">
+            <a:schemeClr val="dk1"/>
+          </a:effectRef>
+          <a:fontRef idx="minor">
+            <a:schemeClr val="dk1"/>
+          </a:fontRef>
+        </p:style>
+        <p:txBody>
+          <a:bodyPr rtlCol="0" anchor="ctr"/>
+          <a:lstStyle/>
+          <a:p>
+            <a:pPr algn="ctr"/>
+            <a:r>
+              <a:rPr lang="en-GB" sz="4800" b="0" dirty="0" err="1"/>
+              <a:t>compose.foundation</a:t>
+            </a:r>
+            <a:endParaRPr lang="en-GB" sz="4800" b="0" dirty="0"/>
+          </a:p>
+        </p:txBody>
+      </p:sp>
+      <p:sp>
+        <p:nvSpPr>
+          <p:cNvPr id="4" name="Würfel 3">
             <a:extLst>
-              <a:ext uri="{28A0092B-C50C-407E-A947-70E740481C1C}">
-                <a14:useLocalDpi xmlns:a14="http://schemas.microsoft.com/office/drawing/2010/main" val="0"/>
+              <a:ext uri="{FF2B5EF4-FFF2-40B4-BE49-F238E27FC236}">
+                <a16:creationId xmlns:a16="http://schemas.microsoft.com/office/drawing/2014/main" id="{36D616C9-73FE-4FF7-9892-A54D0AAF2A91}"/>
               </a:ext>
             </a:extLst>
-          </a:blip>
-          <a:srcRect/>
-          <a:stretch>
-            <a:fillRect/>
-          </a:stretch>
-        </p:blipFill>
-        <p:spPr bwMode="auto">
+          </p:cNvPr>
+          <p:cNvSpPr/>
+          <p:nvPr/>
+        </p:nvSpPr>
+        <p:spPr>
           <a:xfrm>
-            <a:off x="18128035" y="4682331"/>
-            <a:ext cx="4022973" cy="4351338"/>
+            <a:off x="1160106" y="8173641"/>
+            <a:ext cx="6997960" cy="3303038"/>
+          </a:xfrm>
+          <a:prstGeom prst="cube">
+            <a:avLst/>
+          </a:prstGeom>
+          <a:ln/>
+        </p:spPr>
+        <p:style>
+          <a:lnRef idx="1">
+            <a:schemeClr val="dk1"/>
+          </a:lnRef>
+          <a:fillRef idx="2">
+            <a:schemeClr val="dk1"/>
+          </a:fillRef>
+          <a:effectRef idx="1">
+            <a:schemeClr val="dk1"/>
+          </a:effectRef>
+          <a:fontRef idx="minor">
+            <a:schemeClr val="dk1"/>
+          </a:fontRef>
+        </p:style>
+        <p:txBody>
+          <a:bodyPr rtlCol="0" anchor="ctr"/>
+          <a:lstStyle/>
+          <a:p>
+            <a:pPr algn="ctr"/>
+            <a:r>
+              <a:rPr lang="en-GB" sz="4800" b="0" dirty="0" err="1"/>
+              <a:t>compose.compiler</a:t>
+            </a:r>
+            <a:endParaRPr lang="en-GB" sz="4800" b="0" dirty="0"/>
+          </a:p>
+        </p:txBody>
+      </p:sp>
+      <p:sp>
+        <p:nvSpPr>
+          <p:cNvPr id="14" name="Textfeld 13">
+            <a:extLst>
+              <a:ext uri="{FF2B5EF4-FFF2-40B4-BE49-F238E27FC236}">
+                <a16:creationId xmlns:a16="http://schemas.microsoft.com/office/drawing/2014/main" id="{209EC5F5-BB6A-4C46-B9E2-B752857091A8}"/>
+              </a:ext>
+            </a:extLst>
+          </p:cNvPr>
+          <p:cNvSpPr txBox="1"/>
+          <p:nvPr/>
+        </p:nvSpPr>
+        <p:spPr>
+          <a:xfrm>
+            <a:off x="1160105" y="2453459"/>
+            <a:ext cx="6997957" cy="3785652"/>
           </a:xfrm>
           <a:prstGeom prst="rect">
             <a:avLst/>
           </a:prstGeom>
           <a:noFill/>
-          <a:extLst>
-            <a:ext uri="{909E8E84-426E-40DD-AFC4-6F175D3DCCD1}">
-              <a14:hiddenFill xmlns:a14="http://schemas.microsoft.com/office/drawing/2010/main">
-                <a:solidFill>
-                  <a:srgbClr val="FFFFFF"/>
-                </a:solidFill>
-              </a14:hiddenFill>
-            </a:ext>
-          </a:extLst>
         </p:spPr>
-      </p:pic>
+        <p:txBody>
+          <a:bodyPr wrap="square">
+            <a:spAutoFit/>
+          </a:bodyPr>
+          <a:lstStyle/>
+          <a:p>
+            <a:pPr algn="l"/>
+            <a:r>
+              <a:rPr lang="en-GB" sz="4800" b="0" dirty="0">
+                <a:latin typeface="+mn-lt"/>
+              </a:rPr>
+              <a:t>Transform </a:t>
+            </a:r>
+            <a:r>
+              <a:rPr lang="en-GB" sz="4800" b="0" dirty="0">
+                <a:latin typeface="Courier New" panose="02070309020205020404" pitchFamily="49" charset="0"/>
+                <a:cs typeface="Courier New" panose="02070309020205020404" pitchFamily="49" charset="0"/>
+              </a:rPr>
+              <a:t>@Composable</a:t>
+            </a:r>
+            <a:r>
+              <a:rPr lang="en-GB" sz="4800" b="0" dirty="0">
+                <a:latin typeface="+mn-lt"/>
+              </a:rPr>
+              <a:t> functions and enable optimizations with a Kotlin compiler plugin</a:t>
+            </a:r>
+          </a:p>
+        </p:txBody>
+      </p:sp>
+      <p:sp>
+        <p:nvSpPr>
+          <p:cNvPr id="15" name="Textfeld 14">
+            <a:extLst>
+              <a:ext uri="{FF2B5EF4-FFF2-40B4-BE49-F238E27FC236}">
+                <a16:creationId xmlns:a16="http://schemas.microsoft.com/office/drawing/2014/main" id="{030EF9D5-0157-4C72-B18B-501A49867644}"/>
+              </a:ext>
+            </a:extLst>
+          </p:cNvPr>
+          <p:cNvSpPr txBox="1"/>
+          <p:nvPr/>
+        </p:nvSpPr>
+        <p:spPr>
+          <a:xfrm>
+            <a:off x="8395995" y="2453459"/>
+            <a:ext cx="6030686" cy="2308324"/>
+          </a:xfrm>
+          <a:prstGeom prst="rect">
+            <a:avLst/>
+          </a:prstGeom>
+          <a:noFill/>
+        </p:spPr>
+        <p:txBody>
+          <a:bodyPr wrap="square">
+            <a:spAutoFit/>
+          </a:bodyPr>
+          <a:lstStyle/>
+          <a:p>
+            <a:pPr algn="l"/>
+            <a:r>
+              <a:rPr lang="en-GB" sz="4800" b="0" dirty="0">
+                <a:latin typeface="+mn-lt"/>
+              </a:rPr>
+              <a:t>Basic functionality like text and drawing primitives</a:t>
+            </a:r>
+          </a:p>
+        </p:txBody>
+      </p:sp>
+      <p:sp>
+        <p:nvSpPr>
+          <p:cNvPr id="16" name="Textfeld 15">
+            <a:extLst>
+              <a:ext uri="{FF2B5EF4-FFF2-40B4-BE49-F238E27FC236}">
+                <a16:creationId xmlns:a16="http://schemas.microsoft.com/office/drawing/2014/main" id="{E801B1E6-DC88-4893-9310-CD3363A54D12}"/>
+              </a:ext>
+            </a:extLst>
+          </p:cNvPr>
+          <p:cNvSpPr txBox="1"/>
+          <p:nvPr/>
+        </p:nvSpPr>
+        <p:spPr>
+          <a:xfrm>
+            <a:off x="16650481" y="2453459"/>
+            <a:ext cx="6997958" cy="5262979"/>
+          </a:xfrm>
+          <a:prstGeom prst="rect">
+            <a:avLst/>
+          </a:prstGeom>
+          <a:noFill/>
+        </p:spPr>
+        <p:txBody>
+          <a:bodyPr wrap="square">
+            <a:spAutoFit/>
+          </a:bodyPr>
+          <a:lstStyle/>
+          <a:p>
+            <a:pPr algn="l"/>
+            <a:r>
+              <a:rPr lang="en-GB" sz="4800" b="0" dirty="0">
+                <a:latin typeface="+mn-lt"/>
+              </a:rPr>
+              <a:t>Fundamental building blocks of </a:t>
+            </a:r>
+            <a:r>
+              <a:rPr lang="en-GB" sz="4800" b="0" dirty="0" err="1">
+                <a:latin typeface="+mn-lt"/>
+              </a:rPr>
+              <a:t>Compose's</a:t>
+            </a:r>
+            <a:r>
+              <a:rPr lang="en-GB" sz="4800" b="0" dirty="0">
+                <a:latin typeface="+mn-lt"/>
+              </a:rPr>
+              <a:t> programming model and state management; core runtime targeted by the Compose Compiler Plugin</a:t>
+            </a:r>
+          </a:p>
+        </p:txBody>
+      </p:sp>
     </p:spTree>
     <p:extLst>
       <p:ext uri="{BB962C8B-B14F-4D97-AF65-F5344CB8AC3E}">
-        <p14:creationId xmlns:p14="http://schemas.microsoft.com/office/powerpoint/2010/main" val="2233673694"/>
+        <p14:creationId xmlns:p14="http://schemas.microsoft.com/office/powerpoint/2010/main" val="568553683"/>
       </p:ext>
     </p:extLst>
   </p:cSld>
@@ -7260,10 +5510,108 @@
       </p:sp>
       <p:sp>
         <p:nvSpPr>
-          <p:cNvPr id="14" name="Textfeld 13">
+          <p:cNvPr id="6" name="Würfel 5">
             <a:extLst>
               <a:ext uri="{FF2B5EF4-FFF2-40B4-BE49-F238E27FC236}">
-                <a16:creationId xmlns:a16="http://schemas.microsoft.com/office/drawing/2014/main" id="{209EC5F5-BB6A-4C46-B9E2-B752857091A8}"/>
+                <a16:creationId xmlns:a16="http://schemas.microsoft.com/office/drawing/2014/main" id="{2F85B5AF-E0DD-B619-E99B-749C1F03E468}"/>
+              </a:ext>
+            </a:extLst>
+          </p:cNvPr>
+          <p:cNvSpPr/>
+          <p:nvPr/>
+        </p:nvSpPr>
+        <p:spPr>
+          <a:xfrm>
+            <a:off x="1160106" y="5502606"/>
+            <a:ext cx="11031894" cy="3458034"/>
+          </a:xfrm>
+          <a:prstGeom prst="cube">
+            <a:avLst/>
+          </a:prstGeom>
+          <a:ln/>
+        </p:spPr>
+        <p:style>
+          <a:lnRef idx="1">
+            <a:schemeClr val="accent1"/>
+          </a:lnRef>
+          <a:fillRef idx="2">
+            <a:schemeClr val="accent1"/>
+          </a:fillRef>
+          <a:effectRef idx="1">
+            <a:schemeClr val="accent1"/>
+          </a:effectRef>
+          <a:fontRef idx="minor">
+            <a:schemeClr val="dk1"/>
+          </a:fontRef>
+        </p:style>
+        <p:txBody>
+          <a:bodyPr rtlCol="0" anchor="ctr"/>
+          <a:lstStyle/>
+          <a:p>
+            <a:pPr algn="ctr"/>
+            <a:r>
+              <a:rPr lang="de-DE" sz="4800" b="0" dirty="0" err="1"/>
+              <a:t>compose.animation</a:t>
+            </a:r>
+            <a:endParaRPr lang="de-DE" sz="4800" b="0" dirty="0"/>
+          </a:p>
+        </p:txBody>
+      </p:sp>
+      <p:sp>
+        <p:nvSpPr>
+          <p:cNvPr id="5" name="Würfel 4">
+            <a:extLst>
+              <a:ext uri="{FF2B5EF4-FFF2-40B4-BE49-F238E27FC236}">
+                <a16:creationId xmlns:a16="http://schemas.microsoft.com/office/drawing/2014/main" id="{7B8C94F6-F2CD-2FA3-1AAD-A1F23A7D2749}"/>
+              </a:ext>
+            </a:extLst>
+          </p:cNvPr>
+          <p:cNvSpPr/>
+          <p:nvPr/>
+        </p:nvSpPr>
+        <p:spPr>
+          <a:xfrm>
+            <a:off x="11963971" y="5502606"/>
+            <a:ext cx="11279800" cy="3458034"/>
+          </a:xfrm>
+          <a:prstGeom prst="cube">
+            <a:avLst/>
+          </a:prstGeom>
+          <a:ln/>
+        </p:spPr>
+        <p:style>
+          <a:lnRef idx="1">
+            <a:schemeClr val="accent1"/>
+          </a:lnRef>
+          <a:fillRef idx="2">
+            <a:schemeClr val="accent1"/>
+          </a:fillRef>
+          <a:effectRef idx="1">
+            <a:schemeClr val="accent1"/>
+          </a:effectRef>
+          <a:fontRef idx="minor">
+            <a:schemeClr val="dk1"/>
+          </a:fontRef>
+        </p:style>
+        <p:txBody>
+          <a:bodyPr rtlCol="0" anchor="ctr"/>
+          <a:lstStyle/>
+          <a:p>
+            <a:pPr algn="ctr"/>
+            <a:r>
+              <a:rPr lang="de-DE" sz="4800" b="0" dirty="0" err="1"/>
+              <a:t>compose.ui</a:t>
+            </a:r>
+            <a:endParaRPr lang="de-DE" sz="4800" b="0" dirty="0"/>
+          </a:p>
+        </p:txBody>
+      </p:sp>
+      <p:sp>
+        <p:nvSpPr>
+          <p:cNvPr id="7" name="Textfeld 6">
+            <a:extLst>
+              <a:ext uri="{FF2B5EF4-FFF2-40B4-BE49-F238E27FC236}">
+                <a16:creationId xmlns:a16="http://schemas.microsoft.com/office/drawing/2014/main" id="{8647F4A9-A569-1446-E193-3D47BA235864}"/>
               </a:ext>
             </a:extLst>
           </p:cNvPr>
@@ -7272,8 +5620,8 @@
         </p:nvSpPr>
         <p:spPr>
           <a:xfrm>
-            <a:off x="1160105" y="2453459"/>
-            <a:ext cx="6997957" cy="3785652"/>
+            <a:off x="1160106" y="2101751"/>
+            <a:ext cx="10883380" cy="1569660"/>
           </a:xfrm>
           <a:prstGeom prst="rect">
             <a:avLst/>
@@ -7288,33 +5636,20 @@
           <a:p>
             <a:pPr algn="l"/>
             <a:r>
-              <a:rPr lang="en-GB" sz="4800" b="0" dirty="0">
+              <a:rPr lang="en-US" sz="4800" b="0" dirty="0">
                 <a:latin typeface="+mn-lt"/>
               </a:rPr>
-              <a:t>Transform </a:t>
-            </a:r>
-            <a:r>
-              <a:rPr lang="en-GB" sz="4800" b="0" dirty="0">
-                <a:latin typeface="Courier New" panose="02070309020205020404" pitchFamily="49" charset="0"/>
-                <a:cs typeface="Courier New" panose="02070309020205020404" pitchFamily="49" charset="0"/>
-              </a:rPr>
-              <a:t>@Composable</a:t>
-            </a:r>
-            <a:r>
-              <a:rPr lang="en-GB" sz="4800" b="0" dirty="0">
-                <a:latin typeface="+mn-lt"/>
-              </a:rPr>
-              <a:t> functions and enable optimizations with a Kotlin compiler plugin</a:t>
+              <a:t>Build animations in your Compose apps to enrich the user experience</a:t>
             </a:r>
           </a:p>
         </p:txBody>
       </p:sp>
       <p:sp>
         <p:nvSpPr>
-          <p:cNvPr id="15" name="Textfeld 14">
+          <p:cNvPr id="8" name="Textfeld 7">
             <a:extLst>
               <a:ext uri="{FF2B5EF4-FFF2-40B4-BE49-F238E27FC236}">
-                <a16:creationId xmlns:a16="http://schemas.microsoft.com/office/drawing/2014/main" id="{030EF9D5-0157-4C72-B18B-501A49867644}"/>
+                <a16:creationId xmlns:a16="http://schemas.microsoft.com/office/drawing/2014/main" id="{16B71B8D-5961-7B35-064E-760B56B93828}"/>
               </a:ext>
             </a:extLst>
           </p:cNvPr>
@@ -7323,8 +5658,8 @@
         </p:nvSpPr>
         <p:spPr>
           <a:xfrm>
-            <a:off x="8395995" y="2453459"/>
-            <a:ext cx="6030686" cy="2308324"/>
+            <a:off x="12404879" y="2101751"/>
+            <a:ext cx="10819014" cy="3046988"/>
           </a:xfrm>
           <a:prstGeom prst="rect">
             <a:avLst/>
@@ -7339,68 +5674,21 @@
           <a:p>
             <a:pPr algn="l"/>
             <a:r>
-              <a:rPr lang="en-GB" sz="4800" b="0" dirty="0">
+              <a:rPr lang="en-US" sz="4800" b="0" dirty="0">
                 <a:latin typeface="+mn-lt"/>
               </a:rPr>
-              <a:t>Basic functionality like text and drawing primitives</a:t>
-            </a:r>
-          </a:p>
-        </p:txBody>
-      </p:sp>
-      <p:sp>
-        <p:nvSpPr>
-          <p:cNvPr id="16" name="Textfeld 15">
-            <a:extLst>
-              <a:ext uri="{FF2B5EF4-FFF2-40B4-BE49-F238E27FC236}">
-                <a16:creationId xmlns:a16="http://schemas.microsoft.com/office/drawing/2014/main" id="{E801B1E6-DC88-4893-9310-CD3363A54D12}"/>
-              </a:ext>
-            </a:extLst>
-          </p:cNvPr>
-          <p:cNvSpPr txBox="1"/>
-          <p:nvPr/>
-        </p:nvSpPr>
-        <p:spPr>
-          <a:xfrm>
-            <a:off x="16650481" y="2453459"/>
-            <a:ext cx="6997958" cy="5262979"/>
-          </a:xfrm>
-          <a:prstGeom prst="rect">
-            <a:avLst/>
-          </a:prstGeom>
-          <a:noFill/>
-        </p:spPr>
-        <p:txBody>
-          <a:bodyPr wrap="square">
-            <a:spAutoFit/>
-          </a:bodyPr>
-          <a:lstStyle/>
-          <a:p>
-            <a:pPr algn="l"/>
-            <a:r>
-              <a:rPr lang="en-GB" sz="4800" b="0" dirty="0">
-                <a:latin typeface="+mn-lt"/>
-              </a:rPr>
-              <a:t>Fundamental building blocks of </a:t>
-            </a:r>
-            <a:r>
-              <a:rPr lang="en-GB" sz="4800" b="0" dirty="0" err="1">
-                <a:latin typeface="+mn-lt"/>
-              </a:rPr>
-              <a:t>Compose's</a:t>
-            </a:r>
-            <a:r>
-              <a:rPr lang="en-GB" sz="4800" b="0" dirty="0">
-                <a:latin typeface="+mn-lt"/>
-              </a:rPr>
-              <a:t> programming model and state management; core runtime targeted by the Compose Compiler Plugin</a:t>
-            </a:r>
+              <a:t>Fundamental components of the Compose UI needed to interact with the device, for example layout, drawing, and input</a:t>
+            </a:r>
+            <a:endParaRPr lang="de-DE" sz="4800" b="0" dirty="0">
+              <a:latin typeface="+mn-lt"/>
+            </a:endParaRPr>
           </a:p>
         </p:txBody>
       </p:sp>
     </p:spTree>
     <p:extLst>
       <p:ext uri="{BB962C8B-B14F-4D97-AF65-F5344CB8AC3E}">
-        <p14:creationId xmlns:p14="http://schemas.microsoft.com/office/powerpoint/2010/main" val="568553683"/>
+        <p14:creationId xmlns:p14="http://schemas.microsoft.com/office/powerpoint/2010/main" val="3189962303"/>
       </p:ext>
     </p:extLst>
   </p:cSld>
@@ -7410,554 +5698,6 @@
   <p:transition spd="med">
     <p:pull/>
   </p:transition>
-  <p:timing>
-    <p:tnLst>
-      <p:par>
-        <p:cTn id="1" dur="indefinite" restart="never" nodeType="tmRoot">
-          <p:childTnLst>
-            <p:seq concurrent="1" nextAc="seek">
-              <p:cTn id="2" dur="indefinite" nodeType="mainSeq">
-                <p:childTnLst>
-                  <p:par>
-                    <p:cTn id="3" fill="hold">
-                      <p:stCondLst>
-                        <p:cond delay="indefinite"/>
-                      </p:stCondLst>
-                      <p:childTnLst>
-                        <p:par>
-                          <p:cTn id="4" fill="hold">
-                            <p:stCondLst>
-                              <p:cond delay="0"/>
-                            </p:stCondLst>
-                            <p:childTnLst>
-                              <p:par>
-                                <p:cTn id="5" presetID="2" presetClass="entr" presetSubtype="8" fill="hold" grpId="0" nodeType="clickEffect">
-                                  <p:stCondLst>
-                                    <p:cond delay="0"/>
-                                  </p:stCondLst>
-                                  <p:childTnLst>
-                                    <p:set>
-                                      <p:cBhvr>
-                                        <p:cTn id="6" dur="1" fill="hold">
-                                          <p:stCondLst>
-                                            <p:cond delay="0"/>
-                                          </p:stCondLst>
-                                        </p:cTn>
-                                        <p:tgtEl>
-                                          <p:spTgt spid="4"/>
-                                        </p:tgtEl>
-                                        <p:attrNameLst>
-                                          <p:attrName>style.visibility</p:attrName>
-                                        </p:attrNameLst>
-                                      </p:cBhvr>
-                                      <p:to>
-                                        <p:strVal val="visible"/>
-                                      </p:to>
-                                    </p:set>
-                                    <p:anim calcmode="lin" valueType="num">
-                                      <p:cBhvr additive="base">
-                                        <p:cTn id="7" dur="500" fill="hold"/>
-                                        <p:tgtEl>
-                                          <p:spTgt spid="4"/>
-                                        </p:tgtEl>
-                                        <p:attrNameLst>
-                                          <p:attrName>ppt_x</p:attrName>
-                                        </p:attrNameLst>
-                                      </p:cBhvr>
-                                      <p:tavLst>
-                                        <p:tav tm="0">
-                                          <p:val>
-                                            <p:strVal val="0-#ppt_w/2"/>
-                                          </p:val>
-                                        </p:tav>
-                                        <p:tav tm="100000">
-                                          <p:val>
-                                            <p:strVal val="#ppt_x"/>
-                                          </p:val>
-                                        </p:tav>
-                                      </p:tavLst>
-                                    </p:anim>
-                                    <p:anim calcmode="lin" valueType="num">
-                                      <p:cBhvr additive="base">
-                                        <p:cTn id="8" dur="500" fill="hold"/>
-                                        <p:tgtEl>
-                                          <p:spTgt spid="4"/>
-                                        </p:tgtEl>
-                                        <p:attrNameLst>
-                                          <p:attrName>ppt_y</p:attrName>
-                                        </p:attrNameLst>
-                                      </p:cBhvr>
-                                      <p:tavLst>
-                                        <p:tav tm="0">
-                                          <p:val>
-                                            <p:strVal val="#ppt_y"/>
-                                          </p:val>
-                                        </p:tav>
-                                        <p:tav tm="100000">
-                                          <p:val>
-                                            <p:strVal val="#ppt_y"/>
-                                          </p:val>
-                                        </p:tav>
-                                      </p:tavLst>
-                                    </p:anim>
-                                  </p:childTnLst>
-                                </p:cTn>
-                              </p:par>
-                              <p:par>
-                                <p:cTn id="9" presetID="2" presetClass="entr" presetSubtype="8" fill="hold" grpId="0" nodeType="withEffect">
-                                  <p:stCondLst>
-                                    <p:cond delay="0"/>
-                                  </p:stCondLst>
-                                  <p:childTnLst>
-                                    <p:set>
-                                      <p:cBhvr>
-                                        <p:cTn id="10" dur="1" fill="hold">
-                                          <p:stCondLst>
-                                            <p:cond delay="0"/>
-                                          </p:stCondLst>
-                                        </p:cTn>
-                                        <p:tgtEl>
-                                          <p:spTgt spid="3"/>
-                                        </p:tgtEl>
-                                        <p:attrNameLst>
-                                          <p:attrName>style.visibility</p:attrName>
-                                        </p:attrNameLst>
-                                      </p:cBhvr>
-                                      <p:to>
-                                        <p:strVal val="visible"/>
-                                      </p:to>
-                                    </p:set>
-                                    <p:anim calcmode="lin" valueType="num">
-                                      <p:cBhvr additive="base">
-                                        <p:cTn id="11" dur="500" fill="hold"/>
-                                        <p:tgtEl>
-                                          <p:spTgt spid="3"/>
-                                        </p:tgtEl>
-                                        <p:attrNameLst>
-                                          <p:attrName>ppt_x</p:attrName>
-                                        </p:attrNameLst>
-                                      </p:cBhvr>
-                                      <p:tavLst>
-                                        <p:tav tm="0">
-                                          <p:val>
-                                            <p:strVal val="0-#ppt_w/2"/>
-                                          </p:val>
-                                        </p:tav>
-                                        <p:tav tm="100000">
-                                          <p:val>
-                                            <p:strVal val="#ppt_x"/>
-                                          </p:val>
-                                        </p:tav>
-                                      </p:tavLst>
-                                    </p:anim>
-                                    <p:anim calcmode="lin" valueType="num">
-                                      <p:cBhvr additive="base">
-                                        <p:cTn id="12" dur="500" fill="hold"/>
-                                        <p:tgtEl>
-                                          <p:spTgt spid="3"/>
-                                        </p:tgtEl>
-                                        <p:attrNameLst>
-                                          <p:attrName>ppt_y</p:attrName>
-                                        </p:attrNameLst>
-                                      </p:cBhvr>
-                                      <p:tavLst>
-                                        <p:tav tm="0">
-                                          <p:val>
-                                            <p:strVal val="#ppt_y"/>
-                                          </p:val>
-                                        </p:tav>
-                                        <p:tav tm="100000">
-                                          <p:val>
-                                            <p:strVal val="#ppt_y"/>
-                                          </p:val>
-                                        </p:tav>
-                                      </p:tavLst>
-                                    </p:anim>
-                                  </p:childTnLst>
-                                </p:cTn>
-                              </p:par>
-                              <p:par>
-                                <p:cTn id="13" presetID="2" presetClass="entr" presetSubtype="8" fill="hold" grpId="0" nodeType="withEffect">
-                                  <p:stCondLst>
-                                    <p:cond delay="0"/>
-                                  </p:stCondLst>
-                                  <p:childTnLst>
-                                    <p:set>
-                                      <p:cBhvr>
-                                        <p:cTn id="14" dur="1" fill="hold">
-                                          <p:stCondLst>
-                                            <p:cond delay="0"/>
-                                          </p:stCondLst>
-                                        </p:cTn>
-                                        <p:tgtEl>
-                                          <p:spTgt spid="2"/>
-                                        </p:tgtEl>
-                                        <p:attrNameLst>
-                                          <p:attrName>style.visibility</p:attrName>
-                                        </p:attrNameLst>
-                                      </p:cBhvr>
-                                      <p:to>
-                                        <p:strVal val="visible"/>
-                                      </p:to>
-                                    </p:set>
-                                    <p:anim calcmode="lin" valueType="num">
-                                      <p:cBhvr additive="base">
-                                        <p:cTn id="15" dur="500" fill="hold"/>
-                                        <p:tgtEl>
-                                          <p:spTgt spid="2"/>
-                                        </p:tgtEl>
-                                        <p:attrNameLst>
-                                          <p:attrName>ppt_x</p:attrName>
-                                        </p:attrNameLst>
-                                      </p:cBhvr>
-                                      <p:tavLst>
-                                        <p:tav tm="0">
-                                          <p:val>
-                                            <p:strVal val="0-#ppt_w/2"/>
-                                          </p:val>
-                                        </p:tav>
-                                        <p:tav tm="100000">
-                                          <p:val>
-                                            <p:strVal val="#ppt_x"/>
-                                          </p:val>
-                                        </p:tav>
-                                      </p:tavLst>
-                                    </p:anim>
-                                    <p:anim calcmode="lin" valueType="num">
-                                      <p:cBhvr additive="base">
-                                        <p:cTn id="16" dur="500" fill="hold"/>
-                                        <p:tgtEl>
-                                          <p:spTgt spid="2"/>
-                                        </p:tgtEl>
-                                        <p:attrNameLst>
-                                          <p:attrName>ppt_y</p:attrName>
-                                        </p:attrNameLst>
-                                      </p:cBhvr>
-                                      <p:tavLst>
-                                        <p:tav tm="0">
-                                          <p:val>
-                                            <p:strVal val="#ppt_y"/>
-                                          </p:val>
-                                        </p:tav>
-                                        <p:tav tm="100000">
-                                          <p:val>
-                                            <p:strVal val="#ppt_y"/>
-                                          </p:val>
-                                        </p:tav>
-                                      </p:tavLst>
-                                    </p:anim>
-                                  </p:childTnLst>
-                                </p:cTn>
-                              </p:par>
-                            </p:childTnLst>
-                          </p:cTn>
-                        </p:par>
-                      </p:childTnLst>
-                    </p:cTn>
-                  </p:par>
-                  <p:par>
-                    <p:cTn id="17" fill="hold">
-                      <p:stCondLst>
-                        <p:cond delay="indefinite"/>
-                      </p:stCondLst>
-                      <p:childTnLst>
-                        <p:par>
-                          <p:cTn id="18" fill="hold">
-                            <p:stCondLst>
-                              <p:cond delay="0"/>
-                            </p:stCondLst>
-                            <p:childTnLst>
-                              <p:par>
-                                <p:cTn id="19" presetID="2" presetClass="entr" presetSubtype="1" fill="hold" grpId="0" nodeType="clickEffect">
-                                  <p:stCondLst>
-                                    <p:cond delay="0"/>
-                                  </p:stCondLst>
-                                  <p:childTnLst>
-                                    <p:set>
-                                      <p:cBhvr>
-                                        <p:cTn id="20" dur="1" fill="hold">
-                                          <p:stCondLst>
-                                            <p:cond delay="0"/>
-                                          </p:stCondLst>
-                                        </p:cTn>
-                                        <p:tgtEl>
-                                          <p:spTgt spid="14"/>
-                                        </p:tgtEl>
-                                        <p:attrNameLst>
-                                          <p:attrName>style.visibility</p:attrName>
-                                        </p:attrNameLst>
-                                      </p:cBhvr>
-                                      <p:to>
-                                        <p:strVal val="visible"/>
-                                      </p:to>
-                                    </p:set>
-                                    <p:anim calcmode="lin" valueType="num">
-                                      <p:cBhvr additive="base">
-                                        <p:cTn id="21" dur="500" fill="hold"/>
-                                        <p:tgtEl>
-                                          <p:spTgt spid="14"/>
-                                        </p:tgtEl>
-                                        <p:attrNameLst>
-                                          <p:attrName>ppt_x</p:attrName>
-                                        </p:attrNameLst>
-                                      </p:cBhvr>
-                                      <p:tavLst>
-                                        <p:tav tm="0">
-                                          <p:val>
-                                            <p:strVal val="#ppt_x"/>
-                                          </p:val>
-                                        </p:tav>
-                                        <p:tav tm="100000">
-                                          <p:val>
-                                            <p:strVal val="#ppt_x"/>
-                                          </p:val>
-                                        </p:tav>
-                                      </p:tavLst>
-                                    </p:anim>
-                                    <p:anim calcmode="lin" valueType="num">
-                                      <p:cBhvr additive="base">
-                                        <p:cTn id="22" dur="500" fill="hold"/>
-                                        <p:tgtEl>
-                                          <p:spTgt spid="14"/>
-                                        </p:tgtEl>
-                                        <p:attrNameLst>
-                                          <p:attrName>ppt_y</p:attrName>
-                                        </p:attrNameLst>
-                                      </p:cBhvr>
-                                      <p:tavLst>
-                                        <p:tav tm="0">
-                                          <p:val>
-                                            <p:strVal val="0-#ppt_h/2"/>
-                                          </p:val>
-                                        </p:tav>
-                                        <p:tav tm="100000">
-                                          <p:val>
-                                            <p:strVal val="#ppt_y"/>
-                                          </p:val>
-                                        </p:tav>
-                                      </p:tavLst>
-                                    </p:anim>
-                                  </p:childTnLst>
-                                </p:cTn>
-                              </p:par>
-                            </p:childTnLst>
-                          </p:cTn>
-                        </p:par>
-                      </p:childTnLst>
-                    </p:cTn>
-                  </p:par>
-                  <p:par>
-                    <p:cTn id="23" fill="hold">
-                      <p:stCondLst>
-                        <p:cond delay="indefinite"/>
-                      </p:stCondLst>
-                      <p:childTnLst>
-                        <p:par>
-                          <p:cTn id="24" fill="hold">
-                            <p:stCondLst>
-                              <p:cond delay="0"/>
-                            </p:stCondLst>
-                            <p:childTnLst>
-                              <p:par>
-                                <p:cTn id="25" presetID="2" presetClass="entr" presetSubtype="1" fill="hold" grpId="0" nodeType="clickEffect">
-                                  <p:stCondLst>
-                                    <p:cond delay="0"/>
-                                  </p:stCondLst>
-                                  <p:childTnLst>
-                                    <p:set>
-                                      <p:cBhvr>
-                                        <p:cTn id="26" dur="1" fill="hold">
-                                          <p:stCondLst>
-                                            <p:cond delay="0"/>
-                                          </p:stCondLst>
-                                        </p:cTn>
-                                        <p:tgtEl>
-                                          <p:spTgt spid="15"/>
-                                        </p:tgtEl>
-                                        <p:attrNameLst>
-                                          <p:attrName>style.visibility</p:attrName>
-                                        </p:attrNameLst>
-                                      </p:cBhvr>
-                                      <p:to>
-                                        <p:strVal val="visible"/>
-                                      </p:to>
-                                    </p:set>
-                                    <p:anim calcmode="lin" valueType="num">
-                                      <p:cBhvr additive="base">
-                                        <p:cTn id="27" dur="500" fill="hold"/>
-                                        <p:tgtEl>
-                                          <p:spTgt spid="15"/>
-                                        </p:tgtEl>
-                                        <p:attrNameLst>
-                                          <p:attrName>ppt_x</p:attrName>
-                                        </p:attrNameLst>
-                                      </p:cBhvr>
-                                      <p:tavLst>
-                                        <p:tav tm="0">
-                                          <p:val>
-                                            <p:strVal val="#ppt_x"/>
-                                          </p:val>
-                                        </p:tav>
-                                        <p:tav tm="100000">
-                                          <p:val>
-                                            <p:strVal val="#ppt_x"/>
-                                          </p:val>
-                                        </p:tav>
-                                      </p:tavLst>
-                                    </p:anim>
-                                    <p:anim calcmode="lin" valueType="num">
-                                      <p:cBhvr additive="base">
-                                        <p:cTn id="28" dur="500" fill="hold"/>
-                                        <p:tgtEl>
-                                          <p:spTgt spid="15"/>
-                                        </p:tgtEl>
-                                        <p:attrNameLst>
-                                          <p:attrName>ppt_y</p:attrName>
-                                        </p:attrNameLst>
-                                      </p:cBhvr>
-                                      <p:tavLst>
-                                        <p:tav tm="0">
-                                          <p:val>
-                                            <p:strVal val="0-#ppt_h/2"/>
-                                          </p:val>
-                                        </p:tav>
-                                        <p:tav tm="100000">
-                                          <p:val>
-                                            <p:strVal val="#ppt_y"/>
-                                          </p:val>
-                                        </p:tav>
-                                      </p:tavLst>
-                                    </p:anim>
-                                  </p:childTnLst>
-                                </p:cTn>
-                              </p:par>
-                            </p:childTnLst>
-                          </p:cTn>
-                        </p:par>
-                      </p:childTnLst>
-                    </p:cTn>
-                  </p:par>
-                  <p:par>
-                    <p:cTn id="29" fill="hold">
-                      <p:stCondLst>
-                        <p:cond delay="indefinite"/>
-                      </p:stCondLst>
-                      <p:childTnLst>
-                        <p:par>
-                          <p:cTn id="30" fill="hold">
-                            <p:stCondLst>
-                              <p:cond delay="0"/>
-                            </p:stCondLst>
-                            <p:childTnLst>
-                              <p:par>
-                                <p:cTn id="31" presetID="2" presetClass="entr" presetSubtype="1" fill="hold" grpId="0" nodeType="clickEffect">
-                                  <p:stCondLst>
-                                    <p:cond delay="0"/>
-                                  </p:stCondLst>
-                                  <p:childTnLst>
-                                    <p:set>
-                                      <p:cBhvr>
-                                        <p:cTn id="32" dur="1" fill="hold">
-                                          <p:stCondLst>
-                                            <p:cond delay="0"/>
-                                          </p:stCondLst>
-                                        </p:cTn>
-                                        <p:tgtEl>
-                                          <p:spTgt spid="16"/>
-                                        </p:tgtEl>
-                                        <p:attrNameLst>
-                                          <p:attrName>style.visibility</p:attrName>
-                                        </p:attrNameLst>
-                                      </p:cBhvr>
-                                      <p:to>
-                                        <p:strVal val="visible"/>
-                                      </p:to>
-                                    </p:set>
-                                    <p:anim calcmode="lin" valueType="num">
-                                      <p:cBhvr additive="base">
-                                        <p:cTn id="33" dur="500" fill="hold"/>
-                                        <p:tgtEl>
-                                          <p:spTgt spid="16"/>
-                                        </p:tgtEl>
-                                        <p:attrNameLst>
-                                          <p:attrName>ppt_x</p:attrName>
-                                        </p:attrNameLst>
-                                      </p:cBhvr>
-                                      <p:tavLst>
-                                        <p:tav tm="0">
-                                          <p:val>
-                                            <p:strVal val="#ppt_x"/>
-                                          </p:val>
-                                        </p:tav>
-                                        <p:tav tm="100000">
-                                          <p:val>
-                                            <p:strVal val="#ppt_x"/>
-                                          </p:val>
-                                        </p:tav>
-                                      </p:tavLst>
-                                    </p:anim>
-                                    <p:anim calcmode="lin" valueType="num">
-                                      <p:cBhvr additive="base">
-                                        <p:cTn id="34" dur="500" fill="hold"/>
-                                        <p:tgtEl>
-                                          <p:spTgt spid="16"/>
-                                        </p:tgtEl>
-                                        <p:attrNameLst>
-                                          <p:attrName>ppt_y</p:attrName>
-                                        </p:attrNameLst>
-                                      </p:cBhvr>
-                                      <p:tavLst>
-                                        <p:tav tm="0">
-                                          <p:val>
-                                            <p:strVal val="0-#ppt_h/2"/>
-                                          </p:val>
-                                        </p:tav>
-                                        <p:tav tm="100000">
-                                          <p:val>
-                                            <p:strVal val="#ppt_y"/>
-                                          </p:val>
-                                        </p:tav>
-                                      </p:tavLst>
-                                    </p:anim>
-                                  </p:childTnLst>
-                                </p:cTn>
-                              </p:par>
-                            </p:childTnLst>
-                          </p:cTn>
-                        </p:par>
-                      </p:childTnLst>
-                    </p:cTn>
-                  </p:par>
-                </p:childTnLst>
-              </p:cTn>
-              <p:prevCondLst>
-                <p:cond evt="onPrev" delay="0">
-                  <p:tgtEl>
-                    <p:sldTgt/>
-                  </p:tgtEl>
-                </p:cond>
-              </p:prevCondLst>
-              <p:nextCondLst>
-                <p:cond evt="onNext" delay="0">
-                  <p:tgtEl>
-                    <p:sldTgt/>
-                  </p:tgtEl>
-                </p:cond>
-              </p:nextCondLst>
-            </p:seq>
-          </p:childTnLst>
-        </p:cTn>
-      </p:par>
-    </p:tnLst>
-    <p:bldLst>
-      <p:bldP spid="2" grpId="0" animBg="1"/>
-      <p:bldP spid="3" grpId="0" animBg="1"/>
-      <p:bldP spid="4" grpId="0" animBg="1"/>
-      <p:bldP spid="14" grpId="0"/>
-      <p:bldP spid="15" grpId="0"/>
-      <p:bldP spid="16" grpId="0"/>
-    </p:bldLst>
-  </p:timing>
 </p:sld>
 </file>
 
@@ -8225,745 +5965,6 @@
       </p:sp>
       <p:sp>
         <p:nvSpPr>
-          <p:cNvPr id="7" name="Textfeld 6">
-            <a:extLst>
-              <a:ext uri="{FF2B5EF4-FFF2-40B4-BE49-F238E27FC236}">
-                <a16:creationId xmlns:a16="http://schemas.microsoft.com/office/drawing/2014/main" id="{8647F4A9-A569-1446-E193-3D47BA235864}"/>
-              </a:ext>
-            </a:extLst>
-          </p:cNvPr>
-          <p:cNvSpPr txBox="1"/>
-          <p:nvPr/>
-        </p:nvSpPr>
-        <p:spPr>
-          <a:xfrm>
-            <a:off x="1160106" y="2101751"/>
-            <a:ext cx="10883380" cy="1569660"/>
-          </a:xfrm>
-          <a:prstGeom prst="rect">
-            <a:avLst/>
-          </a:prstGeom>
-          <a:noFill/>
-        </p:spPr>
-        <p:txBody>
-          <a:bodyPr wrap="square">
-            <a:spAutoFit/>
-          </a:bodyPr>
-          <a:lstStyle/>
-          <a:p>
-            <a:pPr algn="l"/>
-            <a:r>
-              <a:rPr lang="en-US" sz="4800" b="0" dirty="0">
-                <a:latin typeface="+mn-lt"/>
-              </a:rPr>
-              <a:t>Build animations in your Compose apps to enrich the user experience</a:t>
-            </a:r>
-          </a:p>
-        </p:txBody>
-      </p:sp>
-      <p:sp>
-        <p:nvSpPr>
-          <p:cNvPr id="8" name="Textfeld 7">
-            <a:extLst>
-              <a:ext uri="{FF2B5EF4-FFF2-40B4-BE49-F238E27FC236}">
-                <a16:creationId xmlns:a16="http://schemas.microsoft.com/office/drawing/2014/main" id="{16B71B8D-5961-7B35-064E-760B56B93828}"/>
-              </a:ext>
-            </a:extLst>
-          </p:cNvPr>
-          <p:cNvSpPr txBox="1"/>
-          <p:nvPr/>
-        </p:nvSpPr>
-        <p:spPr>
-          <a:xfrm>
-            <a:off x="12404879" y="2101751"/>
-            <a:ext cx="10819014" cy="3046988"/>
-          </a:xfrm>
-          <a:prstGeom prst="rect">
-            <a:avLst/>
-          </a:prstGeom>
-          <a:noFill/>
-        </p:spPr>
-        <p:txBody>
-          <a:bodyPr wrap="square">
-            <a:spAutoFit/>
-          </a:bodyPr>
-          <a:lstStyle/>
-          <a:p>
-            <a:pPr algn="l"/>
-            <a:r>
-              <a:rPr lang="en-US" sz="4800" b="0" dirty="0">
-                <a:latin typeface="+mn-lt"/>
-              </a:rPr>
-              <a:t>Fundamental components of the Compose UI needed to interact with the device, for example layout, drawing, and input</a:t>
-            </a:r>
-            <a:endParaRPr lang="de-DE" sz="4800" b="0" dirty="0">
-              <a:latin typeface="+mn-lt"/>
-            </a:endParaRPr>
-          </a:p>
-        </p:txBody>
-      </p:sp>
-    </p:spTree>
-    <p:extLst>
-      <p:ext uri="{BB962C8B-B14F-4D97-AF65-F5344CB8AC3E}">
-        <p14:creationId xmlns:p14="http://schemas.microsoft.com/office/powerpoint/2010/main" val="3189962303"/>
-      </p:ext>
-    </p:extLst>
-  </p:cSld>
-  <p:clrMapOvr>
-    <a:masterClrMapping/>
-  </p:clrMapOvr>
-  <p:transition spd="med">
-    <p:pull/>
-  </p:transition>
-  <p:timing>
-    <p:tnLst>
-      <p:par>
-        <p:cTn id="1" dur="indefinite" restart="never" nodeType="tmRoot">
-          <p:childTnLst>
-            <p:seq concurrent="1" nextAc="seek">
-              <p:cTn id="2" dur="indefinite" nodeType="mainSeq">
-                <p:childTnLst>
-                  <p:par>
-                    <p:cTn id="3" fill="hold">
-                      <p:stCondLst>
-                        <p:cond delay="indefinite"/>
-                      </p:stCondLst>
-                      <p:childTnLst>
-                        <p:par>
-                          <p:cTn id="4" fill="hold">
-                            <p:stCondLst>
-                              <p:cond delay="0"/>
-                            </p:stCondLst>
-                            <p:childTnLst>
-                              <p:par>
-                                <p:cTn id="5" presetID="2" presetClass="entr" presetSubtype="2" fill="hold" grpId="0" nodeType="clickEffect">
-                                  <p:stCondLst>
-                                    <p:cond delay="0"/>
-                                  </p:stCondLst>
-                                  <p:childTnLst>
-                                    <p:set>
-                                      <p:cBhvr>
-                                        <p:cTn id="6" dur="1" fill="hold">
-                                          <p:stCondLst>
-                                            <p:cond delay="0"/>
-                                          </p:stCondLst>
-                                        </p:cTn>
-                                        <p:tgtEl>
-                                          <p:spTgt spid="6"/>
-                                        </p:tgtEl>
-                                        <p:attrNameLst>
-                                          <p:attrName>style.visibility</p:attrName>
-                                        </p:attrNameLst>
-                                      </p:cBhvr>
-                                      <p:to>
-                                        <p:strVal val="visible"/>
-                                      </p:to>
-                                    </p:set>
-                                    <p:anim calcmode="lin" valueType="num">
-                                      <p:cBhvr additive="base">
-                                        <p:cTn id="7" dur="500" fill="hold"/>
-                                        <p:tgtEl>
-                                          <p:spTgt spid="6"/>
-                                        </p:tgtEl>
-                                        <p:attrNameLst>
-                                          <p:attrName>ppt_x</p:attrName>
-                                        </p:attrNameLst>
-                                      </p:cBhvr>
-                                      <p:tavLst>
-                                        <p:tav tm="0">
-                                          <p:val>
-                                            <p:strVal val="1+#ppt_w/2"/>
-                                          </p:val>
-                                        </p:tav>
-                                        <p:tav tm="100000">
-                                          <p:val>
-                                            <p:strVal val="#ppt_x"/>
-                                          </p:val>
-                                        </p:tav>
-                                      </p:tavLst>
-                                    </p:anim>
-                                    <p:anim calcmode="lin" valueType="num">
-                                      <p:cBhvr additive="base">
-                                        <p:cTn id="8" dur="500" fill="hold"/>
-                                        <p:tgtEl>
-                                          <p:spTgt spid="6"/>
-                                        </p:tgtEl>
-                                        <p:attrNameLst>
-                                          <p:attrName>ppt_y</p:attrName>
-                                        </p:attrNameLst>
-                                      </p:cBhvr>
-                                      <p:tavLst>
-                                        <p:tav tm="0">
-                                          <p:val>
-                                            <p:strVal val="#ppt_y"/>
-                                          </p:val>
-                                        </p:tav>
-                                        <p:tav tm="100000">
-                                          <p:val>
-                                            <p:strVal val="#ppt_y"/>
-                                          </p:val>
-                                        </p:tav>
-                                      </p:tavLst>
-                                    </p:anim>
-                                  </p:childTnLst>
-                                </p:cTn>
-                              </p:par>
-                              <p:par>
-                                <p:cTn id="9" presetID="2" presetClass="entr" presetSubtype="2" fill="hold" grpId="0" nodeType="withEffect">
-                                  <p:stCondLst>
-                                    <p:cond delay="0"/>
-                                  </p:stCondLst>
-                                  <p:childTnLst>
-                                    <p:set>
-                                      <p:cBhvr>
-                                        <p:cTn id="10" dur="1" fill="hold">
-                                          <p:stCondLst>
-                                            <p:cond delay="0"/>
-                                          </p:stCondLst>
-                                        </p:cTn>
-                                        <p:tgtEl>
-                                          <p:spTgt spid="5"/>
-                                        </p:tgtEl>
-                                        <p:attrNameLst>
-                                          <p:attrName>style.visibility</p:attrName>
-                                        </p:attrNameLst>
-                                      </p:cBhvr>
-                                      <p:to>
-                                        <p:strVal val="visible"/>
-                                      </p:to>
-                                    </p:set>
-                                    <p:anim calcmode="lin" valueType="num">
-                                      <p:cBhvr additive="base">
-                                        <p:cTn id="11" dur="500" fill="hold"/>
-                                        <p:tgtEl>
-                                          <p:spTgt spid="5"/>
-                                        </p:tgtEl>
-                                        <p:attrNameLst>
-                                          <p:attrName>ppt_x</p:attrName>
-                                        </p:attrNameLst>
-                                      </p:cBhvr>
-                                      <p:tavLst>
-                                        <p:tav tm="0">
-                                          <p:val>
-                                            <p:strVal val="1+#ppt_w/2"/>
-                                          </p:val>
-                                        </p:tav>
-                                        <p:tav tm="100000">
-                                          <p:val>
-                                            <p:strVal val="#ppt_x"/>
-                                          </p:val>
-                                        </p:tav>
-                                      </p:tavLst>
-                                    </p:anim>
-                                    <p:anim calcmode="lin" valueType="num">
-                                      <p:cBhvr additive="base">
-                                        <p:cTn id="12" dur="500" fill="hold"/>
-                                        <p:tgtEl>
-                                          <p:spTgt spid="5"/>
-                                        </p:tgtEl>
-                                        <p:attrNameLst>
-                                          <p:attrName>ppt_y</p:attrName>
-                                        </p:attrNameLst>
-                                      </p:cBhvr>
-                                      <p:tavLst>
-                                        <p:tav tm="0">
-                                          <p:val>
-                                            <p:strVal val="#ppt_y"/>
-                                          </p:val>
-                                        </p:tav>
-                                        <p:tav tm="100000">
-                                          <p:val>
-                                            <p:strVal val="#ppt_y"/>
-                                          </p:val>
-                                        </p:tav>
-                                      </p:tavLst>
-                                    </p:anim>
-                                  </p:childTnLst>
-                                </p:cTn>
-                              </p:par>
-                            </p:childTnLst>
-                          </p:cTn>
-                        </p:par>
-                      </p:childTnLst>
-                    </p:cTn>
-                  </p:par>
-                  <p:par>
-                    <p:cTn id="13" fill="hold">
-                      <p:stCondLst>
-                        <p:cond delay="indefinite"/>
-                      </p:stCondLst>
-                      <p:childTnLst>
-                        <p:par>
-                          <p:cTn id="14" fill="hold">
-                            <p:stCondLst>
-                              <p:cond delay="0"/>
-                            </p:stCondLst>
-                            <p:childTnLst>
-                              <p:par>
-                                <p:cTn id="15" presetID="2" presetClass="entr" presetSubtype="1" fill="hold" grpId="0" nodeType="clickEffect">
-                                  <p:stCondLst>
-                                    <p:cond delay="0"/>
-                                  </p:stCondLst>
-                                  <p:childTnLst>
-                                    <p:set>
-                                      <p:cBhvr>
-                                        <p:cTn id="16" dur="1" fill="hold">
-                                          <p:stCondLst>
-                                            <p:cond delay="0"/>
-                                          </p:stCondLst>
-                                        </p:cTn>
-                                        <p:tgtEl>
-                                          <p:spTgt spid="7"/>
-                                        </p:tgtEl>
-                                        <p:attrNameLst>
-                                          <p:attrName>style.visibility</p:attrName>
-                                        </p:attrNameLst>
-                                      </p:cBhvr>
-                                      <p:to>
-                                        <p:strVal val="visible"/>
-                                      </p:to>
-                                    </p:set>
-                                    <p:anim calcmode="lin" valueType="num">
-                                      <p:cBhvr additive="base">
-                                        <p:cTn id="17" dur="500" fill="hold"/>
-                                        <p:tgtEl>
-                                          <p:spTgt spid="7"/>
-                                        </p:tgtEl>
-                                        <p:attrNameLst>
-                                          <p:attrName>ppt_x</p:attrName>
-                                        </p:attrNameLst>
-                                      </p:cBhvr>
-                                      <p:tavLst>
-                                        <p:tav tm="0">
-                                          <p:val>
-                                            <p:strVal val="#ppt_x"/>
-                                          </p:val>
-                                        </p:tav>
-                                        <p:tav tm="100000">
-                                          <p:val>
-                                            <p:strVal val="#ppt_x"/>
-                                          </p:val>
-                                        </p:tav>
-                                      </p:tavLst>
-                                    </p:anim>
-                                    <p:anim calcmode="lin" valueType="num">
-                                      <p:cBhvr additive="base">
-                                        <p:cTn id="18" dur="500" fill="hold"/>
-                                        <p:tgtEl>
-                                          <p:spTgt spid="7"/>
-                                        </p:tgtEl>
-                                        <p:attrNameLst>
-                                          <p:attrName>ppt_y</p:attrName>
-                                        </p:attrNameLst>
-                                      </p:cBhvr>
-                                      <p:tavLst>
-                                        <p:tav tm="0">
-                                          <p:val>
-                                            <p:strVal val="0-#ppt_h/2"/>
-                                          </p:val>
-                                        </p:tav>
-                                        <p:tav tm="100000">
-                                          <p:val>
-                                            <p:strVal val="#ppt_y"/>
-                                          </p:val>
-                                        </p:tav>
-                                      </p:tavLst>
-                                    </p:anim>
-                                  </p:childTnLst>
-                                </p:cTn>
-                              </p:par>
-                            </p:childTnLst>
-                          </p:cTn>
-                        </p:par>
-                      </p:childTnLst>
-                    </p:cTn>
-                  </p:par>
-                  <p:par>
-                    <p:cTn id="19" fill="hold">
-                      <p:stCondLst>
-                        <p:cond delay="indefinite"/>
-                      </p:stCondLst>
-                      <p:childTnLst>
-                        <p:par>
-                          <p:cTn id="20" fill="hold">
-                            <p:stCondLst>
-                              <p:cond delay="0"/>
-                            </p:stCondLst>
-                            <p:childTnLst>
-                              <p:par>
-                                <p:cTn id="21" presetID="2" presetClass="entr" presetSubtype="1" fill="hold" grpId="0" nodeType="clickEffect">
-                                  <p:stCondLst>
-                                    <p:cond delay="0"/>
-                                  </p:stCondLst>
-                                  <p:childTnLst>
-                                    <p:set>
-                                      <p:cBhvr>
-                                        <p:cTn id="22" dur="1" fill="hold">
-                                          <p:stCondLst>
-                                            <p:cond delay="0"/>
-                                          </p:stCondLst>
-                                        </p:cTn>
-                                        <p:tgtEl>
-                                          <p:spTgt spid="8"/>
-                                        </p:tgtEl>
-                                        <p:attrNameLst>
-                                          <p:attrName>style.visibility</p:attrName>
-                                        </p:attrNameLst>
-                                      </p:cBhvr>
-                                      <p:to>
-                                        <p:strVal val="visible"/>
-                                      </p:to>
-                                    </p:set>
-                                    <p:anim calcmode="lin" valueType="num">
-                                      <p:cBhvr additive="base">
-                                        <p:cTn id="23" dur="500" fill="hold"/>
-                                        <p:tgtEl>
-                                          <p:spTgt spid="8"/>
-                                        </p:tgtEl>
-                                        <p:attrNameLst>
-                                          <p:attrName>ppt_x</p:attrName>
-                                        </p:attrNameLst>
-                                      </p:cBhvr>
-                                      <p:tavLst>
-                                        <p:tav tm="0">
-                                          <p:val>
-                                            <p:strVal val="#ppt_x"/>
-                                          </p:val>
-                                        </p:tav>
-                                        <p:tav tm="100000">
-                                          <p:val>
-                                            <p:strVal val="#ppt_x"/>
-                                          </p:val>
-                                        </p:tav>
-                                      </p:tavLst>
-                                    </p:anim>
-                                    <p:anim calcmode="lin" valueType="num">
-                                      <p:cBhvr additive="base">
-                                        <p:cTn id="24" dur="500" fill="hold"/>
-                                        <p:tgtEl>
-                                          <p:spTgt spid="8"/>
-                                        </p:tgtEl>
-                                        <p:attrNameLst>
-                                          <p:attrName>ppt_y</p:attrName>
-                                        </p:attrNameLst>
-                                      </p:cBhvr>
-                                      <p:tavLst>
-                                        <p:tav tm="0">
-                                          <p:val>
-                                            <p:strVal val="0-#ppt_h/2"/>
-                                          </p:val>
-                                        </p:tav>
-                                        <p:tav tm="100000">
-                                          <p:val>
-                                            <p:strVal val="#ppt_y"/>
-                                          </p:val>
-                                        </p:tav>
-                                      </p:tavLst>
-                                    </p:anim>
-                                  </p:childTnLst>
-                                </p:cTn>
-                              </p:par>
-                            </p:childTnLst>
-                          </p:cTn>
-                        </p:par>
-                      </p:childTnLst>
-                    </p:cTn>
-                  </p:par>
-                </p:childTnLst>
-              </p:cTn>
-              <p:prevCondLst>
-                <p:cond evt="onPrev" delay="0">
-                  <p:tgtEl>
-                    <p:sldTgt/>
-                  </p:tgtEl>
-                </p:cond>
-              </p:prevCondLst>
-              <p:nextCondLst>
-                <p:cond evt="onNext" delay="0">
-                  <p:tgtEl>
-                    <p:sldTgt/>
-                  </p:tgtEl>
-                </p:cond>
-              </p:nextCondLst>
-            </p:seq>
-          </p:childTnLst>
-        </p:cTn>
-      </p:par>
-    </p:tnLst>
-    <p:bldLst>
-      <p:bldP spid="6" grpId="0" animBg="1"/>
-      <p:bldP spid="5" grpId="0" animBg="1"/>
-      <p:bldP spid="7" grpId="0"/>
-      <p:bldP spid="8" grpId="0"/>
-    </p:bldLst>
-  </p:timing>
-</p:sld>
-</file>
-
-<file path=ppt/slides/slide7.xml><?xml version="1.0" encoding="utf-8"?>
-<p:sld xmlns:a="http://schemas.openxmlformats.org/drawingml/2006/main" xmlns:r="http://schemas.openxmlformats.org/officeDocument/2006/relationships" xmlns:p="http://schemas.openxmlformats.org/presentationml/2006/main">
-  <p:cSld>
-    <p:spTree>
-      <p:nvGrpSpPr>
-        <p:cNvPr id="1" name=""/>
-        <p:cNvGrpSpPr/>
-        <p:nvPr/>
-      </p:nvGrpSpPr>
-      <p:grpSpPr>
-        <a:xfrm>
-          <a:off x="0" y="0"/>
-          <a:ext cx="0" cy="0"/>
-          <a:chOff x="0" y="0"/>
-          <a:chExt cx="0" cy="0"/>
-        </a:xfrm>
-      </p:grpSpPr>
-      <p:sp>
-        <p:nvSpPr>
-          <p:cNvPr id="2" name="Würfel 1">
-            <a:extLst>
-              <a:ext uri="{FF2B5EF4-FFF2-40B4-BE49-F238E27FC236}">
-                <a16:creationId xmlns:a16="http://schemas.microsoft.com/office/drawing/2014/main" id="{360262C0-82DF-481C-877D-F1DEDA5A55CB}"/>
-              </a:ext>
-            </a:extLst>
-          </p:cNvPr>
-          <p:cNvSpPr/>
-          <p:nvPr/>
-        </p:nvSpPr>
-        <p:spPr>
-          <a:xfrm>
-            <a:off x="16225934" y="8173637"/>
-            <a:ext cx="6997960" cy="3303038"/>
-          </a:xfrm>
-          <a:prstGeom prst="cube">
-            <a:avLst/>
-          </a:prstGeom>
-          <a:ln/>
-        </p:spPr>
-        <p:style>
-          <a:lnRef idx="1">
-            <a:schemeClr val="dk1"/>
-          </a:lnRef>
-          <a:fillRef idx="2">
-            <a:schemeClr val="dk1"/>
-          </a:fillRef>
-          <a:effectRef idx="1">
-            <a:schemeClr val="dk1"/>
-          </a:effectRef>
-          <a:fontRef idx="minor">
-            <a:schemeClr val="dk1"/>
-          </a:fontRef>
-        </p:style>
-        <p:txBody>
-          <a:bodyPr rtlCol="0" anchor="ctr"/>
-          <a:lstStyle/>
-          <a:p>
-            <a:pPr algn="ctr"/>
-            <a:r>
-              <a:rPr lang="en-GB" sz="4800" b="0" dirty="0" err="1"/>
-              <a:t>compose.runtime</a:t>
-            </a:r>
-            <a:endParaRPr lang="en-GB" sz="4800" b="0" dirty="0"/>
-          </a:p>
-        </p:txBody>
-      </p:sp>
-      <p:sp>
-        <p:nvSpPr>
-          <p:cNvPr id="3" name="Würfel 2">
-            <a:extLst>
-              <a:ext uri="{FF2B5EF4-FFF2-40B4-BE49-F238E27FC236}">
-                <a16:creationId xmlns:a16="http://schemas.microsoft.com/office/drawing/2014/main" id="{43B951F5-090A-4E1C-966C-8EA735B8356C}"/>
-              </a:ext>
-            </a:extLst>
-          </p:cNvPr>
-          <p:cNvSpPr/>
-          <p:nvPr/>
-        </p:nvSpPr>
-        <p:spPr>
-          <a:xfrm>
-            <a:off x="8395995" y="8173639"/>
-            <a:ext cx="7294985" cy="3303038"/>
-          </a:xfrm>
-          <a:prstGeom prst="cube">
-            <a:avLst/>
-          </a:prstGeom>
-          <a:ln/>
-        </p:spPr>
-        <p:style>
-          <a:lnRef idx="1">
-            <a:schemeClr val="dk1"/>
-          </a:lnRef>
-          <a:fillRef idx="2">
-            <a:schemeClr val="dk1"/>
-          </a:fillRef>
-          <a:effectRef idx="1">
-            <a:schemeClr val="dk1"/>
-          </a:effectRef>
-          <a:fontRef idx="minor">
-            <a:schemeClr val="dk1"/>
-          </a:fontRef>
-        </p:style>
-        <p:txBody>
-          <a:bodyPr rtlCol="0" anchor="ctr"/>
-          <a:lstStyle/>
-          <a:p>
-            <a:pPr algn="ctr"/>
-            <a:r>
-              <a:rPr lang="en-GB" sz="4800" b="0" dirty="0" err="1"/>
-              <a:t>compose.foundation</a:t>
-            </a:r>
-            <a:endParaRPr lang="en-GB" sz="4800" b="0" dirty="0"/>
-          </a:p>
-        </p:txBody>
-      </p:sp>
-      <p:sp>
-        <p:nvSpPr>
-          <p:cNvPr id="4" name="Würfel 3">
-            <a:extLst>
-              <a:ext uri="{FF2B5EF4-FFF2-40B4-BE49-F238E27FC236}">
-                <a16:creationId xmlns:a16="http://schemas.microsoft.com/office/drawing/2014/main" id="{36D616C9-73FE-4FF7-9892-A54D0AAF2A91}"/>
-              </a:ext>
-            </a:extLst>
-          </p:cNvPr>
-          <p:cNvSpPr/>
-          <p:nvPr/>
-        </p:nvSpPr>
-        <p:spPr>
-          <a:xfrm>
-            <a:off x="1160106" y="8173641"/>
-            <a:ext cx="6997960" cy="3303038"/>
-          </a:xfrm>
-          <a:prstGeom prst="cube">
-            <a:avLst/>
-          </a:prstGeom>
-          <a:ln/>
-        </p:spPr>
-        <p:style>
-          <a:lnRef idx="1">
-            <a:schemeClr val="dk1"/>
-          </a:lnRef>
-          <a:fillRef idx="2">
-            <a:schemeClr val="dk1"/>
-          </a:fillRef>
-          <a:effectRef idx="1">
-            <a:schemeClr val="dk1"/>
-          </a:effectRef>
-          <a:fontRef idx="minor">
-            <a:schemeClr val="dk1"/>
-          </a:fontRef>
-        </p:style>
-        <p:txBody>
-          <a:bodyPr rtlCol="0" anchor="ctr"/>
-          <a:lstStyle/>
-          <a:p>
-            <a:pPr algn="ctr"/>
-            <a:r>
-              <a:rPr lang="en-GB" sz="4800" b="0" dirty="0" err="1"/>
-              <a:t>compose.compiler</a:t>
-            </a:r>
-            <a:endParaRPr lang="en-GB" sz="4800" b="0" dirty="0"/>
-          </a:p>
-        </p:txBody>
-      </p:sp>
-      <p:sp>
-        <p:nvSpPr>
-          <p:cNvPr id="6" name="Würfel 5">
-            <a:extLst>
-              <a:ext uri="{FF2B5EF4-FFF2-40B4-BE49-F238E27FC236}">
-                <a16:creationId xmlns:a16="http://schemas.microsoft.com/office/drawing/2014/main" id="{2F85B5AF-E0DD-B619-E99B-749C1F03E468}"/>
-              </a:ext>
-            </a:extLst>
-          </p:cNvPr>
-          <p:cNvSpPr/>
-          <p:nvPr/>
-        </p:nvSpPr>
-        <p:spPr>
-          <a:xfrm>
-            <a:off x="1160106" y="5502606"/>
-            <a:ext cx="11031894" cy="3458034"/>
-          </a:xfrm>
-          <a:prstGeom prst="cube">
-            <a:avLst/>
-          </a:prstGeom>
-          <a:ln/>
-        </p:spPr>
-        <p:style>
-          <a:lnRef idx="1">
-            <a:schemeClr val="accent1"/>
-          </a:lnRef>
-          <a:fillRef idx="2">
-            <a:schemeClr val="accent1"/>
-          </a:fillRef>
-          <a:effectRef idx="1">
-            <a:schemeClr val="accent1"/>
-          </a:effectRef>
-          <a:fontRef idx="minor">
-            <a:schemeClr val="dk1"/>
-          </a:fontRef>
-        </p:style>
-        <p:txBody>
-          <a:bodyPr rtlCol="0" anchor="ctr"/>
-          <a:lstStyle/>
-          <a:p>
-            <a:pPr algn="ctr"/>
-            <a:r>
-              <a:rPr lang="de-DE" sz="4800" b="0" dirty="0" err="1"/>
-              <a:t>compose.animation</a:t>
-            </a:r>
-            <a:endParaRPr lang="de-DE" sz="4800" b="0" dirty="0"/>
-          </a:p>
-        </p:txBody>
-      </p:sp>
-      <p:sp>
-        <p:nvSpPr>
-          <p:cNvPr id="5" name="Würfel 4">
-            <a:extLst>
-              <a:ext uri="{FF2B5EF4-FFF2-40B4-BE49-F238E27FC236}">
-                <a16:creationId xmlns:a16="http://schemas.microsoft.com/office/drawing/2014/main" id="{7B8C94F6-F2CD-2FA3-1AAD-A1F23A7D2749}"/>
-              </a:ext>
-            </a:extLst>
-          </p:cNvPr>
-          <p:cNvSpPr/>
-          <p:nvPr/>
-        </p:nvSpPr>
-        <p:spPr>
-          <a:xfrm>
-            <a:off x="11963971" y="5502606"/>
-            <a:ext cx="11279800" cy="3458034"/>
-          </a:xfrm>
-          <a:prstGeom prst="cube">
-            <a:avLst/>
-          </a:prstGeom>
-          <a:ln/>
-        </p:spPr>
-        <p:style>
-          <a:lnRef idx="1">
-            <a:schemeClr val="accent1"/>
-          </a:lnRef>
-          <a:fillRef idx="2">
-            <a:schemeClr val="accent1"/>
-          </a:fillRef>
-          <a:effectRef idx="1">
-            <a:schemeClr val="accent1"/>
-          </a:effectRef>
-          <a:fontRef idx="minor">
-            <a:schemeClr val="dk1"/>
-          </a:fontRef>
-        </p:style>
-        <p:txBody>
-          <a:bodyPr rtlCol="0" anchor="ctr"/>
-          <a:lstStyle/>
-          <a:p>
-            <a:pPr algn="ctr"/>
-            <a:r>
-              <a:rPr lang="de-DE" sz="4800" b="0" dirty="0" err="1"/>
-              <a:t>compose.ui</a:t>
-            </a:r>
-            <a:endParaRPr lang="de-DE" sz="4800" b="0" dirty="0"/>
-          </a:p>
-        </p:txBody>
-      </p:sp>
-      <p:sp>
-        <p:nvSpPr>
           <p:cNvPr id="9" name="Textfeld 8">
             <a:extLst>
               <a:ext uri="{FF2B5EF4-FFF2-40B4-BE49-F238E27FC236}">
@@ -9063,13 +6064,14 @@
           <a:p>
             <a:pPr algn="ctr"/>
             <a:r>
-              <a:rPr lang="de-DE" sz="4800" b="0" dirty="0" err="1"/>
-              <a:t>compose.material</a:t>
-            </a:r>
-            <a:r>
-              <a:rPr lang="de-DE" sz="4800" b="0" dirty="0"/>
-              <a:t> / material3</a:t>
-            </a:r>
+              <a:rPr lang="de-DE" sz="4800" b="0" err="1"/>
+              <a:t>compose</a:t>
+            </a:r>
+            <a:r>
+              <a:rPr lang="de-DE" sz="4800" b="0"/>
+              <a:t>.material3</a:t>
+            </a:r>
+            <a:endParaRPr lang="de-DE" sz="4800" b="0" dirty="0"/>
           </a:p>
         </p:txBody>
       </p:sp>
@@ -9086,222 +6088,84 @@
   <p:transition spd="med">
     <p:pull/>
   </p:transition>
-  <p:timing>
-    <p:tnLst>
-      <p:par>
-        <p:cTn id="1" dur="indefinite" restart="never" nodeType="tmRoot">
-          <p:childTnLst>
-            <p:seq concurrent="1" nextAc="seek">
-              <p:cTn id="2" dur="indefinite" nodeType="mainSeq">
-                <p:childTnLst>
-                  <p:par>
-                    <p:cTn id="3" fill="hold">
-                      <p:stCondLst>
-                        <p:cond delay="indefinite"/>
-                      </p:stCondLst>
-                      <p:childTnLst>
-                        <p:par>
-                          <p:cTn id="4" fill="hold">
-                            <p:stCondLst>
-                              <p:cond delay="0"/>
-                            </p:stCondLst>
-                            <p:childTnLst>
-                              <p:par>
-                                <p:cTn id="5" presetID="2" presetClass="entr" presetSubtype="9" fill="hold" grpId="0" nodeType="clickEffect">
-                                  <p:stCondLst>
-                                    <p:cond delay="0"/>
-                                  </p:stCondLst>
-                                  <p:childTnLst>
-                                    <p:set>
-                                      <p:cBhvr>
-                                        <p:cTn id="6" dur="1" fill="hold">
-                                          <p:stCondLst>
-                                            <p:cond delay="0"/>
-                                          </p:stCondLst>
-                                        </p:cTn>
-                                        <p:tgtEl>
-                                          <p:spTgt spid="10"/>
-                                        </p:tgtEl>
-                                        <p:attrNameLst>
-                                          <p:attrName>style.visibility</p:attrName>
-                                        </p:attrNameLst>
-                                      </p:cBhvr>
-                                      <p:to>
-                                        <p:strVal val="visible"/>
-                                      </p:to>
-                                    </p:set>
-                                    <p:anim calcmode="lin" valueType="num">
-                                      <p:cBhvr additive="base">
-                                        <p:cTn id="7" dur="500" fill="hold"/>
-                                        <p:tgtEl>
-                                          <p:spTgt spid="10"/>
-                                        </p:tgtEl>
-                                        <p:attrNameLst>
-                                          <p:attrName>ppt_x</p:attrName>
-                                        </p:attrNameLst>
-                                      </p:cBhvr>
-                                      <p:tavLst>
-                                        <p:tav tm="0">
-                                          <p:val>
-                                            <p:strVal val="0-#ppt_w/2"/>
-                                          </p:val>
-                                        </p:tav>
-                                        <p:tav tm="100000">
-                                          <p:val>
-                                            <p:strVal val="#ppt_x"/>
-                                          </p:val>
-                                        </p:tav>
-                                      </p:tavLst>
-                                    </p:anim>
-                                    <p:anim calcmode="lin" valueType="num">
-                                      <p:cBhvr additive="base">
-                                        <p:cTn id="8" dur="500" fill="hold"/>
-                                        <p:tgtEl>
-                                          <p:spTgt spid="10"/>
-                                        </p:tgtEl>
-                                        <p:attrNameLst>
-                                          <p:attrName>ppt_y</p:attrName>
-                                        </p:attrNameLst>
-                                      </p:cBhvr>
-                                      <p:tavLst>
-                                        <p:tav tm="0">
-                                          <p:val>
-                                            <p:strVal val="0-#ppt_h/2"/>
-                                          </p:val>
-                                        </p:tav>
-                                        <p:tav tm="100000">
-                                          <p:val>
-                                            <p:strVal val="#ppt_y"/>
-                                          </p:val>
-                                        </p:tav>
-                                      </p:tavLst>
-                                    </p:anim>
-                                  </p:childTnLst>
-                                </p:cTn>
-                              </p:par>
-                            </p:childTnLst>
-                          </p:cTn>
-                        </p:par>
-                      </p:childTnLst>
-                    </p:cTn>
-                  </p:par>
-                  <p:par>
-                    <p:cTn id="9" fill="hold">
-                      <p:stCondLst>
-                        <p:cond delay="indefinite"/>
-                      </p:stCondLst>
-                      <p:childTnLst>
-                        <p:par>
-                          <p:cTn id="10" fill="hold">
-                            <p:stCondLst>
-                              <p:cond delay="0"/>
-                            </p:stCondLst>
-                            <p:childTnLst>
-                              <p:par>
-                                <p:cTn id="11" presetID="2" presetClass="entr" presetSubtype="2" fill="hold" grpId="0" nodeType="clickEffect">
-                                  <p:stCondLst>
-                                    <p:cond delay="0"/>
-                                  </p:stCondLst>
-                                  <p:childTnLst>
-                                    <p:set>
-                                      <p:cBhvr>
-                                        <p:cTn id="12" dur="1" fill="hold">
-                                          <p:stCondLst>
-                                            <p:cond delay="0"/>
-                                          </p:stCondLst>
-                                        </p:cTn>
-                                        <p:tgtEl>
-                                          <p:spTgt spid="9"/>
-                                        </p:tgtEl>
-                                        <p:attrNameLst>
-                                          <p:attrName>style.visibility</p:attrName>
-                                        </p:attrNameLst>
-                                      </p:cBhvr>
-                                      <p:to>
-                                        <p:strVal val="visible"/>
-                                      </p:to>
-                                    </p:set>
-                                    <p:anim calcmode="lin" valueType="num">
-                                      <p:cBhvr additive="base">
-                                        <p:cTn id="13" dur="500" fill="hold"/>
-                                        <p:tgtEl>
-                                          <p:spTgt spid="9"/>
-                                        </p:tgtEl>
-                                        <p:attrNameLst>
-                                          <p:attrName>ppt_x</p:attrName>
-                                        </p:attrNameLst>
-                                      </p:cBhvr>
-                                      <p:tavLst>
-                                        <p:tav tm="0">
-                                          <p:val>
-                                            <p:strVal val="1+#ppt_w/2"/>
-                                          </p:val>
-                                        </p:tav>
-                                        <p:tav tm="100000">
-                                          <p:val>
-                                            <p:strVal val="#ppt_x"/>
-                                          </p:val>
-                                        </p:tav>
-                                      </p:tavLst>
-                                    </p:anim>
-                                    <p:anim calcmode="lin" valueType="num">
-                                      <p:cBhvr additive="base">
-                                        <p:cTn id="14" dur="500" fill="hold"/>
-                                        <p:tgtEl>
-                                          <p:spTgt spid="9"/>
-                                        </p:tgtEl>
-                                        <p:attrNameLst>
-                                          <p:attrName>ppt_y</p:attrName>
-                                        </p:attrNameLst>
-                                      </p:cBhvr>
-                                      <p:tavLst>
-                                        <p:tav tm="0">
-                                          <p:val>
-                                            <p:strVal val="#ppt_y"/>
-                                          </p:val>
-                                        </p:tav>
-                                        <p:tav tm="100000">
-                                          <p:val>
-                                            <p:strVal val="#ppt_y"/>
-                                          </p:val>
-                                        </p:tav>
-                                      </p:tavLst>
-                                    </p:anim>
-                                  </p:childTnLst>
-                                </p:cTn>
-                              </p:par>
-                            </p:childTnLst>
-                          </p:cTn>
-                        </p:par>
-                      </p:childTnLst>
-                    </p:cTn>
-                  </p:par>
-                </p:childTnLst>
-              </p:cTn>
-              <p:prevCondLst>
-                <p:cond evt="onPrev" delay="0">
-                  <p:tgtEl>
-                    <p:sldTgt/>
-                  </p:tgtEl>
-                </p:cond>
-              </p:prevCondLst>
-              <p:nextCondLst>
-                <p:cond evt="onNext" delay="0">
-                  <p:tgtEl>
-                    <p:sldTgt/>
-                  </p:tgtEl>
-                </p:cond>
-              </p:nextCondLst>
-            </p:seq>
-          </p:childTnLst>
-        </p:cTn>
-      </p:par>
-    </p:tnLst>
-    <p:bldLst>
-      <p:bldP spid="9" grpId="0"/>
-      <p:bldP spid="10" grpId="0" animBg="1"/>
-    </p:bldLst>
-  </p:timing>
+</p:sld>
+</file>
+
+<file path=ppt/slides/slide7.xml><?xml version="1.0" encoding="utf-8"?>
+<p:sld xmlns:a="http://schemas.openxmlformats.org/drawingml/2006/main" xmlns:r="http://schemas.openxmlformats.org/officeDocument/2006/relationships" xmlns:p="http://schemas.openxmlformats.org/presentationml/2006/main">
+  <p:cSld>
+    <p:spTree>
+      <p:nvGrpSpPr>
+        <p:cNvPr id="1" name=""/>
+        <p:cNvGrpSpPr/>
+        <p:nvPr/>
+      </p:nvGrpSpPr>
+      <p:grpSpPr>
+        <a:xfrm>
+          <a:off x="0" y="0"/>
+          <a:ext cx="0" cy="0"/>
+          <a:chOff x="0" y="0"/>
+          <a:chExt cx="0" cy="0"/>
+        </a:xfrm>
+      </p:grpSpPr>
+      <p:sp>
+        <p:nvSpPr>
+          <p:cNvPr id="2" name="Text Placeholder 1">
+            <a:extLst>
+              <a:ext uri="{FF2B5EF4-FFF2-40B4-BE49-F238E27FC236}">
+                <a16:creationId xmlns:a16="http://schemas.microsoft.com/office/drawing/2014/main" id="{CB55425C-2AC4-6BDC-BD09-3BFEC0720D12}"/>
+              </a:ext>
+            </a:extLst>
+          </p:cNvPr>
+          <p:cNvSpPr>
+            <a:spLocks noGrp="1"/>
+          </p:cNvSpPr>
+          <p:nvPr>
+            <p:ph type="body" sz="half" idx="4294967295"/>
+          </p:nvPr>
+        </p:nvSpPr>
+        <p:spPr>
+          <a:xfrm>
+            <a:off x="4300323" y="2754376"/>
+            <a:ext cx="15783354" cy="8207248"/>
+          </a:xfrm>
+        </p:spPr>
+        <p:txBody>
+          <a:bodyPr/>
+          <a:lstStyle/>
+          <a:p>
+            <a:r>
+              <a:rPr lang="en-001" dirty="0"/>
+              <a:t>The user interface is declared by nesting composable functions</a:t>
+            </a:r>
+          </a:p>
+          <a:p>
+            <a:r>
+              <a:rPr lang="en-001" dirty="0"/>
+              <a:t>Compose hierarchies can be shown inside activities and fragments</a:t>
+            </a:r>
+          </a:p>
+          <a:p>
+            <a:r>
+              <a:rPr lang="en-001" dirty="0"/>
+              <a:t>Composables and traditional views can be mixed</a:t>
+            </a:r>
+          </a:p>
+        </p:txBody>
+      </p:sp>
+    </p:spTree>
+    <p:extLst>
+      <p:ext uri="{BB962C8B-B14F-4D97-AF65-F5344CB8AC3E}">
+        <p14:creationId xmlns:p14="http://schemas.microsoft.com/office/powerpoint/2010/main" val="1316076310"/>
+      </p:ext>
+    </p:extLst>
+  </p:cSld>
+  <p:clrMapOvr>
+    <a:masterClrMapping/>
+  </p:clrMapOvr>
+  <p:transition spd="med">
+    <p:pull/>
+  </p:transition>
 </p:sld>
 </file>
 
@@ -9324,10 +6188,10 @@
       </p:grpSpPr>
       <p:sp>
         <p:nvSpPr>
-          <p:cNvPr id="9" name="Textplatzhalter 8">
+          <p:cNvPr id="2" name="Text Placeholder 1">
             <a:extLst>
               <a:ext uri="{FF2B5EF4-FFF2-40B4-BE49-F238E27FC236}">
-                <a16:creationId xmlns:a16="http://schemas.microsoft.com/office/drawing/2014/main" id="{51BAAEBB-36E1-77E2-AE2C-BCB3C7791CFB}"/>
+                <a16:creationId xmlns:a16="http://schemas.microsoft.com/office/drawing/2014/main" id="{F1EC42B7-89DA-DBE8-A309-E4ABDE04263D}"/>
               </a:ext>
             </a:extLst>
           </p:cNvPr>
@@ -9338,46 +6202,25 @@
             <p:ph type="body" sz="half" idx="4294967295"/>
           </p:nvPr>
         </p:nvSpPr>
-        <p:spPr/>
+        <p:spPr>
+          <a:xfrm>
+            <a:off x="5177652" y="2754376"/>
+            <a:ext cx="14028695" cy="8207248"/>
+          </a:xfrm>
+        </p:spPr>
         <p:txBody>
-          <a:bodyPr>
-            <a:normAutofit/>
-          </a:bodyPr>
+          <a:bodyPr/>
           <a:lstStyle/>
           <a:p>
             <a:r>
-              <a:rPr lang="en-US" sz="4800" dirty="0">
-                <a:latin typeface="+mn-lt"/>
-              </a:rPr>
-              <a:t>Each block is referenced as a separate implementation dependency in the module-level </a:t>
-            </a:r>
-            <a:r>
-              <a:rPr lang="en-US" sz="4800" i="1" dirty="0" err="1">
-                <a:latin typeface="+mn-lt"/>
-              </a:rPr>
-              <a:t>build.gradle</a:t>
-            </a:r>
-            <a:r>
-              <a:rPr lang="en-US" sz="4800" dirty="0">
-                <a:latin typeface="+mn-lt"/>
-              </a:rPr>
-              <a:t> file</a:t>
-            </a:r>
-          </a:p>
-          <a:p>
-            <a:r>
-              <a:rPr lang="en-US" sz="4800" dirty="0">
-                <a:latin typeface="+mn-lt"/>
-              </a:rPr>
-              <a:t>Currently no “Gimme Compose 1.2” catch-all reference</a:t>
-            </a:r>
-          </a:p>
-          <a:p>
-            <a:r>
-              <a:rPr lang="en-US" sz="4800" dirty="0">
-                <a:latin typeface="+mn-lt"/>
-              </a:rPr>
-              <a:t>Compose versions may influence other build settings like plugins, language levels</a:t>
+              <a:rPr lang="en-001" dirty="0"/>
+              <a:t>Jetpack Compose is only loosely coupled with the underlying platform</a:t>
+            </a:r>
+          </a:p>
+          <a:p>
+            <a:r>
+              <a:rPr lang="en-001" dirty="0"/>
+              <a:t>Compose Multiplatform by JetBrains makes Jetpack Compose available iOS, the desktop, and the web</a:t>
             </a:r>
           </a:p>
         </p:txBody>
@@ -9385,7 +6228,7 @@
     </p:spTree>
     <p:extLst>
       <p:ext uri="{BB962C8B-B14F-4D97-AF65-F5344CB8AC3E}">
-        <p14:creationId xmlns:p14="http://schemas.microsoft.com/office/powerpoint/2010/main" val="2208631290"/>
+        <p14:creationId xmlns:p14="http://schemas.microsoft.com/office/powerpoint/2010/main" val="1613519930"/>
       </p:ext>
     </p:extLst>
   </p:cSld>
@@ -9415,62 +6258,17 @@
           <a:chExt cx="0" cy="0"/>
         </a:xfrm>
       </p:grpSpPr>
-      <p:sp>
-        <p:nvSpPr>
-          <p:cNvPr id="7" name="Textplatzhalter 6">
+      <p:pic>
+        <p:nvPicPr>
+          <p:cNvPr id="1026" name="Picture 2" descr="time lapse photography of man jumping on waterfalls">
             <a:extLst>
               <a:ext uri="{FF2B5EF4-FFF2-40B4-BE49-F238E27FC236}">
-                <a16:creationId xmlns:a16="http://schemas.microsoft.com/office/drawing/2014/main" id="{3A27B26E-DD00-0C29-A78C-454FAC438CC2}"/>
-              </a:ext>
-            </a:extLst>
-          </p:cNvPr>
-          <p:cNvSpPr>
-            <a:spLocks noGrp="1"/>
-          </p:cNvSpPr>
-          <p:nvPr>
-            <p:ph type="body" sz="half" idx="4294967295"/>
-          </p:nvPr>
-        </p:nvSpPr>
-        <p:spPr>
-          <a:xfrm>
-            <a:off x="1689100" y="2754376"/>
-            <a:ext cx="9999317" cy="8207248"/>
-          </a:xfrm>
-        </p:spPr>
-        <p:txBody>
-          <a:bodyPr>
-            <a:normAutofit/>
-          </a:bodyPr>
-          <a:lstStyle/>
-          <a:p>
-            <a:r>
-              <a:rPr lang="en-GB" sz="4800" dirty="0">
-                <a:latin typeface="+mn-lt"/>
-              </a:rPr>
-              <a:t>Despite version tags, no notion of API level</a:t>
-            </a:r>
-          </a:p>
-          <a:p>
-            <a:r>
-              <a:rPr lang="en-GB" sz="4800" dirty="0">
-                <a:latin typeface="+mn-lt"/>
-              </a:rPr>
-              <a:t>Hence, no API Difference Report like on the platform level</a:t>
-            </a:r>
-          </a:p>
-        </p:txBody>
-      </p:sp>
-      <p:pic>
-        <p:nvPicPr>
-          <p:cNvPr id="9" name="Grafik 8" descr="Ein Bild, das Text, drinnen enthält.&#10;&#10;Automatisch generierte Beschreibung">
-            <a:extLst>
-              <a:ext uri="{FF2B5EF4-FFF2-40B4-BE49-F238E27FC236}">
-                <a16:creationId xmlns:a16="http://schemas.microsoft.com/office/drawing/2014/main" id="{CDA8CBCF-522F-F3DA-A798-D530F6BAC62F}"/>
+                <a16:creationId xmlns:a16="http://schemas.microsoft.com/office/drawing/2014/main" id="{4AE11ED8-6553-7934-F52C-19E80D84C7E1}"/>
               </a:ext>
             </a:extLst>
           </p:cNvPr>
           <p:cNvPicPr>
-            <a:picLocks noChangeAspect="1"/>
+            <a:picLocks noChangeAspect="1" noChangeArrowheads="1"/>
           </p:cNvPicPr>
           <p:nvPr/>
         </p:nvPicPr>
@@ -9485,20 +6283,164 @@
           <a:srcRect/>
           <a:stretch/>
         </p:blipFill>
-        <p:spPr>
+        <p:spPr bwMode="auto">
           <a:xfrm>
-            <a:off x="12881113" y="3804126"/>
-            <a:ext cx="11502887" cy="6107748"/>
+            <a:off x="0" y="0"/>
+            <a:ext cx="24384000" cy="13716000"/>
           </a:xfrm>
           <a:prstGeom prst="rect">
             <a:avLst/>
           </a:prstGeom>
+          <a:noFill/>
+          <a:extLst>
+            <a:ext uri="{909E8E84-426E-40DD-AFC4-6F175D3DCCD1}">
+              <a14:hiddenFill xmlns:a14="http://schemas.microsoft.com/office/drawing/2010/main">
+                <a:solidFill>
+                  <a:srgbClr val="FFFFFF"/>
+                </a:solidFill>
+              </a14:hiddenFill>
+            </a:ext>
+          </a:extLst>
         </p:spPr>
       </p:pic>
+      <p:sp>
+        <p:nvSpPr>
+          <p:cNvPr id="5" name="https://unsplash.com/photos/QgeIMfZJgFs">
+            <a:extLst>
+              <a:ext uri="{FF2B5EF4-FFF2-40B4-BE49-F238E27FC236}">
+                <a16:creationId xmlns:a16="http://schemas.microsoft.com/office/drawing/2014/main" id="{6669B472-53BF-39E2-CA2C-E7E98A2833AE}"/>
+              </a:ext>
+            </a:extLst>
+          </p:cNvPr>
+          <p:cNvSpPr txBox="1"/>
+          <p:nvPr/>
+        </p:nvSpPr>
+        <p:spPr>
+          <a:xfrm>
+            <a:off x="0" y="13155550"/>
+            <a:ext cx="8890000" cy="560450"/>
+          </a:xfrm>
+          <a:prstGeom prst="rect">
+            <a:avLst/>
+          </a:prstGeom>
+          <a:ln w="12700">
+            <a:miter lim="400000"/>
+          </a:ln>
+          <a:extLst>
+            <a:ext uri="{C572A759-6A51-4108-AA02-DFA0A04FC94B}">
+              <ma14:wrappingTextBoxFlag xmlns="" xmlns:m="http://schemas.openxmlformats.org/officeDocument/2006/math" xmlns:a14="http://schemas.microsoft.com/office/drawing/2010/main" xmlns:ma14="http://schemas.microsoft.com/office/mac/drawingml/2011/main" val="1"/>
+            </a:ext>
+          </a:extLst>
+        </p:spPr>
+        <p:txBody>
+          <a:bodyPr lIns="50800" tIns="50800" rIns="50800" bIns="50800" anchor="ctr">
+            <a:spAutoFit/>
+          </a:bodyPr>
+          <a:lstStyle>
+            <a:lvl1pPr algn="r">
+              <a:defRPr>
+                <a:solidFill>
+                  <a:srgbClr val="FFFFFF"/>
+                </a:solidFill>
+              </a:defRPr>
+            </a:lvl1pPr>
+          </a:lstStyle>
+          <a:p>
+            <a:pPr algn="l"/>
+            <a:r>
+              <a:rPr lang="de-DE" dirty="0"/>
+              <a:t>https://unsplash.com/photos/Q5ZjqF6Wd3k</a:t>
+            </a:r>
+            <a:endParaRPr dirty="0"/>
+          </a:p>
+        </p:txBody>
+      </p:sp>
+      <p:sp>
+        <p:nvSpPr>
+          <p:cNvPr id="6" name="Textfeld 5">
+            <a:extLst>
+              <a:ext uri="{FF2B5EF4-FFF2-40B4-BE49-F238E27FC236}">
+                <a16:creationId xmlns:a16="http://schemas.microsoft.com/office/drawing/2014/main" id="{A68F2C5C-C46B-9B87-E410-2E57F77A68AA}"/>
+              </a:ext>
+            </a:extLst>
+          </p:cNvPr>
+          <p:cNvSpPr txBox="1"/>
+          <p:nvPr/>
+        </p:nvSpPr>
+        <p:spPr>
+          <a:xfrm>
+            <a:off x="972444" y="2291171"/>
+            <a:ext cx="6602770" cy="1579920"/>
+          </a:xfrm>
+          <a:prstGeom prst="rect">
+            <a:avLst/>
+          </a:prstGeom>
+          <a:noFill/>
+          <a:ln w="12700" cap="flat">
+            <a:noFill/>
+            <a:miter lim="400000"/>
+          </a:ln>
+          <a:effectLst/>
+          <a:sp3d/>
+        </p:spPr>
+        <p:style>
+          <a:lnRef idx="0">
+            <a:scrgbClr r="0" g="0" b="0"/>
+          </a:lnRef>
+          <a:fillRef idx="0">
+            <a:scrgbClr r="0" g="0" b="0"/>
+          </a:fillRef>
+          <a:effectRef idx="0">
+            <a:scrgbClr r="0" g="0" b="0"/>
+          </a:effectRef>
+          <a:fontRef idx="none"/>
+        </p:style>
+        <p:txBody>
+          <a:bodyPr rot="0" spcFirstLastPara="1" vertOverflow="overflow" horzOverflow="overflow" vert="horz" wrap="none" lIns="50800" tIns="50800" rIns="50800" bIns="50800" numCol="1" spcCol="38100" rtlCol="0" anchor="ctr">
+            <a:spAutoFit/>
+          </a:bodyPr>
+          <a:lstStyle/>
+          <a:p>
+            <a:pPr marL="0" marR="0" indent="0" algn="ctr" defTabSz="825500" rtl="0" fontAlgn="auto" latinLnBrk="0" hangingPunct="0">
+              <a:lnSpc>
+                <a:spcPct val="100000"/>
+              </a:lnSpc>
+              <a:spcBef>
+                <a:spcPts val="0"/>
+              </a:spcBef>
+              <a:spcAft>
+                <a:spcPts val="0"/>
+              </a:spcAft>
+              <a:buClrTx/>
+              <a:buSzTx/>
+              <a:buFontTx/>
+              <a:buNone/>
+              <a:tabLst/>
+            </a:pPr>
+            <a:r>
+              <a:rPr kumimoji="0" lang="en-US" sz="9600" b="0" i="0" u="none" strike="noStrike" cap="none" spc="0" normalizeH="0" baseline="0" dirty="0">
+                <a:ln>
+                  <a:noFill/>
+                </a:ln>
+                <a:solidFill>
+                  <a:schemeClr val="bg1"/>
+                </a:solidFill>
+                <a:effectLst/>
+                <a:uFillTx/>
+                <a:latin typeface="+mj-lt"/>
+                <a:ea typeface="Helvetica Neue"/>
+                <a:cs typeface="Helvetica Neue"/>
+                <a:sym typeface="Helvetica Neue"/>
+              </a:rPr>
+              <a:t>Let‘s dive in</a:t>
+            </a:r>
+          </a:p>
+        </p:txBody>
+      </p:sp>
     </p:spTree>
     <p:extLst>
       <p:ext uri="{BB962C8B-B14F-4D97-AF65-F5344CB8AC3E}">
-        <p14:creationId xmlns:p14="http://schemas.microsoft.com/office/powerpoint/2010/main" val="1259967651"/>
+        <p14:creationId xmlns:p14="http://schemas.microsoft.com/office/powerpoint/2010/main" val="3012939646"/>
       </p:ext>
     </p:extLst>
   </p:cSld>

--- a/slides/02_Basics.pptx
+++ b/slides/02_Basics.pptx
@@ -5,35 +5,37 @@
     <p:sldMasterId id="2147483648" r:id="rId1"/>
   </p:sldMasterIdLst>
   <p:notesMasterIdLst>
-    <p:notesMasterId r:id="rId28"/>
+    <p:notesMasterId r:id="rId30"/>
   </p:notesMasterIdLst>
   <p:sldIdLst>
     <p:sldId id="256" r:id="rId2"/>
-    <p:sldId id="300" r:id="rId3"/>
-    <p:sldId id="293" r:id="rId4"/>
-    <p:sldId id="266" r:id="rId5"/>
-    <p:sldId id="296" r:id="rId6"/>
-    <p:sldId id="297" r:id="rId7"/>
-    <p:sldId id="321" r:id="rId8"/>
-    <p:sldId id="322" r:id="rId9"/>
-    <p:sldId id="301" r:id="rId10"/>
-    <p:sldId id="317" r:id="rId11"/>
-    <p:sldId id="316" r:id="rId12"/>
-    <p:sldId id="315" r:id="rId13"/>
-    <p:sldId id="303" r:id="rId14"/>
-    <p:sldId id="304" r:id="rId15"/>
-    <p:sldId id="320" r:id="rId16"/>
-    <p:sldId id="309" r:id="rId17"/>
-    <p:sldId id="318" r:id="rId18"/>
-    <p:sldId id="305" r:id="rId19"/>
-    <p:sldId id="313" r:id="rId20"/>
-    <p:sldId id="314" r:id="rId21"/>
-    <p:sldId id="308" r:id="rId22"/>
-    <p:sldId id="311" r:id="rId23"/>
-    <p:sldId id="319" r:id="rId24"/>
-    <p:sldId id="323" r:id="rId25"/>
-    <p:sldId id="324" r:id="rId26"/>
-    <p:sldId id="291" r:id="rId27"/>
+    <p:sldId id="327" r:id="rId3"/>
+    <p:sldId id="300" r:id="rId4"/>
+    <p:sldId id="293" r:id="rId5"/>
+    <p:sldId id="266" r:id="rId6"/>
+    <p:sldId id="296" r:id="rId7"/>
+    <p:sldId id="297" r:id="rId8"/>
+    <p:sldId id="321" r:id="rId9"/>
+    <p:sldId id="322" r:id="rId10"/>
+    <p:sldId id="301" r:id="rId11"/>
+    <p:sldId id="317" r:id="rId12"/>
+    <p:sldId id="316" r:id="rId13"/>
+    <p:sldId id="315" r:id="rId14"/>
+    <p:sldId id="303" r:id="rId15"/>
+    <p:sldId id="304" r:id="rId16"/>
+    <p:sldId id="320" r:id="rId17"/>
+    <p:sldId id="325" r:id="rId18"/>
+    <p:sldId id="326" r:id="rId19"/>
+    <p:sldId id="309" r:id="rId20"/>
+    <p:sldId id="318" r:id="rId21"/>
+    <p:sldId id="305" r:id="rId22"/>
+    <p:sldId id="313" r:id="rId23"/>
+    <p:sldId id="314" r:id="rId24"/>
+    <p:sldId id="308" r:id="rId25"/>
+    <p:sldId id="319" r:id="rId26"/>
+    <p:sldId id="323" r:id="rId27"/>
+    <p:sldId id="324" r:id="rId28"/>
+    <p:sldId id="291" r:id="rId29"/>
   </p:sldIdLst>
   <p:sldSz cx="24384000" cy="13716000"/>
   <p:notesSz cx="6858000" cy="9144000"/>
@@ -343,6 +345,234 @@
 </p:presentation>
 </file>
 
+<file path=ppt/revisionInfo.xml><?xml version="1.0" encoding="utf-8"?>
+<p1510:revInfo xmlns:a="http://schemas.openxmlformats.org/drawingml/2006/main" xmlns:r="http://schemas.openxmlformats.org/officeDocument/2006/relationships" xmlns:p1510="http://schemas.microsoft.com/office/powerpoint/2015/10/main">
+  <p1510:revLst>
+    <p1510:client id="{40909247-BBE4-D441-A98F-E2D5B48E3635}" v="9" dt="2023-10-16T13:57:20.168"/>
+  </p1510:revLst>
+</p1510:revInfo>
+</file>
+
+<file path=ppt/changesInfos/changesInfo1.xml><?xml version="1.0" encoding="utf-8"?>
+<pc:chgInfo xmlns:a="http://schemas.openxmlformats.org/drawingml/2006/main" xmlns:r="http://schemas.openxmlformats.org/officeDocument/2006/relationships" xmlns:ac="http://schemas.microsoft.com/office/drawing/2013/main/command" xmlns:pc="http://schemas.microsoft.com/office/powerpoint/2013/main/command">
+  <pc:docChgLst>
+    <pc:chgData name="Thomas Künneth" userId="1a1af1383d98278e" providerId="LiveId" clId="{40909247-BBE4-D441-A98F-E2D5B48E3635}"/>
+    <pc:docChg chg="undo custSel addSld delSld modSld">
+      <pc:chgData name="Thomas Künneth" userId="1a1af1383d98278e" providerId="LiveId" clId="{40909247-BBE4-D441-A98F-E2D5B48E3635}" dt="2023-10-16T14:00:23.371" v="268" actId="20577"/>
+      <pc:docMkLst>
+        <pc:docMk/>
+      </pc:docMkLst>
+      <pc:sldChg chg="addSp delSp modSp mod">
+        <pc:chgData name="Thomas Künneth" userId="1a1af1383d98278e" providerId="LiveId" clId="{40909247-BBE4-D441-A98F-E2D5B48E3635}" dt="2023-10-14T13:31:29.023" v="46" actId="21"/>
+        <pc:sldMkLst>
+          <pc:docMk/>
+          <pc:sldMk cId="0" sldId="291"/>
+        </pc:sldMkLst>
+        <pc:spChg chg="add mod">
+          <ac:chgData name="Thomas Künneth" userId="1a1af1383d98278e" providerId="LiveId" clId="{40909247-BBE4-D441-A98F-E2D5B48E3635}" dt="2023-10-14T13:31:08.745" v="40" actId="164"/>
+          <ac:spMkLst>
+            <pc:docMk/>
+            <pc:sldMk cId="0" sldId="291"/>
+            <ac:spMk id="2" creationId="{2B4902F5-15D6-8183-55FA-0EA6F800A163}"/>
+          </ac:spMkLst>
+        </pc:spChg>
+        <pc:spChg chg="add mod">
+          <ac:chgData name="Thomas Künneth" userId="1a1af1383d98278e" providerId="LiveId" clId="{40909247-BBE4-D441-A98F-E2D5B48E3635}" dt="2023-10-14T13:31:08.745" v="40" actId="164"/>
+          <ac:spMkLst>
+            <pc:docMk/>
+            <pc:sldMk cId="0" sldId="291"/>
+            <ac:spMk id="3" creationId="{05BDB628-A7CB-AD20-E96D-EE080C1B3293}"/>
+          </ac:spMkLst>
+        </pc:spChg>
+        <pc:spChg chg="mod">
+          <ac:chgData name="Thomas Künneth" userId="1a1af1383d98278e" providerId="LiveId" clId="{40909247-BBE4-D441-A98F-E2D5B48E3635}" dt="2023-10-14T13:31:17.925" v="41"/>
+          <ac:spMkLst>
+            <pc:docMk/>
+            <pc:sldMk cId="0" sldId="291"/>
+            <ac:spMk id="6" creationId="{07782835-102E-9DED-E459-F6FFCA0CDF87}"/>
+          </ac:spMkLst>
+        </pc:spChg>
+        <pc:spChg chg="mod">
+          <ac:chgData name="Thomas Künneth" userId="1a1af1383d98278e" providerId="LiveId" clId="{40909247-BBE4-D441-A98F-E2D5B48E3635}" dt="2023-10-14T13:31:17.925" v="41"/>
+          <ac:spMkLst>
+            <pc:docMk/>
+            <pc:sldMk cId="0" sldId="291"/>
+            <ac:spMk id="7" creationId="{15A21CF3-9EC4-4E8F-C6F0-2D90654D46AF}"/>
+          </ac:spMkLst>
+        </pc:spChg>
+        <pc:grpChg chg="add del mod">
+          <ac:chgData name="Thomas Künneth" userId="1a1af1383d98278e" providerId="LiveId" clId="{40909247-BBE4-D441-A98F-E2D5B48E3635}" dt="2023-10-14T13:31:29.023" v="46" actId="21"/>
+          <ac:grpSpMkLst>
+            <pc:docMk/>
+            <pc:sldMk cId="0" sldId="291"/>
+            <ac:grpSpMk id="4" creationId="{578EC764-E6D2-E8FC-DA63-4042689898E6}"/>
+          </ac:grpSpMkLst>
+        </pc:grpChg>
+        <pc:grpChg chg="add del mod">
+          <ac:chgData name="Thomas Künneth" userId="1a1af1383d98278e" providerId="LiveId" clId="{40909247-BBE4-D441-A98F-E2D5B48E3635}" dt="2023-10-14T13:31:25.377" v="45" actId="478"/>
+          <ac:grpSpMkLst>
+            <pc:docMk/>
+            <pc:sldMk cId="0" sldId="291"/>
+            <ac:grpSpMk id="5" creationId="{FED456D0-2FA0-97D9-1F46-20227AADB058}"/>
+          </ac:grpSpMkLst>
+        </pc:grpChg>
+      </pc:sldChg>
+      <pc:sldChg chg="modSp mod">
+        <pc:chgData name="Thomas Künneth" userId="1a1af1383d98278e" providerId="LiveId" clId="{40909247-BBE4-D441-A98F-E2D5B48E3635}" dt="2023-10-16T13:58:02.926" v="232" actId="20577"/>
+        <pc:sldMkLst>
+          <pc:docMk/>
+          <pc:sldMk cId="2529243498" sldId="305"/>
+        </pc:sldMkLst>
+        <pc:spChg chg="mod">
+          <ac:chgData name="Thomas Künneth" userId="1a1af1383d98278e" providerId="LiveId" clId="{40909247-BBE4-D441-A98F-E2D5B48E3635}" dt="2023-10-16T13:58:02.926" v="232" actId="20577"/>
+          <ac:spMkLst>
+            <pc:docMk/>
+            <pc:sldMk cId="2529243498" sldId="305"/>
+            <ac:spMk id="3" creationId="{570607AC-697A-896B-9255-6F767F7C7FC1}"/>
+          </ac:spMkLst>
+        </pc:spChg>
+      </pc:sldChg>
+      <pc:sldChg chg="del">
+        <pc:chgData name="Thomas Künneth" userId="1a1af1383d98278e" providerId="LiveId" clId="{40909247-BBE4-D441-A98F-E2D5B48E3635}" dt="2023-10-15T13:05:05.770" v="50" actId="2696"/>
+        <pc:sldMkLst>
+          <pc:docMk/>
+          <pc:sldMk cId="2939189408" sldId="311"/>
+        </pc:sldMkLst>
+      </pc:sldChg>
+      <pc:sldChg chg="modSp mod">
+        <pc:chgData name="Thomas Künneth" userId="1a1af1383d98278e" providerId="LiveId" clId="{40909247-BBE4-D441-A98F-E2D5B48E3635}" dt="2023-10-16T13:59:10.209" v="237" actId="20577"/>
+        <pc:sldMkLst>
+          <pc:docMk/>
+          <pc:sldMk cId="1828832234" sldId="314"/>
+        </pc:sldMkLst>
+        <pc:spChg chg="mod">
+          <ac:chgData name="Thomas Künneth" userId="1a1af1383d98278e" providerId="LiveId" clId="{40909247-BBE4-D441-A98F-E2D5B48E3635}" dt="2023-10-16T13:59:10.209" v="237" actId="20577"/>
+          <ac:spMkLst>
+            <pc:docMk/>
+            <pc:sldMk cId="1828832234" sldId="314"/>
+            <ac:spMk id="2" creationId="{C9F61EB1-1D4F-CA13-7126-0B481D4AA26D}"/>
+          </ac:spMkLst>
+        </pc:spChg>
+      </pc:sldChg>
+      <pc:sldChg chg="addSp modSp mod">
+        <pc:chgData name="Thomas Künneth" userId="1a1af1383d98278e" providerId="LiveId" clId="{40909247-BBE4-D441-A98F-E2D5B48E3635}" dt="2023-10-16T13:54:31.437" v="132" actId="2711"/>
+        <pc:sldMkLst>
+          <pc:docMk/>
+          <pc:sldMk cId="563828213" sldId="318"/>
+        </pc:sldMkLst>
+        <pc:spChg chg="mod">
+          <ac:chgData name="Thomas Künneth" userId="1a1af1383d98278e" providerId="LiveId" clId="{40909247-BBE4-D441-A98F-E2D5B48E3635}" dt="2023-10-16T13:54:31.437" v="132" actId="2711"/>
+          <ac:spMkLst>
+            <pc:docMk/>
+            <pc:sldMk cId="563828213" sldId="318"/>
+            <ac:spMk id="2" creationId="{CEBD9AA5-335C-06F9-8B96-AB19598B3B39}"/>
+          </ac:spMkLst>
+        </pc:spChg>
+        <pc:spChg chg="mod">
+          <ac:chgData name="Thomas Künneth" userId="1a1af1383d98278e" providerId="LiveId" clId="{40909247-BBE4-D441-A98F-E2D5B48E3635}" dt="2023-10-14T13:31:44.767" v="47"/>
+          <ac:spMkLst>
+            <pc:docMk/>
+            <pc:sldMk cId="563828213" sldId="318"/>
+            <ac:spMk id="4" creationId="{EEA59861-B69A-FED2-4919-704E3FE7EDC0}"/>
+          </ac:spMkLst>
+        </pc:spChg>
+        <pc:spChg chg="mod">
+          <ac:chgData name="Thomas Künneth" userId="1a1af1383d98278e" providerId="LiveId" clId="{40909247-BBE4-D441-A98F-E2D5B48E3635}" dt="2023-10-14T13:31:44.767" v="47"/>
+          <ac:spMkLst>
+            <pc:docMk/>
+            <pc:sldMk cId="563828213" sldId="318"/>
+            <ac:spMk id="5" creationId="{73B0428C-317F-8BB1-FD18-60ECC0537C57}"/>
+          </ac:spMkLst>
+        </pc:spChg>
+        <pc:grpChg chg="add mod">
+          <ac:chgData name="Thomas Künneth" userId="1a1af1383d98278e" providerId="LiveId" clId="{40909247-BBE4-D441-A98F-E2D5B48E3635}" dt="2023-10-14T13:32:01.547" v="48" actId="1076"/>
+          <ac:grpSpMkLst>
+            <pc:docMk/>
+            <pc:sldMk cId="563828213" sldId="318"/>
+            <ac:grpSpMk id="3" creationId="{576B6693-4A79-9C5E-EF76-11F89D8513F6}"/>
+          </ac:grpSpMkLst>
+        </pc:grpChg>
+      </pc:sldChg>
+      <pc:sldChg chg="modSp mod">
+        <pc:chgData name="Thomas Künneth" userId="1a1af1383d98278e" providerId="LiveId" clId="{40909247-BBE4-D441-A98F-E2D5B48E3635}" dt="2023-10-16T14:00:23.371" v="268" actId="20577"/>
+        <pc:sldMkLst>
+          <pc:docMk/>
+          <pc:sldMk cId="2692901760" sldId="319"/>
+        </pc:sldMkLst>
+        <pc:spChg chg="mod">
+          <ac:chgData name="Thomas Künneth" userId="1a1af1383d98278e" providerId="LiveId" clId="{40909247-BBE4-D441-A98F-E2D5B48E3635}" dt="2023-10-16T14:00:23.371" v="268" actId="20577"/>
+          <ac:spMkLst>
+            <pc:docMk/>
+            <pc:sldMk cId="2692901760" sldId="319"/>
+            <ac:spMk id="5" creationId="{E3E6E7D1-6555-BCAE-F24F-5CE0FEBED97A}"/>
+          </ac:spMkLst>
+        </pc:spChg>
+        <pc:picChg chg="mod">
+          <ac:chgData name="Thomas Künneth" userId="1a1af1383d98278e" providerId="LiveId" clId="{40909247-BBE4-D441-A98F-E2D5B48E3635}" dt="2023-10-15T13:05:39.818" v="52" actId="1076"/>
+          <ac:picMkLst>
+            <pc:docMk/>
+            <pc:sldMk cId="2692901760" sldId="319"/>
+            <ac:picMk id="4" creationId="{5ED1B169-5C3F-F8D4-9ECF-4C08ED43AD21}"/>
+          </ac:picMkLst>
+        </pc:picChg>
+      </pc:sldChg>
+      <pc:sldChg chg="addSp modSp">
+        <pc:chgData name="Thomas Künneth" userId="1a1af1383d98278e" providerId="LiveId" clId="{40909247-BBE4-D441-A98F-E2D5B48E3635}" dt="2023-10-14T13:34:05.690" v="49"/>
+        <pc:sldMkLst>
+          <pc:docMk/>
+          <pc:sldMk cId="3855135033" sldId="324"/>
+        </pc:sldMkLst>
+        <pc:spChg chg="mod">
+          <ac:chgData name="Thomas Künneth" userId="1a1af1383d98278e" providerId="LiveId" clId="{40909247-BBE4-D441-A98F-E2D5B48E3635}" dt="2023-10-14T13:34:05.690" v="49"/>
+          <ac:spMkLst>
+            <pc:docMk/>
+            <pc:sldMk cId="3855135033" sldId="324"/>
+            <ac:spMk id="4" creationId="{8667F38A-C994-D3A8-587E-98B024DF06B1}"/>
+          </ac:spMkLst>
+        </pc:spChg>
+        <pc:spChg chg="mod">
+          <ac:chgData name="Thomas Künneth" userId="1a1af1383d98278e" providerId="LiveId" clId="{40909247-BBE4-D441-A98F-E2D5B48E3635}" dt="2023-10-14T13:34:05.690" v="49"/>
+          <ac:spMkLst>
+            <pc:docMk/>
+            <pc:sldMk cId="3855135033" sldId="324"/>
+            <ac:spMk id="5" creationId="{6DDB2577-111B-8D28-9911-8F65AD19751B}"/>
+          </ac:spMkLst>
+        </pc:spChg>
+        <pc:grpChg chg="add mod">
+          <ac:chgData name="Thomas Künneth" userId="1a1af1383d98278e" providerId="LiveId" clId="{40909247-BBE4-D441-A98F-E2D5B48E3635}" dt="2023-10-14T13:34:05.690" v="49"/>
+          <ac:grpSpMkLst>
+            <pc:docMk/>
+            <pc:sldMk cId="3855135033" sldId="324"/>
+            <ac:grpSpMk id="3" creationId="{748EE4ED-DE0A-4F79-1DA9-E26CA3A4769B}"/>
+          </ac:grpSpMkLst>
+        </pc:grpChg>
+      </pc:sldChg>
+      <pc:sldChg chg="add">
+        <pc:chgData name="Thomas Künneth" userId="1a1af1383d98278e" providerId="LiveId" clId="{40909247-BBE4-D441-A98F-E2D5B48E3635}" dt="2023-10-14T13:22:27.744" v="0"/>
+        <pc:sldMkLst>
+          <pc:docMk/>
+          <pc:sldMk cId="898901812" sldId="325"/>
+        </pc:sldMkLst>
+      </pc:sldChg>
+      <pc:sldChg chg="add">
+        <pc:chgData name="Thomas Künneth" userId="1a1af1383d98278e" providerId="LiveId" clId="{40909247-BBE4-D441-A98F-E2D5B48E3635}" dt="2023-10-14T13:22:27.744" v="0"/>
+        <pc:sldMkLst>
+          <pc:docMk/>
+          <pc:sldMk cId="1970526783" sldId="326"/>
+        </pc:sldMkLst>
+      </pc:sldChg>
+      <pc:sldChg chg="add">
+        <pc:chgData name="Thomas Künneth" userId="1a1af1383d98278e" providerId="LiveId" clId="{40909247-BBE4-D441-A98F-E2D5B48E3635}" dt="2023-10-16T13:47:36.440" v="92"/>
+        <pc:sldMkLst>
+          <pc:docMk/>
+          <pc:sldMk cId="0" sldId="327"/>
+        </pc:sldMkLst>
+      </pc:sldChg>
+    </pc:docChg>
+  </pc:docChgLst>
+</pc:chgInfo>
+</file>
+
 <file path=ppt/notesMasters/notesMaster1.xml><?xml version="1.0" encoding="utf-8"?>
 <p:notesMaster xmlns:a="http://schemas.openxmlformats.org/drawingml/2006/main" xmlns:r="http://schemas.openxmlformats.org/officeDocument/2006/relationships" xmlns:p="http://schemas.openxmlformats.org/presentationml/2006/main">
   <p:cSld>
@@ -1015,7 +1245,7 @@
           </a:ln>
           <a:extLst>
             <a:ext uri="{C572A759-6A51-4108-AA02-DFA0A04FC94B}">
-              <ma14:wrappingTextBoxFlag xmlns="" xmlns:m="http://schemas.openxmlformats.org/officeDocument/2006/math" xmlns:a14="http://schemas.microsoft.com/office/drawing/2010/main" xmlns:ma14="http://schemas.microsoft.com/office/mac/drawingml/2011/main" val="1"/>
+              <ma14:wrappingTextBoxFlag xmlns:ma14="http://schemas.microsoft.com/office/mac/drawingml/2011/main" xmlns:a14="http://schemas.microsoft.com/office/drawing/2010/main" xmlns:m="http://schemas.openxmlformats.org/officeDocument/2006/math" xmlns="" val="1"/>
             </a:ext>
           </a:extLst>
         </p:spPr>
@@ -1056,7 +1286,7 @@
           </a:ln>
           <a:extLst>
             <a:ext uri="{C572A759-6A51-4108-AA02-DFA0A04FC94B}">
-              <ma14:wrappingTextBoxFlag xmlns="" xmlns:m="http://schemas.openxmlformats.org/officeDocument/2006/math" xmlns:a14="http://schemas.microsoft.com/office/drawing/2010/main" xmlns:ma14="http://schemas.microsoft.com/office/mac/drawingml/2011/main" val="1"/>
+              <ma14:wrappingTextBoxFlag xmlns:ma14="http://schemas.microsoft.com/office/mac/drawingml/2011/main" xmlns:a14="http://schemas.microsoft.com/office/drawing/2010/main" xmlns:m="http://schemas.openxmlformats.org/officeDocument/2006/math" xmlns="" val="1"/>
             </a:ext>
           </a:extLst>
         </p:spPr>
@@ -2055,6 +2285,131 @@
           </a:ln>
           <a:extLst>
             <a:ext uri="{C572A759-6A51-4108-AA02-DFA0A04FC94B}">
+              <ma14:wrappingTextBoxFlag xmlns="" xmlns:m="http://schemas.openxmlformats.org/officeDocument/2006/math" xmlns:a14="http://schemas.microsoft.com/office/drawing/2010/main" xmlns:ma14="http://schemas.microsoft.com/office/mac/drawingml/2011/main" val="1"/>
+            </a:ext>
+          </a:extLst>
+        </p:spPr>
+        <p:txBody>
+          <a:bodyPr lIns="50800" tIns="50800" rIns="50800" bIns="50800" anchor="ctr">
+            <a:spAutoFit/>
+          </a:bodyPr>
+          <a:lstStyle>
+            <a:lvl1pPr algn="r">
+              <a:defRPr>
+                <a:solidFill>
+                  <a:srgbClr val="FFFFFF"/>
+                </a:solidFill>
+              </a:defRPr>
+            </a:lvl1pPr>
+          </a:lstStyle>
+          <a:p>
+            <a:pPr algn="l"/>
+            <a:r>
+              <a:rPr lang="de-DE" dirty="0"/>
+              <a:t>https://unsplash.com/photos/bJhT_8nbUA0</a:t>
+            </a:r>
+            <a:endParaRPr dirty="0"/>
+          </a:p>
+        </p:txBody>
+      </p:sp>
+    </p:spTree>
+  </p:cSld>
+  <p:clrMapOvr>
+    <a:masterClrMapping/>
+  </p:clrMapOvr>
+  <p:transition spd="med">
+    <p:pull/>
+  </p:transition>
+</p:sld>
+</file>
+
+<file path=ppt/slides/slide10.xml><?xml version="1.0" encoding="utf-8"?>
+<p:sld xmlns:a="http://schemas.openxmlformats.org/drawingml/2006/main" xmlns:r="http://schemas.openxmlformats.org/officeDocument/2006/relationships" xmlns:p="http://schemas.openxmlformats.org/presentationml/2006/main">
+  <p:cSld>
+    <p:spTree>
+      <p:nvGrpSpPr>
+        <p:cNvPr id="1" name=""/>
+        <p:cNvGrpSpPr/>
+        <p:nvPr/>
+      </p:nvGrpSpPr>
+      <p:grpSpPr>
+        <a:xfrm>
+          <a:off x="0" y="0"/>
+          <a:ext cx="0" cy="0"/>
+          <a:chOff x="0" y="0"/>
+          <a:chExt cx="0" cy="0"/>
+        </a:xfrm>
+      </p:grpSpPr>
+      <p:pic>
+        <p:nvPicPr>
+          <p:cNvPr id="1026" name="Picture 2" descr="time lapse photography of man jumping on waterfalls">
+            <a:extLst>
+              <a:ext uri="{FF2B5EF4-FFF2-40B4-BE49-F238E27FC236}">
+                <a16:creationId xmlns:a16="http://schemas.microsoft.com/office/drawing/2014/main" id="{4AE11ED8-6553-7934-F52C-19E80D84C7E1}"/>
+              </a:ext>
+            </a:extLst>
+          </p:cNvPr>
+          <p:cNvPicPr>
+            <a:picLocks noChangeAspect="1" noChangeArrowheads="1"/>
+          </p:cNvPicPr>
+          <p:nvPr/>
+        </p:nvPicPr>
+        <p:blipFill rotWithShape="1">
+          <a:blip r:embed="rId2" cstate="print">
+            <a:extLst>
+              <a:ext uri="{28A0092B-C50C-407E-A947-70E740481C1C}">
+                <a14:useLocalDpi xmlns:a14="http://schemas.microsoft.com/office/drawing/2010/main" val="0"/>
+              </a:ext>
+            </a:extLst>
+          </a:blip>
+          <a:srcRect/>
+          <a:stretch/>
+        </p:blipFill>
+        <p:spPr bwMode="auto">
+          <a:xfrm>
+            <a:off x="0" y="0"/>
+            <a:ext cx="24384000" cy="13716000"/>
+          </a:xfrm>
+          <a:prstGeom prst="rect">
+            <a:avLst/>
+          </a:prstGeom>
+          <a:noFill/>
+          <a:extLst>
+            <a:ext uri="{909E8E84-426E-40DD-AFC4-6F175D3DCCD1}">
+              <a14:hiddenFill xmlns:a14="http://schemas.microsoft.com/office/drawing/2010/main">
+                <a:solidFill>
+                  <a:srgbClr val="FFFFFF"/>
+                </a:solidFill>
+              </a14:hiddenFill>
+            </a:ext>
+          </a:extLst>
+        </p:spPr>
+      </p:pic>
+      <p:sp>
+        <p:nvSpPr>
+          <p:cNvPr id="5" name="https://unsplash.com/photos/QgeIMfZJgFs">
+            <a:extLst>
+              <a:ext uri="{FF2B5EF4-FFF2-40B4-BE49-F238E27FC236}">
+                <a16:creationId xmlns:a16="http://schemas.microsoft.com/office/drawing/2014/main" id="{6669B472-53BF-39E2-CA2C-E7E98A2833AE}"/>
+              </a:ext>
+            </a:extLst>
+          </p:cNvPr>
+          <p:cNvSpPr txBox="1"/>
+          <p:nvPr/>
+        </p:nvSpPr>
+        <p:spPr>
+          <a:xfrm>
+            <a:off x="0" y="13155550"/>
+            <a:ext cx="8890000" cy="560450"/>
+          </a:xfrm>
+          <a:prstGeom prst="rect">
+            <a:avLst/>
+          </a:prstGeom>
+          <a:ln w="12700">
+            <a:miter lim="400000"/>
+          </a:ln>
+          <a:extLst>
+            <a:ext uri="{C572A759-6A51-4108-AA02-DFA0A04FC94B}">
               <ma14:wrappingTextBoxFlag xmlns:ma14="http://schemas.microsoft.com/office/mac/drawingml/2011/main" xmlns:a14="http://schemas.microsoft.com/office/drawing/2010/main" xmlns:m="http://schemas.openxmlformats.org/officeDocument/2006/math" xmlns="" val="1"/>
             </a:ext>
           </a:extLst>
@@ -2076,13 +2431,100 @@
             <a:pPr algn="l"/>
             <a:r>
               <a:rPr lang="de-DE" dirty="0"/>
-              <a:t>https://unsplash.com/photos/bJhT_8nbUA0</a:t>
+              <a:t>https://unsplash.com/photos/Q5ZjqF6Wd3k</a:t>
             </a:r>
             <a:endParaRPr dirty="0"/>
+          </a:p>
+        </p:txBody>
+      </p:sp>
+      <p:sp>
+        <p:nvSpPr>
+          <p:cNvPr id="6" name="Textfeld 5">
+            <a:extLst>
+              <a:ext uri="{FF2B5EF4-FFF2-40B4-BE49-F238E27FC236}">
+                <a16:creationId xmlns:a16="http://schemas.microsoft.com/office/drawing/2014/main" id="{A68F2C5C-C46B-9B87-E410-2E57F77A68AA}"/>
+              </a:ext>
+            </a:extLst>
+          </p:cNvPr>
+          <p:cNvSpPr txBox="1"/>
+          <p:nvPr/>
+        </p:nvSpPr>
+        <p:spPr>
+          <a:xfrm>
+            <a:off x="972444" y="2291171"/>
+            <a:ext cx="6602770" cy="1579920"/>
+          </a:xfrm>
+          <a:prstGeom prst="rect">
+            <a:avLst/>
+          </a:prstGeom>
+          <a:noFill/>
+          <a:ln w="12700" cap="flat">
+            <a:noFill/>
+            <a:miter lim="400000"/>
+          </a:ln>
+          <a:effectLst/>
+          <a:sp3d/>
+        </p:spPr>
+        <p:style>
+          <a:lnRef idx="0">
+            <a:scrgbClr r="0" g="0" b="0"/>
+          </a:lnRef>
+          <a:fillRef idx="0">
+            <a:scrgbClr r="0" g="0" b="0"/>
+          </a:fillRef>
+          <a:effectRef idx="0">
+            <a:scrgbClr r="0" g="0" b="0"/>
+          </a:effectRef>
+          <a:fontRef idx="none"/>
+        </p:style>
+        <p:txBody>
+          <a:bodyPr rot="0" spcFirstLastPara="1" vertOverflow="overflow" horzOverflow="overflow" vert="horz" wrap="none" lIns="50800" tIns="50800" rIns="50800" bIns="50800" numCol="1" spcCol="38100" rtlCol="0" anchor="ctr">
+            <a:spAutoFit/>
+          </a:bodyPr>
+          <a:lstStyle/>
+          <a:p>
+            <a:pPr marL="0" marR="0" indent="0" algn="ctr" defTabSz="825500" rtl="0" fontAlgn="auto" latinLnBrk="0" hangingPunct="0">
+              <a:lnSpc>
+                <a:spcPct val="100000"/>
+              </a:lnSpc>
+              <a:spcBef>
+                <a:spcPts val="0"/>
+              </a:spcBef>
+              <a:spcAft>
+                <a:spcPts val="0"/>
+              </a:spcAft>
+              <a:buClrTx/>
+              <a:buSzTx/>
+              <a:buFontTx/>
+              <a:buNone/>
+              <a:tabLst/>
+            </a:pPr>
+            <a:r>
+              <a:rPr kumimoji="0" lang="en-US" sz="9600" b="0" i="0" u="none" strike="noStrike" cap="none" spc="0" normalizeH="0" baseline="0" dirty="0">
+                <a:ln>
+                  <a:noFill/>
+                </a:ln>
+                <a:solidFill>
+                  <a:schemeClr val="bg1"/>
+                </a:solidFill>
+                <a:effectLst/>
+                <a:uFillTx/>
+                <a:latin typeface="+mj-lt"/>
+                <a:ea typeface="Helvetica Neue"/>
+                <a:cs typeface="Helvetica Neue"/>
+                <a:sym typeface="Helvetica Neue"/>
+              </a:rPr>
+              <a:t>Let‘s dive in</a:t>
+            </a:r>
           </a:p>
         </p:txBody>
       </p:sp>
     </p:spTree>
+    <p:extLst>
+      <p:ext uri="{BB962C8B-B14F-4D97-AF65-F5344CB8AC3E}">
+        <p14:creationId xmlns:p14="http://schemas.microsoft.com/office/powerpoint/2010/main" val="3012939646"/>
+      </p:ext>
+    </p:extLst>
   </p:cSld>
   <p:clrMapOvr>
     <a:masterClrMapping/>
@@ -2093,7 +2535,7 @@
 </p:sld>
 </file>
 
-<file path=ppt/slides/slide10.xml><?xml version="1.0" encoding="utf-8"?>
+<file path=ppt/slides/slide11.xml><?xml version="1.0" encoding="utf-8"?>
 <p:sld xmlns:a="http://schemas.openxmlformats.org/drawingml/2006/main" xmlns:r="http://schemas.openxmlformats.org/officeDocument/2006/relationships" xmlns:p="http://schemas.openxmlformats.org/presentationml/2006/main">
   <p:cSld>
     <p:spTree>
@@ -2216,7 +2658,7 @@
 </p:sld>
 </file>
 
-<file path=ppt/slides/slide11.xml><?xml version="1.0" encoding="utf-8"?>
+<file path=ppt/slides/slide12.xml><?xml version="1.0" encoding="utf-8"?>
 <p:sld xmlns:a="http://schemas.openxmlformats.org/drawingml/2006/main" xmlns:r="http://schemas.openxmlformats.org/officeDocument/2006/relationships" xmlns:p="http://schemas.openxmlformats.org/presentationml/2006/main">
   <p:cSld>
     <p:spTree>
@@ -2279,7 +2721,7 @@
 </p:sld>
 </file>
 
-<file path=ppt/slides/slide12.xml><?xml version="1.0" encoding="utf-8"?>
+<file path=ppt/slides/slide13.xml><?xml version="1.0" encoding="utf-8"?>
 <p:sld xmlns:a="http://schemas.openxmlformats.org/drawingml/2006/main" xmlns:r="http://schemas.openxmlformats.org/officeDocument/2006/relationships" xmlns:p="http://schemas.openxmlformats.org/presentationml/2006/main">
   <p:cSld>
     <p:spTree>
@@ -2835,7 +3277,7 @@
 </p:sld>
 </file>
 
-<file path=ppt/slides/slide13.xml><?xml version="1.0" encoding="utf-8"?>
+<file path=ppt/slides/slide14.xml><?xml version="1.0" encoding="utf-8"?>
 <p:sld xmlns:a="http://schemas.openxmlformats.org/drawingml/2006/main" xmlns:r="http://schemas.openxmlformats.org/officeDocument/2006/relationships" xmlns:p="http://schemas.openxmlformats.org/presentationml/2006/main">
   <p:cSld>
     <p:spTree>
@@ -2929,7 +3371,7 @@
 </p:sld>
 </file>
 
-<file path=ppt/slides/slide14.xml><?xml version="1.0" encoding="utf-8"?>
+<file path=ppt/slides/slide15.xml><?xml version="1.0" encoding="utf-8"?>
 <p:sld xmlns:a="http://schemas.openxmlformats.org/drawingml/2006/main" xmlns:r="http://schemas.openxmlformats.org/officeDocument/2006/relationships" xmlns:p="http://schemas.openxmlformats.org/presentationml/2006/main">
   <p:cSld>
     <p:spTree>
@@ -3045,7 +3487,7 @@
 </p:sld>
 </file>
 
-<file path=ppt/slides/slide15.xml><?xml version="1.0" encoding="utf-8"?>
+<file path=ppt/slides/slide16.xml><?xml version="1.0" encoding="utf-8"?>
 <p:sld xmlns:a="http://schemas.openxmlformats.org/drawingml/2006/main" xmlns:r="http://schemas.openxmlformats.org/officeDocument/2006/relationships" xmlns:p="http://schemas.openxmlformats.org/presentationml/2006/main">
   <p:cSld>
     <p:spTree>
@@ -3117,7 +3559,257 @@
 </p:sld>
 </file>
 
-<file path=ppt/slides/slide16.xml><?xml version="1.0" encoding="utf-8"?>
+<file path=ppt/slides/slide17.xml><?xml version="1.0" encoding="utf-8"?>
+<p:sld xmlns:a="http://schemas.openxmlformats.org/drawingml/2006/main" xmlns:r="http://schemas.openxmlformats.org/officeDocument/2006/relationships" xmlns:p="http://schemas.openxmlformats.org/presentationml/2006/main">
+  <p:cSld>
+    <p:spTree>
+      <p:nvGrpSpPr>
+        <p:cNvPr id="1" name=""/>
+        <p:cNvGrpSpPr/>
+        <p:nvPr/>
+      </p:nvGrpSpPr>
+      <p:grpSpPr>
+        <a:xfrm>
+          <a:off x="0" y="0"/>
+          <a:ext cx="0" cy="0"/>
+          <a:chOff x="0" y="0"/>
+          <a:chExt cx="0" cy="0"/>
+        </a:xfrm>
+      </p:grpSpPr>
+      <p:sp>
+        <p:nvSpPr>
+          <p:cNvPr id="2" name="Textplatzhalter 1">
+            <a:extLst>
+              <a:ext uri="{FF2B5EF4-FFF2-40B4-BE49-F238E27FC236}">
+                <a16:creationId xmlns:a16="http://schemas.microsoft.com/office/drawing/2014/main" id="{1F6893E5-B188-FF5E-47A9-1F2E0D05B209}"/>
+              </a:ext>
+            </a:extLst>
+          </p:cNvPr>
+          <p:cNvSpPr>
+            <a:spLocks noGrp="1"/>
+          </p:cNvSpPr>
+          <p:nvPr>
+            <p:ph type="body" sz="half" idx="4294967295"/>
+          </p:nvPr>
+        </p:nvSpPr>
+        <p:spPr>
+          <a:xfrm>
+            <a:off x="4065544" y="2209800"/>
+            <a:ext cx="16252911" cy="9296400"/>
+          </a:xfrm>
+        </p:spPr>
+        <p:txBody>
+          <a:bodyPr/>
+          <a:lstStyle/>
+          <a:p>
+            <a:r>
+              <a:rPr lang="en-US" b="1" dirty="0"/>
+              <a:t>Modifier</a:t>
+            </a:r>
+            <a:r>
+              <a:rPr lang="en-US" dirty="0"/>
+              <a:t> amend </a:t>
+            </a:r>
+            <a:r>
+              <a:rPr lang="en-US" dirty="0" err="1"/>
+              <a:t>composables</a:t>
+            </a:r>
+            <a:r>
+              <a:rPr lang="en-US" dirty="0"/>
+              <a:t> with visual properties and behavior</a:t>
+            </a:r>
+          </a:p>
+          <a:p>
+            <a:r>
+              <a:rPr lang="en-US" dirty="0"/>
+              <a:t>They form chains, which start with </a:t>
+            </a:r>
+            <a:r>
+              <a:rPr lang="en-US" dirty="0">
+                <a:latin typeface="Courier New" panose="02070309020205020404" pitchFamily="49" charset="0"/>
+                <a:cs typeface="Courier New" panose="02070309020205020404" pitchFamily="49" charset="0"/>
+              </a:rPr>
+              <a:t>Modifier</a:t>
+            </a:r>
+          </a:p>
+          <a:p>
+            <a:r>
+              <a:rPr lang="en-US" dirty="0">
+                <a:cs typeface="Courier New" panose="02070309020205020404" pitchFamily="49" charset="0"/>
+              </a:rPr>
+              <a:t>The order in the code defines when a modifier is applied</a:t>
+            </a:r>
+          </a:p>
+        </p:txBody>
+      </p:sp>
+    </p:spTree>
+    <p:extLst>
+      <p:ext uri="{BB962C8B-B14F-4D97-AF65-F5344CB8AC3E}">
+        <p14:creationId xmlns:p14="http://schemas.microsoft.com/office/powerpoint/2010/main" val="898901812"/>
+      </p:ext>
+    </p:extLst>
+  </p:cSld>
+  <p:clrMapOvr>
+    <a:masterClrMapping/>
+  </p:clrMapOvr>
+  <p:transition spd="med">
+    <p:pull/>
+  </p:transition>
+</p:sld>
+</file>
+
+<file path=ppt/slides/slide18.xml><?xml version="1.0" encoding="utf-8"?>
+<p:sld xmlns:a="http://schemas.openxmlformats.org/drawingml/2006/main" xmlns:r="http://schemas.openxmlformats.org/officeDocument/2006/relationships" xmlns:p="http://schemas.openxmlformats.org/presentationml/2006/main">
+  <p:cSld>
+    <p:spTree>
+      <p:nvGrpSpPr>
+        <p:cNvPr id="1" name=""/>
+        <p:cNvGrpSpPr/>
+        <p:nvPr/>
+      </p:nvGrpSpPr>
+      <p:grpSpPr>
+        <a:xfrm>
+          <a:off x="0" y="0"/>
+          <a:ext cx="0" cy="0"/>
+          <a:chOff x="0" y="0"/>
+          <a:chExt cx="0" cy="0"/>
+        </a:xfrm>
+      </p:grpSpPr>
+      <p:sp>
+        <p:nvSpPr>
+          <p:cNvPr id="2" name="Textplatzhalter 1">
+            <a:extLst>
+              <a:ext uri="{FF2B5EF4-FFF2-40B4-BE49-F238E27FC236}">
+                <a16:creationId xmlns:a16="http://schemas.microsoft.com/office/drawing/2014/main" id="{1F6893E5-B188-FF5E-47A9-1F2E0D05B209}"/>
+              </a:ext>
+            </a:extLst>
+          </p:cNvPr>
+          <p:cNvSpPr>
+            <a:spLocks noGrp="1"/>
+          </p:cNvSpPr>
+          <p:nvPr>
+            <p:ph type="body" sz="half" idx="4294967295"/>
+          </p:nvPr>
+        </p:nvSpPr>
+        <p:spPr>
+          <a:xfrm>
+            <a:off x="4238539" y="2209800"/>
+            <a:ext cx="15906922" cy="9296400"/>
+          </a:xfrm>
+        </p:spPr>
+        <p:txBody>
+          <a:bodyPr/>
+          <a:lstStyle/>
+          <a:p>
+            <a:r>
+              <a:rPr lang="en-US" dirty="0">
+                <a:latin typeface="Courier New" panose="02070309020205020404" pitchFamily="49" charset="0"/>
+                <a:cs typeface="Courier New" panose="02070309020205020404" pitchFamily="49" charset="0"/>
+              </a:rPr>
+              <a:t>.</a:t>
+            </a:r>
+            <a:r>
+              <a:rPr lang="en-US" dirty="0" err="1">
+                <a:latin typeface="Courier New" panose="02070309020205020404" pitchFamily="49" charset="0"/>
+                <a:cs typeface="Courier New" panose="02070309020205020404" pitchFamily="49" charset="0"/>
+              </a:rPr>
+              <a:t>fillMaxSize</a:t>
+            </a:r>
+            <a:r>
+              <a:rPr lang="en-US" dirty="0">
+                <a:latin typeface="Courier New" panose="02070309020205020404" pitchFamily="49" charset="0"/>
+                <a:cs typeface="Courier New" panose="02070309020205020404" pitchFamily="49" charset="0"/>
+              </a:rPr>
+              <a:t>()</a:t>
+            </a:r>
+            <a:r>
+              <a:rPr lang="en-US" dirty="0">
+                <a:cs typeface="Courier New" panose="02070309020205020404" pitchFamily="49" charset="0"/>
+              </a:rPr>
+              <a:t> maximizes a composable</a:t>
+            </a:r>
+          </a:p>
+          <a:p>
+            <a:r>
+              <a:rPr lang="en-US" dirty="0">
+                <a:latin typeface="Courier New" panose="02070309020205020404" pitchFamily="49" charset="0"/>
+                <a:cs typeface="Courier New" panose="02070309020205020404" pitchFamily="49" charset="0"/>
+              </a:rPr>
+              <a:t>.width()</a:t>
+            </a:r>
+            <a:r>
+              <a:rPr lang="en-US" dirty="0">
+                <a:cs typeface="Courier New" panose="02070309020205020404" pitchFamily="49" charset="0"/>
+              </a:rPr>
+              <a:t> and </a:t>
+            </a:r>
+            <a:r>
+              <a:rPr lang="en-US" dirty="0">
+                <a:latin typeface="Courier New" panose="02070309020205020404" pitchFamily="49" charset="0"/>
+                <a:cs typeface="Courier New" panose="02070309020205020404" pitchFamily="49" charset="0"/>
+              </a:rPr>
+              <a:t>.size()</a:t>
+            </a:r>
+            <a:r>
+              <a:rPr lang="en-US" dirty="0">
+                <a:cs typeface="Courier New" panose="02070309020205020404" pitchFamily="49" charset="0"/>
+              </a:rPr>
+              <a:t> declare the preferred width or size</a:t>
+            </a:r>
+          </a:p>
+          <a:p>
+            <a:r>
+              <a:rPr lang="en-US" dirty="0">
+                <a:latin typeface="Courier New" panose="02070309020205020404" pitchFamily="49" charset="0"/>
+                <a:cs typeface="Courier New" panose="02070309020205020404" pitchFamily="49" charset="0"/>
+              </a:rPr>
+              <a:t>.padding()</a:t>
+            </a:r>
+            <a:r>
+              <a:rPr lang="en-US" dirty="0">
+                <a:cs typeface="Courier New" panose="02070309020205020404" pitchFamily="49" charset="0"/>
+              </a:rPr>
+              <a:t> creates an inward-facing space</a:t>
+            </a:r>
+          </a:p>
+          <a:p>
+            <a:r>
+              <a:rPr lang="en-US" dirty="0">
+                <a:latin typeface="Courier New" panose="02070309020205020404" pitchFamily="49" charset="0"/>
+                <a:cs typeface="Courier New" panose="02070309020205020404" pitchFamily="49" charset="0"/>
+              </a:rPr>
+              <a:t>.background(color = ...)</a:t>
+            </a:r>
+            <a:r>
+              <a:rPr lang="en-US" dirty="0">
+                <a:cs typeface="Courier New" panose="02070309020205020404" pitchFamily="49" charset="0"/>
+              </a:rPr>
+              <a:t> creates a colored background</a:t>
+            </a:r>
+            <a:endParaRPr lang="en-US" dirty="0">
+              <a:latin typeface="Courier New" panose="02070309020205020404" pitchFamily="49" charset="0"/>
+              <a:cs typeface="Courier New" panose="02070309020205020404" pitchFamily="49" charset="0"/>
+            </a:endParaRPr>
+          </a:p>
+        </p:txBody>
+      </p:sp>
+    </p:spTree>
+    <p:extLst>
+      <p:ext uri="{BB962C8B-B14F-4D97-AF65-F5344CB8AC3E}">
+        <p14:creationId xmlns:p14="http://schemas.microsoft.com/office/powerpoint/2010/main" val="1970526783"/>
+      </p:ext>
+    </p:extLst>
+  </p:cSld>
+  <p:clrMapOvr>
+    <a:masterClrMapping/>
+  </p:clrMapOvr>
+  <p:transition spd="med">
+    <p:pull/>
+  </p:transition>
+</p:sld>
+</file>
+
+<file path=ppt/slides/slide19.xml><?xml version="1.0" encoding="utf-8"?>
 <p:sld xmlns:a="http://schemas.openxmlformats.org/drawingml/2006/main" xmlns:r="http://schemas.openxmlformats.org/officeDocument/2006/relationships" xmlns:p="http://schemas.openxmlformats.org/presentationml/2006/main">
   <p:cSld>
     <p:spTree>
@@ -3286,7 +3978,7 @@
           </a:ln>
           <a:extLst>
             <a:ext uri="{C572A759-6A51-4108-AA02-DFA0A04FC94B}">
-              <ma14:wrappingTextBoxFlag xmlns:ma14="http://schemas.microsoft.com/office/mac/drawingml/2011/main" xmlns:a14="http://schemas.microsoft.com/office/drawing/2010/main" xmlns:m="http://schemas.openxmlformats.org/officeDocument/2006/math" xmlns="" val="1"/>
+              <ma14:wrappingTextBoxFlag xmlns="" xmlns:m="http://schemas.openxmlformats.org/officeDocument/2006/math" xmlns:a14="http://schemas.microsoft.com/office/drawing/2010/main" xmlns:ma14="http://schemas.microsoft.com/office/mac/drawingml/2011/main" val="1"/>
             </a:ext>
           </a:extLst>
         </p:spPr>
@@ -3329,7 +4021,83 @@
 </p:sld>
 </file>
 
-<file path=ppt/slides/slide17.xml><?xml version="1.0" encoding="utf-8"?>
+<file path=ppt/slides/slide2.xml><?xml version="1.0" encoding="utf-8"?>
+<p:sld xmlns:a="http://schemas.openxmlformats.org/drawingml/2006/main" xmlns:r="http://schemas.openxmlformats.org/officeDocument/2006/relationships" xmlns:p="http://schemas.openxmlformats.org/presentationml/2006/main">
+  <p:cSld>
+    <p:spTree>
+      <p:nvGrpSpPr>
+        <p:cNvPr id="1" name=""/>
+        <p:cNvGrpSpPr/>
+        <p:nvPr/>
+      </p:nvGrpSpPr>
+      <p:grpSpPr>
+        <a:xfrm>
+          <a:off x="0" y="0"/>
+          <a:ext cx="0" cy="0"/>
+          <a:chOff x="0" y="0"/>
+          <a:chExt cx="0" cy="0"/>
+        </a:xfrm>
+      </p:grpSpPr>
+      <p:sp>
+        <p:nvSpPr>
+          <p:cNvPr id="315" name="Vielen Dank"/>
+          <p:cNvSpPr txBox="1"/>
+          <p:nvPr/>
+        </p:nvSpPr>
+        <p:spPr>
+          <a:xfrm>
+            <a:off x="8478643" y="6068040"/>
+            <a:ext cx="7426713" cy="1579920"/>
+          </a:xfrm>
+          <a:prstGeom prst="rect">
+            <a:avLst/>
+          </a:prstGeom>
+          <a:noFill/>
+          <a:ln w="12700" cap="flat">
+            <a:noFill/>
+            <a:miter lim="400000"/>
+          </a:ln>
+          <a:effectLst/>
+          <a:extLst>
+            <a:ext uri="{C572A759-6A51-4108-AA02-DFA0A04FC94B}">
+              <ma14:wrappingTextBoxFlag xmlns:ma14="http://schemas.microsoft.com/office/mac/drawingml/2011/main" xmlns:a14="http://schemas.microsoft.com/office/drawing/2010/main" xmlns:m="http://schemas.openxmlformats.org/officeDocument/2006/math" xmlns="" val="1"/>
+            </a:ext>
+          </a:extLst>
+        </p:spPr>
+        <p:txBody>
+          <a:bodyPr wrap="none" lIns="50800" tIns="50800" rIns="50800" bIns="50800" numCol="1" anchor="ctr">
+            <a:spAutoFit/>
+          </a:bodyPr>
+          <a:lstStyle>
+            <a:lvl1pPr>
+              <a:defRPr sz="9600" b="0"/>
+            </a:lvl1pPr>
+          </a:lstStyle>
+          <a:p>
+            <a:r>
+              <a:rPr lang="de-DE" dirty="0">
+                <a:latin typeface="+mj-lt"/>
+              </a:rPr>
+              <a:t>Questions 🤔</a:t>
+            </a:r>
+            <a:endParaRPr dirty="0">
+              <a:latin typeface="+mj-lt"/>
+            </a:endParaRPr>
+          </a:p>
+        </p:txBody>
+      </p:sp>
+    </p:spTree>
+  </p:cSld>
+  <p:clrMapOvr>
+    <a:masterClrMapping/>
+  </p:clrMapOvr>
+  <p:transition spd="med">
+    <p:pull/>
+  </p:transition>
+</p:sld>
+</file>
+
+<file path=ppt/slides/slide20.xml><?xml version="1.0" encoding="utf-8"?>
 <p:sld xmlns:a="http://schemas.openxmlformats.org/drawingml/2006/main" xmlns:r="http://schemas.openxmlformats.org/officeDocument/2006/relationships" xmlns:p="http://schemas.openxmlformats.org/presentationml/2006/main">
   <p:cSld>
     <p:spTree>
@@ -3437,6 +4205,50 @@
               </a:rPr>
               <a:t>setContent { }</a:t>
             </a:r>
+            <a:r>
+              <a:rPr lang="en-001" dirty="0">
+                <a:latin typeface="+mn-ea"/>
+                <a:ea typeface="+mn-ea"/>
+                <a:cs typeface="Courier New" panose="02070309020205020404" pitchFamily="49" charset="0"/>
+              </a:rPr>
+              <a:t> (try to show a </a:t>
+            </a:r>
+            <a:r>
+              <a:rPr lang="en-001" dirty="0">
+                <a:latin typeface="Courier New" panose="02070309020205020404" pitchFamily="49" charset="0"/>
+                <a:ea typeface="+mn-ea"/>
+                <a:cs typeface="Courier New" panose="02070309020205020404" pitchFamily="49" charset="0"/>
+              </a:rPr>
+              <a:t>Text()</a:t>
+            </a:r>
+            <a:r>
+              <a:rPr lang="en-001" dirty="0">
+                <a:latin typeface="+mn-ea"/>
+                <a:ea typeface="+mn-ea"/>
+                <a:cs typeface="Courier New" panose="02070309020205020404" pitchFamily="49" charset="0"/>
+              </a:rPr>
+              <a:t> inside a </a:t>
+            </a:r>
+            <a:r>
+              <a:rPr lang="en-001" dirty="0">
+                <a:latin typeface="Courier New" panose="02070309020205020404" pitchFamily="49" charset="0"/>
+                <a:ea typeface="+mn-ea"/>
+                <a:cs typeface="Courier New" panose="02070309020205020404" pitchFamily="49" charset="0"/>
+              </a:rPr>
+              <a:t>Box()</a:t>
+            </a:r>
+            <a:r>
+              <a:rPr lang="en-001" dirty="0">
+                <a:latin typeface="+mn-ea"/>
+                <a:ea typeface="+mn-ea"/>
+                <a:cs typeface="Courier New" panose="02070309020205020404" pitchFamily="49" charset="0"/>
+              </a:rPr>
+              <a:t>)</a:t>
+            </a:r>
+            <a:endParaRPr lang="en-001" dirty="0">
+              <a:latin typeface="Courier New" panose="02070309020205020404" pitchFamily="49" charset="0"/>
+              <a:cs typeface="Courier New" panose="02070309020205020404" pitchFamily="49" charset="0"/>
+            </a:endParaRPr>
           </a:p>
           <a:p>
             <a:r>
@@ -3455,6 +4267,190 @@
           </a:p>
         </p:txBody>
       </p:sp>
+      <p:grpSp>
+        <p:nvGrpSpPr>
+          <p:cNvPr id="3" name="Group 2">
+            <a:extLst>
+              <a:ext uri="{FF2B5EF4-FFF2-40B4-BE49-F238E27FC236}">
+                <a16:creationId xmlns:a16="http://schemas.microsoft.com/office/drawing/2014/main" id="{576B6693-4A79-9C5E-EF76-11F89D8513F6}"/>
+              </a:ext>
+            </a:extLst>
+          </p:cNvPr>
+          <p:cNvGrpSpPr/>
+          <p:nvPr/>
+        </p:nvGrpSpPr>
+        <p:grpSpPr>
+          <a:xfrm>
+            <a:off x="20297329" y="568411"/>
+            <a:ext cx="3484606" cy="3262183"/>
+            <a:chOff x="13444151" y="1433384"/>
+            <a:chExt cx="3484606" cy="3262183"/>
+          </a:xfrm>
+        </p:grpSpPr>
+        <p:sp>
+          <p:nvSpPr>
+            <p:cNvPr id="4" name="Oval 3">
+              <a:extLst>
+                <a:ext uri="{FF2B5EF4-FFF2-40B4-BE49-F238E27FC236}">
+                  <a16:creationId xmlns:a16="http://schemas.microsoft.com/office/drawing/2014/main" id="{EEA59861-B69A-FED2-4919-704E3FE7EDC0}"/>
+                </a:ext>
+              </a:extLst>
+            </p:cNvPr>
+            <p:cNvSpPr/>
+            <p:nvPr/>
+          </p:nvSpPr>
+          <p:spPr>
+            <a:xfrm>
+              <a:off x="13444151" y="1433384"/>
+              <a:ext cx="3484606" cy="3237470"/>
+            </a:xfrm>
+            <a:prstGeom prst="ellipse">
+              <a:avLst/>
+            </a:prstGeom>
+            <a:solidFill>
+              <a:srgbClr val="FF0000"/>
+            </a:solidFill>
+            <a:ln w="203200" cap="flat">
+              <a:solidFill>
+                <a:schemeClr val="tx1"/>
+              </a:solidFill>
+              <a:miter lim="400000"/>
+            </a:ln>
+            <a:effectLst/>
+            <a:sp3d/>
+          </p:spPr>
+          <p:style>
+            <a:lnRef idx="0">
+              <a:scrgbClr r="0" g="0" b="0"/>
+            </a:lnRef>
+            <a:fillRef idx="0">
+              <a:scrgbClr r="0" g="0" b="0"/>
+            </a:fillRef>
+            <a:effectRef idx="0">
+              <a:scrgbClr r="0" g="0" b="0"/>
+            </a:effectRef>
+            <a:fontRef idx="none"/>
+          </p:style>
+          <p:txBody>
+            <a:bodyPr rot="0" spcFirstLastPara="1" vertOverflow="overflow" horzOverflow="overflow" vert="horz" wrap="square" lIns="0" tIns="0" rIns="0" bIns="0" numCol="1" spcCol="38100" rtlCol="0" anchor="ctr">
+              <a:noAutofit/>
+            </a:bodyPr>
+            <a:lstStyle/>
+            <a:p>
+              <a:pPr marL="0" marR="0" indent="0" algn="ctr" defTabSz="825500" rtl="0" fontAlgn="auto" latinLnBrk="0" hangingPunct="0">
+                <a:lnSpc>
+                  <a:spcPct val="100000"/>
+                </a:lnSpc>
+                <a:spcBef>
+                  <a:spcPts val="0"/>
+                </a:spcBef>
+                <a:spcAft>
+                  <a:spcPts val="0"/>
+                </a:spcAft>
+                <a:buClrTx/>
+                <a:buSzTx/>
+                <a:buFontTx/>
+                <a:buNone/>
+                <a:tabLst/>
+              </a:pPr>
+              <a:endParaRPr kumimoji="0" lang="en-001" sz="3200" b="0" i="0" u="none" strike="noStrike" cap="none" spc="0" normalizeH="0" baseline="0">
+                <a:solidFill>
+                  <a:srgbClr val="FFFFFF"/>
+                </a:solidFill>
+                <a:effectLst/>
+                <a:uFillTx/>
+                <a:latin typeface="+mn-lt"/>
+                <a:ea typeface="+mn-ea"/>
+                <a:cs typeface="+mn-cs"/>
+                <a:sym typeface="Helvetica Neue Medium"/>
+              </a:endParaRPr>
+            </a:p>
+          </p:txBody>
+        </p:sp>
+        <p:sp>
+          <p:nvSpPr>
+            <p:cNvPr id="5" name="Pie 4">
+              <a:extLst>
+                <a:ext uri="{FF2B5EF4-FFF2-40B4-BE49-F238E27FC236}">
+                  <a16:creationId xmlns:a16="http://schemas.microsoft.com/office/drawing/2014/main" id="{73B0428C-317F-8BB1-FD18-60ECC0537C57}"/>
+                </a:ext>
+              </a:extLst>
+            </p:cNvPr>
+            <p:cNvSpPr/>
+            <p:nvPr/>
+          </p:nvSpPr>
+          <p:spPr>
+            <a:xfrm>
+              <a:off x="13444151" y="1458097"/>
+              <a:ext cx="3484606" cy="3237470"/>
+            </a:xfrm>
+            <a:prstGeom prst="pie">
+              <a:avLst>
+                <a:gd name="adj1" fmla="val 1861624"/>
+                <a:gd name="adj2" fmla="val 16296272"/>
+              </a:avLst>
+            </a:prstGeom>
+            <a:solidFill>
+              <a:schemeClr val="bg1"/>
+            </a:solidFill>
+            <a:ln w="203200" cap="flat">
+              <a:solidFill>
+                <a:schemeClr val="tx1"/>
+              </a:solidFill>
+              <a:miter lim="400000"/>
+            </a:ln>
+            <a:effectLst/>
+            <a:sp3d/>
+          </p:spPr>
+          <p:style>
+            <a:lnRef idx="0">
+              <a:scrgbClr r="0" g="0" b="0"/>
+            </a:lnRef>
+            <a:fillRef idx="0">
+              <a:scrgbClr r="0" g="0" b="0"/>
+            </a:fillRef>
+            <a:effectRef idx="0">
+              <a:scrgbClr r="0" g="0" b="0"/>
+            </a:effectRef>
+            <a:fontRef idx="none"/>
+          </p:style>
+          <p:txBody>
+            <a:bodyPr rot="0" spcFirstLastPara="1" vertOverflow="overflow" horzOverflow="overflow" vert="horz" wrap="square" lIns="0" tIns="0" rIns="0" bIns="0" numCol="1" spcCol="38100" rtlCol="0" anchor="ctr">
+              <a:noAutofit/>
+            </a:bodyPr>
+            <a:lstStyle/>
+            <a:p>
+              <a:pPr marL="0" marR="0" indent="0" algn="ctr" defTabSz="825500" rtl="0" fontAlgn="auto" latinLnBrk="0" hangingPunct="0">
+                <a:lnSpc>
+                  <a:spcPct val="100000"/>
+                </a:lnSpc>
+                <a:spcBef>
+                  <a:spcPts val="0"/>
+                </a:spcBef>
+                <a:spcAft>
+                  <a:spcPts val="0"/>
+                </a:spcAft>
+                <a:buClrTx/>
+                <a:buSzTx/>
+                <a:buFontTx/>
+                <a:buNone/>
+                <a:tabLst/>
+              </a:pPr>
+              <a:endParaRPr kumimoji="0" lang="en-001" sz="3200" b="0" i="0" u="none" strike="noStrike" cap="none" spc="0" normalizeH="0" baseline="0">
+                <a:solidFill>
+                  <a:srgbClr val="FFFFFF"/>
+                </a:solidFill>
+                <a:effectLst/>
+                <a:uFillTx/>
+                <a:latin typeface="+mn-lt"/>
+                <a:ea typeface="+mn-ea"/>
+                <a:cs typeface="+mn-cs"/>
+                <a:sym typeface="Helvetica Neue Medium"/>
+              </a:endParaRPr>
+            </a:p>
+          </p:txBody>
+        </p:sp>
+      </p:grpSp>
     </p:spTree>
     <p:extLst>
       <p:ext uri="{BB962C8B-B14F-4D97-AF65-F5344CB8AC3E}">
@@ -3471,7 +4467,7 @@
 </p:sld>
 </file>
 
-<file path=ppt/slides/slide18.xml><?xml version="1.0" encoding="utf-8"?>
+<file path=ppt/slides/slide21.xml><?xml version="1.0" encoding="utf-8"?>
 <p:sld xmlns:a="http://schemas.openxmlformats.org/drawingml/2006/main" xmlns:r="http://schemas.openxmlformats.org/officeDocument/2006/relationships" xmlns:p="http://schemas.openxmlformats.org/presentationml/2006/main">
   <p:cSld>
     <p:spTree>
@@ -3517,12 +4513,24 @@
           <a:lstStyle/>
           <a:p>
             <a:r>
+              <a:rPr lang="en-US" b="1" dirty="0"/>
+              <a:t>State</a:t>
+            </a:r>
+            <a:r>
               <a:rPr lang="en-US" dirty="0"/>
-              <a:t>A Compose user interface hierarchy is declared based on </a:t>
-            </a:r>
-            <a:r>
-              <a:rPr lang="en-US" b="1" dirty="0"/>
-              <a:t>state</a:t>
+              <a:t> is data that may change over time</a:t>
+            </a:r>
+          </a:p>
+          <a:p>
+            <a:r>
+              <a:rPr lang="en-US" dirty="0"/>
+              <a:t>A Compose user interface hierarchy is declared based on state</a:t>
+            </a:r>
+          </a:p>
+          <a:p>
+            <a:r>
+              <a:rPr lang="en-US" dirty="0"/>
+              <a:t>When the data changes, the UI needs to be updated</a:t>
             </a:r>
           </a:p>
           <a:p>
@@ -3549,7 +4557,7 @@
 </p:sld>
 </file>
 
-<file path=ppt/slides/slide19.xml><?xml version="1.0" encoding="utf-8"?>
+<file path=ppt/slides/slide22.xml><?xml version="1.0" encoding="utf-8"?>
 <p:sld xmlns:a="http://schemas.openxmlformats.org/drawingml/2006/main" xmlns:r="http://schemas.openxmlformats.org/officeDocument/2006/relationships" xmlns:p="http://schemas.openxmlformats.org/presentationml/2006/main">
   <p:cSld>
     <p:spTree>
@@ -3650,91 +4658,7 @@
 </p:sld>
 </file>
 
-<file path=ppt/slides/slide2.xml><?xml version="1.0" encoding="utf-8"?>
-<p:sld xmlns:a="http://schemas.openxmlformats.org/drawingml/2006/main" xmlns:r="http://schemas.openxmlformats.org/officeDocument/2006/relationships" xmlns:p="http://schemas.openxmlformats.org/presentationml/2006/main">
-  <p:cSld>
-    <p:spTree>
-      <p:nvGrpSpPr>
-        <p:cNvPr id="1" name=""/>
-        <p:cNvGrpSpPr/>
-        <p:nvPr/>
-      </p:nvGrpSpPr>
-      <p:grpSpPr>
-        <a:xfrm>
-          <a:off x="0" y="0"/>
-          <a:ext cx="0" cy="0"/>
-          <a:chOff x="0" y="0"/>
-          <a:chExt cx="0" cy="0"/>
-        </a:xfrm>
-      </p:grpSpPr>
-      <p:sp>
-        <p:nvSpPr>
-          <p:cNvPr id="3" name="Textplatzhalter 2">
-            <a:extLst>
-              <a:ext uri="{FF2B5EF4-FFF2-40B4-BE49-F238E27FC236}">
-                <a16:creationId xmlns:a16="http://schemas.microsoft.com/office/drawing/2014/main" id="{5EC09F17-C3AE-F6BE-A599-B7479188DB46}"/>
-              </a:ext>
-            </a:extLst>
-          </p:cNvPr>
-          <p:cNvSpPr>
-            <a:spLocks noGrp="1"/>
-          </p:cNvSpPr>
-          <p:nvPr>
-            <p:ph type="body" sz="half" idx="4294967295"/>
-          </p:nvPr>
-        </p:nvSpPr>
-        <p:spPr>
-          <a:xfrm>
-            <a:off x="4036884" y="2209800"/>
-            <a:ext cx="14399397" cy="9296400"/>
-          </a:xfrm>
-        </p:spPr>
-        <p:txBody>
-          <a:bodyPr/>
-          <a:lstStyle/>
-          <a:p>
-            <a:r>
-              <a:rPr lang="en-US" dirty="0"/>
-              <a:t>Android‘s declarative, native UI toolkit</a:t>
-            </a:r>
-          </a:p>
-          <a:p>
-            <a:r>
-              <a:rPr lang="en-US" dirty="0"/>
-              <a:t>Based on Kotlin functions</a:t>
-            </a:r>
-          </a:p>
-          <a:p>
-            <a:r>
-              <a:rPr lang="en-US" dirty="0"/>
-              <a:t>Favors composition over inheritance</a:t>
-            </a:r>
-          </a:p>
-          <a:p>
-            <a:r>
-              <a:rPr lang="en-US" dirty="0"/>
-              <a:t>Not part of traditional platform APIs</a:t>
-            </a:r>
-          </a:p>
-        </p:txBody>
-      </p:sp>
-    </p:spTree>
-    <p:extLst>
-      <p:ext uri="{BB962C8B-B14F-4D97-AF65-F5344CB8AC3E}">
-        <p14:creationId xmlns:p14="http://schemas.microsoft.com/office/powerpoint/2010/main" val="2542279070"/>
-      </p:ext>
-    </p:extLst>
-  </p:cSld>
-  <p:clrMapOvr>
-    <a:masterClrMapping/>
-  </p:clrMapOvr>
-  <p:transition spd="med">
-    <p:pull/>
-  </p:transition>
-</p:sld>
-</file>
-
-<file path=ppt/slides/slide20.xml><?xml version="1.0" encoding="utf-8"?>
+<file path=ppt/slides/slide23.xml><?xml version="1.0" encoding="utf-8"?>
 <p:sld xmlns:a="http://schemas.openxmlformats.org/drawingml/2006/main" xmlns:r="http://schemas.openxmlformats.org/officeDocument/2006/relationships" xmlns:p="http://schemas.openxmlformats.org/presentationml/2006/main">
   <p:cSld>
     <p:spTree>
@@ -3779,7 +4703,7 @@
           <a:p>
             <a:r>
               <a:rPr lang="en-US" dirty="0"/>
-              <a:t>State is defined as late as possible, depending on which </a:t>
+              <a:t>State is defined as late as possible (depending on which </a:t>
             </a:r>
             <a:r>
               <a:rPr lang="en-US" dirty="0" err="1"/>
@@ -3787,7 +4711,7 @@
             </a:r>
             <a:r>
               <a:rPr lang="en-US" dirty="0"/>
-              <a:t> will be using it</a:t>
+              <a:t> will be using it)</a:t>
             </a:r>
           </a:p>
           <a:p>
@@ -3820,7 +4744,7 @@
 </p:sld>
 </file>
 
-<file path=ppt/slides/slide21.xml><?xml version="1.0" encoding="utf-8"?>
+<file path=ppt/slides/slide24.xml><?xml version="1.0" encoding="utf-8"?>
 <p:sld xmlns:a="http://schemas.openxmlformats.org/drawingml/2006/main" xmlns:r="http://schemas.openxmlformats.org/officeDocument/2006/relationships" xmlns:p="http://schemas.openxmlformats.org/presentationml/2006/main">
   <p:cSld>
     <p:spTree>
@@ -3914,116 +4838,7 @@
 </p:sld>
 </file>
 
-<file path=ppt/slides/slide22.xml><?xml version="1.0" encoding="utf-8"?>
-<p:sld xmlns:a="http://schemas.openxmlformats.org/drawingml/2006/main" xmlns:r="http://schemas.openxmlformats.org/officeDocument/2006/relationships" xmlns:p="http://schemas.openxmlformats.org/presentationml/2006/main">
-  <p:cSld>
-    <p:spTree>
-      <p:nvGrpSpPr>
-        <p:cNvPr id="1" name=""/>
-        <p:cNvGrpSpPr/>
-        <p:nvPr/>
-      </p:nvGrpSpPr>
-      <p:grpSpPr>
-        <a:xfrm>
-          <a:off x="0" y="0"/>
-          <a:ext cx="0" cy="0"/>
-          <a:chOff x="0" y="0"/>
-          <a:chExt cx="0" cy="0"/>
-        </a:xfrm>
-      </p:grpSpPr>
-      <p:sp>
-        <p:nvSpPr>
-          <p:cNvPr id="2" name="Textplatzhalter 1">
-            <a:extLst>
-              <a:ext uri="{FF2B5EF4-FFF2-40B4-BE49-F238E27FC236}">
-                <a16:creationId xmlns:a16="http://schemas.microsoft.com/office/drawing/2014/main" id="{7B6FA085-4408-5414-E2BD-3DA9AADAAFF9}"/>
-              </a:ext>
-            </a:extLst>
-          </p:cNvPr>
-          <p:cNvSpPr>
-            <a:spLocks noGrp="1"/>
-          </p:cNvSpPr>
-          <p:nvPr>
-            <p:ph type="body" sz="half" idx="4294967295"/>
-          </p:nvPr>
-        </p:nvSpPr>
-        <p:spPr>
-          <a:xfrm>
-            <a:off x="5729502" y="2209800"/>
-            <a:ext cx="12924996" cy="9296400"/>
-          </a:xfrm>
-        </p:spPr>
-        <p:txBody>
-          <a:bodyPr/>
-          <a:lstStyle/>
-          <a:p>
-            <a:r>
-              <a:rPr lang="en-US" dirty="0"/>
-              <a:t>We create state with </a:t>
-            </a:r>
-            <a:r>
-              <a:rPr lang="en-US" dirty="0" err="1">
-                <a:latin typeface="Courier New" panose="02070309020205020404" pitchFamily="49" charset="0"/>
-                <a:cs typeface="Courier New" panose="02070309020205020404" pitchFamily="49" charset="0"/>
-              </a:rPr>
-              <a:t>mutableStateOf</a:t>
-            </a:r>
-            <a:r>
-              <a:rPr lang="en-US" dirty="0">
-                <a:latin typeface="Courier New" panose="02070309020205020404" pitchFamily="49" charset="0"/>
-                <a:cs typeface="Courier New" panose="02070309020205020404" pitchFamily="49" charset="0"/>
-              </a:rPr>
-              <a:t>()</a:t>
-            </a:r>
-          </a:p>
-          <a:p>
-            <a:r>
-              <a:rPr lang="en-US" dirty="0">
-                <a:cs typeface="Courier New" panose="02070309020205020404" pitchFamily="49" charset="0"/>
-              </a:rPr>
-              <a:t>We </a:t>
-            </a:r>
-            <a:r>
-              <a:rPr lang="en-US" dirty="0">
-                <a:latin typeface="Courier New" panose="02070309020205020404" pitchFamily="49" charset="0"/>
-                <a:cs typeface="Courier New" panose="02070309020205020404" pitchFamily="49" charset="0"/>
-              </a:rPr>
-              <a:t>remember</a:t>
-            </a:r>
-            <a:r>
-              <a:rPr lang="en-US" dirty="0">
-                <a:cs typeface="Courier New" panose="02070309020205020404" pitchFamily="49" charset="0"/>
-              </a:rPr>
-              <a:t> state</a:t>
-            </a:r>
-          </a:p>
-          <a:p>
-            <a:r>
-              <a:rPr lang="en-US" dirty="0">
-                <a:cs typeface="Courier New" panose="02070309020205020404" pitchFamily="49" charset="0"/>
-              </a:rPr>
-              <a:t>We assign state to a variable to read and change it</a:t>
-            </a:r>
-          </a:p>
-        </p:txBody>
-      </p:sp>
-    </p:spTree>
-    <p:extLst>
-      <p:ext uri="{BB962C8B-B14F-4D97-AF65-F5344CB8AC3E}">
-        <p14:creationId xmlns:p14="http://schemas.microsoft.com/office/powerpoint/2010/main" val="2939189408"/>
-      </p:ext>
-    </p:extLst>
-  </p:cSld>
-  <p:clrMapOvr>
-    <a:masterClrMapping/>
-  </p:clrMapOvr>
-  <p:transition spd="med">
-    <p:pull/>
-  </p:transition>
-</p:sld>
-</file>
-
-<file path=ppt/slides/slide23.xml><?xml version="1.0" encoding="utf-8"?>
+<file path=ppt/slides/slide25.xml><?xml version="1.0" encoding="utf-8"?>
 <p:sld xmlns:a="http://schemas.openxmlformats.org/drawingml/2006/main" xmlns:r="http://schemas.openxmlformats.org/officeDocument/2006/relationships" xmlns:p="http://schemas.openxmlformats.org/presentationml/2006/main">
   <p:cSld>
     <p:spTree>
@@ -4062,7 +4877,7 @@
         </p:blipFill>
         <p:spPr>
           <a:xfrm>
-            <a:off x="1898821" y="380816"/>
+            <a:off x="9312875" y="380816"/>
             <a:ext cx="10997514" cy="12954367"/>
           </a:xfrm>
           <a:prstGeom prst="rect">
@@ -4086,8 +4901,8 @@
         </p:nvSpPr>
         <p:spPr>
           <a:xfrm>
-            <a:off x="13740712" y="2209800"/>
-            <a:ext cx="10301331" cy="9296400"/>
+            <a:off x="1309816" y="380815"/>
+            <a:ext cx="7364628" cy="12954367"/>
           </a:xfrm>
           <a:prstGeom prst="rect">
             <a:avLst/>
@@ -4097,7 +4912,7 @@
           </a:ln>
           <a:extLst>
             <a:ext uri="{C572A759-6A51-4108-AA02-DFA0A04FC94B}">
-              <ma14:wrappingTextBoxFlag xmlns="" xmlns:m="http://schemas.openxmlformats.org/officeDocument/2006/math" xmlns:a14="http://schemas.microsoft.com/office/drawing/2010/main" xmlns:ma14="http://schemas.microsoft.com/office/mac/drawingml/2011/main" val="1"/>
+              <ma14:wrappingTextBoxFlag xmlns:ma14="http://schemas.microsoft.com/office/mac/drawingml/2011/main" xmlns:a14="http://schemas.microsoft.com/office/drawing/2010/main" xmlns:m="http://schemas.openxmlformats.org/officeDocument/2006/math" xmlns="" val="1"/>
             </a:ext>
           </a:extLst>
         </p:spPr>
@@ -4393,6 +5208,24 @@
               <a:t>We assign state to a variable to read and change it</a:t>
             </a:r>
           </a:p>
+          <a:p>
+            <a:pPr hangingPunct="1"/>
+            <a:r>
+              <a:rPr lang="en-US" dirty="0">
+                <a:cs typeface="Courier New" panose="02070309020205020404" pitchFamily="49" charset="0"/>
+              </a:rPr>
+              <a:t>We pass behavior through callbacks</a:t>
+            </a:r>
+          </a:p>
+          <a:p>
+            <a:pPr hangingPunct="1"/>
+            <a:r>
+              <a:rPr lang="en-US" dirty="0">
+                <a:cs typeface="Courier New" panose="02070309020205020404" pitchFamily="49" charset="0"/>
+              </a:rPr>
+              <a:t>We use state to declare the UI</a:t>
+            </a:r>
+          </a:p>
         </p:txBody>
       </p:sp>
     </p:spTree>
@@ -4411,7 +5244,7 @@
 </p:sld>
 </file>
 
-<file path=ppt/slides/slide24.xml><?xml version="1.0" encoding="utf-8"?>
+<file path=ppt/slides/slide26.xml><?xml version="1.0" encoding="utf-8"?>
 <p:sld xmlns:a="http://schemas.openxmlformats.org/drawingml/2006/main" xmlns:r="http://schemas.openxmlformats.org/officeDocument/2006/relationships" xmlns:p="http://schemas.openxmlformats.org/presentationml/2006/main">
   <p:cSld>
     <p:spTree>
@@ -4580,7 +5413,7 @@
           </a:ln>
           <a:extLst>
             <a:ext uri="{C572A759-6A51-4108-AA02-DFA0A04FC94B}">
-              <ma14:wrappingTextBoxFlag xmlns:ma14="http://schemas.microsoft.com/office/mac/drawingml/2011/main" xmlns:a14="http://schemas.microsoft.com/office/drawing/2010/main" xmlns:m="http://schemas.openxmlformats.org/officeDocument/2006/math" xmlns="" val="1"/>
+              <ma14:wrappingTextBoxFlag xmlns="" xmlns:m="http://schemas.openxmlformats.org/officeDocument/2006/math" xmlns:a14="http://schemas.microsoft.com/office/drawing/2010/main" xmlns:ma14="http://schemas.microsoft.com/office/mac/drawingml/2011/main" val="1"/>
             </a:ext>
           </a:extLst>
         </p:spPr>
@@ -4623,7 +5456,7 @@
 </p:sld>
 </file>
 
-<file path=ppt/slides/slide25.xml><?xml version="1.0" encoding="utf-8"?>
+<file path=ppt/slides/slide27.xml><?xml version="1.0" encoding="utf-8"?>
 <p:sld xmlns:a="http://schemas.openxmlformats.org/drawingml/2006/main" xmlns:r="http://schemas.openxmlformats.org/officeDocument/2006/relationships" xmlns:p="http://schemas.openxmlformats.org/presentationml/2006/main">
   <p:cSld>
     <p:spTree>
@@ -4743,6 +5576,190 @@
           </a:p>
         </p:txBody>
       </p:sp>
+      <p:grpSp>
+        <p:nvGrpSpPr>
+          <p:cNvPr id="3" name="Group 2">
+            <a:extLst>
+              <a:ext uri="{FF2B5EF4-FFF2-40B4-BE49-F238E27FC236}">
+                <a16:creationId xmlns:a16="http://schemas.microsoft.com/office/drawing/2014/main" id="{748EE4ED-DE0A-4F79-1DA9-E26CA3A4769B}"/>
+              </a:ext>
+            </a:extLst>
+          </p:cNvPr>
+          <p:cNvGrpSpPr/>
+          <p:nvPr/>
+        </p:nvGrpSpPr>
+        <p:grpSpPr>
+          <a:xfrm>
+            <a:off x="20297329" y="568411"/>
+            <a:ext cx="3484606" cy="3262183"/>
+            <a:chOff x="13444151" y="1433384"/>
+            <a:chExt cx="3484606" cy="3262183"/>
+          </a:xfrm>
+        </p:grpSpPr>
+        <p:sp>
+          <p:nvSpPr>
+            <p:cNvPr id="4" name="Oval 3">
+              <a:extLst>
+                <a:ext uri="{FF2B5EF4-FFF2-40B4-BE49-F238E27FC236}">
+                  <a16:creationId xmlns:a16="http://schemas.microsoft.com/office/drawing/2014/main" id="{8667F38A-C994-D3A8-587E-98B024DF06B1}"/>
+                </a:ext>
+              </a:extLst>
+            </p:cNvPr>
+            <p:cNvSpPr/>
+            <p:nvPr/>
+          </p:nvSpPr>
+          <p:spPr>
+            <a:xfrm>
+              <a:off x="13444151" y="1433384"/>
+              <a:ext cx="3484606" cy="3237470"/>
+            </a:xfrm>
+            <a:prstGeom prst="ellipse">
+              <a:avLst/>
+            </a:prstGeom>
+            <a:solidFill>
+              <a:srgbClr val="FF0000"/>
+            </a:solidFill>
+            <a:ln w="203200" cap="flat">
+              <a:solidFill>
+                <a:schemeClr val="tx1"/>
+              </a:solidFill>
+              <a:miter lim="400000"/>
+            </a:ln>
+            <a:effectLst/>
+            <a:sp3d/>
+          </p:spPr>
+          <p:style>
+            <a:lnRef idx="0">
+              <a:scrgbClr r="0" g="0" b="0"/>
+            </a:lnRef>
+            <a:fillRef idx="0">
+              <a:scrgbClr r="0" g="0" b="0"/>
+            </a:fillRef>
+            <a:effectRef idx="0">
+              <a:scrgbClr r="0" g="0" b="0"/>
+            </a:effectRef>
+            <a:fontRef idx="none"/>
+          </p:style>
+          <p:txBody>
+            <a:bodyPr rot="0" spcFirstLastPara="1" vertOverflow="overflow" horzOverflow="overflow" vert="horz" wrap="square" lIns="0" tIns="0" rIns="0" bIns="0" numCol="1" spcCol="38100" rtlCol="0" anchor="ctr">
+              <a:noAutofit/>
+            </a:bodyPr>
+            <a:lstStyle/>
+            <a:p>
+              <a:pPr marL="0" marR="0" indent="0" algn="ctr" defTabSz="825500" rtl="0" fontAlgn="auto" latinLnBrk="0" hangingPunct="0">
+                <a:lnSpc>
+                  <a:spcPct val="100000"/>
+                </a:lnSpc>
+                <a:spcBef>
+                  <a:spcPts val="0"/>
+                </a:spcBef>
+                <a:spcAft>
+                  <a:spcPts val="0"/>
+                </a:spcAft>
+                <a:buClrTx/>
+                <a:buSzTx/>
+                <a:buFontTx/>
+                <a:buNone/>
+                <a:tabLst/>
+              </a:pPr>
+              <a:endParaRPr kumimoji="0" lang="en-001" sz="3200" b="0" i="0" u="none" strike="noStrike" cap="none" spc="0" normalizeH="0" baseline="0">
+                <a:solidFill>
+                  <a:srgbClr val="FFFFFF"/>
+                </a:solidFill>
+                <a:effectLst/>
+                <a:uFillTx/>
+                <a:latin typeface="+mn-lt"/>
+                <a:ea typeface="+mn-ea"/>
+                <a:cs typeface="+mn-cs"/>
+                <a:sym typeface="Helvetica Neue Medium"/>
+              </a:endParaRPr>
+            </a:p>
+          </p:txBody>
+        </p:sp>
+        <p:sp>
+          <p:nvSpPr>
+            <p:cNvPr id="5" name="Pie 4">
+              <a:extLst>
+                <a:ext uri="{FF2B5EF4-FFF2-40B4-BE49-F238E27FC236}">
+                  <a16:creationId xmlns:a16="http://schemas.microsoft.com/office/drawing/2014/main" id="{6DDB2577-111B-8D28-9911-8F65AD19751B}"/>
+                </a:ext>
+              </a:extLst>
+            </p:cNvPr>
+            <p:cNvSpPr/>
+            <p:nvPr/>
+          </p:nvSpPr>
+          <p:spPr>
+            <a:xfrm>
+              <a:off x="13444151" y="1458097"/>
+              <a:ext cx="3484606" cy="3237470"/>
+            </a:xfrm>
+            <a:prstGeom prst="pie">
+              <a:avLst>
+                <a:gd name="adj1" fmla="val 1861624"/>
+                <a:gd name="adj2" fmla="val 16296272"/>
+              </a:avLst>
+            </a:prstGeom>
+            <a:solidFill>
+              <a:schemeClr val="bg1"/>
+            </a:solidFill>
+            <a:ln w="203200" cap="flat">
+              <a:solidFill>
+                <a:schemeClr val="tx1"/>
+              </a:solidFill>
+              <a:miter lim="400000"/>
+            </a:ln>
+            <a:effectLst/>
+            <a:sp3d/>
+          </p:spPr>
+          <p:style>
+            <a:lnRef idx="0">
+              <a:scrgbClr r="0" g="0" b="0"/>
+            </a:lnRef>
+            <a:fillRef idx="0">
+              <a:scrgbClr r="0" g="0" b="0"/>
+            </a:fillRef>
+            <a:effectRef idx="0">
+              <a:scrgbClr r="0" g="0" b="0"/>
+            </a:effectRef>
+            <a:fontRef idx="none"/>
+          </p:style>
+          <p:txBody>
+            <a:bodyPr rot="0" spcFirstLastPara="1" vertOverflow="overflow" horzOverflow="overflow" vert="horz" wrap="square" lIns="0" tIns="0" rIns="0" bIns="0" numCol="1" spcCol="38100" rtlCol="0" anchor="ctr">
+              <a:noAutofit/>
+            </a:bodyPr>
+            <a:lstStyle/>
+            <a:p>
+              <a:pPr marL="0" marR="0" indent="0" algn="ctr" defTabSz="825500" rtl="0" fontAlgn="auto" latinLnBrk="0" hangingPunct="0">
+                <a:lnSpc>
+                  <a:spcPct val="100000"/>
+                </a:lnSpc>
+                <a:spcBef>
+                  <a:spcPts val="0"/>
+                </a:spcBef>
+                <a:spcAft>
+                  <a:spcPts val="0"/>
+                </a:spcAft>
+                <a:buClrTx/>
+                <a:buSzTx/>
+                <a:buFontTx/>
+                <a:buNone/>
+                <a:tabLst/>
+              </a:pPr>
+              <a:endParaRPr kumimoji="0" lang="en-001" sz="3200" b="0" i="0" u="none" strike="noStrike" cap="none" spc="0" normalizeH="0" baseline="0">
+                <a:solidFill>
+                  <a:srgbClr val="FFFFFF"/>
+                </a:solidFill>
+                <a:effectLst/>
+                <a:uFillTx/>
+                <a:latin typeface="+mn-lt"/>
+                <a:ea typeface="+mn-ea"/>
+                <a:cs typeface="+mn-cs"/>
+                <a:sym typeface="Helvetica Neue Medium"/>
+              </a:endParaRPr>
+            </a:p>
+          </p:txBody>
+        </p:sp>
+      </p:grpSp>
     </p:spTree>
     <p:extLst>
       <p:ext uri="{BB962C8B-B14F-4D97-AF65-F5344CB8AC3E}">
@@ -4759,7 +5776,7 @@
 </p:sld>
 </file>
 
-<file path=ppt/slides/slide26.xml><?xml version="1.0" encoding="utf-8"?>
+<file path=ppt/slides/slide28.xml><?xml version="1.0" encoding="utf-8"?>
 <p:sld xmlns:a="http://schemas.openxmlformats.org/drawingml/2006/main" xmlns:r="http://schemas.openxmlformats.org/officeDocument/2006/relationships" xmlns:p="http://schemas.openxmlformats.org/presentationml/2006/main">
   <p:cSld>
     <p:spTree>
@@ -4832,7 +5849,7 @@
           <a:effectLst/>
           <a:extLst>
             <a:ext uri="{C572A759-6A51-4108-AA02-DFA0A04FC94B}">
-              <ma14:wrappingTextBoxFlag xmlns="" xmlns:m="http://schemas.openxmlformats.org/officeDocument/2006/math" xmlns:a14="http://schemas.microsoft.com/office/drawing/2010/main" xmlns:ma14="http://schemas.microsoft.com/office/mac/drawingml/2011/main" val="1"/>
+              <ma14:wrappingTextBoxFlag xmlns:ma14="http://schemas.microsoft.com/office/mac/drawingml/2011/main" xmlns:a14="http://schemas.microsoft.com/office/drawing/2010/main" xmlns:m="http://schemas.openxmlformats.org/officeDocument/2006/math" xmlns="" val="1"/>
             </a:ext>
           </a:extLst>
         </p:spPr>
@@ -4870,6 +5887,90 @@
 </file>
 
 <file path=ppt/slides/slide3.xml><?xml version="1.0" encoding="utf-8"?>
+<p:sld xmlns:a="http://schemas.openxmlformats.org/drawingml/2006/main" xmlns:r="http://schemas.openxmlformats.org/officeDocument/2006/relationships" xmlns:p="http://schemas.openxmlformats.org/presentationml/2006/main">
+  <p:cSld>
+    <p:spTree>
+      <p:nvGrpSpPr>
+        <p:cNvPr id="1" name=""/>
+        <p:cNvGrpSpPr/>
+        <p:nvPr/>
+      </p:nvGrpSpPr>
+      <p:grpSpPr>
+        <a:xfrm>
+          <a:off x="0" y="0"/>
+          <a:ext cx="0" cy="0"/>
+          <a:chOff x="0" y="0"/>
+          <a:chExt cx="0" cy="0"/>
+        </a:xfrm>
+      </p:grpSpPr>
+      <p:sp>
+        <p:nvSpPr>
+          <p:cNvPr id="3" name="Textplatzhalter 2">
+            <a:extLst>
+              <a:ext uri="{FF2B5EF4-FFF2-40B4-BE49-F238E27FC236}">
+                <a16:creationId xmlns:a16="http://schemas.microsoft.com/office/drawing/2014/main" id="{5EC09F17-C3AE-F6BE-A599-B7479188DB46}"/>
+              </a:ext>
+            </a:extLst>
+          </p:cNvPr>
+          <p:cNvSpPr>
+            <a:spLocks noGrp="1"/>
+          </p:cNvSpPr>
+          <p:nvPr>
+            <p:ph type="body" sz="half" idx="4294967295"/>
+          </p:nvPr>
+        </p:nvSpPr>
+        <p:spPr>
+          <a:xfrm>
+            <a:off x="4036884" y="2209800"/>
+            <a:ext cx="14399397" cy="9296400"/>
+          </a:xfrm>
+        </p:spPr>
+        <p:txBody>
+          <a:bodyPr/>
+          <a:lstStyle/>
+          <a:p>
+            <a:r>
+              <a:rPr lang="en-US" dirty="0"/>
+              <a:t>Android‘s declarative, native UI toolkit</a:t>
+            </a:r>
+          </a:p>
+          <a:p>
+            <a:r>
+              <a:rPr lang="en-US" dirty="0"/>
+              <a:t>Based on Kotlin functions</a:t>
+            </a:r>
+          </a:p>
+          <a:p>
+            <a:r>
+              <a:rPr lang="en-US" dirty="0"/>
+              <a:t>Favors composition over inheritance</a:t>
+            </a:r>
+          </a:p>
+          <a:p>
+            <a:r>
+              <a:rPr lang="en-US" dirty="0"/>
+              <a:t>Not part of traditional platform APIs</a:t>
+            </a:r>
+          </a:p>
+        </p:txBody>
+      </p:sp>
+    </p:spTree>
+    <p:extLst>
+      <p:ext uri="{BB962C8B-B14F-4D97-AF65-F5344CB8AC3E}">
+        <p14:creationId xmlns:p14="http://schemas.microsoft.com/office/powerpoint/2010/main" val="2542279070"/>
+      </p:ext>
+    </p:extLst>
+  </p:cSld>
+  <p:clrMapOvr>
+    <a:masterClrMapping/>
+  </p:clrMapOvr>
+  <p:transition spd="med">
+    <p:pull/>
+  </p:transition>
+</p:sld>
+</file>
+
+<file path=ppt/slides/slide4.xml><?xml version="1.0" encoding="utf-8"?>
 <p:sld xmlns:a="http://schemas.openxmlformats.org/drawingml/2006/main" xmlns:r="http://schemas.openxmlformats.org/officeDocument/2006/relationships" xmlns:p="http://schemas.openxmlformats.org/presentationml/2006/main">
   <p:cSld>
     <p:spTree>
@@ -5013,325 +6114,6 @@
     <p:extLst>
       <p:ext uri="{BB962C8B-B14F-4D97-AF65-F5344CB8AC3E}">
         <p14:creationId xmlns:p14="http://schemas.microsoft.com/office/powerpoint/2010/main" val="893578909"/>
-      </p:ext>
-    </p:extLst>
-  </p:cSld>
-  <p:clrMapOvr>
-    <a:masterClrMapping/>
-  </p:clrMapOvr>
-  <p:transition spd="med">
-    <p:pull/>
-  </p:transition>
-</p:sld>
-</file>
-
-<file path=ppt/slides/slide4.xml><?xml version="1.0" encoding="utf-8"?>
-<p:sld xmlns:a="http://schemas.openxmlformats.org/drawingml/2006/main" xmlns:r="http://schemas.openxmlformats.org/officeDocument/2006/relationships" xmlns:p="http://schemas.openxmlformats.org/presentationml/2006/main">
-  <p:cSld>
-    <p:spTree>
-      <p:nvGrpSpPr>
-        <p:cNvPr id="1" name=""/>
-        <p:cNvGrpSpPr/>
-        <p:nvPr/>
-      </p:nvGrpSpPr>
-      <p:grpSpPr>
-        <a:xfrm>
-          <a:off x="0" y="0"/>
-          <a:ext cx="0" cy="0"/>
-          <a:chOff x="0" y="0"/>
-          <a:chExt cx="0" cy="0"/>
-        </a:xfrm>
-      </p:grpSpPr>
-      <p:sp>
-        <p:nvSpPr>
-          <p:cNvPr id="2" name="Würfel 1">
-            <a:extLst>
-              <a:ext uri="{FF2B5EF4-FFF2-40B4-BE49-F238E27FC236}">
-                <a16:creationId xmlns:a16="http://schemas.microsoft.com/office/drawing/2014/main" id="{360262C0-82DF-481C-877D-F1DEDA5A55CB}"/>
-              </a:ext>
-            </a:extLst>
-          </p:cNvPr>
-          <p:cNvSpPr/>
-          <p:nvPr/>
-        </p:nvSpPr>
-        <p:spPr>
-          <a:xfrm>
-            <a:off x="16225934" y="8173637"/>
-            <a:ext cx="6997960" cy="3303038"/>
-          </a:xfrm>
-          <a:prstGeom prst="cube">
-            <a:avLst/>
-          </a:prstGeom>
-          <a:ln/>
-        </p:spPr>
-        <p:style>
-          <a:lnRef idx="1">
-            <a:schemeClr val="dk1"/>
-          </a:lnRef>
-          <a:fillRef idx="2">
-            <a:schemeClr val="dk1"/>
-          </a:fillRef>
-          <a:effectRef idx="1">
-            <a:schemeClr val="dk1"/>
-          </a:effectRef>
-          <a:fontRef idx="minor">
-            <a:schemeClr val="dk1"/>
-          </a:fontRef>
-        </p:style>
-        <p:txBody>
-          <a:bodyPr rtlCol="0" anchor="ctr"/>
-          <a:lstStyle/>
-          <a:p>
-            <a:pPr algn="ctr"/>
-            <a:r>
-              <a:rPr lang="en-GB" sz="4800" b="0" dirty="0" err="1"/>
-              <a:t>compose.runtime</a:t>
-            </a:r>
-            <a:endParaRPr lang="en-GB" sz="4800" b="0" dirty="0"/>
-          </a:p>
-        </p:txBody>
-      </p:sp>
-      <p:sp>
-        <p:nvSpPr>
-          <p:cNvPr id="3" name="Würfel 2">
-            <a:extLst>
-              <a:ext uri="{FF2B5EF4-FFF2-40B4-BE49-F238E27FC236}">
-                <a16:creationId xmlns:a16="http://schemas.microsoft.com/office/drawing/2014/main" id="{43B951F5-090A-4E1C-966C-8EA735B8356C}"/>
-              </a:ext>
-            </a:extLst>
-          </p:cNvPr>
-          <p:cNvSpPr/>
-          <p:nvPr/>
-        </p:nvSpPr>
-        <p:spPr>
-          <a:xfrm>
-            <a:off x="8395995" y="8173639"/>
-            <a:ext cx="7294985" cy="3303038"/>
-          </a:xfrm>
-          <a:prstGeom prst="cube">
-            <a:avLst/>
-          </a:prstGeom>
-          <a:ln/>
-        </p:spPr>
-        <p:style>
-          <a:lnRef idx="1">
-            <a:schemeClr val="dk1"/>
-          </a:lnRef>
-          <a:fillRef idx="2">
-            <a:schemeClr val="dk1"/>
-          </a:fillRef>
-          <a:effectRef idx="1">
-            <a:schemeClr val="dk1"/>
-          </a:effectRef>
-          <a:fontRef idx="minor">
-            <a:schemeClr val="dk1"/>
-          </a:fontRef>
-        </p:style>
-        <p:txBody>
-          <a:bodyPr rtlCol="0" anchor="ctr"/>
-          <a:lstStyle/>
-          <a:p>
-            <a:pPr algn="ctr"/>
-            <a:r>
-              <a:rPr lang="en-GB" sz="4800" b="0" dirty="0" err="1"/>
-              <a:t>compose.foundation</a:t>
-            </a:r>
-            <a:endParaRPr lang="en-GB" sz="4800" b="0" dirty="0"/>
-          </a:p>
-        </p:txBody>
-      </p:sp>
-      <p:sp>
-        <p:nvSpPr>
-          <p:cNvPr id="4" name="Würfel 3">
-            <a:extLst>
-              <a:ext uri="{FF2B5EF4-FFF2-40B4-BE49-F238E27FC236}">
-                <a16:creationId xmlns:a16="http://schemas.microsoft.com/office/drawing/2014/main" id="{36D616C9-73FE-4FF7-9892-A54D0AAF2A91}"/>
-              </a:ext>
-            </a:extLst>
-          </p:cNvPr>
-          <p:cNvSpPr/>
-          <p:nvPr/>
-        </p:nvSpPr>
-        <p:spPr>
-          <a:xfrm>
-            <a:off x="1160106" y="8173641"/>
-            <a:ext cx="6997960" cy="3303038"/>
-          </a:xfrm>
-          <a:prstGeom prst="cube">
-            <a:avLst/>
-          </a:prstGeom>
-          <a:ln/>
-        </p:spPr>
-        <p:style>
-          <a:lnRef idx="1">
-            <a:schemeClr val="dk1"/>
-          </a:lnRef>
-          <a:fillRef idx="2">
-            <a:schemeClr val="dk1"/>
-          </a:fillRef>
-          <a:effectRef idx="1">
-            <a:schemeClr val="dk1"/>
-          </a:effectRef>
-          <a:fontRef idx="minor">
-            <a:schemeClr val="dk1"/>
-          </a:fontRef>
-        </p:style>
-        <p:txBody>
-          <a:bodyPr rtlCol="0" anchor="ctr"/>
-          <a:lstStyle/>
-          <a:p>
-            <a:pPr algn="ctr"/>
-            <a:r>
-              <a:rPr lang="en-GB" sz="4800" b="0" dirty="0" err="1"/>
-              <a:t>compose.compiler</a:t>
-            </a:r>
-            <a:endParaRPr lang="en-GB" sz="4800" b="0" dirty="0"/>
-          </a:p>
-        </p:txBody>
-      </p:sp>
-      <p:sp>
-        <p:nvSpPr>
-          <p:cNvPr id="14" name="Textfeld 13">
-            <a:extLst>
-              <a:ext uri="{FF2B5EF4-FFF2-40B4-BE49-F238E27FC236}">
-                <a16:creationId xmlns:a16="http://schemas.microsoft.com/office/drawing/2014/main" id="{209EC5F5-BB6A-4C46-B9E2-B752857091A8}"/>
-              </a:ext>
-            </a:extLst>
-          </p:cNvPr>
-          <p:cNvSpPr txBox="1"/>
-          <p:nvPr/>
-        </p:nvSpPr>
-        <p:spPr>
-          <a:xfrm>
-            <a:off x="1160105" y="2453459"/>
-            <a:ext cx="6997957" cy="3785652"/>
-          </a:xfrm>
-          <a:prstGeom prst="rect">
-            <a:avLst/>
-          </a:prstGeom>
-          <a:noFill/>
-        </p:spPr>
-        <p:txBody>
-          <a:bodyPr wrap="square">
-            <a:spAutoFit/>
-          </a:bodyPr>
-          <a:lstStyle/>
-          <a:p>
-            <a:pPr algn="l"/>
-            <a:r>
-              <a:rPr lang="en-GB" sz="4800" b="0" dirty="0">
-                <a:latin typeface="+mn-lt"/>
-              </a:rPr>
-              <a:t>Transform </a:t>
-            </a:r>
-            <a:r>
-              <a:rPr lang="en-GB" sz="4800" b="0" dirty="0">
-                <a:latin typeface="Courier New" panose="02070309020205020404" pitchFamily="49" charset="0"/>
-                <a:cs typeface="Courier New" panose="02070309020205020404" pitchFamily="49" charset="0"/>
-              </a:rPr>
-              <a:t>@Composable</a:t>
-            </a:r>
-            <a:r>
-              <a:rPr lang="en-GB" sz="4800" b="0" dirty="0">
-                <a:latin typeface="+mn-lt"/>
-              </a:rPr>
-              <a:t> functions and enable optimizations with a Kotlin compiler plugin</a:t>
-            </a:r>
-          </a:p>
-        </p:txBody>
-      </p:sp>
-      <p:sp>
-        <p:nvSpPr>
-          <p:cNvPr id="15" name="Textfeld 14">
-            <a:extLst>
-              <a:ext uri="{FF2B5EF4-FFF2-40B4-BE49-F238E27FC236}">
-                <a16:creationId xmlns:a16="http://schemas.microsoft.com/office/drawing/2014/main" id="{030EF9D5-0157-4C72-B18B-501A49867644}"/>
-              </a:ext>
-            </a:extLst>
-          </p:cNvPr>
-          <p:cNvSpPr txBox="1"/>
-          <p:nvPr/>
-        </p:nvSpPr>
-        <p:spPr>
-          <a:xfrm>
-            <a:off x="8395995" y="2453459"/>
-            <a:ext cx="6030686" cy="2308324"/>
-          </a:xfrm>
-          <a:prstGeom prst="rect">
-            <a:avLst/>
-          </a:prstGeom>
-          <a:noFill/>
-        </p:spPr>
-        <p:txBody>
-          <a:bodyPr wrap="square">
-            <a:spAutoFit/>
-          </a:bodyPr>
-          <a:lstStyle/>
-          <a:p>
-            <a:pPr algn="l"/>
-            <a:r>
-              <a:rPr lang="en-GB" sz="4800" b="0" dirty="0">
-                <a:latin typeface="+mn-lt"/>
-              </a:rPr>
-              <a:t>Basic functionality like text and drawing primitives</a:t>
-            </a:r>
-          </a:p>
-        </p:txBody>
-      </p:sp>
-      <p:sp>
-        <p:nvSpPr>
-          <p:cNvPr id="16" name="Textfeld 15">
-            <a:extLst>
-              <a:ext uri="{FF2B5EF4-FFF2-40B4-BE49-F238E27FC236}">
-                <a16:creationId xmlns:a16="http://schemas.microsoft.com/office/drawing/2014/main" id="{E801B1E6-DC88-4893-9310-CD3363A54D12}"/>
-              </a:ext>
-            </a:extLst>
-          </p:cNvPr>
-          <p:cNvSpPr txBox="1"/>
-          <p:nvPr/>
-        </p:nvSpPr>
-        <p:spPr>
-          <a:xfrm>
-            <a:off x="16650481" y="2453459"/>
-            <a:ext cx="6997958" cy="5262979"/>
-          </a:xfrm>
-          <a:prstGeom prst="rect">
-            <a:avLst/>
-          </a:prstGeom>
-          <a:noFill/>
-        </p:spPr>
-        <p:txBody>
-          <a:bodyPr wrap="square">
-            <a:spAutoFit/>
-          </a:bodyPr>
-          <a:lstStyle/>
-          <a:p>
-            <a:pPr algn="l"/>
-            <a:r>
-              <a:rPr lang="en-GB" sz="4800" b="0" dirty="0">
-                <a:latin typeface="+mn-lt"/>
-              </a:rPr>
-              <a:t>Fundamental building blocks of </a:t>
-            </a:r>
-            <a:r>
-              <a:rPr lang="en-GB" sz="4800" b="0" dirty="0" err="1">
-                <a:latin typeface="+mn-lt"/>
-              </a:rPr>
-              <a:t>Compose's</a:t>
-            </a:r>
-            <a:r>
-              <a:rPr lang="en-GB" sz="4800" b="0" dirty="0">
-                <a:latin typeface="+mn-lt"/>
-              </a:rPr>
-              <a:t> programming model and state management; core runtime targeted by the Compose Compiler Plugin</a:t>
-            </a:r>
-          </a:p>
-        </p:txBody>
-      </p:sp>
-    </p:spTree>
-    <p:extLst>
-      <p:ext uri="{BB962C8B-B14F-4D97-AF65-F5344CB8AC3E}">
-        <p14:creationId xmlns:p14="http://schemas.microsoft.com/office/powerpoint/2010/main" val="568553683"/>
       </p:ext>
     </p:extLst>
   </p:cSld>
@@ -5510,108 +6292,10 @@
       </p:sp>
       <p:sp>
         <p:nvSpPr>
-          <p:cNvPr id="6" name="Würfel 5">
+          <p:cNvPr id="14" name="Textfeld 13">
             <a:extLst>
               <a:ext uri="{FF2B5EF4-FFF2-40B4-BE49-F238E27FC236}">
-                <a16:creationId xmlns:a16="http://schemas.microsoft.com/office/drawing/2014/main" id="{2F85B5AF-E0DD-B619-E99B-749C1F03E468}"/>
-              </a:ext>
-            </a:extLst>
-          </p:cNvPr>
-          <p:cNvSpPr/>
-          <p:nvPr/>
-        </p:nvSpPr>
-        <p:spPr>
-          <a:xfrm>
-            <a:off x="1160106" y="5502606"/>
-            <a:ext cx="11031894" cy="3458034"/>
-          </a:xfrm>
-          <a:prstGeom prst="cube">
-            <a:avLst/>
-          </a:prstGeom>
-          <a:ln/>
-        </p:spPr>
-        <p:style>
-          <a:lnRef idx="1">
-            <a:schemeClr val="accent1"/>
-          </a:lnRef>
-          <a:fillRef idx="2">
-            <a:schemeClr val="accent1"/>
-          </a:fillRef>
-          <a:effectRef idx="1">
-            <a:schemeClr val="accent1"/>
-          </a:effectRef>
-          <a:fontRef idx="minor">
-            <a:schemeClr val="dk1"/>
-          </a:fontRef>
-        </p:style>
-        <p:txBody>
-          <a:bodyPr rtlCol="0" anchor="ctr"/>
-          <a:lstStyle/>
-          <a:p>
-            <a:pPr algn="ctr"/>
-            <a:r>
-              <a:rPr lang="de-DE" sz="4800" b="0" dirty="0" err="1"/>
-              <a:t>compose.animation</a:t>
-            </a:r>
-            <a:endParaRPr lang="de-DE" sz="4800" b="0" dirty="0"/>
-          </a:p>
-        </p:txBody>
-      </p:sp>
-      <p:sp>
-        <p:nvSpPr>
-          <p:cNvPr id="5" name="Würfel 4">
-            <a:extLst>
-              <a:ext uri="{FF2B5EF4-FFF2-40B4-BE49-F238E27FC236}">
-                <a16:creationId xmlns:a16="http://schemas.microsoft.com/office/drawing/2014/main" id="{7B8C94F6-F2CD-2FA3-1AAD-A1F23A7D2749}"/>
-              </a:ext>
-            </a:extLst>
-          </p:cNvPr>
-          <p:cNvSpPr/>
-          <p:nvPr/>
-        </p:nvSpPr>
-        <p:spPr>
-          <a:xfrm>
-            <a:off x="11963971" y="5502606"/>
-            <a:ext cx="11279800" cy="3458034"/>
-          </a:xfrm>
-          <a:prstGeom prst="cube">
-            <a:avLst/>
-          </a:prstGeom>
-          <a:ln/>
-        </p:spPr>
-        <p:style>
-          <a:lnRef idx="1">
-            <a:schemeClr val="accent1"/>
-          </a:lnRef>
-          <a:fillRef idx="2">
-            <a:schemeClr val="accent1"/>
-          </a:fillRef>
-          <a:effectRef idx="1">
-            <a:schemeClr val="accent1"/>
-          </a:effectRef>
-          <a:fontRef idx="minor">
-            <a:schemeClr val="dk1"/>
-          </a:fontRef>
-        </p:style>
-        <p:txBody>
-          <a:bodyPr rtlCol="0" anchor="ctr"/>
-          <a:lstStyle/>
-          <a:p>
-            <a:pPr algn="ctr"/>
-            <a:r>
-              <a:rPr lang="de-DE" sz="4800" b="0" dirty="0" err="1"/>
-              <a:t>compose.ui</a:t>
-            </a:r>
-            <a:endParaRPr lang="de-DE" sz="4800" b="0" dirty="0"/>
-          </a:p>
-        </p:txBody>
-      </p:sp>
-      <p:sp>
-        <p:nvSpPr>
-          <p:cNvPr id="7" name="Textfeld 6">
-            <a:extLst>
-              <a:ext uri="{FF2B5EF4-FFF2-40B4-BE49-F238E27FC236}">
-                <a16:creationId xmlns:a16="http://schemas.microsoft.com/office/drawing/2014/main" id="{8647F4A9-A569-1446-E193-3D47BA235864}"/>
+                <a16:creationId xmlns:a16="http://schemas.microsoft.com/office/drawing/2014/main" id="{209EC5F5-BB6A-4C46-B9E2-B752857091A8}"/>
               </a:ext>
             </a:extLst>
           </p:cNvPr>
@@ -5620,8 +6304,8 @@
         </p:nvSpPr>
         <p:spPr>
           <a:xfrm>
-            <a:off x="1160106" y="2101751"/>
-            <a:ext cx="10883380" cy="1569660"/>
+            <a:off x="1160105" y="2453459"/>
+            <a:ext cx="6997957" cy="3785652"/>
           </a:xfrm>
           <a:prstGeom prst="rect">
             <a:avLst/>
@@ -5636,20 +6320,33 @@
           <a:p>
             <a:pPr algn="l"/>
             <a:r>
-              <a:rPr lang="en-US" sz="4800" b="0" dirty="0">
+              <a:rPr lang="en-GB" sz="4800" b="0" dirty="0">
                 <a:latin typeface="+mn-lt"/>
               </a:rPr>
-              <a:t>Build animations in your Compose apps to enrich the user experience</a:t>
+              <a:t>Transform </a:t>
+            </a:r>
+            <a:r>
+              <a:rPr lang="en-GB" sz="4800" b="0" dirty="0">
+                <a:latin typeface="Courier New" panose="02070309020205020404" pitchFamily="49" charset="0"/>
+                <a:cs typeface="Courier New" panose="02070309020205020404" pitchFamily="49" charset="0"/>
+              </a:rPr>
+              <a:t>@Composable</a:t>
+            </a:r>
+            <a:r>
+              <a:rPr lang="en-GB" sz="4800" b="0" dirty="0">
+                <a:latin typeface="+mn-lt"/>
+              </a:rPr>
+              <a:t> functions and enable optimizations with a Kotlin compiler plugin</a:t>
             </a:r>
           </a:p>
         </p:txBody>
       </p:sp>
       <p:sp>
         <p:nvSpPr>
-          <p:cNvPr id="8" name="Textfeld 7">
+          <p:cNvPr id="15" name="Textfeld 14">
             <a:extLst>
               <a:ext uri="{FF2B5EF4-FFF2-40B4-BE49-F238E27FC236}">
-                <a16:creationId xmlns:a16="http://schemas.microsoft.com/office/drawing/2014/main" id="{16B71B8D-5961-7B35-064E-760B56B93828}"/>
+                <a16:creationId xmlns:a16="http://schemas.microsoft.com/office/drawing/2014/main" id="{030EF9D5-0157-4C72-B18B-501A49867644}"/>
               </a:ext>
             </a:extLst>
           </p:cNvPr>
@@ -5658,8 +6355,8 @@
         </p:nvSpPr>
         <p:spPr>
           <a:xfrm>
-            <a:off x="12404879" y="2101751"/>
-            <a:ext cx="10819014" cy="3046988"/>
+            <a:off x="8395995" y="2453459"/>
+            <a:ext cx="6030686" cy="2308324"/>
           </a:xfrm>
           <a:prstGeom prst="rect">
             <a:avLst/>
@@ -5674,21 +6371,68 @@
           <a:p>
             <a:pPr algn="l"/>
             <a:r>
-              <a:rPr lang="en-US" sz="4800" b="0" dirty="0">
+              <a:rPr lang="en-GB" sz="4800" b="0" dirty="0">
                 <a:latin typeface="+mn-lt"/>
               </a:rPr>
-              <a:t>Fundamental components of the Compose UI needed to interact with the device, for example layout, drawing, and input</a:t>
-            </a:r>
-            <a:endParaRPr lang="de-DE" sz="4800" b="0" dirty="0">
-              <a:latin typeface="+mn-lt"/>
-            </a:endParaRPr>
+              <a:t>Basic functionality like text and drawing primitives</a:t>
+            </a:r>
+          </a:p>
+        </p:txBody>
+      </p:sp>
+      <p:sp>
+        <p:nvSpPr>
+          <p:cNvPr id="16" name="Textfeld 15">
+            <a:extLst>
+              <a:ext uri="{FF2B5EF4-FFF2-40B4-BE49-F238E27FC236}">
+                <a16:creationId xmlns:a16="http://schemas.microsoft.com/office/drawing/2014/main" id="{E801B1E6-DC88-4893-9310-CD3363A54D12}"/>
+              </a:ext>
+            </a:extLst>
+          </p:cNvPr>
+          <p:cNvSpPr txBox="1"/>
+          <p:nvPr/>
+        </p:nvSpPr>
+        <p:spPr>
+          <a:xfrm>
+            <a:off x="16650481" y="2453459"/>
+            <a:ext cx="6997958" cy="5262979"/>
+          </a:xfrm>
+          <a:prstGeom prst="rect">
+            <a:avLst/>
+          </a:prstGeom>
+          <a:noFill/>
+        </p:spPr>
+        <p:txBody>
+          <a:bodyPr wrap="square">
+            <a:spAutoFit/>
+          </a:bodyPr>
+          <a:lstStyle/>
+          <a:p>
+            <a:pPr algn="l"/>
+            <a:r>
+              <a:rPr lang="en-GB" sz="4800" b="0" dirty="0">
+                <a:latin typeface="+mn-lt"/>
+              </a:rPr>
+              <a:t>Fundamental building blocks of </a:t>
+            </a:r>
+            <a:r>
+              <a:rPr lang="en-GB" sz="4800" b="0" dirty="0" err="1">
+                <a:latin typeface="+mn-lt"/>
+              </a:rPr>
+              <a:t>Compose's</a:t>
+            </a:r>
+            <a:r>
+              <a:rPr lang="en-GB" sz="4800" b="0" dirty="0">
+                <a:latin typeface="+mn-lt"/>
+              </a:rPr>
+              <a:t> programming model and state management; core runtime targeted by the Compose Compiler Plugin</a:t>
+            </a:r>
           </a:p>
         </p:txBody>
       </p:sp>
     </p:spTree>
     <p:extLst>
       <p:ext uri="{BB962C8B-B14F-4D97-AF65-F5344CB8AC3E}">
-        <p14:creationId xmlns:p14="http://schemas.microsoft.com/office/powerpoint/2010/main" val="3189962303"/>
+        <p14:creationId xmlns:p14="http://schemas.microsoft.com/office/powerpoint/2010/main" val="568553683"/>
       </p:ext>
     </p:extLst>
   </p:cSld>
@@ -5965,6 +6709,363 @@
       </p:sp>
       <p:sp>
         <p:nvSpPr>
+          <p:cNvPr id="7" name="Textfeld 6">
+            <a:extLst>
+              <a:ext uri="{FF2B5EF4-FFF2-40B4-BE49-F238E27FC236}">
+                <a16:creationId xmlns:a16="http://schemas.microsoft.com/office/drawing/2014/main" id="{8647F4A9-A569-1446-E193-3D47BA235864}"/>
+              </a:ext>
+            </a:extLst>
+          </p:cNvPr>
+          <p:cNvSpPr txBox="1"/>
+          <p:nvPr/>
+        </p:nvSpPr>
+        <p:spPr>
+          <a:xfrm>
+            <a:off x="1160106" y="2101751"/>
+            <a:ext cx="10883380" cy="1569660"/>
+          </a:xfrm>
+          <a:prstGeom prst="rect">
+            <a:avLst/>
+          </a:prstGeom>
+          <a:noFill/>
+        </p:spPr>
+        <p:txBody>
+          <a:bodyPr wrap="square">
+            <a:spAutoFit/>
+          </a:bodyPr>
+          <a:lstStyle/>
+          <a:p>
+            <a:pPr algn="l"/>
+            <a:r>
+              <a:rPr lang="en-US" sz="4800" b="0" dirty="0">
+                <a:latin typeface="+mn-lt"/>
+              </a:rPr>
+              <a:t>Build animations in your Compose apps to enrich the user experience</a:t>
+            </a:r>
+          </a:p>
+        </p:txBody>
+      </p:sp>
+      <p:sp>
+        <p:nvSpPr>
+          <p:cNvPr id="8" name="Textfeld 7">
+            <a:extLst>
+              <a:ext uri="{FF2B5EF4-FFF2-40B4-BE49-F238E27FC236}">
+                <a16:creationId xmlns:a16="http://schemas.microsoft.com/office/drawing/2014/main" id="{16B71B8D-5961-7B35-064E-760B56B93828}"/>
+              </a:ext>
+            </a:extLst>
+          </p:cNvPr>
+          <p:cNvSpPr txBox="1"/>
+          <p:nvPr/>
+        </p:nvSpPr>
+        <p:spPr>
+          <a:xfrm>
+            <a:off x="12404879" y="2101751"/>
+            <a:ext cx="10819014" cy="3046988"/>
+          </a:xfrm>
+          <a:prstGeom prst="rect">
+            <a:avLst/>
+          </a:prstGeom>
+          <a:noFill/>
+        </p:spPr>
+        <p:txBody>
+          <a:bodyPr wrap="square">
+            <a:spAutoFit/>
+          </a:bodyPr>
+          <a:lstStyle/>
+          <a:p>
+            <a:pPr algn="l"/>
+            <a:r>
+              <a:rPr lang="en-US" sz="4800" b="0" dirty="0">
+                <a:latin typeface="+mn-lt"/>
+              </a:rPr>
+              <a:t>Fundamental components of the Compose UI needed to interact with the device, for example layout, drawing, and input</a:t>
+            </a:r>
+            <a:endParaRPr lang="de-DE" sz="4800" b="0" dirty="0">
+              <a:latin typeface="+mn-lt"/>
+            </a:endParaRPr>
+          </a:p>
+        </p:txBody>
+      </p:sp>
+    </p:spTree>
+    <p:extLst>
+      <p:ext uri="{BB962C8B-B14F-4D97-AF65-F5344CB8AC3E}">
+        <p14:creationId xmlns:p14="http://schemas.microsoft.com/office/powerpoint/2010/main" val="3189962303"/>
+      </p:ext>
+    </p:extLst>
+  </p:cSld>
+  <p:clrMapOvr>
+    <a:masterClrMapping/>
+  </p:clrMapOvr>
+  <p:transition spd="med">
+    <p:pull/>
+  </p:transition>
+</p:sld>
+</file>
+
+<file path=ppt/slides/slide7.xml><?xml version="1.0" encoding="utf-8"?>
+<p:sld xmlns:a="http://schemas.openxmlformats.org/drawingml/2006/main" xmlns:r="http://schemas.openxmlformats.org/officeDocument/2006/relationships" xmlns:p="http://schemas.openxmlformats.org/presentationml/2006/main">
+  <p:cSld>
+    <p:spTree>
+      <p:nvGrpSpPr>
+        <p:cNvPr id="1" name=""/>
+        <p:cNvGrpSpPr/>
+        <p:nvPr/>
+      </p:nvGrpSpPr>
+      <p:grpSpPr>
+        <a:xfrm>
+          <a:off x="0" y="0"/>
+          <a:ext cx="0" cy="0"/>
+          <a:chOff x="0" y="0"/>
+          <a:chExt cx="0" cy="0"/>
+        </a:xfrm>
+      </p:grpSpPr>
+      <p:sp>
+        <p:nvSpPr>
+          <p:cNvPr id="2" name="Würfel 1">
+            <a:extLst>
+              <a:ext uri="{FF2B5EF4-FFF2-40B4-BE49-F238E27FC236}">
+                <a16:creationId xmlns:a16="http://schemas.microsoft.com/office/drawing/2014/main" id="{360262C0-82DF-481C-877D-F1DEDA5A55CB}"/>
+              </a:ext>
+            </a:extLst>
+          </p:cNvPr>
+          <p:cNvSpPr/>
+          <p:nvPr/>
+        </p:nvSpPr>
+        <p:spPr>
+          <a:xfrm>
+            <a:off x="16225934" y="8173637"/>
+            <a:ext cx="6997960" cy="3303038"/>
+          </a:xfrm>
+          <a:prstGeom prst="cube">
+            <a:avLst/>
+          </a:prstGeom>
+          <a:ln/>
+        </p:spPr>
+        <p:style>
+          <a:lnRef idx="1">
+            <a:schemeClr val="dk1"/>
+          </a:lnRef>
+          <a:fillRef idx="2">
+            <a:schemeClr val="dk1"/>
+          </a:fillRef>
+          <a:effectRef idx="1">
+            <a:schemeClr val="dk1"/>
+          </a:effectRef>
+          <a:fontRef idx="minor">
+            <a:schemeClr val="dk1"/>
+          </a:fontRef>
+        </p:style>
+        <p:txBody>
+          <a:bodyPr rtlCol="0" anchor="ctr"/>
+          <a:lstStyle/>
+          <a:p>
+            <a:pPr algn="ctr"/>
+            <a:r>
+              <a:rPr lang="en-GB" sz="4800" b="0" dirty="0" err="1"/>
+              <a:t>compose.runtime</a:t>
+            </a:r>
+            <a:endParaRPr lang="en-GB" sz="4800" b="0" dirty="0"/>
+          </a:p>
+        </p:txBody>
+      </p:sp>
+      <p:sp>
+        <p:nvSpPr>
+          <p:cNvPr id="3" name="Würfel 2">
+            <a:extLst>
+              <a:ext uri="{FF2B5EF4-FFF2-40B4-BE49-F238E27FC236}">
+                <a16:creationId xmlns:a16="http://schemas.microsoft.com/office/drawing/2014/main" id="{43B951F5-090A-4E1C-966C-8EA735B8356C}"/>
+              </a:ext>
+            </a:extLst>
+          </p:cNvPr>
+          <p:cNvSpPr/>
+          <p:nvPr/>
+        </p:nvSpPr>
+        <p:spPr>
+          <a:xfrm>
+            <a:off x="8395995" y="8173639"/>
+            <a:ext cx="7294985" cy="3303038"/>
+          </a:xfrm>
+          <a:prstGeom prst="cube">
+            <a:avLst/>
+          </a:prstGeom>
+          <a:ln/>
+        </p:spPr>
+        <p:style>
+          <a:lnRef idx="1">
+            <a:schemeClr val="dk1"/>
+          </a:lnRef>
+          <a:fillRef idx="2">
+            <a:schemeClr val="dk1"/>
+          </a:fillRef>
+          <a:effectRef idx="1">
+            <a:schemeClr val="dk1"/>
+          </a:effectRef>
+          <a:fontRef idx="minor">
+            <a:schemeClr val="dk1"/>
+          </a:fontRef>
+        </p:style>
+        <p:txBody>
+          <a:bodyPr rtlCol="0" anchor="ctr"/>
+          <a:lstStyle/>
+          <a:p>
+            <a:pPr algn="ctr"/>
+            <a:r>
+              <a:rPr lang="en-GB" sz="4800" b="0" dirty="0" err="1"/>
+              <a:t>compose.foundation</a:t>
+            </a:r>
+            <a:endParaRPr lang="en-GB" sz="4800" b="0" dirty="0"/>
+          </a:p>
+        </p:txBody>
+      </p:sp>
+      <p:sp>
+        <p:nvSpPr>
+          <p:cNvPr id="4" name="Würfel 3">
+            <a:extLst>
+              <a:ext uri="{FF2B5EF4-FFF2-40B4-BE49-F238E27FC236}">
+                <a16:creationId xmlns:a16="http://schemas.microsoft.com/office/drawing/2014/main" id="{36D616C9-73FE-4FF7-9892-A54D0AAF2A91}"/>
+              </a:ext>
+            </a:extLst>
+          </p:cNvPr>
+          <p:cNvSpPr/>
+          <p:nvPr/>
+        </p:nvSpPr>
+        <p:spPr>
+          <a:xfrm>
+            <a:off x="1160106" y="8173641"/>
+            <a:ext cx="6997960" cy="3303038"/>
+          </a:xfrm>
+          <a:prstGeom prst="cube">
+            <a:avLst/>
+          </a:prstGeom>
+          <a:ln/>
+        </p:spPr>
+        <p:style>
+          <a:lnRef idx="1">
+            <a:schemeClr val="dk1"/>
+          </a:lnRef>
+          <a:fillRef idx="2">
+            <a:schemeClr val="dk1"/>
+          </a:fillRef>
+          <a:effectRef idx="1">
+            <a:schemeClr val="dk1"/>
+          </a:effectRef>
+          <a:fontRef idx="minor">
+            <a:schemeClr val="dk1"/>
+          </a:fontRef>
+        </p:style>
+        <p:txBody>
+          <a:bodyPr rtlCol="0" anchor="ctr"/>
+          <a:lstStyle/>
+          <a:p>
+            <a:pPr algn="ctr"/>
+            <a:r>
+              <a:rPr lang="en-GB" sz="4800" b="0" dirty="0" err="1"/>
+              <a:t>compose.compiler</a:t>
+            </a:r>
+            <a:endParaRPr lang="en-GB" sz="4800" b="0" dirty="0"/>
+          </a:p>
+        </p:txBody>
+      </p:sp>
+      <p:sp>
+        <p:nvSpPr>
+          <p:cNvPr id="6" name="Würfel 5">
+            <a:extLst>
+              <a:ext uri="{FF2B5EF4-FFF2-40B4-BE49-F238E27FC236}">
+                <a16:creationId xmlns:a16="http://schemas.microsoft.com/office/drawing/2014/main" id="{2F85B5AF-E0DD-B619-E99B-749C1F03E468}"/>
+              </a:ext>
+            </a:extLst>
+          </p:cNvPr>
+          <p:cNvSpPr/>
+          <p:nvPr/>
+        </p:nvSpPr>
+        <p:spPr>
+          <a:xfrm>
+            <a:off x="1160106" y="5502606"/>
+            <a:ext cx="11031894" cy="3458034"/>
+          </a:xfrm>
+          <a:prstGeom prst="cube">
+            <a:avLst/>
+          </a:prstGeom>
+          <a:ln/>
+        </p:spPr>
+        <p:style>
+          <a:lnRef idx="1">
+            <a:schemeClr val="accent1"/>
+          </a:lnRef>
+          <a:fillRef idx="2">
+            <a:schemeClr val="accent1"/>
+          </a:fillRef>
+          <a:effectRef idx="1">
+            <a:schemeClr val="accent1"/>
+          </a:effectRef>
+          <a:fontRef idx="minor">
+            <a:schemeClr val="dk1"/>
+          </a:fontRef>
+        </p:style>
+        <p:txBody>
+          <a:bodyPr rtlCol="0" anchor="ctr"/>
+          <a:lstStyle/>
+          <a:p>
+            <a:pPr algn="ctr"/>
+            <a:r>
+              <a:rPr lang="de-DE" sz="4800" b="0" dirty="0" err="1"/>
+              <a:t>compose.animation</a:t>
+            </a:r>
+            <a:endParaRPr lang="de-DE" sz="4800" b="0" dirty="0"/>
+          </a:p>
+        </p:txBody>
+      </p:sp>
+      <p:sp>
+        <p:nvSpPr>
+          <p:cNvPr id="5" name="Würfel 4">
+            <a:extLst>
+              <a:ext uri="{FF2B5EF4-FFF2-40B4-BE49-F238E27FC236}">
+                <a16:creationId xmlns:a16="http://schemas.microsoft.com/office/drawing/2014/main" id="{7B8C94F6-F2CD-2FA3-1AAD-A1F23A7D2749}"/>
+              </a:ext>
+            </a:extLst>
+          </p:cNvPr>
+          <p:cNvSpPr/>
+          <p:nvPr/>
+        </p:nvSpPr>
+        <p:spPr>
+          <a:xfrm>
+            <a:off x="11963971" y="5502606"/>
+            <a:ext cx="11279800" cy="3458034"/>
+          </a:xfrm>
+          <a:prstGeom prst="cube">
+            <a:avLst/>
+          </a:prstGeom>
+          <a:ln/>
+        </p:spPr>
+        <p:style>
+          <a:lnRef idx="1">
+            <a:schemeClr val="accent1"/>
+          </a:lnRef>
+          <a:fillRef idx="2">
+            <a:schemeClr val="accent1"/>
+          </a:fillRef>
+          <a:effectRef idx="1">
+            <a:schemeClr val="accent1"/>
+          </a:effectRef>
+          <a:fontRef idx="minor">
+            <a:schemeClr val="dk1"/>
+          </a:fontRef>
+        </p:style>
+        <p:txBody>
+          <a:bodyPr rtlCol="0" anchor="ctr"/>
+          <a:lstStyle/>
+          <a:p>
+            <a:pPr algn="ctr"/>
+            <a:r>
+              <a:rPr lang="de-DE" sz="4800" b="0" dirty="0" err="1"/>
+              <a:t>compose.ui</a:t>
+            </a:r>
+            <a:endParaRPr lang="de-DE" sz="4800" b="0" dirty="0"/>
+          </a:p>
+        </p:txBody>
+      </p:sp>
+      <p:sp>
+        <p:nvSpPr>
           <p:cNvPr id="9" name="Textfeld 8">
             <a:extLst>
               <a:ext uri="{FF2B5EF4-FFF2-40B4-BE49-F238E27FC236}">
@@ -6091,7 +7192,7 @@
 </p:sld>
 </file>
 
-<file path=ppt/slides/slide7.xml><?xml version="1.0" encoding="utf-8"?>
+<file path=ppt/slides/slide8.xml><?xml version="1.0" encoding="utf-8"?>
 <p:sld xmlns:a="http://schemas.openxmlformats.org/drawingml/2006/main" xmlns:r="http://schemas.openxmlformats.org/officeDocument/2006/relationships" xmlns:p="http://schemas.openxmlformats.org/presentationml/2006/main">
   <p:cSld>
     <p:spTree>
@@ -6169,7 +7270,7 @@
 </p:sld>
 </file>
 
-<file path=ppt/slides/slide8.xml><?xml version="1.0" encoding="utf-8"?>
+<file path=ppt/slides/slide9.xml><?xml version="1.0" encoding="utf-8"?>
 <p:sld xmlns:a="http://schemas.openxmlformats.org/drawingml/2006/main" xmlns:r="http://schemas.openxmlformats.org/officeDocument/2006/relationships" xmlns:p="http://schemas.openxmlformats.org/presentationml/2006/main">
   <p:cSld>
     <p:spTree>
@@ -6229,218 +7330,6 @@
     <p:extLst>
       <p:ext uri="{BB962C8B-B14F-4D97-AF65-F5344CB8AC3E}">
         <p14:creationId xmlns:p14="http://schemas.microsoft.com/office/powerpoint/2010/main" val="1613519930"/>
-      </p:ext>
-    </p:extLst>
-  </p:cSld>
-  <p:clrMapOvr>
-    <a:masterClrMapping/>
-  </p:clrMapOvr>
-  <p:transition spd="med">
-    <p:pull/>
-  </p:transition>
-</p:sld>
-</file>
-
-<file path=ppt/slides/slide9.xml><?xml version="1.0" encoding="utf-8"?>
-<p:sld xmlns:a="http://schemas.openxmlformats.org/drawingml/2006/main" xmlns:r="http://schemas.openxmlformats.org/officeDocument/2006/relationships" xmlns:p="http://schemas.openxmlformats.org/presentationml/2006/main">
-  <p:cSld>
-    <p:spTree>
-      <p:nvGrpSpPr>
-        <p:cNvPr id="1" name=""/>
-        <p:cNvGrpSpPr/>
-        <p:nvPr/>
-      </p:nvGrpSpPr>
-      <p:grpSpPr>
-        <a:xfrm>
-          <a:off x="0" y="0"/>
-          <a:ext cx="0" cy="0"/>
-          <a:chOff x="0" y="0"/>
-          <a:chExt cx="0" cy="0"/>
-        </a:xfrm>
-      </p:grpSpPr>
-      <p:pic>
-        <p:nvPicPr>
-          <p:cNvPr id="1026" name="Picture 2" descr="time lapse photography of man jumping on waterfalls">
-            <a:extLst>
-              <a:ext uri="{FF2B5EF4-FFF2-40B4-BE49-F238E27FC236}">
-                <a16:creationId xmlns:a16="http://schemas.microsoft.com/office/drawing/2014/main" id="{4AE11ED8-6553-7934-F52C-19E80D84C7E1}"/>
-              </a:ext>
-            </a:extLst>
-          </p:cNvPr>
-          <p:cNvPicPr>
-            <a:picLocks noChangeAspect="1" noChangeArrowheads="1"/>
-          </p:cNvPicPr>
-          <p:nvPr/>
-        </p:nvPicPr>
-        <p:blipFill rotWithShape="1">
-          <a:blip r:embed="rId2" cstate="print">
-            <a:extLst>
-              <a:ext uri="{28A0092B-C50C-407E-A947-70E740481C1C}">
-                <a14:useLocalDpi xmlns:a14="http://schemas.microsoft.com/office/drawing/2010/main" val="0"/>
-              </a:ext>
-            </a:extLst>
-          </a:blip>
-          <a:srcRect/>
-          <a:stretch/>
-        </p:blipFill>
-        <p:spPr bwMode="auto">
-          <a:xfrm>
-            <a:off x="0" y="0"/>
-            <a:ext cx="24384000" cy="13716000"/>
-          </a:xfrm>
-          <a:prstGeom prst="rect">
-            <a:avLst/>
-          </a:prstGeom>
-          <a:noFill/>
-          <a:extLst>
-            <a:ext uri="{909E8E84-426E-40DD-AFC4-6F175D3DCCD1}">
-              <a14:hiddenFill xmlns:a14="http://schemas.microsoft.com/office/drawing/2010/main">
-                <a:solidFill>
-                  <a:srgbClr val="FFFFFF"/>
-                </a:solidFill>
-              </a14:hiddenFill>
-            </a:ext>
-          </a:extLst>
-        </p:spPr>
-      </p:pic>
-      <p:sp>
-        <p:nvSpPr>
-          <p:cNvPr id="5" name="https://unsplash.com/photos/QgeIMfZJgFs">
-            <a:extLst>
-              <a:ext uri="{FF2B5EF4-FFF2-40B4-BE49-F238E27FC236}">
-                <a16:creationId xmlns:a16="http://schemas.microsoft.com/office/drawing/2014/main" id="{6669B472-53BF-39E2-CA2C-E7E98A2833AE}"/>
-              </a:ext>
-            </a:extLst>
-          </p:cNvPr>
-          <p:cNvSpPr txBox="1"/>
-          <p:nvPr/>
-        </p:nvSpPr>
-        <p:spPr>
-          <a:xfrm>
-            <a:off x="0" y="13155550"/>
-            <a:ext cx="8890000" cy="560450"/>
-          </a:xfrm>
-          <a:prstGeom prst="rect">
-            <a:avLst/>
-          </a:prstGeom>
-          <a:ln w="12700">
-            <a:miter lim="400000"/>
-          </a:ln>
-          <a:extLst>
-            <a:ext uri="{C572A759-6A51-4108-AA02-DFA0A04FC94B}">
-              <ma14:wrappingTextBoxFlag xmlns="" xmlns:m="http://schemas.openxmlformats.org/officeDocument/2006/math" xmlns:a14="http://schemas.microsoft.com/office/drawing/2010/main" xmlns:ma14="http://schemas.microsoft.com/office/mac/drawingml/2011/main" val="1"/>
-            </a:ext>
-          </a:extLst>
-        </p:spPr>
-        <p:txBody>
-          <a:bodyPr lIns="50800" tIns="50800" rIns="50800" bIns="50800" anchor="ctr">
-            <a:spAutoFit/>
-          </a:bodyPr>
-          <a:lstStyle>
-            <a:lvl1pPr algn="r">
-              <a:defRPr>
-                <a:solidFill>
-                  <a:srgbClr val="FFFFFF"/>
-                </a:solidFill>
-              </a:defRPr>
-            </a:lvl1pPr>
-          </a:lstStyle>
-          <a:p>
-            <a:pPr algn="l"/>
-            <a:r>
-              <a:rPr lang="de-DE" dirty="0"/>
-              <a:t>https://unsplash.com/photos/Q5ZjqF6Wd3k</a:t>
-            </a:r>
-            <a:endParaRPr dirty="0"/>
-          </a:p>
-        </p:txBody>
-      </p:sp>
-      <p:sp>
-        <p:nvSpPr>
-          <p:cNvPr id="6" name="Textfeld 5">
-            <a:extLst>
-              <a:ext uri="{FF2B5EF4-FFF2-40B4-BE49-F238E27FC236}">
-                <a16:creationId xmlns:a16="http://schemas.microsoft.com/office/drawing/2014/main" id="{A68F2C5C-C46B-9B87-E410-2E57F77A68AA}"/>
-              </a:ext>
-            </a:extLst>
-          </p:cNvPr>
-          <p:cNvSpPr txBox="1"/>
-          <p:nvPr/>
-        </p:nvSpPr>
-        <p:spPr>
-          <a:xfrm>
-            <a:off x="972444" y="2291171"/>
-            <a:ext cx="6602770" cy="1579920"/>
-          </a:xfrm>
-          <a:prstGeom prst="rect">
-            <a:avLst/>
-          </a:prstGeom>
-          <a:noFill/>
-          <a:ln w="12700" cap="flat">
-            <a:noFill/>
-            <a:miter lim="400000"/>
-          </a:ln>
-          <a:effectLst/>
-          <a:sp3d/>
-        </p:spPr>
-        <p:style>
-          <a:lnRef idx="0">
-            <a:scrgbClr r="0" g="0" b="0"/>
-          </a:lnRef>
-          <a:fillRef idx="0">
-            <a:scrgbClr r="0" g="0" b="0"/>
-          </a:fillRef>
-          <a:effectRef idx="0">
-            <a:scrgbClr r="0" g="0" b="0"/>
-          </a:effectRef>
-          <a:fontRef idx="none"/>
-        </p:style>
-        <p:txBody>
-          <a:bodyPr rot="0" spcFirstLastPara="1" vertOverflow="overflow" horzOverflow="overflow" vert="horz" wrap="none" lIns="50800" tIns="50800" rIns="50800" bIns="50800" numCol="1" spcCol="38100" rtlCol="0" anchor="ctr">
-            <a:spAutoFit/>
-          </a:bodyPr>
-          <a:lstStyle/>
-          <a:p>
-            <a:pPr marL="0" marR="0" indent="0" algn="ctr" defTabSz="825500" rtl="0" fontAlgn="auto" latinLnBrk="0" hangingPunct="0">
-              <a:lnSpc>
-                <a:spcPct val="100000"/>
-              </a:lnSpc>
-              <a:spcBef>
-                <a:spcPts val="0"/>
-              </a:spcBef>
-              <a:spcAft>
-                <a:spcPts val="0"/>
-              </a:spcAft>
-              <a:buClrTx/>
-              <a:buSzTx/>
-              <a:buFontTx/>
-              <a:buNone/>
-              <a:tabLst/>
-            </a:pPr>
-            <a:r>
-              <a:rPr kumimoji="0" lang="en-US" sz="9600" b="0" i="0" u="none" strike="noStrike" cap="none" spc="0" normalizeH="0" baseline="0" dirty="0">
-                <a:ln>
-                  <a:noFill/>
-                </a:ln>
-                <a:solidFill>
-                  <a:schemeClr val="bg1"/>
-                </a:solidFill>
-                <a:effectLst/>
-                <a:uFillTx/>
-                <a:latin typeface="+mj-lt"/>
-                <a:ea typeface="Helvetica Neue"/>
-                <a:cs typeface="Helvetica Neue"/>
-                <a:sym typeface="Helvetica Neue"/>
-              </a:rPr>
-              <a:t>Let‘s dive in</a:t>
-            </a:r>
-          </a:p>
-        </p:txBody>
-      </p:sp>
-    </p:spTree>
-    <p:extLst>
-      <p:ext uri="{BB962C8B-B14F-4D97-AF65-F5344CB8AC3E}">
-        <p14:creationId xmlns:p14="http://schemas.microsoft.com/office/powerpoint/2010/main" val="3012939646"/>
       </p:ext>
     </p:extLst>
   </p:cSld>
